--- a/materials/slides/ch04-io-redrection-and-pipe.pptx
+++ b/materials/slides/ch04-io-redrection-and-pipe.pptx
@@ -11,8 +11,9 @@
     <p:sldId id="265" r:id="rId5"/>
     <p:sldId id="272" r:id="rId6"/>
     <p:sldId id="273" r:id="rId7"/>
-    <p:sldId id="268" r:id="rId8"/>
-    <p:sldId id="270" r:id="rId9"/>
+    <p:sldId id="274" r:id="rId8"/>
+    <p:sldId id="268" r:id="rId9"/>
+    <p:sldId id="270" r:id="rId10"/>
   </p:sldIdLst>
   <p:sldSz cx="12192000" cy="6858000"/>
   <p:notesSz cx="6858000" cy="9144000"/>
@@ -113,14 +114,21 @@
   </p:defaultTextStyle>
   <p:extLst>
     <p:ext uri="{EFAFB233-063F-42B5-8137-9DF3F51BA10A}">
-      <p15:sldGuideLst xmlns="" xmlns:p15="http://schemas.microsoft.com/office/powerpoint/2012/main"/>
+      <p15:sldGuideLst xmlns:p15="http://schemas.microsoft.com/office/powerpoint/2012/main">
+        <p15:guide id="1" orient="horz" pos="2160">
+          <p15:clr>
+            <a:srgbClr val="A4A3A4"/>
+          </p15:clr>
+        </p15:guide>
+        <p15:guide id="2" pos="3840">
+          <p15:clr>
+            <a:srgbClr val="A4A3A4"/>
+          </p15:clr>
+        </p15:guide>
+      </p15:sldGuideLst>
     </p:ext>
   </p:extLst>
 </p:presentation>
-</file>
-
-<file path=ppt/revisionInfo.xml><?xml version="1.0" encoding="utf-8"?>
-<p1510:revInfo xmlns:a="http://schemas.openxmlformats.org/drawingml/2006/main" xmlns:r="http://schemas.openxmlformats.org/officeDocument/2006/relationships" xmlns:p1510="http://schemas.microsoft.com/office/powerpoint/2015/10/main"/>
 </file>
 
 <file path=ppt/slideLayouts/slideLayout1.xml><?xml version="1.0" encoding="utf-8"?>
@@ -145,7 +153,7 @@
           <p:cNvPr id="2" name="标题 1">
             <a:extLst>
               <a:ext uri="{FF2B5EF4-FFF2-40B4-BE49-F238E27FC236}">
-                <a16:creationId xmlns="" xmlns:a16="http://schemas.microsoft.com/office/drawing/2014/main" id="{4580D2F7-B8A7-4C62-B10A-5474B198AA52}"/>
+                <a16:creationId xmlns:a16="http://schemas.microsoft.com/office/drawing/2014/main" id="{4580D2F7-B8A7-4C62-B10A-5474B198AA52}"/>
               </a:ext>
             </a:extLst>
           </p:cNvPr>
@@ -182,7 +190,7 @@
           <p:cNvPr id="3" name="副标题 2">
             <a:extLst>
               <a:ext uri="{FF2B5EF4-FFF2-40B4-BE49-F238E27FC236}">
-                <a16:creationId xmlns="" xmlns:a16="http://schemas.microsoft.com/office/drawing/2014/main" id="{D08029E5-A3ED-4480-B211-8244192CDEFE}"/>
+                <a16:creationId xmlns:a16="http://schemas.microsoft.com/office/drawing/2014/main" id="{D08029E5-A3ED-4480-B211-8244192CDEFE}"/>
               </a:ext>
             </a:extLst>
           </p:cNvPr>
@@ -252,7 +260,7 @@
           <p:cNvPr id="4" name="日期占位符 3">
             <a:extLst>
               <a:ext uri="{FF2B5EF4-FFF2-40B4-BE49-F238E27FC236}">
-                <a16:creationId xmlns="" xmlns:a16="http://schemas.microsoft.com/office/drawing/2014/main" id="{358CA2D7-D2C2-4766-8161-DBA60F7BC491}"/>
+                <a16:creationId xmlns:a16="http://schemas.microsoft.com/office/drawing/2014/main" id="{358CA2D7-D2C2-4766-8161-DBA60F7BC491}"/>
               </a:ext>
             </a:extLst>
           </p:cNvPr>
@@ -278,7 +286,7 @@
           <a:p>
             <a:fld id="{02E60DA2-A0BC-48C9-AA88-75C78721B420}" type="datetimeFigureOut">
               <a:rPr lang="zh-CN" altLang="en-US" smtClean="0"/>
-              <a:t>2018/2/3</a:t>
+              <a:t>2018/2/25</a:t>
             </a:fld>
             <a:endParaRPr lang="zh-CN" altLang="en-US"/>
           </a:p>
@@ -289,7 +297,7 @@
           <p:cNvPr id="5" name="页脚占位符 4">
             <a:extLst>
               <a:ext uri="{FF2B5EF4-FFF2-40B4-BE49-F238E27FC236}">
-                <a16:creationId xmlns="" xmlns:a16="http://schemas.microsoft.com/office/drawing/2014/main" id="{E0F8F207-BE97-4512-A051-D1D727642ADF}"/>
+                <a16:creationId xmlns:a16="http://schemas.microsoft.com/office/drawing/2014/main" id="{E0F8F207-BE97-4512-A051-D1D727642ADF}"/>
               </a:ext>
             </a:extLst>
           </p:cNvPr>
@@ -322,7 +330,7 @@
           <p:cNvPr id="6" name="灯片编号占位符 5">
             <a:extLst>
               <a:ext uri="{FF2B5EF4-FFF2-40B4-BE49-F238E27FC236}">
-                <a16:creationId xmlns="" xmlns:a16="http://schemas.microsoft.com/office/drawing/2014/main" id="{57A70888-87D2-4D72-88E3-4EB531FA4D16}"/>
+                <a16:creationId xmlns:a16="http://schemas.microsoft.com/office/drawing/2014/main" id="{57A70888-87D2-4D72-88E3-4EB531FA4D16}"/>
               </a:ext>
             </a:extLst>
           </p:cNvPr>
@@ -389,7 +397,7 @@
           <p:cNvPr id="2" name="标题 1">
             <a:extLst>
               <a:ext uri="{FF2B5EF4-FFF2-40B4-BE49-F238E27FC236}">
-                <a16:creationId xmlns="" xmlns:a16="http://schemas.microsoft.com/office/drawing/2014/main" id="{47B0B2FB-4959-4FE4-86E2-97E4443C002E}"/>
+                <a16:creationId xmlns:a16="http://schemas.microsoft.com/office/drawing/2014/main" id="{47B0B2FB-4959-4FE4-86E2-97E4443C002E}"/>
               </a:ext>
             </a:extLst>
           </p:cNvPr>
@@ -417,7 +425,7 @@
           <p:cNvPr id="3" name="竖排文字占位符 2">
             <a:extLst>
               <a:ext uri="{FF2B5EF4-FFF2-40B4-BE49-F238E27FC236}">
-                <a16:creationId xmlns="" xmlns:a16="http://schemas.microsoft.com/office/drawing/2014/main" id="{BC5CB652-A873-4422-BB38-1FFAA749D5DC}"/>
+                <a16:creationId xmlns:a16="http://schemas.microsoft.com/office/drawing/2014/main" id="{BC5CB652-A873-4422-BB38-1FFAA749D5DC}"/>
               </a:ext>
             </a:extLst>
           </p:cNvPr>
@@ -474,7 +482,7 @@
           <p:cNvPr id="4" name="日期占位符 3">
             <a:extLst>
               <a:ext uri="{FF2B5EF4-FFF2-40B4-BE49-F238E27FC236}">
-                <a16:creationId xmlns="" xmlns:a16="http://schemas.microsoft.com/office/drawing/2014/main" id="{A17A5158-4FD3-42CD-8937-8987BFDF7B88}"/>
+                <a16:creationId xmlns:a16="http://schemas.microsoft.com/office/drawing/2014/main" id="{A17A5158-4FD3-42CD-8937-8987BFDF7B88}"/>
               </a:ext>
             </a:extLst>
           </p:cNvPr>
@@ -500,7 +508,7 @@
           <a:p>
             <a:fld id="{02E60DA2-A0BC-48C9-AA88-75C78721B420}" type="datetimeFigureOut">
               <a:rPr lang="zh-CN" altLang="en-US" smtClean="0"/>
-              <a:t>2018/2/3</a:t>
+              <a:t>2018/2/25</a:t>
             </a:fld>
             <a:endParaRPr lang="zh-CN" altLang="en-US"/>
           </a:p>
@@ -511,7 +519,7 @@
           <p:cNvPr id="5" name="页脚占位符 4">
             <a:extLst>
               <a:ext uri="{FF2B5EF4-FFF2-40B4-BE49-F238E27FC236}">
-                <a16:creationId xmlns="" xmlns:a16="http://schemas.microsoft.com/office/drawing/2014/main" id="{D2C2BA79-53D6-4263-B3EF-84D5A8428278}"/>
+                <a16:creationId xmlns:a16="http://schemas.microsoft.com/office/drawing/2014/main" id="{D2C2BA79-53D6-4263-B3EF-84D5A8428278}"/>
               </a:ext>
             </a:extLst>
           </p:cNvPr>
@@ -544,7 +552,7 @@
           <p:cNvPr id="6" name="灯片编号占位符 5">
             <a:extLst>
               <a:ext uri="{FF2B5EF4-FFF2-40B4-BE49-F238E27FC236}">
-                <a16:creationId xmlns="" xmlns:a16="http://schemas.microsoft.com/office/drawing/2014/main" id="{4BE22221-8CB7-4DBA-9746-B585C0976CD3}"/>
+                <a16:creationId xmlns:a16="http://schemas.microsoft.com/office/drawing/2014/main" id="{4BE22221-8CB7-4DBA-9746-B585C0976CD3}"/>
               </a:ext>
             </a:extLst>
           </p:cNvPr>
@@ -611,7 +619,7 @@
           <p:cNvPr id="2" name="竖排标题 1">
             <a:extLst>
               <a:ext uri="{FF2B5EF4-FFF2-40B4-BE49-F238E27FC236}">
-                <a16:creationId xmlns="" xmlns:a16="http://schemas.microsoft.com/office/drawing/2014/main" id="{9333D106-9CB0-4E10-B301-7397C10E60E3}"/>
+                <a16:creationId xmlns:a16="http://schemas.microsoft.com/office/drawing/2014/main" id="{9333D106-9CB0-4E10-B301-7397C10E60E3}"/>
               </a:ext>
             </a:extLst>
           </p:cNvPr>
@@ -644,7 +652,7 @@
           <p:cNvPr id="3" name="竖排文字占位符 2">
             <a:extLst>
               <a:ext uri="{FF2B5EF4-FFF2-40B4-BE49-F238E27FC236}">
-                <a16:creationId xmlns="" xmlns:a16="http://schemas.microsoft.com/office/drawing/2014/main" id="{E29239A0-3839-4303-B54E-4260334C7BB7}"/>
+                <a16:creationId xmlns:a16="http://schemas.microsoft.com/office/drawing/2014/main" id="{E29239A0-3839-4303-B54E-4260334C7BB7}"/>
               </a:ext>
             </a:extLst>
           </p:cNvPr>
@@ -706,7 +714,7 @@
           <p:cNvPr id="4" name="日期占位符 3">
             <a:extLst>
               <a:ext uri="{FF2B5EF4-FFF2-40B4-BE49-F238E27FC236}">
-                <a16:creationId xmlns="" xmlns:a16="http://schemas.microsoft.com/office/drawing/2014/main" id="{8A1A2039-7BFB-41DB-85F9-F49C92BFFB17}"/>
+                <a16:creationId xmlns:a16="http://schemas.microsoft.com/office/drawing/2014/main" id="{8A1A2039-7BFB-41DB-85F9-F49C92BFFB17}"/>
               </a:ext>
             </a:extLst>
           </p:cNvPr>
@@ -732,7 +740,7 @@
           <a:p>
             <a:fld id="{02E60DA2-A0BC-48C9-AA88-75C78721B420}" type="datetimeFigureOut">
               <a:rPr lang="zh-CN" altLang="en-US" smtClean="0"/>
-              <a:t>2018/2/3</a:t>
+              <a:t>2018/2/25</a:t>
             </a:fld>
             <a:endParaRPr lang="zh-CN" altLang="en-US"/>
           </a:p>
@@ -743,7 +751,7 @@
           <p:cNvPr id="5" name="页脚占位符 4">
             <a:extLst>
               <a:ext uri="{FF2B5EF4-FFF2-40B4-BE49-F238E27FC236}">
-                <a16:creationId xmlns="" xmlns:a16="http://schemas.microsoft.com/office/drawing/2014/main" id="{C278BB87-5004-4714-8C46-6CBF22C35098}"/>
+                <a16:creationId xmlns:a16="http://schemas.microsoft.com/office/drawing/2014/main" id="{C278BB87-5004-4714-8C46-6CBF22C35098}"/>
               </a:ext>
             </a:extLst>
           </p:cNvPr>
@@ -776,7 +784,7 @@
           <p:cNvPr id="6" name="灯片编号占位符 5">
             <a:extLst>
               <a:ext uri="{FF2B5EF4-FFF2-40B4-BE49-F238E27FC236}">
-                <a16:creationId xmlns="" xmlns:a16="http://schemas.microsoft.com/office/drawing/2014/main" id="{FC1B4085-6E0A-4997-BE38-7B5E447F199F}"/>
+                <a16:creationId xmlns:a16="http://schemas.microsoft.com/office/drawing/2014/main" id="{FC1B4085-6E0A-4997-BE38-7B5E447F199F}"/>
               </a:ext>
             </a:extLst>
           </p:cNvPr>
@@ -843,7 +851,7 @@
           <p:cNvPr id="2" name="标题 1">
             <a:extLst>
               <a:ext uri="{FF2B5EF4-FFF2-40B4-BE49-F238E27FC236}">
-                <a16:creationId xmlns="" xmlns:a16="http://schemas.microsoft.com/office/drawing/2014/main" id="{4580D2F7-B8A7-4C62-B10A-5474B198AA52}"/>
+                <a16:creationId xmlns:a16="http://schemas.microsoft.com/office/drawing/2014/main" id="{4580D2F7-B8A7-4C62-B10A-5474B198AA52}"/>
               </a:ext>
             </a:extLst>
           </p:cNvPr>
@@ -883,7 +891,7 @@
           <p:cNvPr id="3" name="副标题 2">
             <a:extLst>
               <a:ext uri="{FF2B5EF4-FFF2-40B4-BE49-F238E27FC236}">
-                <a16:creationId xmlns="" xmlns:a16="http://schemas.microsoft.com/office/drawing/2014/main" id="{D08029E5-A3ED-4480-B211-8244192CDEFE}"/>
+                <a16:creationId xmlns:a16="http://schemas.microsoft.com/office/drawing/2014/main" id="{D08029E5-A3ED-4480-B211-8244192CDEFE}"/>
               </a:ext>
             </a:extLst>
           </p:cNvPr>
@@ -956,7 +964,7 @@
           <p:cNvPr id="4" name="日期占位符 3">
             <a:extLst>
               <a:ext uri="{FF2B5EF4-FFF2-40B4-BE49-F238E27FC236}">
-                <a16:creationId xmlns="" xmlns:a16="http://schemas.microsoft.com/office/drawing/2014/main" id="{358CA2D7-D2C2-4766-8161-DBA60F7BC491}"/>
+                <a16:creationId xmlns:a16="http://schemas.microsoft.com/office/drawing/2014/main" id="{358CA2D7-D2C2-4766-8161-DBA60F7BC491}"/>
               </a:ext>
             </a:extLst>
           </p:cNvPr>
@@ -982,7 +990,7 @@
           <a:p>
             <a:fld id="{02E60DA2-A0BC-48C9-AA88-75C78721B420}" type="datetimeFigureOut">
               <a:rPr lang="zh-CN" altLang="en-US" smtClean="0"/>
-              <a:t>2018/2/3</a:t>
+              <a:t>2018/2/25</a:t>
             </a:fld>
             <a:endParaRPr lang="zh-CN" altLang="en-US"/>
           </a:p>
@@ -993,7 +1001,7 @@
           <p:cNvPr id="5" name="页脚占位符 4">
             <a:extLst>
               <a:ext uri="{FF2B5EF4-FFF2-40B4-BE49-F238E27FC236}">
-                <a16:creationId xmlns="" xmlns:a16="http://schemas.microsoft.com/office/drawing/2014/main" id="{E0F8F207-BE97-4512-A051-D1D727642ADF}"/>
+                <a16:creationId xmlns:a16="http://schemas.microsoft.com/office/drawing/2014/main" id="{E0F8F207-BE97-4512-A051-D1D727642ADF}"/>
               </a:ext>
             </a:extLst>
           </p:cNvPr>
@@ -1026,7 +1034,7 @@
           <p:cNvPr id="6" name="灯片编号占位符 5">
             <a:extLst>
               <a:ext uri="{FF2B5EF4-FFF2-40B4-BE49-F238E27FC236}">
-                <a16:creationId xmlns="" xmlns:a16="http://schemas.microsoft.com/office/drawing/2014/main" id="{57A70888-87D2-4D72-88E3-4EB531FA4D16}"/>
+                <a16:creationId xmlns:a16="http://schemas.microsoft.com/office/drawing/2014/main" id="{57A70888-87D2-4D72-88E3-4EB531FA4D16}"/>
               </a:ext>
             </a:extLst>
           </p:cNvPr>
@@ -1093,7 +1101,7 @@
           <p:cNvPr id="2" name="标题 1">
             <a:extLst>
               <a:ext uri="{FF2B5EF4-FFF2-40B4-BE49-F238E27FC236}">
-                <a16:creationId xmlns="" xmlns:a16="http://schemas.microsoft.com/office/drawing/2014/main" id="{FDA06683-1E3B-4E82-B566-82E72C3DC756}"/>
+                <a16:creationId xmlns:a16="http://schemas.microsoft.com/office/drawing/2014/main" id="{FDA06683-1E3B-4E82-B566-82E72C3DC756}"/>
               </a:ext>
             </a:extLst>
           </p:cNvPr>
@@ -1129,7 +1137,7 @@
           <p:cNvPr id="3" name="内容占位符 2">
             <a:extLst>
               <a:ext uri="{FF2B5EF4-FFF2-40B4-BE49-F238E27FC236}">
-                <a16:creationId xmlns="" xmlns:a16="http://schemas.microsoft.com/office/drawing/2014/main" id="{58A1318B-3ABA-473A-A58F-68FE1F405BF6}"/>
+                <a16:creationId xmlns:a16="http://schemas.microsoft.com/office/drawing/2014/main" id="{58A1318B-3ABA-473A-A58F-68FE1F405BF6}"/>
               </a:ext>
             </a:extLst>
           </p:cNvPr>
@@ -1194,7 +1202,7 @@
           <p:cNvPr id="4" name="日期占位符 3">
             <a:extLst>
               <a:ext uri="{FF2B5EF4-FFF2-40B4-BE49-F238E27FC236}">
-                <a16:creationId xmlns="" xmlns:a16="http://schemas.microsoft.com/office/drawing/2014/main" id="{8FD917EC-8501-4020-9EDF-A4F573631242}"/>
+                <a16:creationId xmlns:a16="http://schemas.microsoft.com/office/drawing/2014/main" id="{8FD917EC-8501-4020-9EDF-A4F573631242}"/>
               </a:ext>
             </a:extLst>
           </p:cNvPr>
@@ -1220,7 +1228,7 @@
           <a:p>
             <a:fld id="{02E60DA2-A0BC-48C9-AA88-75C78721B420}" type="datetimeFigureOut">
               <a:rPr lang="zh-CN" altLang="en-US" smtClean="0"/>
-              <a:t>2018/2/3</a:t>
+              <a:t>2018/2/25</a:t>
             </a:fld>
             <a:endParaRPr lang="zh-CN" altLang="en-US"/>
           </a:p>
@@ -1231,7 +1239,7 @@
           <p:cNvPr id="5" name="页脚占位符 4">
             <a:extLst>
               <a:ext uri="{FF2B5EF4-FFF2-40B4-BE49-F238E27FC236}">
-                <a16:creationId xmlns="" xmlns:a16="http://schemas.microsoft.com/office/drawing/2014/main" id="{79615516-0ACC-4FA6-8D41-91D8F5C00CED}"/>
+                <a16:creationId xmlns:a16="http://schemas.microsoft.com/office/drawing/2014/main" id="{79615516-0ACC-4FA6-8D41-91D8F5C00CED}"/>
               </a:ext>
             </a:extLst>
           </p:cNvPr>
@@ -1264,7 +1272,7 @@
           <p:cNvPr id="6" name="灯片编号占位符 5">
             <a:extLst>
               <a:ext uri="{FF2B5EF4-FFF2-40B4-BE49-F238E27FC236}">
-                <a16:creationId xmlns="" xmlns:a16="http://schemas.microsoft.com/office/drawing/2014/main" id="{CF0C0F46-9191-45D5-B62D-2893F5616650}"/>
+                <a16:creationId xmlns:a16="http://schemas.microsoft.com/office/drawing/2014/main" id="{CF0C0F46-9191-45D5-B62D-2893F5616650}"/>
               </a:ext>
             </a:extLst>
           </p:cNvPr>
@@ -1331,7 +1339,7 @@
           <p:cNvPr id="2" name="标题 1">
             <a:extLst>
               <a:ext uri="{FF2B5EF4-FFF2-40B4-BE49-F238E27FC236}">
-                <a16:creationId xmlns="" xmlns:a16="http://schemas.microsoft.com/office/drawing/2014/main" id="{6602C541-D67E-4BE0-B223-149D33CF5FF1}"/>
+                <a16:creationId xmlns:a16="http://schemas.microsoft.com/office/drawing/2014/main" id="{6602C541-D67E-4BE0-B223-149D33CF5FF1}"/>
               </a:ext>
             </a:extLst>
           </p:cNvPr>
@@ -1371,7 +1379,7 @@
           <p:cNvPr id="3" name="文本占位符 2">
             <a:extLst>
               <a:ext uri="{FF2B5EF4-FFF2-40B4-BE49-F238E27FC236}">
-                <a16:creationId xmlns="" xmlns:a16="http://schemas.microsoft.com/office/drawing/2014/main" id="{55E06CBC-8EBA-42F9-B3E0-A843AEDB1BD8}"/>
+                <a16:creationId xmlns:a16="http://schemas.microsoft.com/office/drawing/2014/main" id="{55E06CBC-8EBA-42F9-B3E0-A843AEDB1BD8}"/>
               </a:ext>
             </a:extLst>
           </p:cNvPr>
@@ -1499,7 +1507,7 @@
           <p:cNvPr id="4" name="日期占位符 3">
             <a:extLst>
               <a:ext uri="{FF2B5EF4-FFF2-40B4-BE49-F238E27FC236}">
-                <a16:creationId xmlns="" xmlns:a16="http://schemas.microsoft.com/office/drawing/2014/main" id="{FDB2504C-5AB1-4506-A9D8-1A948CBC2BF3}"/>
+                <a16:creationId xmlns:a16="http://schemas.microsoft.com/office/drawing/2014/main" id="{FDB2504C-5AB1-4506-A9D8-1A948CBC2BF3}"/>
               </a:ext>
             </a:extLst>
           </p:cNvPr>
@@ -1525,7 +1533,7 @@
           <a:p>
             <a:fld id="{02E60DA2-A0BC-48C9-AA88-75C78721B420}" type="datetimeFigureOut">
               <a:rPr lang="zh-CN" altLang="en-US" smtClean="0"/>
-              <a:t>2018/2/3</a:t>
+              <a:t>2018/2/25</a:t>
             </a:fld>
             <a:endParaRPr lang="zh-CN" altLang="en-US"/>
           </a:p>
@@ -1536,7 +1544,7 @@
           <p:cNvPr id="5" name="页脚占位符 4">
             <a:extLst>
               <a:ext uri="{FF2B5EF4-FFF2-40B4-BE49-F238E27FC236}">
-                <a16:creationId xmlns="" xmlns:a16="http://schemas.microsoft.com/office/drawing/2014/main" id="{8EED1BC2-384F-490F-9206-6F27238D90DB}"/>
+                <a16:creationId xmlns:a16="http://schemas.microsoft.com/office/drawing/2014/main" id="{8EED1BC2-384F-490F-9206-6F27238D90DB}"/>
               </a:ext>
             </a:extLst>
           </p:cNvPr>
@@ -1569,7 +1577,7 @@
           <p:cNvPr id="6" name="灯片编号占位符 5">
             <a:extLst>
               <a:ext uri="{FF2B5EF4-FFF2-40B4-BE49-F238E27FC236}">
-                <a16:creationId xmlns="" xmlns:a16="http://schemas.microsoft.com/office/drawing/2014/main" id="{975F5478-33A3-42ED-9060-A6BDD7DBCE9C}"/>
+                <a16:creationId xmlns:a16="http://schemas.microsoft.com/office/drawing/2014/main" id="{975F5478-33A3-42ED-9060-A6BDD7DBCE9C}"/>
               </a:ext>
             </a:extLst>
           </p:cNvPr>
@@ -1636,7 +1644,7 @@
           <p:cNvPr id="2" name="标题 1">
             <a:extLst>
               <a:ext uri="{FF2B5EF4-FFF2-40B4-BE49-F238E27FC236}">
-                <a16:creationId xmlns="" xmlns:a16="http://schemas.microsoft.com/office/drawing/2014/main" id="{F280021F-2F2C-4A26-AE3A-95F8A2B3E147}"/>
+                <a16:creationId xmlns:a16="http://schemas.microsoft.com/office/drawing/2014/main" id="{F280021F-2F2C-4A26-AE3A-95F8A2B3E147}"/>
               </a:ext>
             </a:extLst>
           </p:cNvPr>
@@ -1672,7 +1680,7 @@
           <p:cNvPr id="3" name="内容占位符 2">
             <a:extLst>
               <a:ext uri="{FF2B5EF4-FFF2-40B4-BE49-F238E27FC236}">
-                <a16:creationId xmlns="" xmlns:a16="http://schemas.microsoft.com/office/drawing/2014/main" id="{16BB5DE8-6678-4CCF-AE5C-C34328A85403}"/>
+                <a16:creationId xmlns:a16="http://schemas.microsoft.com/office/drawing/2014/main" id="{16BB5DE8-6678-4CCF-AE5C-C34328A85403}"/>
               </a:ext>
             </a:extLst>
           </p:cNvPr>
@@ -1737,7 +1745,7 @@
           <p:cNvPr id="4" name="内容占位符 3">
             <a:extLst>
               <a:ext uri="{FF2B5EF4-FFF2-40B4-BE49-F238E27FC236}">
-                <a16:creationId xmlns="" xmlns:a16="http://schemas.microsoft.com/office/drawing/2014/main" id="{52D4C2E3-226A-42C0-9112-DDBD640689E2}"/>
+                <a16:creationId xmlns:a16="http://schemas.microsoft.com/office/drawing/2014/main" id="{52D4C2E3-226A-42C0-9112-DDBD640689E2}"/>
               </a:ext>
             </a:extLst>
           </p:cNvPr>
@@ -1802,7 +1810,7 @@
           <p:cNvPr id="5" name="日期占位符 4">
             <a:extLst>
               <a:ext uri="{FF2B5EF4-FFF2-40B4-BE49-F238E27FC236}">
-                <a16:creationId xmlns="" xmlns:a16="http://schemas.microsoft.com/office/drawing/2014/main" id="{5D556E24-99A4-40A5-8584-523B3DC8CC54}"/>
+                <a16:creationId xmlns:a16="http://schemas.microsoft.com/office/drawing/2014/main" id="{5D556E24-99A4-40A5-8584-523B3DC8CC54}"/>
               </a:ext>
             </a:extLst>
           </p:cNvPr>
@@ -1828,7 +1836,7 @@
           <a:p>
             <a:fld id="{02E60DA2-A0BC-48C9-AA88-75C78721B420}" type="datetimeFigureOut">
               <a:rPr lang="zh-CN" altLang="en-US" smtClean="0"/>
-              <a:t>2018/2/3</a:t>
+              <a:t>2018/2/25</a:t>
             </a:fld>
             <a:endParaRPr lang="zh-CN" altLang="en-US"/>
           </a:p>
@@ -1839,7 +1847,7 @@
           <p:cNvPr id="6" name="页脚占位符 5">
             <a:extLst>
               <a:ext uri="{FF2B5EF4-FFF2-40B4-BE49-F238E27FC236}">
-                <a16:creationId xmlns="" xmlns:a16="http://schemas.microsoft.com/office/drawing/2014/main" id="{95588254-DF01-4504-AC65-B12627BAC841}"/>
+                <a16:creationId xmlns:a16="http://schemas.microsoft.com/office/drawing/2014/main" id="{95588254-DF01-4504-AC65-B12627BAC841}"/>
               </a:ext>
             </a:extLst>
           </p:cNvPr>
@@ -1872,7 +1880,7 @@
           <p:cNvPr id="7" name="灯片编号占位符 6">
             <a:extLst>
               <a:ext uri="{FF2B5EF4-FFF2-40B4-BE49-F238E27FC236}">
-                <a16:creationId xmlns="" xmlns:a16="http://schemas.microsoft.com/office/drawing/2014/main" id="{E3DB2B8F-1BF3-4C3D-ADB1-B57BB4FB3DB2}"/>
+                <a16:creationId xmlns:a16="http://schemas.microsoft.com/office/drawing/2014/main" id="{E3DB2B8F-1BF3-4C3D-ADB1-B57BB4FB3DB2}"/>
               </a:ext>
             </a:extLst>
           </p:cNvPr>
@@ -1939,7 +1947,7 @@
           <p:cNvPr id="2" name="标题 1">
             <a:extLst>
               <a:ext uri="{FF2B5EF4-FFF2-40B4-BE49-F238E27FC236}">
-                <a16:creationId xmlns="" xmlns:a16="http://schemas.microsoft.com/office/drawing/2014/main" id="{1FCF7059-1F16-4131-B4F7-8D2FA3ABA857}"/>
+                <a16:creationId xmlns:a16="http://schemas.microsoft.com/office/drawing/2014/main" id="{1FCF7059-1F16-4131-B4F7-8D2FA3ABA857}"/>
               </a:ext>
             </a:extLst>
           </p:cNvPr>
@@ -1975,7 +1983,7 @@
           <p:cNvPr id="3" name="文本占位符 2">
             <a:extLst>
               <a:ext uri="{FF2B5EF4-FFF2-40B4-BE49-F238E27FC236}">
-                <a16:creationId xmlns="" xmlns:a16="http://schemas.microsoft.com/office/drawing/2014/main" id="{642F9B6A-0820-427D-AFA5-C3F5F6C080D8}"/>
+                <a16:creationId xmlns:a16="http://schemas.microsoft.com/office/drawing/2014/main" id="{642F9B6A-0820-427D-AFA5-C3F5F6C080D8}"/>
               </a:ext>
             </a:extLst>
           </p:cNvPr>
@@ -2049,7 +2057,7 @@
           <p:cNvPr id="4" name="内容占位符 3">
             <a:extLst>
               <a:ext uri="{FF2B5EF4-FFF2-40B4-BE49-F238E27FC236}">
-                <a16:creationId xmlns="" xmlns:a16="http://schemas.microsoft.com/office/drawing/2014/main" id="{02AB4C75-6A8C-47B1-9EC2-84DF650C535E}"/>
+                <a16:creationId xmlns:a16="http://schemas.microsoft.com/office/drawing/2014/main" id="{02AB4C75-6A8C-47B1-9EC2-84DF650C535E}"/>
               </a:ext>
             </a:extLst>
           </p:cNvPr>
@@ -2114,7 +2122,7 @@
           <p:cNvPr id="5" name="文本占位符 4">
             <a:extLst>
               <a:ext uri="{FF2B5EF4-FFF2-40B4-BE49-F238E27FC236}">
-                <a16:creationId xmlns="" xmlns:a16="http://schemas.microsoft.com/office/drawing/2014/main" id="{458007A5-D05F-43D0-8B1B-07499E571A57}"/>
+                <a16:creationId xmlns:a16="http://schemas.microsoft.com/office/drawing/2014/main" id="{458007A5-D05F-43D0-8B1B-07499E571A57}"/>
               </a:ext>
             </a:extLst>
           </p:cNvPr>
@@ -2188,7 +2196,7 @@
           <p:cNvPr id="6" name="内容占位符 5">
             <a:extLst>
               <a:ext uri="{FF2B5EF4-FFF2-40B4-BE49-F238E27FC236}">
-                <a16:creationId xmlns="" xmlns:a16="http://schemas.microsoft.com/office/drawing/2014/main" id="{F57234F0-4318-43CD-A0EB-A2518460F791}"/>
+                <a16:creationId xmlns:a16="http://schemas.microsoft.com/office/drawing/2014/main" id="{F57234F0-4318-43CD-A0EB-A2518460F791}"/>
               </a:ext>
             </a:extLst>
           </p:cNvPr>
@@ -2253,7 +2261,7 @@
           <p:cNvPr id="7" name="日期占位符 6">
             <a:extLst>
               <a:ext uri="{FF2B5EF4-FFF2-40B4-BE49-F238E27FC236}">
-                <a16:creationId xmlns="" xmlns:a16="http://schemas.microsoft.com/office/drawing/2014/main" id="{D030C091-FABA-44CF-8760-92751B492903}"/>
+                <a16:creationId xmlns:a16="http://schemas.microsoft.com/office/drawing/2014/main" id="{D030C091-FABA-44CF-8760-92751B492903}"/>
               </a:ext>
             </a:extLst>
           </p:cNvPr>
@@ -2279,7 +2287,7 @@
           <a:p>
             <a:fld id="{02E60DA2-A0BC-48C9-AA88-75C78721B420}" type="datetimeFigureOut">
               <a:rPr lang="zh-CN" altLang="en-US" smtClean="0"/>
-              <a:t>2018/2/3</a:t>
+              <a:t>2018/2/25</a:t>
             </a:fld>
             <a:endParaRPr lang="zh-CN" altLang="en-US"/>
           </a:p>
@@ -2290,7 +2298,7 @@
           <p:cNvPr id="8" name="页脚占位符 7">
             <a:extLst>
               <a:ext uri="{FF2B5EF4-FFF2-40B4-BE49-F238E27FC236}">
-                <a16:creationId xmlns="" xmlns:a16="http://schemas.microsoft.com/office/drawing/2014/main" id="{DFC243E3-88DA-4B81-9749-7E235998D5FA}"/>
+                <a16:creationId xmlns:a16="http://schemas.microsoft.com/office/drawing/2014/main" id="{DFC243E3-88DA-4B81-9749-7E235998D5FA}"/>
               </a:ext>
             </a:extLst>
           </p:cNvPr>
@@ -2323,7 +2331,7 @@
           <p:cNvPr id="9" name="灯片编号占位符 8">
             <a:extLst>
               <a:ext uri="{FF2B5EF4-FFF2-40B4-BE49-F238E27FC236}">
-                <a16:creationId xmlns="" xmlns:a16="http://schemas.microsoft.com/office/drawing/2014/main" id="{DC725EB2-3E8C-4775-ABB0-6845261CB470}"/>
+                <a16:creationId xmlns:a16="http://schemas.microsoft.com/office/drawing/2014/main" id="{DC725EB2-3E8C-4775-ABB0-6845261CB470}"/>
               </a:ext>
             </a:extLst>
           </p:cNvPr>
@@ -2390,7 +2398,7 @@
           <p:cNvPr id="2" name="标题 1">
             <a:extLst>
               <a:ext uri="{FF2B5EF4-FFF2-40B4-BE49-F238E27FC236}">
-                <a16:creationId xmlns="" xmlns:a16="http://schemas.microsoft.com/office/drawing/2014/main" id="{176FF9FA-22DC-4A12-80DB-6BFCA5FC0E2A}"/>
+                <a16:creationId xmlns:a16="http://schemas.microsoft.com/office/drawing/2014/main" id="{176FF9FA-22DC-4A12-80DB-6BFCA5FC0E2A}"/>
               </a:ext>
             </a:extLst>
           </p:cNvPr>
@@ -2426,7 +2434,7 @@
           <p:cNvPr id="3" name="日期占位符 2">
             <a:extLst>
               <a:ext uri="{FF2B5EF4-FFF2-40B4-BE49-F238E27FC236}">
-                <a16:creationId xmlns="" xmlns:a16="http://schemas.microsoft.com/office/drawing/2014/main" id="{04931B3A-E05C-4829-88BD-35F04D285067}"/>
+                <a16:creationId xmlns:a16="http://schemas.microsoft.com/office/drawing/2014/main" id="{04931B3A-E05C-4829-88BD-35F04D285067}"/>
               </a:ext>
             </a:extLst>
           </p:cNvPr>
@@ -2452,7 +2460,7 @@
           <a:p>
             <a:fld id="{02E60DA2-A0BC-48C9-AA88-75C78721B420}" type="datetimeFigureOut">
               <a:rPr lang="zh-CN" altLang="en-US" smtClean="0"/>
-              <a:t>2018/2/3</a:t>
+              <a:t>2018/2/25</a:t>
             </a:fld>
             <a:endParaRPr lang="zh-CN" altLang="en-US"/>
           </a:p>
@@ -2463,7 +2471,7 @@
           <p:cNvPr id="4" name="页脚占位符 3">
             <a:extLst>
               <a:ext uri="{FF2B5EF4-FFF2-40B4-BE49-F238E27FC236}">
-                <a16:creationId xmlns="" xmlns:a16="http://schemas.microsoft.com/office/drawing/2014/main" id="{5C61DA9A-CFE7-484A-83FF-3684F9AA3DCE}"/>
+                <a16:creationId xmlns:a16="http://schemas.microsoft.com/office/drawing/2014/main" id="{5C61DA9A-CFE7-484A-83FF-3684F9AA3DCE}"/>
               </a:ext>
             </a:extLst>
           </p:cNvPr>
@@ -2496,7 +2504,7 @@
           <p:cNvPr id="5" name="灯片编号占位符 4">
             <a:extLst>
               <a:ext uri="{FF2B5EF4-FFF2-40B4-BE49-F238E27FC236}">
-                <a16:creationId xmlns="" xmlns:a16="http://schemas.microsoft.com/office/drawing/2014/main" id="{BB525513-D499-4F43-9AD3-9070531C555A}"/>
+                <a16:creationId xmlns:a16="http://schemas.microsoft.com/office/drawing/2014/main" id="{BB525513-D499-4F43-9AD3-9070531C555A}"/>
               </a:ext>
             </a:extLst>
           </p:cNvPr>
@@ -2563,7 +2571,7 @@
           <p:cNvPr id="2" name="日期占位符 1">
             <a:extLst>
               <a:ext uri="{FF2B5EF4-FFF2-40B4-BE49-F238E27FC236}">
-                <a16:creationId xmlns="" xmlns:a16="http://schemas.microsoft.com/office/drawing/2014/main" id="{856EF436-74CE-42C2-A4F6-B1EC6E2B9DA0}"/>
+                <a16:creationId xmlns:a16="http://schemas.microsoft.com/office/drawing/2014/main" id="{856EF436-74CE-42C2-A4F6-B1EC6E2B9DA0}"/>
               </a:ext>
             </a:extLst>
           </p:cNvPr>
@@ -2589,7 +2597,7 @@
           <a:p>
             <a:fld id="{02E60DA2-A0BC-48C9-AA88-75C78721B420}" type="datetimeFigureOut">
               <a:rPr lang="zh-CN" altLang="en-US" smtClean="0"/>
-              <a:t>2018/2/3</a:t>
+              <a:t>2018/2/25</a:t>
             </a:fld>
             <a:endParaRPr lang="zh-CN" altLang="en-US"/>
           </a:p>
@@ -2600,7 +2608,7 @@
           <p:cNvPr id="3" name="页脚占位符 2">
             <a:extLst>
               <a:ext uri="{FF2B5EF4-FFF2-40B4-BE49-F238E27FC236}">
-                <a16:creationId xmlns="" xmlns:a16="http://schemas.microsoft.com/office/drawing/2014/main" id="{AAAC67BA-8358-4BC2-B9B5-1C37DDD6AF86}"/>
+                <a16:creationId xmlns:a16="http://schemas.microsoft.com/office/drawing/2014/main" id="{AAAC67BA-8358-4BC2-B9B5-1C37DDD6AF86}"/>
               </a:ext>
             </a:extLst>
           </p:cNvPr>
@@ -2633,7 +2641,7 @@
           <p:cNvPr id="4" name="灯片编号占位符 3">
             <a:extLst>
               <a:ext uri="{FF2B5EF4-FFF2-40B4-BE49-F238E27FC236}">
-                <a16:creationId xmlns="" xmlns:a16="http://schemas.microsoft.com/office/drawing/2014/main" id="{3C690F71-28C5-4A3C-A38A-84291F65B4A5}"/>
+                <a16:creationId xmlns:a16="http://schemas.microsoft.com/office/drawing/2014/main" id="{3C690F71-28C5-4A3C-A38A-84291F65B4A5}"/>
               </a:ext>
             </a:extLst>
           </p:cNvPr>
@@ -2700,7 +2708,7 @@
           <p:cNvPr id="2" name="标题 1">
             <a:extLst>
               <a:ext uri="{FF2B5EF4-FFF2-40B4-BE49-F238E27FC236}">
-                <a16:creationId xmlns="" xmlns:a16="http://schemas.microsoft.com/office/drawing/2014/main" id="{2DC4A2AE-8EAF-4AE2-B62C-AA311DE3A1E9}"/>
+                <a16:creationId xmlns:a16="http://schemas.microsoft.com/office/drawing/2014/main" id="{2DC4A2AE-8EAF-4AE2-B62C-AA311DE3A1E9}"/>
               </a:ext>
             </a:extLst>
           </p:cNvPr>
@@ -2740,7 +2748,7 @@
           <p:cNvPr id="3" name="内容占位符 2">
             <a:extLst>
               <a:ext uri="{FF2B5EF4-FFF2-40B4-BE49-F238E27FC236}">
-                <a16:creationId xmlns="" xmlns:a16="http://schemas.microsoft.com/office/drawing/2014/main" id="{29A38D02-3DC7-4778-AF80-35369A40EB85}"/>
+                <a16:creationId xmlns:a16="http://schemas.microsoft.com/office/drawing/2014/main" id="{29A38D02-3DC7-4778-AF80-35369A40EB85}"/>
               </a:ext>
             </a:extLst>
           </p:cNvPr>
@@ -2833,7 +2841,7 @@
           <p:cNvPr id="4" name="文本占位符 3">
             <a:extLst>
               <a:ext uri="{FF2B5EF4-FFF2-40B4-BE49-F238E27FC236}">
-                <a16:creationId xmlns="" xmlns:a16="http://schemas.microsoft.com/office/drawing/2014/main" id="{F8827B4D-182A-4350-87DE-CAB16996E2C8}"/>
+                <a16:creationId xmlns:a16="http://schemas.microsoft.com/office/drawing/2014/main" id="{F8827B4D-182A-4350-87DE-CAB16996E2C8}"/>
               </a:ext>
             </a:extLst>
           </p:cNvPr>
@@ -2907,7 +2915,7 @@
           <p:cNvPr id="5" name="日期占位符 4">
             <a:extLst>
               <a:ext uri="{FF2B5EF4-FFF2-40B4-BE49-F238E27FC236}">
-                <a16:creationId xmlns="" xmlns:a16="http://schemas.microsoft.com/office/drawing/2014/main" id="{D8C60B6D-CB4D-4EE5-B197-8E1F79EB6B67}"/>
+                <a16:creationId xmlns:a16="http://schemas.microsoft.com/office/drawing/2014/main" id="{D8C60B6D-CB4D-4EE5-B197-8E1F79EB6B67}"/>
               </a:ext>
             </a:extLst>
           </p:cNvPr>
@@ -2933,7 +2941,7 @@
           <a:p>
             <a:fld id="{02E60DA2-A0BC-48C9-AA88-75C78721B420}" type="datetimeFigureOut">
               <a:rPr lang="zh-CN" altLang="en-US" smtClean="0"/>
-              <a:t>2018/2/3</a:t>
+              <a:t>2018/2/25</a:t>
             </a:fld>
             <a:endParaRPr lang="zh-CN" altLang="en-US"/>
           </a:p>
@@ -2944,7 +2952,7 @@
           <p:cNvPr id="6" name="页脚占位符 5">
             <a:extLst>
               <a:ext uri="{FF2B5EF4-FFF2-40B4-BE49-F238E27FC236}">
-                <a16:creationId xmlns="" xmlns:a16="http://schemas.microsoft.com/office/drawing/2014/main" id="{9E1979CC-C402-4145-9052-07B431D7AFEC}"/>
+                <a16:creationId xmlns:a16="http://schemas.microsoft.com/office/drawing/2014/main" id="{9E1979CC-C402-4145-9052-07B431D7AFEC}"/>
               </a:ext>
             </a:extLst>
           </p:cNvPr>
@@ -2977,7 +2985,7 @@
           <p:cNvPr id="7" name="灯片编号占位符 6">
             <a:extLst>
               <a:ext uri="{FF2B5EF4-FFF2-40B4-BE49-F238E27FC236}">
-                <a16:creationId xmlns="" xmlns:a16="http://schemas.microsoft.com/office/drawing/2014/main" id="{2154E0DC-BD8A-4F38-903B-3E5633CA2F60}"/>
+                <a16:creationId xmlns:a16="http://schemas.microsoft.com/office/drawing/2014/main" id="{2154E0DC-BD8A-4F38-903B-3E5633CA2F60}"/>
               </a:ext>
             </a:extLst>
           </p:cNvPr>
@@ -3044,7 +3052,7 @@
           <p:cNvPr id="2" name="标题 1">
             <a:extLst>
               <a:ext uri="{FF2B5EF4-FFF2-40B4-BE49-F238E27FC236}">
-                <a16:creationId xmlns="" xmlns:a16="http://schemas.microsoft.com/office/drawing/2014/main" id="{FDA06683-1E3B-4E82-B566-82E72C3DC756}"/>
+                <a16:creationId xmlns:a16="http://schemas.microsoft.com/office/drawing/2014/main" id="{FDA06683-1E3B-4E82-B566-82E72C3DC756}"/>
               </a:ext>
             </a:extLst>
           </p:cNvPr>
@@ -3072,7 +3080,7 @@
           <p:cNvPr id="3" name="内容占位符 2">
             <a:extLst>
               <a:ext uri="{FF2B5EF4-FFF2-40B4-BE49-F238E27FC236}">
-                <a16:creationId xmlns="" xmlns:a16="http://schemas.microsoft.com/office/drawing/2014/main" id="{58A1318B-3ABA-473A-A58F-68FE1F405BF6}"/>
+                <a16:creationId xmlns:a16="http://schemas.microsoft.com/office/drawing/2014/main" id="{58A1318B-3ABA-473A-A58F-68FE1F405BF6}"/>
               </a:ext>
             </a:extLst>
           </p:cNvPr>
@@ -3129,7 +3137,7 @@
           <p:cNvPr id="4" name="日期占位符 3">
             <a:extLst>
               <a:ext uri="{FF2B5EF4-FFF2-40B4-BE49-F238E27FC236}">
-                <a16:creationId xmlns="" xmlns:a16="http://schemas.microsoft.com/office/drawing/2014/main" id="{8FD917EC-8501-4020-9EDF-A4F573631242}"/>
+                <a16:creationId xmlns:a16="http://schemas.microsoft.com/office/drawing/2014/main" id="{8FD917EC-8501-4020-9EDF-A4F573631242}"/>
               </a:ext>
             </a:extLst>
           </p:cNvPr>
@@ -3155,7 +3163,7 @@
           <a:p>
             <a:fld id="{02E60DA2-A0BC-48C9-AA88-75C78721B420}" type="datetimeFigureOut">
               <a:rPr lang="zh-CN" altLang="en-US" smtClean="0"/>
-              <a:t>2018/2/3</a:t>
+              <a:t>2018/2/25</a:t>
             </a:fld>
             <a:endParaRPr lang="zh-CN" altLang="en-US"/>
           </a:p>
@@ -3166,7 +3174,7 @@
           <p:cNvPr id="5" name="页脚占位符 4">
             <a:extLst>
               <a:ext uri="{FF2B5EF4-FFF2-40B4-BE49-F238E27FC236}">
-                <a16:creationId xmlns="" xmlns:a16="http://schemas.microsoft.com/office/drawing/2014/main" id="{79615516-0ACC-4FA6-8D41-91D8F5C00CED}"/>
+                <a16:creationId xmlns:a16="http://schemas.microsoft.com/office/drawing/2014/main" id="{79615516-0ACC-4FA6-8D41-91D8F5C00CED}"/>
               </a:ext>
             </a:extLst>
           </p:cNvPr>
@@ -3199,7 +3207,7 @@
           <p:cNvPr id="6" name="灯片编号占位符 5">
             <a:extLst>
               <a:ext uri="{FF2B5EF4-FFF2-40B4-BE49-F238E27FC236}">
-                <a16:creationId xmlns="" xmlns:a16="http://schemas.microsoft.com/office/drawing/2014/main" id="{CF0C0F46-9191-45D5-B62D-2893F5616650}"/>
+                <a16:creationId xmlns:a16="http://schemas.microsoft.com/office/drawing/2014/main" id="{CF0C0F46-9191-45D5-B62D-2893F5616650}"/>
               </a:ext>
             </a:extLst>
           </p:cNvPr>
@@ -3266,7 +3274,7 @@
           <p:cNvPr id="2" name="标题 1">
             <a:extLst>
               <a:ext uri="{FF2B5EF4-FFF2-40B4-BE49-F238E27FC236}">
-                <a16:creationId xmlns="" xmlns:a16="http://schemas.microsoft.com/office/drawing/2014/main" id="{55D8E271-748E-4E9C-8E22-291FEDCA23FB}"/>
+                <a16:creationId xmlns:a16="http://schemas.microsoft.com/office/drawing/2014/main" id="{55D8E271-748E-4E9C-8E22-291FEDCA23FB}"/>
               </a:ext>
             </a:extLst>
           </p:cNvPr>
@@ -3306,7 +3314,7 @@
           <p:cNvPr id="3" name="图片占位符 2">
             <a:extLst>
               <a:ext uri="{FF2B5EF4-FFF2-40B4-BE49-F238E27FC236}">
-                <a16:creationId xmlns="" xmlns:a16="http://schemas.microsoft.com/office/drawing/2014/main" id="{C656EA3D-02E1-4F87-9FD9-177128AD8CC5}"/>
+                <a16:creationId xmlns:a16="http://schemas.microsoft.com/office/drawing/2014/main" id="{C656EA3D-02E1-4F87-9FD9-177128AD8CC5}"/>
               </a:ext>
             </a:extLst>
           </p:cNvPr>
@@ -3376,7 +3384,7 @@
           <p:cNvPr id="4" name="文本占位符 3">
             <a:extLst>
               <a:ext uri="{FF2B5EF4-FFF2-40B4-BE49-F238E27FC236}">
-                <a16:creationId xmlns="" xmlns:a16="http://schemas.microsoft.com/office/drawing/2014/main" id="{8C3A0957-516C-4962-AA82-F08B70B9D143}"/>
+                <a16:creationId xmlns:a16="http://schemas.microsoft.com/office/drawing/2014/main" id="{8C3A0957-516C-4962-AA82-F08B70B9D143}"/>
               </a:ext>
             </a:extLst>
           </p:cNvPr>
@@ -3450,7 +3458,7 @@
           <p:cNvPr id="5" name="日期占位符 4">
             <a:extLst>
               <a:ext uri="{FF2B5EF4-FFF2-40B4-BE49-F238E27FC236}">
-                <a16:creationId xmlns="" xmlns:a16="http://schemas.microsoft.com/office/drawing/2014/main" id="{ED21E2C7-EDFE-4B51-A5B2-B6CF5067759E}"/>
+                <a16:creationId xmlns:a16="http://schemas.microsoft.com/office/drawing/2014/main" id="{ED21E2C7-EDFE-4B51-A5B2-B6CF5067759E}"/>
               </a:ext>
             </a:extLst>
           </p:cNvPr>
@@ -3476,7 +3484,7 @@
           <a:p>
             <a:fld id="{02E60DA2-A0BC-48C9-AA88-75C78721B420}" type="datetimeFigureOut">
               <a:rPr lang="zh-CN" altLang="en-US" smtClean="0"/>
-              <a:t>2018/2/3</a:t>
+              <a:t>2018/2/25</a:t>
             </a:fld>
             <a:endParaRPr lang="zh-CN" altLang="en-US"/>
           </a:p>
@@ -3487,7 +3495,7 @@
           <p:cNvPr id="6" name="页脚占位符 5">
             <a:extLst>
               <a:ext uri="{FF2B5EF4-FFF2-40B4-BE49-F238E27FC236}">
-                <a16:creationId xmlns="" xmlns:a16="http://schemas.microsoft.com/office/drawing/2014/main" id="{25EF1747-23A0-4DAB-986E-60F5EB6FF554}"/>
+                <a16:creationId xmlns:a16="http://schemas.microsoft.com/office/drawing/2014/main" id="{25EF1747-23A0-4DAB-986E-60F5EB6FF554}"/>
               </a:ext>
             </a:extLst>
           </p:cNvPr>
@@ -3520,7 +3528,7 @@
           <p:cNvPr id="7" name="灯片编号占位符 6">
             <a:extLst>
               <a:ext uri="{FF2B5EF4-FFF2-40B4-BE49-F238E27FC236}">
-                <a16:creationId xmlns="" xmlns:a16="http://schemas.microsoft.com/office/drawing/2014/main" id="{1BB71036-67DE-4C24-9A1C-8991B59BB598}"/>
+                <a16:creationId xmlns:a16="http://schemas.microsoft.com/office/drawing/2014/main" id="{1BB71036-67DE-4C24-9A1C-8991B59BB598}"/>
               </a:ext>
             </a:extLst>
           </p:cNvPr>
@@ -3587,7 +3595,7 @@
           <p:cNvPr id="2" name="标题 1">
             <a:extLst>
               <a:ext uri="{FF2B5EF4-FFF2-40B4-BE49-F238E27FC236}">
-                <a16:creationId xmlns="" xmlns:a16="http://schemas.microsoft.com/office/drawing/2014/main" id="{47B0B2FB-4959-4FE4-86E2-97E4443C002E}"/>
+                <a16:creationId xmlns:a16="http://schemas.microsoft.com/office/drawing/2014/main" id="{47B0B2FB-4959-4FE4-86E2-97E4443C002E}"/>
               </a:ext>
             </a:extLst>
           </p:cNvPr>
@@ -3623,7 +3631,7 @@
           <p:cNvPr id="3" name="竖排文字占位符 2">
             <a:extLst>
               <a:ext uri="{FF2B5EF4-FFF2-40B4-BE49-F238E27FC236}">
-                <a16:creationId xmlns="" xmlns:a16="http://schemas.microsoft.com/office/drawing/2014/main" id="{BC5CB652-A873-4422-BB38-1FFAA749D5DC}"/>
+                <a16:creationId xmlns:a16="http://schemas.microsoft.com/office/drawing/2014/main" id="{BC5CB652-A873-4422-BB38-1FFAA749D5DC}"/>
               </a:ext>
             </a:extLst>
           </p:cNvPr>
@@ -3688,7 +3696,7 @@
           <p:cNvPr id="4" name="日期占位符 3">
             <a:extLst>
               <a:ext uri="{FF2B5EF4-FFF2-40B4-BE49-F238E27FC236}">
-                <a16:creationId xmlns="" xmlns:a16="http://schemas.microsoft.com/office/drawing/2014/main" id="{A17A5158-4FD3-42CD-8937-8987BFDF7B88}"/>
+                <a16:creationId xmlns:a16="http://schemas.microsoft.com/office/drawing/2014/main" id="{A17A5158-4FD3-42CD-8937-8987BFDF7B88}"/>
               </a:ext>
             </a:extLst>
           </p:cNvPr>
@@ -3714,7 +3722,7 @@
           <a:p>
             <a:fld id="{02E60DA2-A0BC-48C9-AA88-75C78721B420}" type="datetimeFigureOut">
               <a:rPr lang="zh-CN" altLang="en-US" smtClean="0"/>
-              <a:t>2018/2/3</a:t>
+              <a:t>2018/2/25</a:t>
             </a:fld>
             <a:endParaRPr lang="zh-CN" altLang="en-US"/>
           </a:p>
@@ -3725,7 +3733,7 @@
           <p:cNvPr id="5" name="页脚占位符 4">
             <a:extLst>
               <a:ext uri="{FF2B5EF4-FFF2-40B4-BE49-F238E27FC236}">
-                <a16:creationId xmlns="" xmlns:a16="http://schemas.microsoft.com/office/drawing/2014/main" id="{D2C2BA79-53D6-4263-B3EF-84D5A8428278}"/>
+                <a16:creationId xmlns:a16="http://schemas.microsoft.com/office/drawing/2014/main" id="{D2C2BA79-53D6-4263-B3EF-84D5A8428278}"/>
               </a:ext>
             </a:extLst>
           </p:cNvPr>
@@ -3758,7 +3766,7 @@
           <p:cNvPr id="6" name="灯片编号占位符 5">
             <a:extLst>
               <a:ext uri="{FF2B5EF4-FFF2-40B4-BE49-F238E27FC236}">
-                <a16:creationId xmlns="" xmlns:a16="http://schemas.microsoft.com/office/drawing/2014/main" id="{4BE22221-8CB7-4DBA-9746-B585C0976CD3}"/>
+                <a16:creationId xmlns:a16="http://schemas.microsoft.com/office/drawing/2014/main" id="{4BE22221-8CB7-4DBA-9746-B585C0976CD3}"/>
               </a:ext>
             </a:extLst>
           </p:cNvPr>
@@ -3825,7 +3833,7 @@
           <p:cNvPr id="2" name="竖排标题 1">
             <a:extLst>
               <a:ext uri="{FF2B5EF4-FFF2-40B4-BE49-F238E27FC236}">
-                <a16:creationId xmlns="" xmlns:a16="http://schemas.microsoft.com/office/drawing/2014/main" id="{9333D106-9CB0-4E10-B301-7397C10E60E3}"/>
+                <a16:creationId xmlns:a16="http://schemas.microsoft.com/office/drawing/2014/main" id="{9333D106-9CB0-4E10-B301-7397C10E60E3}"/>
               </a:ext>
             </a:extLst>
           </p:cNvPr>
@@ -3861,7 +3869,7 @@
           <p:cNvPr id="3" name="竖排文字占位符 2">
             <a:extLst>
               <a:ext uri="{FF2B5EF4-FFF2-40B4-BE49-F238E27FC236}">
-                <a16:creationId xmlns="" xmlns:a16="http://schemas.microsoft.com/office/drawing/2014/main" id="{E29239A0-3839-4303-B54E-4260334C7BB7}"/>
+                <a16:creationId xmlns:a16="http://schemas.microsoft.com/office/drawing/2014/main" id="{E29239A0-3839-4303-B54E-4260334C7BB7}"/>
               </a:ext>
             </a:extLst>
           </p:cNvPr>
@@ -3926,7 +3934,7 @@
           <p:cNvPr id="4" name="日期占位符 3">
             <a:extLst>
               <a:ext uri="{FF2B5EF4-FFF2-40B4-BE49-F238E27FC236}">
-                <a16:creationId xmlns="" xmlns:a16="http://schemas.microsoft.com/office/drawing/2014/main" id="{8A1A2039-7BFB-41DB-85F9-F49C92BFFB17}"/>
+                <a16:creationId xmlns:a16="http://schemas.microsoft.com/office/drawing/2014/main" id="{8A1A2039-7BFB-41DB-85F9-F49C92BFFB17}"/>
               </a:ext>
             </a:extLst>
           </p:cNvPr>
@@ -3952,7 +3960,7 @@
           <a:p>
             <a:fld id="{02E60DA2-A0BC-48C9-AA88-75C78721B420}" type="datetimeFigureOut">
               <a:rPr lang="zh-CN" altLang="en-US" smtClean="0"/>
-              <a:t>2018/2/3</a:t>
+              <a:t>2018/2/25</a:t>
             </a:fld>
             <a:endParaRPr lang="zh-CN" altLang="en-US"/>
           </a:p>
@@ -3963,7 +3971,7 @@
           <p:cNvPr id="5" name="页脚占位符 4">
             <a:extLst>
               <a:ext uri="{FF2B5EF4-FFF2-40B4-BE49-F238E27FC236}">
-                <a16:creationId xmlns="" xmlns:a16="http://schemas.microsoft.com/office/drawing/2014/main" id="{C278BB87-5004-4714-8C46-6CBF22C35098}"/>
+                <a16:creationId xmlns:a16="http://schemas.microsoft.com/office/drawing/2014/main" id="{C278BB87-5004-4714-8C46-6CBF22C35098}"/>
               </a:ext>
             </a:extLst>
           </p:cNvPr>
@@ -3996,7 +4004,7 @@
           <p:cNvPr id="6" name="灯片编号占位符 5">
             <a:extLst>
               <a:ext uri="{FF2B5EF4-FFF2-40B4-BE49-F238E27FC236}">
-                <a16:creationId xmlns="" xmlns:a16="http://schemas.microsoft.com/office/drawing/2014/main" id="{FC1B4085-6E0A-4997-BE38-7B5E447F199F}"/>
+                <a16:creationId xmlns:a16="http://schemas.microsoft.com/office/drawing/2014/main" id="{FC1B4085-6E0A-4997-BE38-7B5E447F199F}"/>
               </a:ext>
             </a:extLst>
           </p:cNvPr>
@@ -4063,7 +4071,7 @@
           <p:cNvPr id="2" name="标题 1">
             <a:extLst>
               <a:ext uri="{FF2B5EF4-FFF2-40B4-BE49-F238E27FC236}">
-                <a16:creationId xmlns="" xmlns:a16="http://schemas.microsoft.com/office/drawing/2014/main" id="{6602C541-D67E-4BE0-B223-149D33CF5FF1}"/>
+                <a16:creationId xmlns:a16="http://schemas.microsoft.com/office/drawing/2014/main" id="{6602C541-D67E-4BE0-B223-149D33CF5FF1}"/>
               </a:ext>
             </a:extLst>
           </p:cNvPr>
@@ -4100,7 +4108,7 @@
           <p:cNvPr id="3" name="文本占位符 2">
             <a:extLst>
               <a:ext uri="{FF2B5EF4-FFF2-40B4-BE49-F238E27FC236}">
-                <a16:creationId xmlns="" xmlns:a16="http://schemas.microsoft.com/office/drawing/2014/main" id="{55E06CBC-8EBA-42F9-B3E0-A843AEDB1BD8}"/>
+                <a16:creationId xmlns:a16="http://schemas.microsoft.com/office/drawing/2014/main" id="{55E06CBC-8EBA-42F9-B3E0-A843AEDB1BD8}"/>
               </a:ext>
             </a:extLst>
           </p:cNvPr>
@@ -4225,7 +4233,7 @@
           <p:cNvPr id="4" name="日期占位符 3">
             <a:extLst>
               <a:ext uri="{FF2B5EF4-FFF2-40B4-BE49-F238E27FC236}">
-                <a16:creationId xmlns="" xmlns:a16="http://schemas.microsoft.com/office/drawing/2014/main" id="{FDB2504C-5AB1-4506-A9D8-1A948CBC2BF3}"/>
+                <a16:creationId xmlns:a16="http://schemas.microsoft.com/office/drawing/2014/main" id="{FDB2504C-5AB1-4506-A9D8-1A948CBC2BF3}"/>
               </a:ext>
             </a:extLst>
           </p:cNvPr>
@@ -4251,7 +4259,7 @@
           <a:p>
             <a:fld id="{02E60DA2-A0BC-48C9-AA88-75C78721B420}" type="datetimeFigureOut">
               <a:rPr lang="zh-CN" altLang="en-US" smtClean="0"/>
-              <a:t>2018/2/3</a:t>
+              <a:t>2018/2/25</a:t>
             </a:fld>
             <a:endParaRPr lang="zh-CN" altLang="en-US"/>
           </a:p>
@@ -4262,7 +4270,7 @@
           <p:cNvPr id="5" name="页脚占位符 4">
             <a:extLst>
               <a:ext uri="{FF2B5EF4-FFF2-40B4-BE49-F238E27FC236}">
-                <a16:creationId xmlns="" xmlns:a16="http://schemas.microsoft.com/office/drawing/2014/main" id="{8EED1BC2-384F-490F-9206-6F27238D90DB}"/>
+                <a16:creationId xmlns:a16="http://schemas.microsoft.com/office/drawing/2014/main" id="{8EED1BC2-384F-490F-9206-6F27238D90DB}"/>
               </a:ext>
             </a:extLst>
           </p:cNvPr>
@@ -4295,7 +4303,7 @@
           <p:cNvPr id="6" name="灯片编号占位符 5">
             <a:extLst>
               <a:ext uri="{FF2B5EF4-FFF2-40B4-BE49-F238E27FC236}">
-                <a16:creationId xmlns="" xmlns:a16="http://schemas.microsoft.com/office/drawing/2014/main" id="{975F5478-33A3-42ED-9060-A6BDD7DBCE9C}"/>
+                <a16:creationId xmlns:a16="http://schemas.microsoft.com/office/drawing/2014/main" id="{975F5478-33A3-42ED-9060-A6BDD7DBCE9C}"/>
               </a:ext>
             </a:extLst>
           </p:cNvPr>
@@ -4362,7 +4370,7 @@
           <p:cNvPr id="2" name="标题 1">
             <a:extLst>
               <a:ext uri="{FF2B5EF4-FFF2-40B4-BE49-F238E27FC236}">
-                <a16:creationId xmlns="" xmlns:a16="http://schemas.microsoft.com/office/drawing/2014/main" id="{F280021F-2F2C-4A26-AE3A-95F8A2B3E147}"/>
+                <a16:creationId xmlns:a16="http://schemas.microsoft.com/office/drawing/2014/main" id="{F280021F-2F2C-4A26-AE3A-95F8A2B3E147}"/>
               </a:ext>
             </a:extLst>
           </p:cNvPr>
@@ -4390,7 +4398,7 @@
           <p:cNvPr id="3" name="内容占位符 2">
             <a:extLst>
               <a:ext uri="{FF2B5EF4-FFF2-40B4-BE49-F238E27FC236}">
-                <a16:creationId xmlns="" xmlns:a16="http://schemas.microsoft.com/office/drawing/2014/main" id="{16BB5DE8-6678-4CCF-AE5C-C34328A85403}"/>
+                <a16:creationId xmlns:a16="http://schemas.microsoft.com/office/drawing/2014/main" id="{16BB5DE8-6678-4CCF-AE5C-C34328A85403}"/>
               </a:ext>
             </a:extLst>
           </p:cNvPr>
@@ -4452,7 +4460,7 @@
           <p:cNvPr id="4" name="内容占位符 3">
             <a:extLst>
               <a:ext uri="{FF2B5EF4-FFF2-40B4-BE49-F238E27FC236}">
-                <a16:creationId xmlns="" xmlns:a16="http://schemas.microsoft.com/office/drawing/2014/main" id="{52D4C2E3-226A-42C0-9112-DDBD640689E2}"/>
+                <a16:creationId xmlns:a16="http://schemas.microsoft.com/office/drawing/2014/main" id="{52D4C2E3-226A-42C0-9112-DDBD640689E2}"/>
               </a:ext>
             </a:extLst>
           </p:cNvPr>
@@ -4514,7 +4522,7 @@
           <p:cNvPr id="5" name="日期占位符 4">
             <a:extLst>
               <a:ext uri="{FF2B5EF4-FFF2-40B4-BE49-F238E27FC236}">
-                <a16:creationId xmlns="" xmlns:a16="http://schemas.microsoft.com/office/drawing/2014/main" id="{5D556E24-99A4-40A5-8584-523B3DC8CC54}"/>
+                <a16:creationId xmlns:a16="http://schemas.microsoft.com/office/drawing/2014/main" id="{5D556E24-99A4-40A5-8584-523B3DC8CC54}"/>
               </a:ext>
             </a:extLst>
           </p:cNvPr>
@@ -4540,7 +4548,7 @@
           <a:p>
             <a:fld id="{02E60DA2-A0BC-48C9-AA88-75C78721B420}" type="datetimeFigureOut">
               <a:rPr lang="zh-CN" altLang="en-US" smtClean="0"/>
-              <a:t>2018/2/3</a:t>
+              <a:t>2018/2/25</a:t>
             </a:fld>
             <a:endParaRPr lang="zh-CN" altLang="en-US"/>
           </a:p>
@@ -4551,7 +4559,7 @@
           <p:cNvPr id="6" name="页脚占位符 5">
             <a:extLst>
               <a:ext uri="{FF2B5EF4-FFF2-40B4-BE49-F238E27FC236}">
-                <a16:creationId xmlns="" xmlns:a16="http://schemas.microsoft.com/office/drawing/2014/main" id="{95588254-DF01-4504-AC65-B12627BAC841}"/>
+                <a16:creationId xmlns:a16="http://schemas.microsoft.com/office/drawing/2014/main" id="{95588254-DF01-4504-AC65-B12627BAC841}"/>
               </a:ext>
             </a:extLst>
           </p:cNvPr>
@@ -4584,7 +4592,7 @@
           <p:cNvPr id="7" name="灯片编号占位符 6">
             <a:extLst>
               <a:ext uri="{FF2B5EF4-FFF2-40B4-BE49-F238E27FC236}">
-                <a16:creationId xmlns="" xmlns:a16="http://schemas.microsoft.com/office/drawing/2014/main" id="{E3DB2B8F-1BF3-4C3D-ADB1-B57BB4FB3DB2}"/>
+                <a16:creationId xmlns:a16="http://schemas.microsoft.com/office/drawing/2014/main" id="{E3DB2B8F-1BF3-4C3D-ADB1-B57BB4FB3DB2}"/>
               </a:ext>
             </a:extLst>
           </p:cNvPr>
@@ -4651,7 +4659,7 @@
           <p:cNvPr id="2" name="标题 1">
             <a:extLst>
               <a:ext uri="{FF2B5EF4-FFF2-40B4-BE49-F238E27FC236}">
-                <a16:creationId xmlns="" xmlns:a16="http://schemas.microsoft.com/office/drawing/2014/main" id="{1FCF7059-1F16-4131-B4F7-8D2FA3ABA857}"/>
+                <a16:creationId xmlns:a16="http://schemas.microsoft.com/office/drawing/2014/main" id="{1FCF7059-1F16-4131-B4F7-8D2FA3ABA857}"/>
               </a:ext>
             </a:extLst>
           </p:cNvPr>
@@ -4684,7 +4692,7 @@
           <p:cNvPr id="3" name="文本占位符 2">
             <a:extLst>
               <a:ext uri="{FF2B5EF4-FFF2-40B4-BE49-F238E27FC236}">
-                <a16:creationId xmlns="" xmlns:a16="http://schemas.microsoft.com/office/drawing/2014/main" id="{642F9B6A-0820-427D-AFA5-C3F5F6C080D8}"/>
+                <a16:creationId xmlns:a16="http://schemas.microsoft.com/office/drawing/2014/main" id="{642F9B6A-0820-427D-AFA5-C3F5F6C080D8}"/>
               </a:ext>
             </a:extLst>
           </p:cNvPr>
@@ -4755,7 +4763,7 @@
           <p:cNvPr id="4" name="内容占位符 3">
             <a:extLst>
               <a:ext uri="{FF2B5EF4-FFF2-40B4-BE49-F238E27FC236}">
-                <a16:creationId xmlns="" xmlns:a16="http://schemas.microsoft.com/office/drawing/2014/main" id="{02AB4C75-6A8C-47B1-9EC2-84DF650C535E}"/>
+                <a16:creationId xmlns:a16="http://schemas.microsoft.com/office/drawing/2014/main" id="{02AB4C75-6A8C-47B1-9EC2-84DF650C535E}"/>
               </a:ext>
             </a:extLst>
           </p:cNvPr>
@@ -4817,7 +4825,7 @@
           <p:cNvPr id="5" name="文本占位符 4">
             <a:extLst>
               <a:ext uri="{FF2B5EF4-FFF2-40B4-BE49-F238E27FC236}">
-                <a16:creationId xmlns="" xmlns:a16="http://schemas.microsoft.com/office/drawing/2014/main" id="{458007A5-D05F-43D0-8B1B-07499E571A57}"/>
+                <a16:creationId xmlns:a16="http://schemas.microsoft.com/office/drawing/2014/main" id="{458007A5-D05F-43D0-8B1B-07499E571A57}"/>
               </a:ext>
             </a:extLst>
           </p:cNvPr>
@@ -4888,7 +4896,7 @@
           <p:cNvPr id="6" name="内容占位符 5">
             <a:extLst>
               <a:ext uri="{FF2B5EF4-FFF2-40B4-BE49-F238E27FC236}">
-                <a16:creationId xmlns="" xmlns:a16="http://schemas.microsoft.com/office/drawing/2014/main" id="{F57234F0-4318-43CD-A0EB-A2518460F791}"/>
+                <a16:creationId xmlns:a16="http://schemas.microsoft.com/office/drawing/2014/main" id="{F57234F0-4318-43CD-A0EB-A2518460F791}"/>
               </a:ext>
             </a:extLst>
           </p:cNvPr>
@@ -4950,7 +4958,7 @@
           <p:cNvPr id="7" name="日期占位符 6">
             <a:extLst>
               <a:ext uri="{FF2B5EF4-FFF2-40B4-BE49-F238E27FC236}">
-                <a16:creationId xmlns="" xmlns:a16="http://schemas.microsoft.com/office/drawing/2014/main" id="{D030C091-FABA-44CF-8760-92751B492903}"/>
+                <a16:creationId xmlns:a16="http://schemas.microsoft.com/office/drawing/2014/main" id="{D030C091-FABA-44CF-8760-92751B492903}"/>
               </a:ext>
             </a:extLst>
           </p:cNvPr>
@@ -4976,7 +4984,7 @@
           <a:p>
             <a:fld id="{02E60DA2-A0BC-48C9-AA88-75C78721B420}" type="datetimeFigureOut">
               <a:rPr lang="zh-CN" altLang="en-US" smtClean="0"/>
-              <a:t>2018/2/3</a:t>
+              <a:t>2018/2/25</a:t>
             </a:fld>
             <a:endParaRPr lang="zh-CN" altLang="en-US"/>
           </a:p>
@@ -4987,7 +4995,7 @@
           <p:cNvPr id="8" name="页脚占位符 7">
             <a:extLst>
               <a:ext uri="{FF2B5EF4-FFF2-40B4-BE49-F238E27FC236}">
-                <a16:creationId xmlns="" xmlns:a16="http://schemas.microsoft.com/office/drawing/2014/main" id="{DFC243E3-88DA-4B81-9749-7E235998D5FA}"/>
+                <a16:creationId xmlns:a16="http://schemas.microsoft.com/office/drawing/2014/main" id="{DFC243E3-88DA-4B81-9749-7E235998D5FA}"/>
               </a:ext>
             </a:extLst>
           </p:cNvPr>
@@ -5020,7 +5028,7 @@
           <p:cNvPr id="9" name="灯片编号占位符 8">
             <a:extLst>
               <a:ext uri="{FF2B5EF4-FFF2-40B4-BE49-F238E27FC236}">
-                <a16:creationId xmlns="" xmlns:a16="http://schemas.microsoft.com/office/drawing/2014/main" id="{DC725EB2-3E8C-4775-ABB0-6845261CB470}"/>
+                <a16:creationId xmlns:a16="http://schemas.microsoft.com/office/drawing/2014/main" id="{DC725EB2-3E8C-4775-ABB0-6845261CB470}"/>
               </a:ext>
             </a:extLst>
           </p:cNvPr>
@@ -5087,7 +5095,7 @@
           <p:cNvPr id="2" name="标题 1">
             <a:extLst>
               <a:ext uri="{FF2B5EF4-FFF2-40B4-BE49-F238E27FC236}">
-                <a16:creationId xmlns="" xmlns:a16="http://schemas.microsoft.com/office/drawing/2014/main" id="{176FF9FA-22DC-4A12-80DB-6BFCA5FC0E2A}"/>
+                <a16:creationId xmlns:a16="http://schemas.microsoft.com/office/drawing/2014/main" id="{176FF9FA-22DC-4A12-80DB-6BFCA5FC0E2A}"/>
               </a:ext>
             </a:extLst>
           </p:cNvPr>
@@ -5115,7 +5123,7 @@
           <p:cNvPr id="3" name="日期占位符 2">
             <a:extLst>
               <a:ext uri="{FF2B5EF4-FFF2-40B4-BE49-F238E27FC236}">
-                <a16:creationId xmlns="" xmlns:a16="http://schemas.microsoft.com/office/drawing/2014/main" id="{04931B3A-E05C-4829-88BD-35F04D285067}"/>
+                <a16:creationId xmlns:a16="http://schemas.microsoft.com/office/drawing/2014/main" id="{04931B3A-E05C-4829-88BD-35F04D285067}"/>
               </a:ext>
             </a:extLst>
           </p:cNvPr>
@@ -5141,7 +5149,7 @@
           <a:p>
             <a:fld id="{02E60DA2-A0BC-48C9-AA88-75C78721B420}" type="datetimeFigureOut">
               <a:rPr lang="zh-CN" altLang="en-US" smtClean="0"/>
-              <a:t>2018/2/3</a:t>
+              <a:t>2018/2/25</a:t>
             </a:fld>
             <a:endParaRPr lang="zh-CN" altLang="en-US"/>
           </a:p>
@@ -5152,7 +5160,7 @@
           <p:cNvPr id="4" name="页脚占位符 3">
             <a:extLst>
               <a:ext uri="{FF2B5EF4-FFF2-40B4-BE49-F238E27FC236}">
-                <a16:creationId xmlns="" xmlns:a16="http://schemas.microsoft.com/office/drawing/2014/main" id="{5C61DA9A-CFE7-484A-83FF-3684F9AA3DCE}"/>
+                <a16:creationId xmlns:a16="http://schemas.microsoft.com/office/drawing/2014/main" id="{5C61DA9A-CFE7-484A-83FF-3684F9AA3DCE}"/>
               </a:ext>
             </a:extLst>
           </p:cNvPr>
@@ -5185,7 +5193,7 @@
           <p:cNvPr id="5" name="灯片编号占位符 4">
             <a:extLst>
               <a:ext uri="{FF2B5EF4-FFF2-40B4-BE49-F238E27FC236}">
-                <a16:creationId xmlns="" xmlns:a16="http://schemas.microsoft.com/office/drawing/2014/main" id="{BB525513-D499-4F43-9AD3-9070531C555A}"/>
+                <a16:creationId xmlns:a16="http://schemas.microsoft.com/office/drawing/2014/main" id="{BB525513-D499-4F43-9AD3-9070531C555A}"/>
               </a:ext>
             </a:extLst>
           </p:cNvPr>
@@ -5252,7 +5260,7 @@
           <p:cNvPr id="2" name="日期占位符 1">
             <a:extLst>
               <a:ext uri="{FF2B5EF4-FFF2-40B4-BE49-F238E27FC236}">
-                <a16:creationId xmlns="" xmlns:a16="http://schemas.microsoft.com/office/drawing/2014/main" id="{856EF436-74CE-42C2-A4F6-B1EC6E2B9DA0}"/>
+                <a16:creationId xmlns:a16="http://schemas.microsoft.com/office/drawing/2014/main" id="{856EF436-74CE-42C2-A4F6-B1EC6E2B9DA0}"/>
               </a:ext>
             </a:extLst>
           </p:cNvPr>
@@ -5278,7 +5286,7 @@
           <a:p>
             <a:fld id="{02E60DA2-A0BC-48C9-AA88-75C78721B420}" type="datetimeFigureOut">
               <a:rPr lang="zh-CN" altLang="en-US" smtClean="0"/>
-              <a:t>2018/2/3</a:t>
+              <a:t>2018/2/25</a:t>
             </a:fld>
             <a:endParaRPr lang="zh-CN" altLang="en-US"/>
           </a:p>
@@ -5289,7 +5297,7 @@
           <p:cNvPr id="3" name="页脚占位符 2">
             <a:extLst>
               <a:ext uri="{FF2B5EF4-FFF2-40B4-BE49-F238E27FC236}">
-                <a16:creationId xmlns="" xmlns:a16="http://schemas.microsoft.com/office/drawing/2014/main" id="{AAAC67BA-8358-4BC2-B9B5-1C37DDD6AF86}"/>
+                <a16:creationId xmlns:a16="http://schemas.microsoft.com/office/drawing/2014/main" id="{AAAC67BA-8358-4BC2-B9B5-1C37DDD6AF86}"/>
               </a:ext>
             </a:extLst>
           </p:cNvPr>
@@ -5322,7 +5330,7 @@
           <p:cNvPr id="4" name="灯片编号占位符 3">
             <a:extLst>
               <a:ext uri="{FF2B5EF4-FFF2-40B4-BE49-F238E27FC236}">
-                <a16:creationId xmlns="" xmlns:a16="http://schemas.microsoft.com/office/drawing/2014/main" id="{3C690F71-28C5-4A3C-A38A-84291F65B4A5}"/>
+                <a16:creationId xmlns:a16="http://schemas.microsoft.com/office/drawing/2014/main" id="{3C690F71-28C5-4A3C-A38A-84291F65B4A5}"/>
               </a:ext>
             </a:extLst>
           </p:cNvPr>
@@ -5389,7 +5397,7 @@
           <p:cNvPr id="2" name="标题 1">
             <a:extLst>
               <a:ext uri="{FF2B5EF4-FFF2-40B4-BE49-F238E27FC236}">
-                <a16:creationId xmlns="" xmlns:a16="http://schemas.microsoft.com/office/drawing/2014/main" id="{2DC4A2AE-8EAF-4AE2-B62C-AA311DE3A1E9}"/>
+                <a16:creationId xmlns:a16="http://schemas.microsoft.com/office/drawing/2014/main" id="{2DC4A2AE-8EAF-4AE2-B62C-AA311DE3A1E9}"/>
               </a:ext>
             </a:extLst>
           </p:cNvPr>
@@ -5426,7 +5434,7 @@
           <p:cNvPr id="3" name="内容占位符 2">
             <a:extLst>
               <a:ext uri="{FF2B5EF4-FFF2-40B4-BE49-F238E27FC236}">
-                <a16:creationId xmlns="" xmlns:a16="http://schemas.microsoft.com/office/drawing/2014/main" id="{29A38D02-3DC7-4778-AF80-35369A40EB85}"/>
+                <a16:creationId xmlns:a16="http://schemas.microsoft.com/office/drawing/2014/main" id="{29A38D02-3DC7-4778-AF80-35369A40EB85}"/>
               </a:ext>
             </a:extLst>
           </p:cNvPr>
@@ -5516,7 +5524,7 @@
           <p:cNvPr id="4" name="文本占位符 3">
             <a:extLst>
               <a:ext uri="{FF2B5EF4-FFF2-40B4-BE49-F238E27FC236}">
-                <a16:creationId xmlns="" xmlns:a16="http://schemas.microsoft.com/office/drawing/2014/main" id="{F8827B4D-182A-4350-87DE-CAB16996E2C8}"/>
+                <a16:creationId xmlns:a16="http://schemas.microsoft.com/office/drawing/2014/main" id="{F8827B4D-182A-4350-87DE-CAB16996E2C8}"/>
               </a:ext>
             </a:extLst>
           </p:cNvPr>
@@ -5587,7 +5595,7 @@
           <p:cNvPr id="5" name="日期占位符 4">
             <a:extLst>
               <a:ext uri="{FF2B5EF4-FFF2-40B4-BE49-F238E27FC236}">
-                <a16:creationId xmlns="" xmlns:a16="http://schemas.microsoft.com/office/drawing/2014/main" id="{D8C60B6D-CB4D-4EE5-B197-8E1F79EB6B67}"/>
+                <a16:creationId xmlns:a16="http://schemas.microsoft.com/office/drawing/2014/main" id="{D8C60B6D-CB4D-4EE5-B197-8E1F79EB6B67}"/>
               </a:ext>
             </a:extLst>
           </p:cNvPr>
@@ -5613,7 +5621,7 @@
           <a:p>
             <a:fld id="{02E60DA2-A0BC-48C9-AA88-75C78721B420}" type="datetimeFigureOut">
               <a:rPr lang="zh-CN" altLang="en-US" smtClean="0"/>
-              <a:t>2018/2/3</a:t>
+              <a:t>2018/2/25</a:t>
             </a:fld>
             <a:endParaRPr lang="zh-CN" altLang="en-US"/>
           </a:p>
@@ -5624,7 +5632,7 @@
           <p:cNvPr id="6" name="页脚占位符 5">
             <a:extLst>
               <a:ext uri="{FF2B5EF4-FFF2-40B4-BE49-F238E27FC236}">
-                <a16:creationId xmlns="" xmlns:a16="http://schemas.microsoft.com/office/drawing/2014/main" id="{9E1979CC-C402-4145-9052-07B431D7AFEC}"/>
+                <a16:creationId xmlns:a16="http://schemas.microsoft.com/office/drawing/2014/main" id="{9E1979CC-C402-4145-9052-07B431D7AFEC}"/>
               </a:ext>
             </a:extLst>
           </p:cNvPr>
@@ -5657,7 +5665,7 @@
           <p:cNvPr id="7" name="灯片编号占位符 6">
             <a:extLst>
               <a:ext uri="{FF2B5EF4-FFF2-40B4-BE49-F238E27FC236}">
-                <a16:creationId xmlns="" xmlns:a16="http://schemas.microsoft.com/office/drawing/2014/main" id="{2154E0DC-BD8A-4F38-903B-3E5633CA2F60}"/>
+                <a16:creationId xmlns:a16="http://schemas.microsoft.com/office/drawing/2014/main" id="{2154E0DC-BD8A-4F38-903B-3E5633CA2F60}"/>
               </a:ext>
             </a:extLst>
           </p:cNvPr>
@@ -5724,7 +5732,7 @@
           <p:cNvPr id="2" name="标题 1">
             <a:extLst>
               <a:ext uri="{FF2B5EF4-FFF2-40B4-BE49-F238E27FC236}">
-                <a16:creationId xmlns="" xmlns:a16="http://schemas.microsoft.com/office/drawing/2014/main" id="{55D8E271-748E-4E9C-8E22-291FEDCA23FB}"/>
+                <a16:creationId xmlns:a16="http://schemas.microsoft.com/office/drawing/2014/main" id="{55D8E271-748E-4E9C-8E22-291FEDCA23FB}"/>
               </a:ext>
             </a:extLst>
           </p:cNvPr>
@@ -5761,7 +5769,7 @@
           <p:cNvPr id="3" name="图片占位符 2">
             <a:extLst>
               <a:ext uri="{FF2B5EF4-FFF2-40B4-BE49-F238E27FC236}">
-                <a16:creationId xmlns="" xmlns:a16="http://schemas.microsoft.com/office/drawing/2014/main" id="{C656EA3D-02E1-4F87-9FD9-177128AD8CC5}"/>
+                <a16:creationId xmlns:a16="http://schemas.microsoft.com/office/drawing/2014/main" id="{C656EA3D-02E1-4F87-9FD9-177128AD8CC5}"/>
               </a:ext>
             </a:extLst>
           </p:cNvPr>
@@ -5828,7 +5836,7 @@
           <p:cNvPr id="4" name="文本占位符 3">
             <a:extLst>
               <a:ext uri="{FF2B5EF4-FFF2-40B4-BE49-F238E27FC236}">
-                <a16:creationId xmlns="" xmlns:a16="http://schemas.microsoft.com/office/drawing/2014/main" id="{8C3A0957-516C-4962-AA82-F08B70B9D143}"/>
+                <a16:creationId xmlns:a16="http://schemas.microsoft.com/office/drawing/2014/main" id="{8C3A0957-516C-4962-AA82-F08B70B9D143}"/>
               </a:ext>
             </a:extLst>
           </p:cNvPr>
@@ -5899,7 +5907,7 @@
           <p:cNvPr id="5" name="日期占位符 4">
             <a:extLst>
               <a:ext uri="{FF2B5EF4-FFF2-40B4-BE49-F238E27FC236}">
-                <a16:creationId xmlns="" xmlns:a16="http://schemas.microsoft.com/office/drawing/2014/main" id="{ED21E2C7-EDFE-4B51-A5B2-B6CF5067759E}"/>
+                <a16:creationId xmlns:a16="http://schemas.microsoft.com/office/drawing/2014/main" id="{ED21E2C7-EDFE-4B51-A5B2-B6CF5067759E}"/>
               </a:ext>
             </a:extLst>
           </p:cNvPr>
@@ -5925,7 +5933,7 @@
           <a:p>
             <a:fld id="{02E60DA2-A0BC-48C9-AA88-75C78721B420}" type="datetimeFigureOut">
               <a:rPr lang="zh-CN" altLang="en-US" smtClean="0"/>
-              <a:t>2018/2/3</a:t>
+              <a:t>2018/2/25</a:t>
             </a:fld>
             <a:endParaRPr lang="zh-CN" altLang="en-US"/>
           </a:p>
@@ -5936,7 +5944,7 @@
           <p:cNvPr id="6" name="页脚占位符 5">
             <a:extLst>
               <a:ext uri="{FF2B5EF4-FFF2-40B4-BE49-F238E27FC236}">
-                <a16:creationId xmlns="" xmlns:a16="http://schemas.microsoft.com/office/drawing/2014/main" id="{25EF1747-23A0-4DAB-986E-60F5EB6FF554}"/>
+                <a16:creationId xmlns:a16="http://schemas.microsoft.com/office/drawing/2014/main" id="{25EF1747-23A0-4DAB-986E-60F5EB6FF554}"/>
               </a:ext>
             </a:extLst>
           </p:cNvPr>
@@ -5969,7 +5977,7 @@
           <p:cNvPr id="7" name="灯片编号占位符 6">
             <a:extLst>
               <a:ext uri="{FF2B5EF4-FFF2-40B4-BE49-F238E27FC236}">
-                <a16:creationId xmlns="" xmlns:a16="http://schemas.microsoft.com/office/drawing/2014/main" id="{1BB71036-67DE-4C24-9A1C-8991B59BB598}"/>
+                <a16:creationId xmlns:a16="http://schemas.microsoft.com/office/drawing/2014/main" id="{1BB71036-67DE-4C24-9A1C-8991B59BB598}"/>
               </a:ext>
             </a:extLst>
           </p:cNvPr>
@@ -6041,7 +6049,7 @@
           <p:cNvPr id="2" name="标题占位符 1">
             <a:extLst>
               <a:ext uri="{FF2B5EF4-FFF2-40B4-BE49-F238E27FC236}">
-                <a16:creationId xmlns="" xmlns:a16="http://schemas.microsoft.com/office/drawing/2014/main" id="{17047EAE-6544-4C32-BB1B-DEB9CA27D387}"/>
+                <a16:creationId xmlns:a16="http://schemas.microsoft.com/office/drawing/2014/main" id="{17047EAE-6544-4C32-BB1B-DEB9CA27D387}"/>
               </a:ext>
             </a:extLst>
           </p:cNvPr>
@@ -6079,7 +6087,7 @@
           <p:cNvPr id="3" name="文本占位符 2">
             <a:extLst>
               <a:ext uri="{FF2B5EF4-FFF2-40B4-BE49-F238E27FC236}">
-                <a16:creationId xmlns="" xmlns:a16="http://schemas.microsoft.com/office/drawing/2014/main" id="{343275D9-644D-48CC-93A4-9303E430DE72}"/>
+                <a16:creationId xmlns:a16="http://schemas.microsoft.com/office/drawing/2014/main" id="{343275D9-644D-48CC-93A4-9303E430DE72}"/>
               </a:ext>
             </a:extLst>
           </p:cNvPr>
@@ -6146,7 +6154,7 @@
           <p:cNvPr id="8" name="直接连接符 7">
             <a:extLst>
               <a:ext uri="{FF2B5EF4-FFF2-40B4-BE49-F238E27FC236}">
-                <a16:creationId xmlns="" xmlns:a16="http://schemas.microsoft.com/office/drawing/2014/main" id="{3461F74E-FC76-4826-8105-C187AB1791BC}"/>
+                <a16:creationId xmlns:a16="http://schemas.microsoft.com/office/drawing/2014/main" id="{3461F74E-FC76-4826-8105-C187AB1791BC}"/>
               </a:ext>
             </a:extLst>
           </p:cNvPr>
@@ -6187,7 +6195,7 @@
           <p:cNvPr id="9" name="文本框 8">
             <a:extLst>
               <a:ext uri="{FF2B5EF4-FFF2-40B4-BE49-F238E27FC236}">
-                <a16:creationId xmlns="" xmlns:a16="http://schemas.microsoft.com/office/drawing/2014/main" id="{7B2D7D35-142C-46D3-BC62-F961CC4338CB}"/>
+                <a16:creationId xmlns:a16="http://schemas.microsoft.com/office/drawing/2014/main" id="{7B2D7D35-142C-46D3-BC62-F961CC4338CB}"/>
               </a:ext>
             </a:extLst>
           </p:cNvPr>
@@ -6581,7 +6589,7 @@
           <p:cNvPr id="9" name="文本框 8">
             <a:extLst>
               <a:ext uri="{FF2B5EF4-FFF2-40B4-BE49-F238E27FC236}">
-                <a16:creationId xmlns="" xmlns:a16="http://schemas.microsoft.com/office/drawing/2014/main" id="{7B2D7D35-142C-46D3-BC62-F961CC4338CB}"/>
+                <a16:creationId xmlns:a16="http://schemas.microsoft.com/office/drawing/2014/main" id="{7B2D7D35-142C-46D3-BC62-F961CC4338CB}"/>
               </a:ext>
             </a:extLst>
           </p:cNvPr>
@@ -6984,7 +6992,7 @@
           <p:cNvPr id="2" name="标题 1">
             <a:extLst>
               <a:ext uri="{FF2B5EF4-FFF2-40B4-BE49-F238E27FC236}">
-                <a16:creationId xmlns="" xmlns:a16="http://schemas.microsoft.com/office/drawing/2014/main" id="{71030DC9-2374-46B1-811E-572401BAF3D1}"/>
+                <a16:creationId xmlns:a16="http://schemas.microsoft.com/office/drawing/2014/main" id="{71030DC9-2374-46B1-811E-572401BAF3D1}"/>
               </a:ext>
             </a:extLst>
           </p:cNvPr>
@@ -7050,7 +7058,7 @@
           <p:cNvPr id="3" name="副标题 2">
             <a:extLst>
               <a:ext uri="{FF2B5EF4-FFF2-40B4-BE49-F238E27FC236}">
-                <a16:creationId xmlns="" xmlns:a16="http://schemas.microsoft.com/office/drawing/2014/main" id="{DBFB0B47-0360-4ADB-A293-64ED809A7AAE}"/>
+                <a16:creationId xmlns:a16="http://schemas.microsoft.com/office/drawing/2014/main" id="{DBFB0B47-0360-4ADB-A293-64ED809A7AAE}"/>
               </a:ext>
             </a:extLst>
           </p:cNvPr>
@@ -7084,7 +7092,7 @@
             <a:r>
               <a:rPr lang="en-US" altLang="zh-CN" sz="3600" dirty="0">
                 <a:solidFill>
-                  <a:srgbClr val="FF0000"/>
+                  <a:srgbClr val="C00000"/>
                 </a:solidFill>
               </a:rPr>
               <a:t>IO</a:t>
@@ -7092,7 +7100,7 @@
             <a:r>
               <a:rPr lang="zh-CN" altLang="en-US" sz="3600" dirty="0">
                 <a:solidFill>
-                  <a:srgbClr val="FF0000"/>
+                  <a:srgbClr val="C00000"/>
                 </a:solidFill>
               </a:rPr>
               <a:t>重定向与管道</a:t>
@@ -7195,32 +7203,24 @@
             </a:r>
             <a:r>
               <a:rPr lang="zh-CN" altLang="en-US" sz="2000" dirty="0"/>
-              <a:t>、</a:t>
-            </a:r>
-            <a:r>
-              <a:rPr lang="zh-CN" altLang="en-US" sz="2000" dirty="0" smtClean="0"/>
-              <a:t>标准错误</a:t>
-            </a:r>
-            <a:r>
-              <a:rPr lang="en-US" altLang="zh-CN" sz="2000" dirty="0" smtClean="0"/>
-              <a:t>-</a:t>
+              <a:t>、标准错误</a:t>
             </a:r>
             <a:r>
               <a:rPr lang="en-US" altLang="zh-CN" sz="2000" dirty="0"/>
-              <a:t>STDERR</a:t>
-            </a:r>
-            <a:r>
-              <a:rPr lang="zh-CN" altLang="en-US" sz="2000" dirty="0" smtClean="0"/>
+              <a:t>-STDERR</a:t>
+            </a:r>
+            <a:r>
+              <a:rPr lang="zh-CN" altLang="en-US" sz="2000" dirty="0"/>
               <a:t>。</a:t>
             </a:r>
-            <a:endParaRPr lang="en-US" altLang="zh-CN" sz="2000" dirty="0" smtClean="0"/>
+            <a:endParaRPr lang="en-US" altLang="zh-CN" sz="2000" dirty="0"/>
           </a:p>
           <a:p>
             <a:pPr marL="0" indent="0">
               <a:buNone/>
             </a:pPr>
             <a:r>
-              <a:rPr lang="en-US" altLang="zh-CN" sz="2000" dirty="0" smtClean="0"/>
+              <a:rPr lang="en-US" altLang="zh-CN" sz="2000" dirty="0"/>
               <a:t>       </a:t>
             </a:r>
             <a:r>
@@ -7232,10 +7232,10 @@
               <a:t>0</a:t>
             </a:r>
             <a:r>
-              <a:rPr lang="zh-CN" altLang="en-US" sz="2000" dirty="0" smtClean="0"/>
+              <a:rPr lang="zh-CN" altLang="en-US" sz="2000" dirty="0"/>
               <a:t>，默认指向终端（在虚拟终端中即为键盘）</a:t>
             </a:r>
-            <a:endParaRPr lang="en-US" altLang="zh-CN" sz="2000" dirty="0" smtClean="0"/>
+            <a:endParaRPr lang="en-US" altLang="zh-CN" sz="2000" dirty="0"/>
           </a:p>
           <a:p>
             <a:pPr marL="0" indent="0">
@@ -7243,35 +7243,19 @@
             </a:pPr>
             <a:r>
               <a:rPr lang="en-US" altLang="zh-CN" sz="2000" dirty="0"/>
-              <a:t> </a:t>
-            </a:r>
-            <a:r>
-              <a:rPr lang="en-US" altLang="zh-CN" sz="2000" dirty="0" smtClean="0"/>
-              <a:t>      </a:t>
-            </a:r>
-            <a:r>
-              <a:rPr lang="zh-CN" altLang="en-US" sz="2000" dirty="0" smtClean="0"/>
-              <a:t>标准输出</a:t>
+              <a:t>       </a:t>
             </a:r>
             <a:r>
               <a:rPr lang="zh-CN" altLang="en-US" sz="2000" dirty="0"/>
-              <a:t>：文件描述符为</a:t>
+              <a:t>标准输出：文件描述符为</a:t>
             </a:r>
             <a:r>
               <a:rPr lang="en-US" altLang="zh-CN" sz="2000" dirty="0"/>
               <a:t>1</a:t>
             </a:r>
             <a:r>
-              <a:rPr lang="zh-CN" altLang="en-US" sz="2000" dirty="0" smtClean="0"/>
-              <a:t>，默认指向</a:t>
-            </a:r>
-            <a:r>
               <a:rPr lang="zh-CN" altLang="en-US" sz="2000" dirty="0"/>
-              <a:t>终端（在虚拟终端中即</a:t>
-            </a:r>
-            <a:r>
-              <a:rPr lang="zh-CN" altLang="en-US" sz="2000" dirty="0" smtClean="0"/>
-              <a:t>为屏幕）</a:t>
+              <a:t>，默认指向终端（在虚拟终端中即为屏幕）</a:t>
             </a:r>
             <a:endParaRPr lang="en-US" altLang="zh-CN" sz="2000" dirty="0"/>
           </a:p>
@@ -7280,32 +7264,20 @@
               <a:buNone/>
             </a:pPr>
             <a:r>
-              <a:rPr lang="en-US" altLang="zh-CN" sz="2000" dirty="0" smtClean="0"/>
+              <a:rPr lang="en-US" altLang="zh-CN" sz="2000" dirty="0"/>
               <a:t>       </a:t>
             </a:r>
             <a:r>
-              <a:rPr lang="zh-CN" altLang="en-US" sz="2000" dirty="0" smtClean="0"/>
-              <a:t>标准错误</a:t>
-            </a:r>
-            <a:r>
               <a:rPr lang="zh-CN" altLang="en-US" sz="2000" dirty="0"/>
-              <a:t>：文件描述符为</a:t>
+              <a:t>标准错误：文件描述符为</a:t>
             </a:r>
             <a:r>
               <a:rPr lang="en-US" altLang="zh-CN" sz="2000" dirty="0"/>
               <a:t>2</a:t>
             </a:r>
             <a:r>
-              <a:rPr lang="zh-CN" altLang="en-US" sz="2000" dirty="0" smtClean="0"/>
-              <a:t>，默认指向终端（</a:t>
-            </a:r>
-            <a:r>
               <a:rPr lang="zh-CN" altLang="en-US" sz="2000" dirty="0"/>
-              <a:t>在虚拟终端中即为屏幕</a:t>
-            </a:r>
-            <a:r>
-              <a:rPr lang="zh-CN" altLang="en-US" sz="2000" dirty="0" smtClean="0"/>
-              <a:t>）</a:t>
+              <a:t>，默认指向终端（在虚拟终端中即为屏幕）</a:t>
             </a:r>
             <a:endParaRPr lang="en-US" altLang="zh-CN" sz="2000" dirty="0"/>
           </a:p>
@@ -7314,22 +7286,22 @@
               <a:buNone/>
             </a:pPr>
             <a:r>
-              <a:rPr lang="en-US" altLang="zh-CN" sz="2000" dirty="0" smtClean="0"/>
+              <a:rPr lang="en-US" altLang="zh-CN" sz="2000" dirty="0"/>
               <a:t>   </a:t>
             </a:r>
             <a:r>
-              <a:rPr lang="zh-CN" altLang="en-US" sz="2000" dirty="0" smtClean="0"/>
+              <a:rPr lang="zh-CN" altLang="en-US" sz="2000" dirty="0"/>
               <a:t>在</a:t>
             </a:r>
             <a:r>
-              <a:rPr lang="en-US" altLang="zh-CN" sz="2000" dirty="0" smtClean="0"/>
+              <a:rPr lang="en-US" altLang="zh-CN" sz="2000" dirty="0"/>
               <a:t>Linux</a:t>
             </a:r>
             <a:r>
-              <a:rPr lang="zh-CN" altLang="en-US" sz="2000" dirty="0" smtClean="0"/>
+              <a:rPr lang="zh-CN" altLang="en-US" sz="2000" dirty="0"/>
               <a:t>中一切皆文件，所以标准输入、标准输出、标准错误都有对应的文件，而这种对应</a:t>
             </a:r>
-            <a:endParaRPr lang="en-US" altLang="zh-CN" sz="2000" dirty="0" smtClean="0"/>
+            <a:endParaRPr lang="en-US" altLang="zh-CN" sz="2000" dirty="0"/>
           </a:p>
           <a:p>
             <a:pPr marL="0" indent="0">
@@ -7337,48 +7309,44 @@
             </a:pPr>
             <a:r>
               <a:rPr lang="en-US" altLang="zh-CN" sz="2000" dirty="0"/>
-              <a:t> </a:t>
-            </a:r>
-            <a:r>
-              <a:rPr lang="en-US" altLang="zh-CN" sz="2000" dirty="0" smtClean="0"/>
-              <a:t>  </a:t>
-            </a:r>
-            <a:r>
-              <a:rPr lang="zh-CN" altLang="en-US" sz="2000" dirty="0" smtClean="0"/>
+              <a:t>   </a:t>
+            </a:r>
+            <a:r>
+              <a:rPr lang="zh-CN" altLang="en-US" sz="2000" dirty="0"/>
               <a:t>关系是通过文件描述符来实现的，我们在重定向的时候还会用到它们。</a:t>
             </a:r>
-            <a:endParaRPr lang="en-US" altLang="zh-CN" sz="2000" dirty="0" smtClean="0"/>
-          </a:p>
-          <a:p>
-            <a:r>
-              <a:rPr lang="zh-CN" altLang="en-US" sz="2000" dirty="0" smtClean="0"/>
+            <a:endParaRPr lang="en-US" altLang="zh-CN" sz="2000" dirty="0"/>
+          </a:p>
+          <a:p>
+            <a:r>
+              <a:rPr lang="zh-CN" altLang="en-US" sz="2000" dirty="0"/>
               <a:t>对于一个进程来说，它从描述符</a:t>
             </a:r>
             <a:r>
-              <a:rPr lang="en-US" altLang="zh-CN" sz="2000" dirty="0" smtClean="0"/>
+              <a:rPr lang="en-US" altLang="zh-CN" sz="2000" dirty="0"/>
               <a:t>0</a:t>
             </a:r>
             <a:r>
-              <a:rPr lang="zh-CN" altLang="en-US" sz="2000" dirty="0" smtClean="0"/>
+              <a:rPr lang="zh-CN" altLang="en-US" sz="2000" dirty="0"/>
               <a:t>指向的文件读取输入信息，把执行结果送到描述符</a:t>
             </a:r>
             <a:r>
-              <a:rPr lang="en-US" altLang="zh-CN" sz="2000" dirty="0" smtClean="0"/>
+              <a:rPr lang="en-US" altLang="zh-CN" sz="2000" dirty="0"/>
               <a:t>1</a:t>
             </a:r>
             <a:r>
-              <a:rPr lang="zh-CN" altLang="en-US" sz="2000" dirty="0" smtClean="0"/>
+              <a:rPr lang="zh-CN" altLang="en-US" sz="2000" dirty="0"/>
               <a:t>指向的文件，把出错信息送到描述符</a:t>
             </a:r>
             <a:r>
-              <a:rPr lang="en-US" altLang="zh-CN" sz="2000" dirty="0" smtClean="0"/>
+              <a:rPr lang="en-US" altLang="zh-CN" sz="2000" dirty="0"/>
               <a:t>2</a:t>
             </a:r>
             <a:r>
-              <a:rPr lang="zh-CN" altLang="en-US" sz="2000" dirty="0" smtClean="0"/>
+              <a:rPr lang="zh-CN" altLang="en-US" sz="2000" dirty="0"/>
               <a:t>指向的文件，而不关心这些文件具体是什么。</a:t>
             </a:r>
-            <a:endParaRPr lang="en-US" altLang="zh-CN" sz="2000" dirty="0" smtClean="0"/>
+            <a:endParaRPr lang="en-US" altLang="zh-CN" sz="2000" dirty="0"/>
           </a:p>
           <a:p>
             <a:pPr marL="0" indent="0">
@@ -7423,7 +7391,7 @@
           <p:cNvPr id="2" name="标题 1">
             <a:extLst>
               <a:ext uri="{FF2B5EF4-FFF2-40B4-BE49-F238E27FC236}">
-                <a16:creationId xmlns="" xmlns:a16="http://schemas.microsoft.com/office/drawing/2014/main" id="{8B88BACC-24DE-4087-9AB3-A099CF573089}"/>
+                <a16:creationId xmlns:a16="http://schemas.microsoft.com/office/drawing/2014/main" id="{8B88BACC-24DE-4087-9AB3-A099CF573089}"/>
               </a:ext>
             </a:extLst>
           </p:cNvPr>
@@ -7455,7 +7423,7 @@
           <p:cNvPr id="3" name="内容占位符 2">
             <a:extLst>
               <a:ext uri="{FF2B5EF4-FFF2-40B4-BE49-F238E27FC236}">
-                <a16:creationId xmlns="" xmlns:a16="http://schemas.microsoft.com/office/drawing/2014/main" id="{0A1C6B17-780B-4799-8193-E52FD817AC0E}"/>
+                <a16:creationId xmlns:a16="http://schemas.microsoft.com/office/drawing/2014/main" id="{0A1C6B17-780B-4799-8193-E52FD817AC0E}"/>
               </a:ext>
             </a:extLst>
           </p:cNvPr>
@@ -7483,15 +7451,7 @@
             </a:r>
             <a:r>
               <a:rPr lang="zh-CN" altLang="en-US" sz="2000" dirty="0"/>
-              <a:t>中输入命令运行程序，程序的正常输出信息（标准输出）和一些出错信息（标准</a:t>
-            </a:r>
-            <a:r>
-              <a:rPr lang="zh-CN" altLang="en-US" sz="2000" dirty="0" smtClean="0"/>
-              <a:t>错误</a:t>
-            </a:r>
-            <a:r>
-              <a:rPr lang="zh-CN" altLang="en-US" sz="2000" dirty="0"/>
-              <a:t>）会通过</a:t>
+              <a:t>中输入命令运行程序，程序的正常输出信息（标准输出）和一些出错信息（标准错误）会通过</a:t>
             </a:r>
             <a:r>
               <a:rPr lang="en-US" altLang="zh-CN" sz="2000" dirty="0"/>
@@ -7499,13 +7459,9 @@
             </a:r>
             <a:r>
               <a:rPr lang="zh-CN" altLang="en-US" sz="2000" dirty="0"/>
-              <a:t>显示在屏幕上。有时候我们并不需要把这些输出信息（包括标准输出和标准错误）显示在屏幕上，或需要把这些输出信息保存在一个文件中，这时就需要进行输出重定向。输入重定向也是如此</a:t>
-            </a:r>
-            <a:r>
-              <a:rPr lang="zh-CN" altLang="en-US" sz="2000" dirty="0" smtClean="0"/>
-              <a:t>。</a:t>
-            </a:r>
-            <a:endParaRPr lang="en-US" altLang="zh-CN" sz="2000" dirty="0" smtClean="0"/>
+              <a:t>显示在屏幕上。有时候我们并不需要把这些输出信息（包括标准输出和标准错误）显示在屏幕上，或需要把这些输出信息保存在一个文件中，这时就需要进行输出重定向。输入重定向也是如此。</a:t>
+            </a:r>
+            <a:endParaRPr lang="en-US" altLang="zh-CN" sz="2000" dirty="0"/>
           </a:p>
           <a:p>
             <a:endParaRPr lang="en-US" altLang="zh-CN" sz="2000" dirty="0"/>
@@ -7529,11 +7485,7 @@
             </a:r>
             <a:r>
               <a:rPr lang="zh-CN" altLang="en-US" sz="2000" dirty="0"/>
-              <a:t>把重定向符号解释成指令，将标准输出（或标准错误）指向文件，而不是当前显示设备。输入重定向也是如此</a:t>
-            </a:r>
-            <a:r>
-              <a:rPr lang="zh-CN" altLang="en-US" sz="2000" dirty="0" smtClean="0"/>
-              <a:t>。</a:t>
+              <a:t>把重定向符号解释成指令，将标准输出（或标准错误）指向文件，而不是当前显示设备。输入重定向也是如此。</a:t>
             </a:r>
             <a:endParaRPr lang="en-US" altLang="zh-CN" sz="2000" dirty="0"/>
           </a:p>
@@ -7585,10 +7537,9 @@
           <a:lstStyle/>
           <a:p>
             <a:r>
-              <a:rPr lang="zh-CN" altLang="en-US" dirty="0" smtClean="0"/>
+              <a:rPr lang="zh-CN" altLang="en-US" dirty="0"/>
               <a:t>重定向符号</a:t>
             </a:r>
-            <a:endParaRPr lang="zh-CN" altLang="en-US" dirty="0"/>
           </a:p>
         </p:txBody>
       </p:sp>
@@ -7713,10 +7664,10 @@
               <a:rPr lang="zh-CN" altLang="en-US" sz="2000" dirty="0"/>
               <a:t>。</a:t>
             </a:r>
-            <a:endParaRPr lang="en-US" altLang="zh-CN" sz="2000" dirty="0" smtClean="0"/>
-          </a:p>
-          <a:p>
-            <a:endParaRPr lang="en-US" altLang="zh-CN" sz="2000" dirty="0" smtClean="0"/>
+            <a:endParaRPr lang="en-US" altLang="zh-CN" sz="2000" dirty="0"/>
+          </a:p>
+          <a:p>
+            <a:endParaRPr lang="en-US" altLang="zh-CN" sz="2000" dirty="0"/>
           </a:p>
           <a:p>
             <a:endParaRPr lang="en-US" altLang="zh-CN" sz="2000" dirty="0"/>
@@ -7746,9 +7697,27 @@
             <a:tbl>
               <a:tblPr/>
               <a:tblGrid>
-                <a:gridCol w="2059269"/>
-                <a:gridCol w="1123384"/>
-                <a:gridCol w="4789338"/>
+                <a:gridCol w="2059269">
+                  <a:extLst>
+                    <a:ext uri="{9D8B030D-6E8A-4147-A177-3AD203B41FA5}">
+                      <a16:colId xmlns:a16="http://schemas.microsoft.com/office/drawing/2014/main" val="20000"/>
+                    </a:ext>
+                  </a:extLst>
+                </a:gridCol>
+                <a:gridCol w="1123384">
+                  <a:extLst>
+                    <a:ext uri="{9D8B030D-6E8A-4147-A177-3AD203B41FA5}">
+                      <a16:colId xmlns:a16="http://schemas.microsoft.com/office/drawing/2014/main" val="20001"/>
+                    </a:ext>
+                  </a:extLst>
+                </a:gridCol>
+                <a:gridCol w="4789338">
+                  <a:extLst>
+                    <a:ext uri="{9D8B030D-6E8A-4147-A177-3AD203B41FA5}">
+                      <a16:colId xmlns:a16="http://schemas.microsoft.com/office/drawing/2014/main" val="20002"/>
+                    </a:ext>
+                  </a:extLst>
+                </a:gridCol>
               </a:tblGrid>
               <a:tr h="472002">
                 <a:tc>
@@ -7775,7 +7744,7 @@
                         <a:tabLst/>
                       </a:pPr>
                       <a:r>
-                        <a:rPr kumimoji="0" lang="zh-CN" altLang="en-US" sz="2400" b="1" i="0" u="none" strike="noStrike" cap="none" normalizeH="0" baseline="0" dirty="0" smtClean="0">
+                        <a:rPr kumimoji="0" lang="zh-CN" altLang="en-US" sz="2400" b="1" i="0" u="none" strike="noStrike" cap="none" normalizeH="0" baseline="0" dirty="0">
                           <a:ln>
                             <a:noFill/>
                           </a:ln>
@@ -7863,7 +7832,7 @@
                         <a:tabLst/>
                       </a:pPr>
                       <a:r>
-                        <a:rPr kumimoji="0" lang="zh-CN" altLang="en-US" sz="2400" b="1" i="0" u="none" strike="noStrike" cap="none" normalizeH="0" baseline="0" smtClean="0">
+                        <a:rPr kumimoji="0" lang="zh-CN" altLang="en-US" sz="2400" b="1" i="0" u="none" strike="noStrike" cap="none" normalizeH="0" baseline="0">
                           <a:ln>
                             <a:noFill/>
                           </a:ln>
@@ -7951,7 +7920,7 @@
                         <a:tabLst/>
                       </a:pPr>
                       <a:r>
-                        <a:rPr kumimoji="0" lang="zh-CN" altLang="en-US" sz="2400" b="1" i="0" u="none" strike="noStrike" cap="none" normalizeH="0" baseline="0" dirty="0" smtClean="0">
+                        <a:rPr kumimoji="0" lang="zh-CN" altLang="en-US" sz="2400" b="1" i="0" u="none" strike="noStrike" cap="none" normalizeH="0" baseline="0" dirty="0">
                           <a:ln>
                             <a:noFill/>
                           </a:ln>
@@ -8015,6 +7984,11 @@
                     </a:solidFill>
                   </a:tcPr>
                 </a:tc>
+                <a:extLst>
+                  <a:ext uri="{0D108BD9-81ED-4DB2-BD59-A6C34878D82A}">
+                    <a16:rowId xmlns:a16="http://schemas.microsoft.com/office/drawing/2014/main" val="10000"/>
+                  </a:ext>
+                </a:extLst>
               </a:tr>
               <a:tr h="673415">
                 <a:tc>
@@ -8041,7 +8015,7 @@
                         <a:tabLst/>
                       </a:pPr>
                       <a:r>
-                        <a:rPr kumimoji="0" lang="zh-CN" altLang="en-US" sz="1800" b="1" i="0" u="none" strike="noStrike" cap="none" normalizeH="0" baseline="0" dirty="0" smtClean="0">
+                        <a:rPr kumimoji="0" lang="zh-CN" altLang="en-US" sz="1800" b="1" i="0" u="none" strike="noStrike" cap="none" normalizeH="0" baseline="0" dirty="0">
                           <a:ln>
                             <a:noFill/>
                           </a:ln>
@@ -8127,7 +8101,7 @@
                         <a:tabLst/>
                       </a:pPr>
                       <a:r>
-                        <a:rPr kumimoji="0" lang="en-US" altLang="zh-CN" sz="1800" b="1" i="0" u="none" strike="noStrike" cap="none" normalizeH="0" baseline="0" dirty="0" smtClean="0">
+                        <a:rPr kumimoji="0" lang="en-US" altLang="zh-CN" sz="1800" b="1" i="0" u="none" strike="noStrike" cap="none" normalizeH="0" baseline="0" dirty="0">
                           <a:ln>
                             <a:noFill/>
                           </a:ln>
@@ -8213,7 +8187,7 @@
                         <a:tabLst/>
                       </a:pPr>
                       <a:r>
-                        <a:rPr kumimoji="0" lang="zh-CN" altLang="en-US" sz="1800" b="1" i="0" u="none" strike="noStrike" cap="none" normalizeH="0" baseline="0" dirty="0" smtClean="0">
+                        <a:rPr kumimoji="0" lang="zh-CN" altLang="en-US" sz="1800" b="1" i="0" u="none" strike="noStrike" cap="none" normalizeH="0" baseline="0" dirty="0">
                           <a:ln>
                             <a:noFill/>
                           </a:ln>
@@ -8275,6 +8249,11 @@
                     <a:noFill/>
                   </a:tcPr>
                 </a:tc>
+                <a:extLst>
+                  <a:ext uri="{0D108BD9-81ED-4DB2-BD59-A6C34878D82A}">
+                    <a16:rowId xmlns:a16="http://schemas.microsoft.com/office/drawing/2014/main" val="10001"/>
+                  </a:ext>
+                </a:extLst>
               </a:tr>
               <a:tr h="663042">
                 <a:tc rowSpan="2">
@@ -8301,7 +8280,7 @@
                         <a:tabLst/>
                       </a:pPr>
                       <a:r>
-                        <a:rPr kumimoji="0" lang="zh-CN" altLang="en-US" sz="1800" b="1" i="0" u="none" strike="noStrike" cap="none" normalizeH="0" baseline="0" smtClean="0">
+                        <a:rPr kumimoji="0" lang="zh-CN" altLang="en-US" sz="1800" b="1" i="0" u="none" strike="noStrike" cap="none" normalizeH="0" baseline="0">
                           <a:ln>
                             <a:noFill/>
                           </a:ln>
@@ -8387,7 +8366,7 @@
                         <a:tabLst/>
                       </a:pPr>
                       <a:r>
-                        <a:rPr kumimoji="0" lang="en-US" altLang="zh-CN" sz="1800" b="1" i="0" u="none" strike="noStrike" cap="none" normalizeH="0" baseline="0" dirty="0" smtClean="0">
+                        <a:rPr kumimoji="0" lang="en-US" altLang="zh-CN" sz="1800" b="1" i="0" u="none" strike="noStrike" cap="none" normalizeH="0" baseline="0" dirty="0">
                           <a:ln>
                             <a:noFill/>
                           </a:ln>
@@ -8473,7 +8452,7 @@
                         <a:tabLst/>
                       </a:pPr>
                       <a:r>
-                        <a:rPr kumimoji="0" lang="zh-CN" altLang="en-US" sz="1800" b="1" i="0" u="none" strike="noStrike" cap="none" normalizeH="0" baseline="0" dirty="0" smtClean="0">
+                        <a:rPr kumimoji="0" lang="zh-CN" altLang="en-US" sz="1800" b="1" i="0" u="none" strike="noStrike" cap="none" normalizeH="0" baseline="0" dirty="0">
                           <a:ln>
                             <a:noFill/>
                           </a:ln>
@@ -8535,6 +8514,11 @@
                     <a:noFill/>
                   </a:tcPr>
                 </a:tc>
+                <a:extLst>
+                  <a:ext uri="{0D108BD9-81ED-4DB2-BD59-A6C34878D82A}">
+                    <a16:rowId xmlns:a16="http://schemas.microsoft.com/office/drawing/2014/main" val="10002"/>
+                  </a:ext>
+                </a:extLst>
               </a:tr>
               <a:tr h="379824">
                 <a:tc vMerge="1">
@@ -8571,7 +8555,7 @@
                         <a:tabLst/>
                       </a:pPr>
                       <a:r>
-                        <a:rPr kumimoji="0" lang="en-US" altLang="zh-CN" sz="1800" b="1" i="0" u="none" strike="noStrike" cap="none" normalizeH="0" baseline="0" smtClean="0">
+                        <a:rPr kumimoji="0" lang="en-US" altLang="zh-CN" sz="1800" b="1" i="0" u="none" strike="noStrike" cap="none" normalizeH="0" baseline="0">
                           <a:ln>
                             <a:noFill/>
                           </a:ln>
@@ -8657,7 +8641,7 @@
                         <a:tabLst/>
                       </a:pPr>
                       <a:r>
-                        <a:rPr kumimoji="0" lang="zh-CN" altLang="en-US" sz="1800" b="1" i="0" u="none" strike="noStrike" cap="none" normalizeH="0" baseline="0" dirty="0" smtClean="0">
+                        <a:rPr kumimoji="0" lang="zh-CN" altLang="en-US" sz="1800" b="1" i="0" u="none" strike="noStrike" cap="none" normalizeH="0" baseline="0" dirty="0">
                           <a:ln>
                             <a:noFill/>
                           </a:ln>
@@ -8719,6 +8703,11 @@
                     <a:noFill/>
                   </a:tcPr>
                 </a:tc>
+                <a:extLst>
+                  <a:ext uri="{0D108BD9-81ED-4DB2-BD59-A6C34878D82A}">
+                    <a16:rowId xmlns:a16="http://schemas.microsoft.com/office/drawing/2014/main" val="10003"/>
+                  </a:ext>
+                </a:extLst>
               </a:tr>
               <a:tr h="663042">
                 <a:tc rowSpan="2">
@@ -8745,7 +8734,7 @@
                         <a:tabLst/>
                       </a:pPr>
                       <a:r>
-                        <a:rPr kumimoji="0" lang="zh-CN" altLang="en-US" sz="1800" b="1" i="0" u="none" strike="noStrike" cap="none" normalizeH="0" baseline="0" smtClean="0">
+                        <a:rPr kumimoji="0" lang="zh-CN" altLang="en-US" sz="1800" b="1" i="0" u="none" strike="noStrike" cap="none" normalizeH="0" baseline="0">
                           <a:ln>
                             <a:noFill/>
                           </a:ln>
@@ -8831,7 +8820,7 @@
                         <a:tabLst/>
                       </a:pPr>
                       <a:r>
-                        <a:rPr kumimoji="0" lang="en-US" altLang="zh-CN" sz="1800" b="1" i="0" u="none" strike="noStrike" cap="none" normalizeH="0" baseline="0" smtClean="0">
+                        <a:rPr kumimoji="0" lang="en-US" altLang="zh-CN" sz="1800" b="1" i="0" u="none" strike="noStrike" cap="none" normalizeH="0" baseline="0">
                           <a:ln>
                             <a:noFill/>
                           </a:ln>
@@ -8917,7 +8906,7 @@
                         <a:tabLst/>
                       </a:pPr>
                       <a:r>
-                        <a:rPr kumimoji="0" lang="zh-CN" altLang="en-US" sz="1800" b="1" i="0" u="none" strike="noStrike" cap="none" normalizeH="0" baseline="0" dirty="0" smtClean="0">
+                        <a:rPr kumimoji="0" lang="zh-CN" altLang="en-US" sz="1800" b="1" i="0" u="none" strike="noStrike" cap="none" normalizeH="0" baseline="0" dirty="0">
                           <a:ln>
                             <a:noFill/>
                           </a:ln>
@@ -8979,6 +8968,11 @@
                     <a:noFill/>
                   </a:tcPr>
                 </a:tc>
+                <a:extLst>
+                  <a:ext uri="{0D108BD9-81ED-4DB2-BD59-A6C34878D82A}">
+                    <a16:rowId xmlns:a16="http://schemas.microsoft.com/office/drawing/2014/main" val="10004"/>
+                  </a:ext>
+                </a:extLst>
               </a:tr>
               <a:tr h="379824">
                 <a:tc vMerge="1">
@@ -9015,7 +9009,7 @@
                         <a:tabLst/>
                       </a:pPr>
                       <a:r>
-                        <a:rPr kumimoji="0" lang="en-US" altLang="zh-CN" sz="1800" b="1" i="0" u="none" strike="noStrike" cap="none" normalizeH="0" baseline="0" smtClean="0">
+                        <a:rPr kumimoji="0" lang="en-US" altLang="zh-CN" sz="1800" b="1" i="0" u="none" strike="noStrike" cap="none" normalizeH="0" baseline="0">
                           <a:ln>
                             <a:noFill/>
                           </a:ln>
@@ -9101,7 +9095,7 @@
                         <a:tabLst/>
                       </a:pPr>
                       <a:r>
-                        <a:rPr kumimoji="0" lang="zh-CN" altLang="en-US" sz="1800" b="1" i="0" u="none" strike="noStrike" cap="none" normalizeH="0" baseline="0" dirty="0" smtClean="0">
+                        <a:rPr kumimoji="0" lang="zh-CN" altLang="en-US" sz="1800" b="1" i="0" u="none" strike="noStrike" cap="none" normalizeH="0" baseline="0" dirty="0">
                           <a:ln>
                             <a:noFill/>
                           </a:ln>
@@ -9163,6 +9157,11 @@
                     <a:noFill/>
                   </a:tcPr>
                 </a:tc>
+                <a:extLst>
+                  <a:ext uri="{0D108BD9-81ED-4DB2-BD59-A6C34878D82A}">
+                    <a16:rowId xmlns:a16="http://schemas.microsoft.com/office/drawing/2014/main" val="10005"/>
+                  </a:ext>
+                </a:extLst>
               </a:tr>
               <a:tr h="719686">
                 <a:tc>
@@ -9189,7 +9188,7 @@
                         <a:tabLst/>
                       </a:pPr>
                       <a:r>
-                        <a:rPr kumimoji="0" lang="zh-CN" altLang="en-US" sz="1800" b="1" i="0" u="none" strike="noStrike" cap="none" normalizeH="0" baseline="0" smtClean="0">
+                        <a:rPr kumimoji="0" lang="zh-CN" altLang="en-US" sz="1800" b="1" i="0" u="none" strike="noStrike" cap="none" normalizeH="0" baseline="0">
                           <a:ln>
                             <a:noFill/>
                           </a:ln>
@@ -9224,7 +9223,7 @@
                         <a:tabLst/>
                       </a:pPr>
                       <a:r>
-                        <a:rPr kumimoji="0" lang="zh-CN" altLang="en-US" sz="1800" b="1" i="0" u="none" strike="noStrike" cap="none" normalizeH="0" baseline="0" smtClean="0">
+                        <a:rPr kumimoji="0" lang="zh-CN" altLang="en-US" sz="1800" b="1" i="0" u="none" strike="noStrike" cap="none" normalizeH="0" baseline="0">
                           <a:ln>
                             <a:noFill/>
                           </a:ln>
@@ -9310,7 +9309,7 @@
                         <a:tabLst/>
                       </a:pPr>
                       <a:r>
-                        <a:rPr kumimoji="0" lang="en-US" altLang="zh-CN" sz="1800" b="1" i="0" u="none" strike="noStrike" cap="none" normalizeH="0" baseline="0" dirty="0" smtClean="0">
+                        <a:rPr kumimoji="0" lang="en-US" altLang="zh-CN" sz="1800" b="1" i="0" u="none" strike="noStrike" cap="none" normalizeH="0" baseline="0" dirty="0">
                           <a:ln>
                             <a:noFill/>
                           </a:ln>
@@ -9325,7 +9324,7 @@
                         <a:t>&amp;&gt;</a:t>
                       </a:r>
                       <a:r>
-                        <a:rPr kumimoji="0" lang="zh-CN" altLang="en-US" sz="1800" b="1" i="0" u="none" strike="noStrike" cap="none" normalizeH="0" baseline="0" dirty="0" smtClean="0">
+                        <a:rPr kumimoji="0" lang="zh-CN" altLang="en-US" sz="1800" b="1" i="0" u="none" strike="noStrike" cap="none" normalizeH="0" baseline="0" dirty="0">
                           <a:ln>
                             <a:noFill/>
                           </a:ln>
@@ -9340,7 +9339,7 @@
                         <a:t>或</a:t>
                       </a:r>
                       <a:r>
-                        <a:rPr kumimoji="0" lang="en-US" altLang="zh-CN" sz="1800" b="1" i="0" u="none" strike="noStrike" cap="none" normalizeH="0" baseline="0" dirty="0" smtClean="0">
+                        <a:rPr kumimoji="0" lang="en-US" altLang="zh-CN" sz="1800" b="1" i="0" u="none" strike="noStrike" cap="none" normalizeH="0" baseline="0" dirty="0">
                           <a:ln>
                             <a:noFill/>
                           </a:ln>
@@ -9426,7 +9425,7 @@
                         <a:tabLst/>
                       </a:pPr>
                       <a:r>
-                        <a:rPr kumimoji="0" lang="zh-CN" altLang="en-US" sz="1800" b="1" i="0" u="none" strike="noStrike" cap="none" normalizeH="0" baseline="0" dirty="0" smtClean="0">
+                        <a:rPr kumimoji="0" lang="zh-CN" altLang="en-US" sz="1800" b="1" i="0" u="none" strike="noStrike" cap="none" normalizeH="0" baseline="0" dirty="0">
                           <a:ln>
                             <a:noFill/>
                           </a:ln>
@@ -9488,6 +9487,11 @@
                     <a:noFill/>
                   </a:tcPr>
                 </a:tc>
+                <a:extLst>
+                  <a:ext uri="{0D108BD9-81ED-4DB2-BD59-A6C34878D82A}">
+                    <a16:rowId xmlns:a16="http://schemas.microsoft.com/office/drawing/2014/main" val="10006"/>
+                  </a:ext>
+                </a:extLst>
               </a:tr>
             </a:tbl>
           </a:graphicData>
@@ -9539,10 +9543,9 @@
           <a:lstStyle/>
           <a:p>
             <a:r>
-              <a:rPr lang="zh-CN" altLang="en-US" dirty="0" smtClean="0"/>
+              <a:rPr lang="zh-CN" altLang="en-US" dirty="0"/>
               <a:t>重定向示例</a:t>
             </a:r>
-            <a:endParaRPr lang="zh-CN" altLang="en-US" dirty="0"/>
           </a:p>
         </p:txBody>
       </p:sp>
@@ -9564,358 +9567,128 @@
           <a:lstStyle/>
           <a:p>
             <a:r>
-              <a:rPr lang="en-US" altLang="zh-CN" sz="2000" dirty="0" err="1" smtClean="0"/>
-              <a:t>wc</a:t>
-            </a:r>
-            <a:r>
-              <a:rPr lang="en-US" altLang="zh-CN" sz="2000" dirty="0" smtClean="0"/>
-              <a:t> </a:t>
-            </a:r>
-            <a:r>
               <a:rPr lang="en-US" altLang="zh-CN" sz="2000" dirty="0"/>
-              <a:t>-l </a:t>
+              <a:t>echo  ‘</a:t>
             </a:r>
             <a:r>
               <a:rPr lang="en-US" altLang="zh-CN" sz="2000" dirty="0" err="1"/>
-              <a:t>newfile</a:t>
+              <a:t>abc</a:t>
             </a:r>
             <a:r>
               <a:rPr lang="en-US" altLang="zh-CN" sz="2000" dirty="0"/>
-              <a:t> </a:t>
+              <a:t>’ </a:t>
             </a:r>
             <a:r>
               <a:rPr lang="zh-CN" altLang="en-US" sz="2000" dirty="0"/>
-              <a:t>与 </a:t>
+              <a:t>会输出</a:t>
             </a:r>
             <a:r>
               <a:rPr lang="en-US" altLang="zh-CN" sz="2000" dirty="0" err="1"/>
-              <a:t>wc</a:t>
+              <a:t>abc</a:t>
+            </a:r>
+            <a:r>
+              <a:rPr lang="zh-CN" altLang="en-US" sz="2000" dirty="0"/>
+              <a:t>到屏幕。</a:t>
             </a:r>
             <a:r>
               <a:rPr lang="en-US" altLang="zh-CN" sz="2000" dirty="0"/>
-              <a:t> -l &lt; </a:t>
+              <a:t>echo  ‘</a:t>
             </a:r>
             <a:r>
               <a:rPr lang="en-US" altLang="zh-CN" sz="2000" dirty="0" err="1"/>
-              <a:t>newfile</a:t>
+              <a:t>abc</a:t>
             </a:r>
             <a:r>
               <a:rPr lang="en-US" altLang="zh-CN" sz="2000" dirty="0"/>
-              <a:t> </a:t>
-            </a:r>
-            <a:endParaRPr lang="en-US" altLang="zh-CN" sz="2000" dirty="0" smtClean="0"/>
-          </a:p>
-          <a:p>
-            <a:pPr marL="0" indent="0">
-              <a:buNone/>
-            </a:pPr>
-            <a:r>
-              <a:rPr lang="zh-CN" altLang="en-US" sz="2000" dirty="0" smtClean="0"/>
-              <a:t>   第一</a:t>
+              <a:t>’ &gt; </a:t>
+            </a:r>
+            <a:r>
+              <a:rPr lang="en-US" altLang="zh-CN" sz="2000" dirty="0" err="1"/>
+              <a:t>tmp</a:t>
+            </a:r>
+            <a:r>
+              <a:rPr lang="en-US" altLang="zh-CN" sz="2000" dirty="0"/>
+              <a:t>/buff</a:t>
             </a:r>
             <a:r>
               <a:rPr lang="zh-CN" altLang="en-US" sz="2000" dirty="0"/>
-              <a:t>个是对文件进行操作；第二个是对文件内容进行操作</a:t>
-            </a:r>
-            <a:r>
-              <a:rPr lang="zh-CN" altLang="en-US" sz="2000" dirty="0" smtClean="0"/>
-              <a:t>，这时已经</a:t>
+              <a:t>会把</a:t>
+            </a:r>
+            <a:r>
+              <a:rPr lang="en-US" altLang="zh-CN" sz="2000" dirty="0" err="1"/>
+              <a:t>abc</a:t>
             </a:r>
             <a:r>
               <a:rPr lang="zh-CN" altLang="en-US" sz="2000" dirty="0"/>
-              <a:t>没有文件这个属性了</a:t>
-            </a:r>
-            <a:r>
-              <a:rPr lang="zh-CN" altLang="en-US" sz="2000" dirty="0" smtClean="0"/>
-              <a:t>，</a:t>
-            </a:r>
-            <a:endParaRPr lang="en-US" altLang="zh-CN" sz="2000" dirty="0" smtClean="0"/>
-          </a:p>
-          <a:p>
-            <a:pPr marL="0" indent="0">
-              <a:buNone/>
-            </a:pPr>
+              <a:t>输出到</a:t>
+            </a:r>
+            <a:r>
+              <a:rPr lang="en-US" altLang="zh-CN" sz="2000" dirty="0" err="1"/>
+              <a:t>tmp</a:t>
+            </a:r>
             <a:r>
               <a:rPr lang="en-US" altLang="zh-CN" sz="2000" dirty="0"/>
-              <a:t> </a:t>
-            </a:r>
-            <a:r>
-              <a:rPr lang="en-US" altLang="zh-CN" sz="2000" dirty="0" smtClean="0"/>
-              <a:t>  </a:t>
-            </a:r>
-            <a:r>
-              <a:rPr lang="zh-CN" altLang="en-US" sz="2000" dirty="0" smtClean="0"/>
-              <a:t>只是</a:t>
+              <a:t>/buff</a:t>
             </a:r>
             <a:r>
               <a:rPr lang="zh-CN" altLang="en-US" sz="2000" dirty="0"/>
-              <a:t>字符串</a:t>
+              <a:t>这个文件。</a:t>
             </a:r>
             <a:endParaRPr lang="en-US" altLang="zh-CN" sz="2000" dirty="0"/>
           </a:p>
           <a:p>
-            <a:r>
-              <a:rPr lang="en-US" altLang="zh-CN" sz="2000" dirty="0" smtClean="0"/>
-              <a:t>find / -name </a:t>
-            </a:r>
-            <a:r>
-              <a:rPr lang="en-US" altLang="zh-CN" sz="2000" dirty="0" err="1" smtClean="0"/>
-              <a:t>gcc</a:t>
-            </a:r>
-            <a:r>
-              <a:rPr lang="en-US" altLang="zh-CN" sz="2000" dirty="0" smtClean="0"/>
-              <a:t> &gt; output 2&gt; /dev/null</a:t>
-            </a:r>
-          </a:p>
-          <a:p>
-            <a:pPr marL="0" indent="0">
-              <a:buNone/>
-            </a:pPr>
-            <a:r>
-              <a:rPr lang="zh-CN" altLang="en-US" sz="2000" dirty="0" smtClean="0"/>
-              <a:t>    把标准输出重定向到</a:t>
-            </a:r>
-            <a:r>
-              <a:rPr lang="en-US" altLang="zh-CN" sz="2000" dirty="0" smtClean="0"/>
-              <a:t>output</a:t>
-            </a:r>
-            <a:r>
-              <a:rPr lang="zh-CN" altLang="en-US" sz="2000" dirty="0" smtClean="0"/>
-              <a:t>这个文件，把标准错误输出重定向到</a:t>
-            </a:r>
-            <a:r>
-              <a:rPr lang="en-US" altLang="zh-CN" sz="2000" dirty="0" smtClean="0"/>
-              <a:t>/dev/null</a:t>
-            </a:r>
-            <a:r>
-              <a:rPr lang="zh-CN" altLang="en-US" sz="2000" dirty="0" smtClean="0"/>
-              <a:t>这个</a:t>
-            </a:r>
+            <a:endParaRPr lang="en-US" altLang="zh-CN" sz="2000" dirty="0"/>
+          </a:p>
+          <a:p>
             <a:r>
               <a:rPr lang="zh-CN" altLang="en-US" sz="2000" dirty="0"/>
-              <a:t>黑洞</a:t>
-            </a:r>
-            <a:r>
-              <a:rPr lang="zh-CN" altLang="en-US" sz="2000" dirty="0" smtClean="0"/>
-              <a:t>文件。</a:t>
-            </a:r>
-            <a:endParaRPr lang="en-US" altLang="zh-CN" sz="2000" dirty="0" smtClean="0"/>
-          </a:p>
-          <a:p>
-            <a:pPr marL="0" indent="0">
-              <a:buNone/>
-            </a:pPr>
+              <a:t>如果没有此文件则会创建这个文件并写入。但是如果文件存在并且不为空，则重定向会导致之前的数据丢失，只保存重定向的数据。</a:t>
+            </a:r>
+            <a:endParaRPr lang="en-US" altLang="zh-CN" sz="2000" dirty="0"/>
+          </a:p>
+          <a:p>
+            <a:endParaRPr lang="en-US" altLang="zh-CN" sz="2000" dirty="0"/>
+          </a:p>
+          <a:p>
             <a:r>
               <a:rPr lang="en-US" altLang="zh-CN" sz="2000" dirty="0"/>
-              <a:t> </a:t>
-            </a:r>
-            <a:r>
-              <a:rPr lang="en-US" altLang="zh-CN" sz="2000" dirty="0" smtClean="0"/>
-              <a:t>   </a:t>
-            </a:r>
-            <a:r>
-              <a:rPr lang="zh-CN" altLang="en-US" sz="2000" dirty="0" smtClean="0"/>
-              <a:t>这个命令如果</a:t>
+              <a:t>echo ‘</a:t>
+            </a:r>
+            <a:r>
+              <a:rPr lang="en-US" altLang="zh-CN" sz="2000" dirty="0" err="1"/>
+              <a:t>abc</a:t>
+            </a:r>
+            <a:r>
+              <a:rPr lang="en-US" altLang="zh-CN" sz="2000" dirty="0"/>
+              <a:t>’  &gt;&gt;  /</a:t>
+            </a:r>
+            <a:r>
+              <a:rPr lang="en-US" altLang="zh-CN" sz="2000" dirty="0" err="1"/>
+              <a:t>tmp</a:t>
+            </a:r>
+            <a:r>
+              <a:rPr lang="en-US" altLang="zh-CN" sz="2000" dirty="0"/>
+              <a:t>/buff </a:t>
             </a:r>
             <a:r>
               <a:rPr lang="zh-CN" altLang="en-US" sz="2000" dirty="0"/>
-              <a:t>不</a:t>
-            </a:r>
-            <a:r>
-              <a:rPr lang="zh-CN" altLang="en-US" sz="2000" dirty="0" smtClean="0"/>
-              <a:t>加</a:t>
-            </a:r>
-            <a:r>
-              <a:rPr lang="en-US" altLang="zh-CN" sz="2000" dirty="0" err="1" smtClean="0"/>
-              <a:t>sudo</a:t>
-            </a:r>
-            <a:r>
-              <a:rPr lang="zh-CN" altLang="en-US" sz="2000" dirty="0" smtClean="0"/>
-              <a:t>的话，会有</a:t>
-            </a:r>
-            <a:r>
-              <a:rPr lang="en-US" altLang="zh-CN" sz="2000" dirty="0" smtClean="0"/>
-              <a:t>permission denied</a:t>
-            </a:r>
-            <a:r>
-              <a:rPr lang="zh-CN" altLang="en-US" sz="2000" dirty="0" smtClean="0"/>
-              <a:t>的错误提示，也会有正常输出项。如</a:t>
-            </a:r>
-            <a:endParaRPr lang="en-US" altLang="zh-CN" sz="2000" dirty="0" smtClean="0"/>
-          </a:p>
-          <a:p>
-            <a:pPr marL="0" indent="0">
-              <a:buNone/>
-            </a:pPr>
-            <a:r>
-              <a:rPr lang="en-US" altLang="zh-CN" sz="2000" dirty="0"/>
-              <a:t> </a:t>
-            </a:r>
-            <a:r>
-              <a:rPr lang="en-US" altLang="zh-CN" sz="2000" dirty="0" smtClean="0"/>
-              <a:t>   </a:t>
-            </a:r>
-            <a:r>
-              <a:rPr lang="zh-CN" altLang="en-US" sz="2000" dirty="0" smtClean="0"/>
-              <a:t>果只把标准输出重定向到</a:t>
-            </a:r>
-            <a:r>
-              <a:rPr lang="en-US" altLang="zh-CN" sz="2000" dirty="0" smtClean="0"/>
-              <a:t>output</a:t>
-            </a:r>
-            <a:r>
-              <a:rPr lang="zh-CN" altLang="en-US" sz="2000" dirty="0" smtClean="0"/>
-              <a:t>这个文件，那么</a:t>
-            </a:r>
-            <a:r>
-              <a:rPr lang="en-US" altLang="zh-CN" sz="2000" dirty="0" smtClean="0"/>
-              <a:t>shell</a:t>
-            </a:r>
-            <a:r>
-              <a:rPr lang="zh-CN" altLang="en-US" sz="2000" dirty="0" smtClean="0"/>
-              <a:t>还是会输出错误提示。</a:t>
-            </a:r>
-            <a:endParaRPr lang="en-US" altLang="zh-CN" sz="2000" dirty="0" smtClean="0"/>
-          </a:p>
-          <a:p>
-            <a:r>
-              <a:rPr lang="en-US" altLang="zh-CN" sz="2000" dirty="0"/>
-              <a:t>find / -name </a:t>
+              <a:t>会把</a:t>
             </a:r>
             <a:r>
               <a:rPr lang="en-US" altLang="zh-CN" sz="2000" dirty="0" err="1"/>
-              <a:t>gcc</a:t>
-            </a:r>
-            <a:r>
-              <a:rPr lang="en-US" altLang="zh-CN" sz="2000" dirty="0"/>
-              <a:t> </a:t>
-            </a:r>
-            <a:r>
-              <a:rPr lang="en-US" altLang="zh-CN" sz="2000" dirty="0" smtClean="0"/>
-              <a:t>&amp;&gt; output </a:t>
-            </a:r>
-            <a:r>
-              <a:rPr lang="zh-CN" altLang="en-US" sz="2000" dirty="0" smtClean="0"/>
-              <a:t>或 </a:t>
-            </a:r>
-            <a:r>
-              <a:rPr lang="en-US" altLang="zh-CN" sz="2000" dirty="0"/>
-              <a:t>find / -name </a:t>
-            </a:r>
-            <a:r>
-              <a:rPr lang="en-US" altLang="zh-CN" sz="2000" dirty="0" err="1"/>
-              <a:t>gcc</a:t>
-            </a:r>
-            <a:r>
-              <a:rPr lang="en-US" altLang="zh-CN" sz="2000" dirty="0"/>
-              <a:t> </a:t>
-            </a:r>
-            <a:r>
-              <a:rPr lang="en-US" altLang="zh-CN" sz="2000" dirty="0" smtClean="0"/>
-              <a:t>&gt;</a:t>
-            </a:r>
-            <a:r>
-              <a:rPr lang="en-US" altLang="zh-CN" sz="2000" dirty="0"/>
-              <a:t>&amp;</a:t>
-            </a:r>
-            <a:r>
-              <a:rPr lang="en-US" altLang="zh-CN" sz="2000" dirty="0" smtClean="0"/>
-              <a:t> </a:t>
-            </a:r>
-            <a:r>
-              <a:rPr lang="en-US" altLang="zh-CN" sz="2000" dirty="0"/>
-              <a:t>output </a:t>
-            </a:r>
-            <a:endParaRPr lang="en-US" altLang="zh-CN" sz="2000" dirty="0" smtClean="0"/>
-          </a:p>
-          <a:p>
-            <a:pPr marL="0" indent="0">
-              <a:buNone/>
-            </a:pPr>
-            <a:r>
-              <a:rPr lang="zh-CN" altLang="en-US" sz="2000" dirty="0" smtClean="0"/>
-              <a:t>    标准输出和标准错误同时输出到</a:t>
-            </a:r>
-            <a:r>
-              <a:rPr lang="en-US" altLang="zh-CN" sz="2000" dirty="0" smtClean="0"/>
-              <a:t>output</a:t>
-            </a:r>
-            <a:r>
-              <a:rPr lang="zh-CN" altLang="en-US" sz="2000" dirty="0" smtClean="0"/>
-              <a:t>文件</a:t>
+              <a:t>abc</a:t>
+            </a:r>
+            <a:r>
+              <a:rPr lang="zh-CN" altLang="en-US" sz="2000" dirty="0"/>
+              <a:t>追加到文件末尾，之前的数据不会丢失。</a:t>
             </a:r>
             <a:endParaRPr lang="en-US" altLang="zh-CN" sz="2000" dirty="0"/>
           </a:p>
           <a:p>
-            <a:r>
-              <a:rPr lang="en-US" altLang="zh-CN" sz="2000" dirty="0"/>
-              <a:t>1&gt; </a:t>
-            </a:r>
-            <a:r>
-              <a:rPr lang="zh-CN" altLang="en-US" sz="2000" dirty="0" smtClean="0"/>
-              <a:t>等同</a:t>
-            </a:r>
-            <a:r>
-              <a:rPr lang="zh-CN" altLang="en-US" sz="2000" dirty="0"/>
-              <a:t>于</a:t>
-            </a:r>
-            <a:r>
-              <a:rPr lang="en-US" altLang="zh-CN" sz="2000" dirty="0" smtClean="0"/>
-              <a:t>&gt; </a:t>
-            </a:r>
-            <a:r>
-              <a:rPr lang="zh-CN" altLang="en-US" sz="2000" dirty="0" smtClean="0"/>
-              <a:t>，</a:t>
-            </a:r>
-            <a:r>
-              <a:rPr lang="en-US" altLang="zh-CN" sz="2000" dirty="0" smtClean="0"/>
-              <a:t>0</a:t>
-            </a:r>
-            <a:r>
-              <a:rPr lang="en-US" altLang="zh-CN" sz="2000" dirty="0"/>
-              <a:t>&lt; </a:t>
-            </a:r>
-            <a:r>
-              <a:rPr lang="zh-CN" altLang="en-US" sz="2000" dirty="0" smtClean="0"/>
-              <a:t>等同</a:t>
-            </a:r>
-            <a:r>
-              <a:rPr lang="zh-CN" altLang="en-US" sz="2000" dirty="0"/>
-              <a:t>于</a:t>
-            </a:r>
-            <a:r>
-              <a:rPr lang="en-US" altLang="zh-CN" sz="2000" dirty="0" smtClean="0"/>
-              <a:t>&lt;</a:t>
-            </a:r>
-            <a:r>
-              <a:rPr lang="zh-CN" altLang="en-US" sz="2000" dirty="0" smtClean="0"/>
-              <a:t>，即前导的</a:t>
-            </a:r>
-            <a:r>
-              <a:rPr lang="en-US" altLang="zh-CN" sz="2000" dirty="0" smtClean="0"/>
-              <a:t>0</a:t>
-            </a:r>
-            <a:r>
-              <a:rPr lang="zh-CN" altLang="en-US" sz="2000" dirty="0" smtClean="0"/>
-              <a:t>和</a:t>
-            </a:r>
-            <a:r>
-              <a:rPr lang="en-US" altLang="zh-CN" sz="2000" dirty="0" smtClean="0"/>
-              <a:t>1</a:t>
-            </a:r>
-            <a:r>
-              <a:rPr lang="zh-CN" altLang="en-US" sz="2000" dirty="0" smtClean="0"/>
-              <a:t>可以省略；如果不省略，数字和重定向符号之间没有空格，前导</a:t>
-            </a:r>
-            <a:r>
-              <a:rPr lang="en-US" altLang="zh-CN" sz="2000" dirty="0" smtClean="0"/>
-              <a:t>2</a:t>
-            </a:r>
-            <a:r>
-              <a:rPr lang="zh-CN" altLang="en-US" sz="2000" dirty="0" smtClean="0"/>
-              <a:t>不可以省略。</a:t>
-            </a:r>
-            <a:endParaRPr lang="en-US" altLang="zh-CN" sz="2000" dirty="0" smtClean="0"/>
+            <a:endParaRPr lang="en-US" altLang="zh-CN" sz="2000" dirty="0"/>
+          </a:p>
+          <a:p>
+            <a:endParaRPr lang="en-US" altLang="zh-CN" sz="2000" dirty="0"/>
           </a:p>
         </p:txBody>
       </p:sp>
@@ -9951,13 +9724,7 @@
       </p:grpSpPr>
       <p:sp>
         <p:nvSpPr>
-          <p:cNvPr id="2" name="标题 1">
-            <a:extLst>
-              <a:ext uri="{FF2B5EF4-FFF2-40B4-BE49-F238E27FC236}">
-                <a16:creationId xmlns="" xmlns:a16="http://schemas.microsoft.com/office/drawing/2014/main" id="{8B88BACC-24DE-4087-9AB3-A099CF573089}"/>
-              </a:ext>
-            </a:extLst>
-          </p:cNvPr>
+          <p:cNvPr id="2" name="标题 1"/>
           <p:cNvSpPr>
             <a:spLocks noGrp="1"/>
           </p:cNvSpPr>
@@ -9972,20 +9739,14 @@
           <a:p>
             <a:r>
               <a:rPr lang="zh-CN" altLang="en-US" dirty="0"/>
-              <a:t>管道</a:t>
-            </a:r>
-          </a:p>
-        </p:txBody>
-      </p:sp>
-      <p:sp>
-        <p:nvSpPr>
-          <p:cNvPr id="3" name="内容占位符 2">
-            <a:extLst>
-              <a:ext uri="{FF2B5EF4-FFF2-40B4-BE49-F238E27FC236}">
-                <a16:creationId xmlns="" xmlns:a16="http://schemas.microsoft.com/office/drawing/2014/main" id="{0A1C6B17-780B-4799-8193-E52FD817AC0E}"/>
-              </a:ext>
-            </a:extLst>
-          </p:cNvPr>
+              <a:t>重定向示例</a:t>
+            </a:r>
+          </a:p>
+        </p:txBody>
+      </p:sp>
+      <p:sp>
+        <p:nvSpPr>
+          <p:cNvPr id="3" name="内容占位符 2"/>
           <p:cNvSpPr>
             <a:spLocks noGrp="1"/>
           </p:cNvSpPr>
@@ -9993,90 +9754,288 @@
             <p:ph idx="1"/>
           </p:nvPr>
         </p:nvSpPr>
-        <p:spPr/>
-        <p:txBody>
-          <a:bodyPr/>
-          <a:lstStyle/>
-          <a:p>
+        <p:spPr>
+          <a:xfrm>
+            <a:off x="838200" y="1704111"/>
+            <a:ext cx="10515600" cy="4971897"/>
+          </a:xfrm>
+        </p:spPr>
+        <p:txBody>
+          <a:bodyPr>
+            <a:normAutofit lnSpcReduction="10000"/>
+          </a:bodyPr>
+          <a:lstStyle/>
+          <a:p>
+            <a:r>
+              <a:rPr lang="en-US" altLang="zh-CN" sz="2000" dirty="0" err="1"/>
+              <a:t>wc</a:t>
+            </a:r>
+            <a:r>
+              <a:rPr lang="en-US" altLang="zh-CN" sz="2000" dirty="0"/>
+              <a:t> -l </a:t>
+            </a:r>
+            <a:r>
+              <a:rPr lang="en-US" altLang="zh-CN" sz="2000" dirty="0" err="1"/>
+              <a:t>newfile</a:t>
+            </a:r>
+            <a:r>
+              <a:rPr lang="en-US" altLang="zh-CN" sz="2000" dirty="0"/>
+              <a:t> </a:t>
+            </a:r>
             <a:r>
               <a:rPr lang="zh-CN" altLang="en-US" sz="2000" dirty="0"/>
-              <a:t>把一条命令的</a:t>
+              <a:t>与 </a:t>
+            </a:r>
+            <a:r>
+              <a:rPr lang="en-US" altLang="zh-CN" sz="2000" dirty="0" err="1"/>
+              <a:t>wc</a:t>
             </a:r>
             <a:r>
               <a:rPr lang="en-US" altLang="zh-CN" sz="2000" dirty="0"/>
-              <a:t>STDOUT</a:t>
-            </a:r>
+              <a:t> -l &lt; </a:t>
+            </a:r>
+            <a:r>
+              <a:rPr lang="en-US" altLang="zh-CN" sz="2000" dirty="0" err="1"/>
+              <a:t>newfile</a:t>
+            </a:r>
+            <a:r>
+              <a:rPr lang="en-US" altLang="zh-CN" sz="2000" dirty="0"/>
+              <a:t> </a:t>
+            </a:r>
+          </a:p>
+          <a:p>
+            <a:pPr marL="0" indent="0">
+              <a:buNone/>
+            </a:pPr>
             <a:r>
               <a:rPr lang="zh-CN" altLang="en-US" sz="2000" dirty="0"/>
-              <a:t>连接到另一条命令的</a:t>
-            </a:r>
+              <a:t>   第一个是对文件进行操作；第二个是对文件内容进行操作，把文件的内容作为输入。</a:t>
+            </a:r>
+            <a:endParaRPr lang="en-US" altLang="zh-CN" sz="2000" dirty="0"/>
+          </a:p>
+          <a:p>
+            <a:pPr marL="0" indent="0">
+              <a:buNone/>
+            </a:pPr>
+            <a:endParaRPr lang="en-US" altLang="zh-CN" sz="2000" dirty="0"/>
+          </a:p>
+          <a:p>
             <a:r>
               <a:rPr lang="en-US" altLang="zh-CN" sz="2000" dirty="0"/>
-              <a:t>STDIN</a:t>
-            </a:r>
+              <a:t>find / -name </a:t>
+            </a:r>
+            <a:r>
+              <a:rPr lang="en-US" altLang="zh-CN" sz="2000" dirty="0" err="1"/>
+              <a:t>gcc</a:t>
+            </a:r>
+            <a:r>
+              <a:rPr lang="en-US" altLang="zh-CN" sz="2000" dirty="0"/>
+              <a:t> &gt; output 2&gt; /dev/null</a:t>
+            </a:r>
+          </a:p>
+          <a:p>
+            <a:pPr marL="0" indent="0">
+              <a:buNone/>
+            </a:pPr>
             <a:r>
               <a:rPr lang="zh-CN" altLang="en-US" sz="2000" dirty="0"/>
-              <a:t>上，可以用 </a:t>
+              <a:t>    把标准输出重定向到</a:t>
             </a:r>
             <a:r>
               <a:rPr lang="en-US" altLang="zh-CN" sz="2000" dirty="0"/>
-              <a:t>| </a:t>
+              <a:t>output</a:t>
             </a:r>
             <a:r>
               <a:rPr lang="zh-CN" altLang="en-US" sz="2000" dirty="0"/>
-              <a:t>这个符号，它叫做管道</a:t>
-            </a:r>
-            <a:r>
-              <a:rPr lang="zh-CN" altLang="en-US" sz="2000" dirty="0" smtClean="0"/>
-              <a:t>。</a:t>
-            </a:r>
-            <a:endParaRPr lang="en-US" altLang="zh-CN" sz="2000" dirty="0" smtClean="0"/>
-          </a:p>
-          <a:p>
-            <a:endParaRPr lang="en-US" altLang="zh-CN" sz="2000" dirty="0" smtClean="0"/>
-          </a:p>
-          <a:p>
-            <a:r>
-              <a:rPr lang="en-US" altLang="zh-CN" sz="2000" dirty="0" smtClean="0"/>
+              <a:t>这个文件，把标准错误输出重定向到</a:t>
+            </a:r>
+            <a:r>
+              <a:rPr lang="en-US" altLang="zh-CN" sz="2000" dirty="0"/>
+              <a:t>/dev/null</a:t>
+            </a:r>
+            <a:r>
+              <a:rPr lang="zh-CN" altLang="en-US" sz="2000" dirty="0"/>
+              <a:t>这个黑洞文件。</a:t>
+            </a:r>
+            <a:endParaRPr lang="en-US" altLang="zh-CN" sz="2000" dirty="0"/>
+          </a:p>
+          <a:p>
+            <a:pPr marL="0" indent="0">
+              <a:buNone/>
+            </a:pPr>
+            <a:r>
+              <a:rPr lang="en-US" altLang="zh-CN" sz="2000" dirty="0"/>
+              <a:t>    </a:t>
+            </a:r>
+            <a:r>
+              <a:rPr lang="zh-CN" altLang="en-US" sz="2000" dirty="0"/>
+              <a:t>这个命令如果不加</a:t>
+            </a:r>
+            <a:r>
+              <a:rPr lang="en-US" altLang="zh-CN" sz="2000" dirty="0" err="1"/>
+              <a:t>sudo</a:t>
+            </a:r>
+            <a:r>
+              <a:rPr lang="zh-CN" altLang="en-US" sz="2000" dirty="0"/>
+              <a:t>的话，会有</a:t>
+            </a:r>
+            <a:r>
+              <a:rPr lang="en-US" altLang="zh-CN" sz="2000" dirty="0"/>
+              <a:t>permission denied</a:t>
+            </a:r>
+            <a:r>
+              <a:rPr lang="zh-CN" altLang="en-US" sz="2000" dirty="0"/>
+              <a:t>的错误提示，也会有正常输出项。如</a:t>
+            </a:r>
+            <a:endParaRPr lang="en-US" altLang="zh-CN" sz="2000" dirty="0"/>
+          </a:p>
+          <a:p>
+            <a:pPr marL="0" indent="0">
+              <a:buNone/>
+            </a:pPr>
+            <a:r>
+              <a:rPr lang="en-US" altLang="zh-CN" sz="2000" dirty="0"/>
+              <a:t>    </a:t>
+            </a:r>
+            <a:r>
+              <a:rPr lang="zh-CN" altLang="en-US" sz="2000" dirty="0"/>
+              <a:t>果只把标准输出重定向到</a:t>
+            </a:r>
+            <a:r>
+              <a:rPr lang="en-US" altLang="zh-CN" sz="2000" dirty="0"/>
+              <a:t>output</a:t>
+            </a:r>
+            <a:r>
+              <a:rPr lang="zh-CN" altLang="en-US" sz="2000" dirty="0"/>
+              <a:t>这个文件，那么</a:t>
+            </a:r>
+            <a:r>
+              <a:rPr lang="en-US" altLang="zh-CN" sz="2000" dirty="0"/>
               <a:t>shell</a:t>
             </a:r>
             <a:r>
               <a:rPr lang="zh-CN" altLang="en-US" sz="2000" dirty="0"/>
-              <a:t>在解释命令</a:t>
-            </a:r>
-            <a:r>
-              <a:rPr lang="zh-CN" altLang="en-US" sz="2000" dirty="0" smtClean="0"/>
-              <a:t>遇到 </a:t>
-            </a:r>
-            <a:r>
-              <a:rPr lang="en-US" altLang="zh-CN" sz="2000" dirty="0" smtClean="0"/>
-              <a:t>| </a:t>
-            </a:r>
-            <a:r>
-              <a:rPr lang="zh-CN" altLang="en-US" sz="2000" dirty="0" smtClean="0"/>
-              <a:t>时会</a:t>
+              <a:t>还是会输出错误提示。</a:t>
+            </a:r>
+            <a:endParaRPr lang="en-US" altLang="zh-CN" sz="2000" dirty="0"/>
+          </a:p>
+          <a:p>
+            <a:pPr marL="0" indent="0">
+              <a:buNone/>
+            </a:pPr>
+            <a:endParaRPr lang="en-US" altLang="zh-CN" sz="2000" dirty="0"/>
+          </a:p>
+          <a:p>
+            <a:r>
+              <a:rPr lang="en-US" altLang="zh-CN" sz="2000" dirty="0"/>
+              <a:t>find / -name </a:t>
+            </a:r>
+            <a:r>
+              <a:rPr lang="en-US" altLang="zh-CN" sz="2000" dirty="0" err="1"/>
+              <a:t>gcc</a:t>
+            </a:r>
+            <a:r>
+              <a:rPr lang="en-US" altLang="zh-CN" sz="2000" dirty="0"/>
+              <a:t> &amp;&gt; output </a:t>
             </a:r>
             <a:r>
               <a:rPr lang="zh-CN" altLang="en-US" sz="2000" dirty="0"/>
-              <a:t>创建管道，并创建两个进程，把标准输入输出重定向到管道，前一个进程向管道写数据，后一个进程从管道读数据</a:t>
-            </a:r>
-            <a:r>
-              <a:rPr lang="zh-CN" altLang="en-US" sz="2000" dirty="0" smtClean="0"/>
-              <a:t>。</a:t>
-            </a:r>
-            <a:endParaRPr lang="en-US" altLang="zh-CN" sz="2000" dirty="0" smtClean="0"/>
-          </a:p>
-          <a:p>
-            <a:endParaRPr lang="en-US" altLang="zh-CN" sz="2000" dirty="0" smtClean="0"/>
-          </a:p>
-          <a:p>
-            <a:r>
-              <a:rPr lang="zh-CN" altLang="zh-CN" sz="2000" dirty="0"/>
-              <a:t>在管道中只有标准输出才传递给下一个命令 标准错误输出直接输出到终端</a:t>
+              <a:t>或 </a:t>
+            </a:r>
+            <a:r>
+              <a:rPr lang="en-US" altLang="zh-CN" sz="2000" dirty="0"/>
+              <a:t>find / -name </a:t>
+            </a:r>
+            <a:r>
+              <a:rPr lang="en-US" altLang="zh-CN" sz="2000" dirty="0" err="1"/>
+              <a:t>gcc</a:t>
+            </a:r>
+            <a:r>
+              <a:rPr lang="en-US" altLang="zh-CN" sz="2000" dirty="0"/>
+              <a:t> &gt;&amp; output </a:t>
+            </a:r>
+          </a:p>
+          <a:p>
+            <a:pPr marL="0" indent="0">
+              <a:buNone/>
+            </a:pPr>
+            <a:r>
+              <a:rPr lang="zh-CN" altLang="en-US" sz="2000" dirty="0"/>
+              <a:t>    标准输出和标准错误同时输出到</a:t>
+            </a:r>
+            <a:r>
+              <a:rPr lang="en-US" altLang="zh-CN" sz="2000" dirty="0"/>
+              <a:t>output</a:t>
+            </a:r>
+            <a:r>
+              <a:rPr lang="zh-CN" altLang="en-US" sz="2000" dirty="0"/>
+              <a:t>文件</a:t>
             </a:r>
             <a:endParaRPr lang="en-US" altLang="zh-CN" sz="2000" dirty="0"/>
           </a:p>
           <a:p>
+            <a:pPr marL="0" indent="0">
+              <a:buNone/>
+            </a:pPr>
+            <a:endParaRPr lang="en-US" altLang="zh-CN" sz="2000" dirty="0"/>
+          </a:p>
+          <a:p>
+            <a:r>
+              <a:rPr lang="en-US" altLang="zh-CN" sz="2000" dirty="0"/>
+              <a:t>1&gt; </a:t>
+            </a:r>
+            <a:r>
+              <a:rPr lang="zh-CN" altLang="en-US" sz="2000" dirty="0"/>
+              <a:t>等同于</a:t>
+            </a:r>
+            <a:r>
+              <a:rPr lang="en-US" altLang="zh-CN" sz="2000" dirty="0"/>
+              <a:t>&gt; </a:t>
+            </a:r>
+            <a:r>
+              <a:rPr lang="zh-CN" altLang="en-US" sz="2000" dirty="0"/>
+              <a:t>，</a:t>
+            </a:r>
+            <a:r>
+              <a:rPr lang="en-US" altLang="zh-CN" sz="2000" dirty="0"/>
+              <a:t>0&lt; </a:t>
+            </a:r>
+            <a:r>
+              <a:rPr lang="zh-CN" altLang="en-US" sz="2000" dirty="0"/>
+              <a:t>等同于</a:t>
+            </a:r>
+            <a:r>
+              <a:rPr lang="en-US" altLang="zh-CN" sz="2000" dirty="0"/>
+              <a:t>&lt;</a:t>
+            </a:r>
+            <a:r>
+              <a:rPr lang="zh-CN" altLang="en-US" sz="2000" dirty="0"/>
+              <a:t>，即前导的</a:t>
+            </a:r>
+            <a:r>
+              <a:rPr lang="en-US" altLang="zh-CN" sz="2000" dirty="0"/>
+              <a:t>0</a:t>
+            </a:r>
+            <a:r>
+              <a:rPr lang="zh-CN" altLang="en-US" sz="2000" dirty="0"/>
+              <a:t>和</a:t>
+            </a:r>
+            <a:r>
+              <a:rPr lang="en-US" altLang="zh-CN" sz="2000" dirty="0"/>
+              <a:t>1</a:t>
+            </a:r>
+            <a:r>
+              <a:rPr lang="zh-CN" altLang="en-US" sz="2000" dirty="0"/>
+              <a:t>可以省略；如果不省略，数字和重定向符号之间没有空格，前导</a:t>
+            </a:r>
+            <a:r>
+              <a:rPr lang="en-US" altLang="zh-CN" sz="2000" dirty="0"/>
+              <a:t>2</a:t>
+            </a:r>
+            <a:r>
+              <a:rPr lang="zh-CN" altLang="en-US" sz="2000" dirty="0"/>
+              <a:t>不可以省略。</a:t>
+            </a:r>
             <a:endParaRPr lang="en-US" altLang="zh-CN" sz="2000" dirty="0"/>
           </a:p>
         </p:txBody>
@@ -10084,7 +10043,7 @@
     </p:spTree>
     <p:extLst>
       <p:ext uri="{BB962C8B-B14F-4D97-AF65-F5344CB8AC3E}">
-        <p14:creationId xmlns:p14="http://schemas.microsoft.com/office/powerpoint/2010/main" val="3045266092"/>
+        <p14:creationId xmlns:p14="http://schemas.microsoft.com/office/powerpoint/2010/main" val="3444969975"/>
       </p:ext>
     </p:extLst>
   </p:cSld>
@@ -10116,7 +10075,7 @@
           <p:cNvPr id="2" name="标题 1">
             <a:extLst>
               <a:ext uri="{FF2B5EF4-FFF2-40B4-BE49-F238E27FC236}">
-                <a16:creationId xmlns="" xmlns:a16="http://schemas.microsoft.com/office/drawing/2014/main" id="{8B88BACC-24DE-4087-9AB3-A099CF573089}"/>
+                <a16:creationId xmlns:a16="http://schemas.microsoft.com/office/drawing/2014/main" id="{8B88BACC-24DE-4087-9AB3-A099CF573089}"/>
               </a:ext>
             </a:extLst>
           </p:cNvPr>
@@ -10133,10 +10092,159 @@
           <a:lstStyle/>
           <a:p>
             <a:r>
-              <a:rPr lang="zh-CN" altLang="en-US" dirty="0" smtClean="0"/>
+              <a:rPr lang="zh-CN" altLang="en-US" dirty="0"/>
+              <a:t>管道</a:t>
+            </a:r>
+          </a:p>
+        </p:txBody>
+      </p:sp>
+      <p:sp>
+        <p:nvSpPr>
+          <p:cNvPr id="3" name="内容占位符 2">
+            <a:extLst>
+              <a:ext uri="{FF2B5EF4-FFF2-40B4-BE49-F238E27FC236}">
+                <a16:creationId xmlns:a16="http://schemas.microsoft.com/office/drawing/2014/main" id="{0A1C6B17-780B-4799-8193-E52FD817AC0E}"/>
+              </a:ext>
+            </a:extLst>
+          </p:cNvPr>
+          <p:cNvSpPr>
+            <a:spLocks noGrp="1"/>
+          </p:cNvSpPr>
+          <p:nvPr>
+            <p:ph idx="1"/>
+          </p:nvPr>
+        </p:nvSpPr>
+        <p:spPr/>
+        <p:txBody>
+          <a:bodyPr/>
+          <a:lstStyle/>
+          <a:p>
+            <a:r>
+              <a:rPr lang="zh-CN" altLang="en-US" sz="2000" dirty="0"/>
+              <a:t>把一条命令的</a:t>
+            </a:r>
+            <a:r>
+              <a:rPr lang="en-US" altLang="zh-CN" sz="2000" dirty="0"/>
+              <a:t>STDOUT</a:t>
+            </a:r>
+            <a:r>
+              <a:rPr lang="zh-CN" altLang="en-US" sz="2000" dirty="0"/>
+              <a:t>连接到另一条命令的</a:t>
+            </a:r>
+            <a:r>
+              <a:rPr lang="en-US" altLang="zh-CN" sz="2000" dirty="0"/>
+              <a:t>STDIN</a:t>
+            </a:r>
+            <a:r>
+              <a:rPr lang="zh-CN" altLang="en-US" sz="2000" dirty="0"/>
+              <a:t>上，可以用 </a:t>
+            </a:r>
+            <a:r>
+              <a:rPr lang="en-US" altLang="zh-CN" sz="2000" dirty="0"/>
+              <a:t>| </a:t>
+            </a:r>
+            <a:r>
+              <a:rPr lang="zh-CN" altLang="en-US" sz="2000" dirty="0"/>
+              <a:t>这个符号，它叫做管道。</a:t>
+            </a:r>
+            <a:endParaRPr lang="en-US" altLang="zh-CN" sz="2000" dirty="0"/>
+          </a:p>
+          <a:p>
+            <a:endParaRPr lang="en-US" altLang="zh-CN" sz="2000" dirty="0"/>
+          </a:p>
+          <a:p>
+            <a:r>
+              <a:rPr lang="en-US" altLang="zh-CN" sz="2000" dirty="0"/>
+              <a:t>shell</a:t>
+            </a:r>
+            <a:r>
+              <a:rPr lang="zh-CN" altLang="en-US" sz="2000" dirty="0"/>
+              <a:t>在解释命令遇到 </a:t>
+            </a:r>
+            <a:r>
+              <a:rPr lang="en-US" altLang="zh-CN" sz="2000" dirty="0"/>
+              <a:t>| </a:t>
+            </a:r>
+            <a:r>
+              <a:rPr lang="zh-CN" altLang="en-US" sz="2000" dirty="0"/>
+              <a:t>时会创建管道，并创建两个进程，把标准输入输出重定向到管道，前一个进程向管道写数据，后一个进程从管道读数据。</a:t>
+            </a:r>
+            <a:endParaRPr lang="en-US" altLang="zh-CN" sz="2000" dirty="0"/>
+          </a:p>
+          <a:p>
+            <a:endParaRPr lang="en-US" altLang="zh-CN" sz="2000" dirty="0"/>
+          </a:p>
+          <a:p>
+            <a:r>
+              <a:rPr lang="zh-CN" altLang="zh-CN" sz="2000" dirty="0"/>
+              <a:t>在管道中只有标准输出才传递给下一个命令 标准错误输出直接输出到终端</a:t>
+            </a:r>
+            <a:r>
+              <a:rPr lang="zh-CN" altLang="en-US" sz="2000" dirty="0"/>
+              <a:t>。</a:t>
+            </a:r>
+            <a:endParaRPr lang="en-US" altLang="zh-CN" sz="2000" dirty="0"/>
+          </a:p>
+          <a:p>
+            <a:endParaRPr lang="en-US" altLang="zh-CN" sz="2000" dirty="0"/>
+          </a:p>
+        </p:txBody>
+      </p:sp>
+    </p:spTree>
+    <p:extLst>
+      <p:ext uri="{BB962C8B-B14F-4D97-AF65-F5344CB8AC3E}">
+        <p14:creationId xmlns:p14="http://schemas.microsoft.com/office/powerpoint/2010/main" val="3045266092"/>
+      </p:ext>
+    </p:extLst>
+  </p:cSld>
+  <p:clrMapOvr>
+    <a:masterClrMapping/>
+  </p:clrMapOvr>
+</p:sld>
+</file>
+
+<file path=ppt/slides/slide8.xml><?xml version="1.0" encoding="utf-8"?>
+<p:sld xmlns:a="http://schemas.openxmlformats.org/drawingml/2006/main" xmlns:r="http://schemas.openxmlformats.org/officeDocument/2006/relationships" xmlns:p="http://schemas.openxmlformats.org/presentationml/2006/main">
+  <p:cSld>
+    <p:spTree>
+      <p:nvGrpSpPr>
+        <p:cNvPr id="1" name=""/>
+        <p:cNvGrpSpPr/>
+        <p:nvPr/>
+      </p:nvGrpSpPr>
+      <p:grpSpPr>
+        <a:xfrm>
+          <a:off x="0" y="0"/>
+          <a:ext cx="0" cy="0"/>
+          <a:chOff x="0" y="0"/>
+          <a:chExt cx="0" cy="0"/>
+        </a:xfrm>
+      </p:grpSpPr>
+      <p:sp>
+        <p:nvSpPr>
+          <p:cNvPr id="2" name="标题 1">
+            <a:extLst>
+              <a:ext uri="{FF2B5EF4-FFF2-40B4-BE49-F238E27FC236}">
+                <a16:creationId xmlns:a16="http://schemas.microsoft.com/office/drawing/2014/main" id="{8B88BACC-24DE-4087-9AB3-A099CF573089}"/>
+              </a:ext>
+            </a:extLst>
+          </p:cNvPr>
+          <p:cNvSpPr>
+            <a:spLocks noGrp="1"/>
+          </p:cNvSpPr>
+          <p:nvPr>
+            <p:ph type="title"/>
+          </p:nvPr>
+        </p:nvSpPr>
+        <p:spPr/>
+        <p:txBody>
+          <a:bodyPr/>
+          <a:lstStyle/>
+          <a:p>
+            <a:r>
+              <a:rPr lang="zh-CN" altLang="en-US" dirty="0"/>
               <a:t>管道示例</a:t>
             </a:r>
-            <a:endParaRPr lang="zh-CN" altLang="en-US" dirty="0"/>
           </a:p>
         </p:txBody>
       </p:sp>
@@ -10145,7 +10253,7 @@
           <p:cNvPr id="3" name="内容占位符 2">
             <a:extLst>
               <a:ext uri="{FF2B5EF4-FFF2-40B4-BE49-F238E27FC236}">
-                <a16:creationId xmlns="" xmlns:a16="http://schemas.microsoft.com/office/drawing/2014/main" id="{0A1C6B17-780B-4799-8193-E52FD817AC0E}"/>
+                <a16:creationId xmlns:a16="http://schemas.microsoft.com/office/drawing/2014/main" id="{0A1C6B17-780B-4799-8193-E52FD817AC0E}"/>
               </a:ext>
             </a:extLst>
           </p:cNvPr>
@@ -10162,77 +10270,105 @@
           <a:lstStyle/>
           <a:p>
             <a:r>
-              <a:rPr lang="en-US" altLang="zh-CN" sz="2000" dirty="0" err="1" smtClean="0"/>
+              <a:rPr lang="en-US" altLang="zh-CN" sz="2000" dirty="0" err="1"/>
               <a:t>sudo</a:t>
             </a:r>
             <a:r>
               <a:rPr lang="en-US" altLang="zh-CN" sz="2000" dirty="0"/>
-              <a:t> </a:t>
-            </a:r>
-            <a:r>
-              <a:rPr lang="en-US" altLang="zh-CN" sz="2000" dirty="0" smtClean="0"/>
-              <a:t>find </a:t>
-            </a:r>
-            <a:r>
-              <a:rPr lang="en-US" altLang="zh-CN" sz="2000" dirty="0" smtClean="0"/>
-              <a:t>/ -name </a:t>
-            </a:r>
-            <a:r>
-              <a:rPr lang="en-US" altLang="zh-CN" sz="2000" dirty="0" err="1" smtClean="0"/>
+              <a:t> find / -name </a:t>
+            </a:r>
+            <a:r>
+              <a:rPr lang="en-US" altLang="zh-CN" sz="2000" dirty="0" err="1"/>
               <a:t>gcc</a:t>
             </a:r>
             <a:r>
-              <a:rPr lang="en-US" altLang="zh-CN" sz="2000" dirty="0" smtClean="0"/>
+              <a:rPr lang="en-US" altLang="zh-CN" sz="2000" dirty="0"/>
               <a:t> | </a:t>
             </a:r>
             <a:r>
-              <a:rPr lang="en-US" altLang="zh-CN" sz="2000" dirty="0" err="1" smtClean="0"/>
+              <a:rPr lang="en-US" altLang="zh-CN" sz="2000" dirty="0" err="1"/>
               <a:t>wc</a:t>
             </a:r>
             <a:r>
-              <a:rPr lang="en-US" altLang="zh-CN" sz="2000" dirty="0" smtClean="0"/>
+              <a:rPr lang="en-US" altLang="zh-CN" sz="2000" dirty="0"/>
+              <a:t> –l </a:t>
+            </a:r>
+          </a:p>
+          <a:p>
+            <a:pPr lvl="1"/>
+            <a:r>
+              <a:rPr lang="zh-CN" altLang="en-US" sz="1800" dirty="0"/>
+              <a:t>查找名称含有</a:t>
+            </a:r>
+            <a:r>
+              <a:rPr lang="en-US" altLang="zh-CN" sz="1800" dirty="0" err="1"/>
+              <a:t>gcc</a:t>
+            </a:r>
+            <a:r>
+              <a:rPr lang="zh-CN" altLang="en-US" sz="1800" dirty="0"/>
+              <a:t>的文件并使用</a:t>
+            </a:r>
+            <a:r>
+              <a:rPr lang="en-US" altLang="zh-CN" sz="1800" dirty="0" err="1"/>
+              <a:t>wc</a:t>
+            </a:r>
+            <a:r>
+              <a:rPr lang="zh-CN" altLang="en-US" sz="1800" dirty="0"/>
+              <a:t>计数</a:t>
+            </a:r>
+            <a:endParaRPr lang="en-US" altLang="zh-CN" sz="1800" dirty="0"/>
+          </a:p>
+          <a:p>
+            <a:pPr lvl="1"/>
+            <a:endParaRPr lang="en-US" altLang="zh-CN" sz="1800" dirty="0"/>
+          </a:p>
+          <a:p>
+            <a:r>
+              <a:rPr lang="en-US" altLang="zh-CN" sz="2000" dirty="0" err="1"/>
+              <a:t>ps</a:t>
+            </a:r>
+            <a:r>
+              <a:rPr lang="en-US" altLang="zh-CN" sz="2000" dirty="0"/>
               <a:t> -</a:t>
             </a:r>
             <a:r>
-              <a:rPr lang="en-US" altLang="zh-CN" sz="2000" dirty="0" smtClean="0"/>
-              <a:t>l</a:t>
-            </a:r>
-          </a:p>
-          <a:p>
-            <a:r>
-              <a:rPr lang="en-US" altLang="zh-CN" sz="2000" dirty="0" err="1" smtClean="0"/>
-              <a:t>ps</a:t>
-            </a:r>
-            <a:r>
-              <a:rPr lang="en-US" altLang="zh-CN" sz="2000" dirty="0" smtClean="0"/>
-              <a:t> -</a:t>
-            </a:r>
-            <a:r>
-              <a:rPr lang="en-US" altLang="zh-CN" sz="2000" dirty="0" err="1" smtClean="0"/>
+              <a:rPr lang="en-US" altLang="zh-CN" sz="2000" dirty="0" err="1"/>
               <a:t>ef</a:t>
             </a:r>
             <a:r>
               <a:rPr lang="en-US" altLang="zh-CN" sz="2000" dirty="0"/>
-              <a:t> </a:t>
-            </a:r>
-            <a:r>
-              <a:rPr lang="en-US" altLang="zh-CN" sz="2000" dirty="0" smtClean="0"/>
-              <a:t>| grep </a:t>
-            </a:r>
-            <a:r>
-              <a:rPr lang="en-US" altLang="zh-CN" sz="2000" dirty="0" err="1" smtClean="0"/>
+              <a:t> | grep </a:t>
+            </a:r>
+            <a:r>
+              <a:rPr lang="en-US" altLang="zh-CN" sz="2000" dirty="0" err="1"/>
               <a:t>ssh</a:t>
             </a:r>
-            <a:endParaRPr lang="en-US" altLang="zh-CN" sz="2000" dirty="0" smtClean="0"/>
-          </a:p>
-          <a:p>
-            <a:r>
-              <a:rPr lang="en-US" altLang="zh-CN" sz="2000" dirty="0" smtClean="0"/>
-              <a:t>ls </a:t>
-            </a:r>
+            <a:endParaRPr lang="en-US" altLang="zh-CN" sz="2000" dirty="0"/>
+          </a:p>
+          <a:p>
+            <a:pPr lvl="1"/>
+            <a:r>
+              <a:rPr lang="zh-CN" altLang="en-US" sz="1800" dirty="0"/>
+              <a:t>查找名称含有</a:t>
+            </a:r>
+            <a:r>
+              <a:rPr lang="en-US" altLang="zh-CN" sz="1800" dirty="0" err="1"/>
+              <a:t>ssh</a:t>
+            </a:r>
+            <a:r>
+              <a:rPr lang="zh-CN" altLang="en-US" sz="1800" dirty="0"/>
+              <a:t>的进程</a:t>
+            </a:r>
+            <a:endParaRPr lang="en-US" altLang="zh-CN" sz="1800" dirty="0"/>
+          </a:p>
+          <a:p>
+            <a:pPr lvl="1"/>
+            <a:endParaRPr lang="en-US" altLang="zh-CN" sz="1800" dirty="0"/>
+          </a:p>
+          <a:p>
             <a:r>
               <a:rPr lang="en-US" altLang="zh-CN" sz="2000" dirty="0"/>
-              <a:t>–l –R /</a:t>
+              <a:t>ls –l –R /</a:t>
             </a:r>
             <a:r>
               <a:rPr lang="en-US" altLang="zh-CN" sz="2000" dirty="0" err="1"/>
@@ -10244,14 +10380,30 @@
             </a:r>
           </a:p>
           <a:p>
-            <a:r>
-              <a:rPr lang="en-US" altLang="zh-CN" sz="2000" dirty="0" smtClean="0"/>
-              <a:t>ls </a:t>
-            </a:r>
+            <a:pPr lvl="1"/>
+            <a:r>
+              <a:rPr lang="zh-CN" altLang="en-US" sz="1800" dirty="0"/>
+              <a:t>分页查看内容</a:t>
+            </a:r>
+            <a:endParaRPr lang="en-US" altLang="zh-CN" sz="1800" dirty="0"/>
+          </a:p>
+          <a:p>
+            <a:pPr lvl="1"/>
+            <a:endParaRPr lang="en-US" altLang="zh-CN" sz="1800" dirty="0"/>
+          </a:p>
+          <a:p>
             <a:r>
               <a:rPr lang="en-US" altLang="zh-CN" sz="2000" dirty="0"/>
-              <a:t>| sort -r</a:t>
-            </a:r>
+              <a:t>ls | sort –r</a:t>
+            </a:r>
+          </a:p>
+          <a:p>
+            <a:pPr lvl="1"/>
+            <a:r>
+              <a:rPr lang="zh-CN" altLang="en-US" sz="1800" dirty="0"/>
+              <a:t>排序文件</a:t>
+            </a:r>
+            <a:endParaRPr lang="en-US" altLang="zh-CN" sz="1800" dirty="0"/>
           </a:p>
           <a:p>
             <a:endParaRPr lang="en-US" altLang="zh-CN" sz="2000" dirty="0"/>
@@ -10560,7 +10712,7 @@
   <a:extraClrSchemeLst/>
   <a:extLst>
     <a:ext uri="{05A4C25C-085E-4340-85A3-A5531E510DB2}">
-      <thm15:themeFamily xmlns="" xmlns:thm15="http://schemas.microsoft.com/office/thememl/2012/main" name="Office Theme" id="{62F939B6-93AF-4DB8-9C6B-D6C7DFDC589F}" vid="{4A3C46E8-61CC-4603-A589-7422A47A8E4A}"/>
+      <thm15:themeFamily xmlns:thm15="http://schemas.microsoft.com/office/thememl/2012/main" name="Office Theme" id="{62F939B6-93AF-4DB8-9C6B-D6C7DFDC589F}" vid="{4A3C46E8-61CC-4603-A589-7422A47A8E4A}"/>
     </a:ext>
   </a:extLst>
 </a:theme>
@@ -10855,7 +11007,7 @@
   <a:extraClrSchemeLst/>
   <a:extLst>
     <a:ext uri="{05A4C25C-085E-4340-85A3-A5531E510DB2}">
-      <thm15:themeFamily xmlns="" xmlns:thm15="http://schemas.microsoft.com/office/thememl/2012/main" name="Office Theme" id="{62F939B6-93AF-4DB8-9C6B-D6C7DFDC589F}" vid="{4A3C46E8-61CC-4603-A589-7422A47A8E4A}"/>
+      <thm15:themeFamily xmlns:thm15="http://schemas.microsoft.com/office/thememl/2012/main" name="Office Theme" id="{62F939B6-93AF-4DB8-9C6B-D6C7DFDC589F}" vid="{4A3C46E8-61CC-4603-A589-7422A47A8E4A}"/>
     </a:ext>
   </a:extLst>
 </a:theme>

--- a/materials/slides/ch04-io-redrection-and-pipe.pptx
+++ b/materials/slides/ch04-io-redrection-and-pipe.pptx
@@ -286,7 +286,7 @@
           <a:p>
             <a:fld id="{02E60DA2-A0BC-48C9-AA88-75C78721B420}" type="datetimeFigureOut">
               <a:rPr lang="zh-CN" altLang="en-US" smtClean="0"/>
-              <a:t>2018/2/25</a:t>
+              <a:t>2018/3/1</a:t>
             </a:fld>
             <a:endParaRPr lang="zh-CN" altLang="en-US"/>
           </a:p>
@@ -508,7 +508,7 @@
           <a:p>
             <a:fld id="{02E60DA2-A0BC-48C9-AA88-75C78721B420}" type="datetimeFigureOut">
               <a:rPr lang="zh-CN" altLang="en-US" smtClean="0"/>
-              <a:t>2018/2/25</a:t>
+              <a:t>2018/3/1</a:t>
             </a:fld>
             <a:endParaRPr lang="zh-CN" altLang="en-US"/>
           </a:p>
@@ -740,7 +740,7 @@
           <a:p>
             <a:fld id="{02E60DA2-A0BC-48C9-AA88-75C78721B420}" type="datetimeFigureOut">
               <a:rPr lang="zh-CN" altLang="en-US" smtClean="0"/>
-              <a:t>2018/2/25</a:t>
+              <a:t>2018/3/1</a:t>
             </a:fld>
             <a:endParaRPr lang="zh-CN" altLang="en-US"/>
           </a:p>
@@ -990,7 +990,7 @@
           <a:p>
             <a:fld id="{02E60DA2-A0BC-48C9-AA88-75C78721B420}" type="datetimeFigureOut">
               <a:rPr lang="zh-CN" altLang="en-US" smtClean="0"/>
-              <a:t>2018/2/25</a:t>
+              <a:t>2018/3/1</a:t>
             </a:fld>
             <a:endParaRPr lang="zh-CN" altLang="en-US"/>
           </a:p>
@@ -1228,7 +1228,7 @@
           <a:p>
             <a:fld id="{02E60DA2-A0BC-48C9-AA88-75C78721B420}" type="datetimeFigureOut">
               <a:rPr lang="zh-CN" altLang="en-US" smtClean="0"/>
-              <a:t>2018/2/25</a:t>
+              <a:t>2018/3/1</a:t>
             </a:fld>
             <a:endParaRPr lang="zh-CN" altLang="en-US"/>
           </a:p>
@@ -1533,7 +1533,7 @@
           <a:p>
             <a:fld id="{02E60DA2-A0BC-48C9-AA88-75C78721B420}" type="datetimeFigureOut">
               <a:rPr lang="zh-CN" altLang="en-US" smtClean="0"/>
-              <a:t>2018/2/25</a:t>
+              <a:t>2018/3/1</a:t>
             </a:fld>
             <a:endParaRPr lang="zh-CN" altLang="en-US"/>
           </a:p>
@@ -1836,7 +1836,7 @@
           <a:p>
             <a:fld id="{02E60DA2-A0BC-48C9-AA88-75C78721B420}" type="datetimeFigureOut">
               <a:rPr lang="zh-CN" altLang="en-US" smtClean="0"/>
-              <a:t>2018/2/25</a:t>
+              <a:t>2018/3/1</a:t>
             </a:fld>
             <a:endParaRPr lang="zh-CN" altLang="en-US"/>
           </a:p>
@@ -2287,7 +2287,7 @@
           <a:p>
             <a:fld id="{02E60DA2-A0BC-48C9-AA88-75C78721B420}" type="datetimeFigureOut">
               <a:rPr lang="zh-CN" altLang="en-US" smtClean="0"/>
-              <a:t>2018/2/25</a:t>
+              <a:t>2018/3/1</a:t>
             </a:fld>
             <a:endParaRPr lang="zh-CN" altLang="en-US"/>
           </a:p>
@@ -2460,7 +2460,7 @@
           <a:p>
             <a:fld id="{02E60DA2-A0BC-48C9-AA88-75C78721B420}" type="datetimeFigureOut">
               <a:rPr lang="zh-CN" altLang="en-US" smtClean="0"/>
-              <a:t>2018/2/25</a:t>
+              <a:t>2018/3/1</a:t>
             </a:fld>
             <a:endParaRPr lang="zh-CN" altLang="en-US"/>
           </a:p>
@@ -2597,7 +2597,7 @@
           <a:p>
             <a:fld id="{02E60DA2-A0BC-48C9-AA88-75C78721B420}" type="datetimeFigureOut">
               <a:rPr lang="zh-CN" altLang="en-US" smtClean="0"/>
-              <a:t>2018/2/25</a:t>
+              <a:t>2018/3/1</a:t>
             </a:fld>
             <a:endParaRPr lang="zh-CN" altLang="en-US"/>
           </a:p>
@@ -2941,7 +2941,7 @@
           <a:p>
             <a:fld id="{02E60DA2-A0BC-48C9-AA88-75C78721B420}" type="datetimeFigureOut">
               <a:rPr lang="zh-CN" altLang="en-US" smtClean="0"/>
-              <a:t>2018/2/25</a:t>
+              <a:t>2018/3/1</a:t>
             </a:fld>
             <a:endParaRPr lang="zh-CN" altLang="en-US"/>
           </a:p>
@@ -3163,7 +3163,7 @@
           <a:p>
             <a:fld id="{02E60DA2-A0BC-48C9-AA88-75C78721B420}" type="datetimeFigureOut">
               <a:rPr lang="zh-CN" altLang="en-US" smtClean="0"/>
-              <a:t>2018/2/25</a:t>
+              <a:t>2018/3/1</a:t>
             </a:fld>
             <a:endParaRPr lang="zh-CN" altLang="en-US"/>
           </a:p>
@@ -3484,7 +3484,7 @@
           <a:p>
             <a:fld id="{02E60DA2-A0BC-48C9-AA88-75C78721B420}" type="datetimeFigureOut">
               <a:rPr lang="zh-CN" altLang="en-US" smtClean="0"/>
-              <a:t>2018/2/25</a:t>
+              <a:t>2018/3/1</a:t>
             </a:fld>
             <a:endParaRPr lang="zh-CN" altLang="en-US"/>
           </a:p>
@@ -3722,7 +3722,7 @@
           <a:p>
             <a:fld id="{02E60DA2-A0BC-48C9-AA88-75C78721B420}" type="datetimeFigureOut">
               <a:rPr lang="zh-CN" altLang="en-US" smtClean="0"/>
-              <a:t>2018/2/25</a:t>
+              <a:t>2018/3/1</a:t>
             </a:fld>
             <a:endParaRPr lang="zh-CN" altLang="en-US"/>
           </a:p>
@@ -3960,7 +3960,7 @@
           <a:p>
             <a:fld id="{02E60DA2-A0BC-48C9-AA88-75C78721B420}" type="datetimeFigureOut">
               <a:rPr lang="zh-CN" altLang="en-US" smtClean="0"/>
-              <a:t>2018/2/25</a:t>
+              <a:t>2018/3/1</a:t>
             </a:fld>
             <a:endParaRPr lang="zh-CN" altLang="en-US"/>
           </a:p>
@@ -4259,7 +4259,7 @@
           <a:p>
             <a:fld id="{02E60DA2-A0BC-48C9-AA88-75C78721B420}" type="datetimeFigureOut">
               <a:rPr lang="zh-CN" altLang="en-US" smtClean="0"/>
-              <a:t>2018/2/25</a:t>
+              <a:t>2018/3/1</a:t>
             </a:fld>
             <a:endParaRPr lang="zh-CN" altLang="en-US"/>
           </a:p>
@@ -4548,7 +4548,7 @@
           <a:p>
             <a:fld id="{02E60DA2-A0BC-48C9-AA88-75C78721B420}" type="datetimeFigureOut">
               <a:rPr lang="zh-CN" altLang="en-US" smtClean="0"/>
-              <a:t>2018/2/25</a:t>
+              <a:t>2018/3/1</a:t>
             </a:fld>
             <a:endParaRPr lang="zh-CN" altLang="en-US"/>
           </a:p>
@@ -4984,7 +4984,7 @@
           <a:p>
             <a:fld id="{02E60DA2-A0BC-48C9-AA88-75C78721B420}" type="datetimeFigureOut">
               <a:rPr lang="zh-CN" altLang="en-US" smtClean="0"/>
-              <a:t>2018/2/25</a:t>
+              <a:t>2018/3/1</a:t>
             </a:fld>
             <a:endParaRPr lang="zh-CN" altLang="en-US"/>
           </a:p>
@@ -5149,7 +5149,7 @@
           <a:p>
             <a:fld id="{02E60DA2-A0BC-48C9-AA88-75C78721B420}" type="datetimeFigureOut">
               <a:rPr lang="zh-CN" altLang="en-US" smtClean="0"/>
-              <a:t>2018/2/25</a:t>
+              <a:t>2018/3/1</a:t>
             </a:fld>
             <a:endParaRPr lang="zh-CN" altLang="en-US"/>
           </a:p>
@@ -5286,7 +5286,7 @@
           <a:p>
             <a:fld id="{02E60DA2-A0BC-48C9-AA88-75C78721B420}" type="datetimeFigureOut">
               <a:rPr lang="zh-CN" altLang="en-US" smtClean="0"/>
-              <a:t>2018/2/25</a:t>
+              <a:t>2018/3/1</a:t>
             </a:fld>
             <a:endParaRPr lang="zh-CN" altLang="en-US"/>
           </a:p>
@@ -5621,7 +5621,7 @@
           <a:p>
             <a:fld id="{02E60DA2-A0BC-48C9-AA88-75C78721B420}" type="datetimeFigureOut">
               <a:rPr lang="zh-CN" altLang="en-US" smtClean="0"/>
-              <a:t>2018/2/25</a:t>
+              <a:t>2018/3/1</a:t>
             </a:fld>
             <a:endParaRPr lang="zh-CN" altLang="en-US"/>
           </a:p>
@@ -5933,7 +5933,7 @@
           <a:p>
             <a:fld id="{02E60DA2-A0BC-48C9-AA88-75C78721B420}" type="datetimeFigureOut">
               <a:rPr lang="zh-CN" altLang="en-US" smtClean="0"/>
-              <a:t>2018/2/25</a:t>
+              <a:t>2018/3/1</a:t>
             </a:fld>
             <a:endParaRPr lang="zh-CN" altLang="en-US"/>
           </a:p>
@@ -7459,7 +7459,7 @@
             </a:r>
             <a:r>
               <a:rPr lang="zh-CN" altLang="en-US" sz="2000" dirty="0"/>
-              <a:t>显示在屏幕上。有时候我们并不需要把这些输出信息（包括标准输出和标准错误）显示在屏幕上，或需要把这些输出信息保存在一个文件中，这时就需要进行输出重定向。输入重定向也是如此。</a:t>
+              <a:t>显示在屏幕上。有时候我们并不需要把这些输出信息（包括标准输出和标准错误）显示在屏幕上，或需要把这些输出信息保存在一个文件中，这时就需要进行输出重定向。</a:t>
             </a:r>
             <a:endParaRPr lang="en-US" altLang="zh-CN" sz="2000" dirty="0"/>
           </a:p>
@@ -7590,63 +7590,7 @@
             </a:r>
             <a:r>
               <a:rPr lang="zh-CN" altLang="en-US" sz="2000" dirty="0"/>
-              <a:t>解释成指令，用来把一条命令的输入或输出重定向到一个文件。</a:t>
-            </a:r>
-            <a:r>
-              <a:rPr lang="en-US" altLang="zh-CN" sz="2000" dirty="0"/>
-              <a:t>&lt;</a:t>
-            </a:r>
-            <a:r>
-              <a:rPr lang="zh-CN" altLang="en-US" sz="2000" dirty="0"/>
-              <a:t>这个符号把这条命令的</a:t>
-            </a:r>
-            <a:r>
-              <a:rPr lang="en-US" altLang="zh-CN" sz="2000" dirty="0"/>
-              <a:t>STDIN</a:t>
-            </a:r>
-            <a:r>
-              <a:rPr lang="zh-CN" altLang="en-US" sz="2000" dirty="0"/>
-              <a:t>和已有的某个文件的内容联系起来。符号</a:t>
-            </a:r>
-            <a:r>
-              <a:rPr lang="en-US" altLang="zh-CN" sz="2000" dirty="0"/>
-              <a:t>&gt;</a:t>
-            </a:r>
-            <a:r>
-              <a:rPr lang="zh-CN" altLang="en-US" sz="2000" dirty="0"/>
-              <a:t>和</a:t>
-            </a:r>
-            <a:r>
-              <a:rPr lang="en-US" altLang="zh-CN" sz="2000" dirty="0"/>
-              <a:t>&gt;&gt;</a:t>
-            </a:r>
-            <a:r>
-              <a:rPr lang="zh-CN" altLang="en-US" sz="2000" dirty="0"/>
-              <a:t>则仅重定向</a:t>
-            </a:r>
-            <a:r>
-              <a:rPr lang="en-US" altLang="zh-CN" sz="2000" dirty="0"/>
-              <a:t>STDOUT</a:t>
-            </a:r>
-            <a:r>
-              <a:rPr lang="zh-CN" altLang="en-US" sz="2000" dirty="0"/>
-              <a:t>，</a:t>
-            </a:r>
-            <a:r>
-              <a:rPr lang="en-US" altLang="zh-CN" sz="2000" dirty="0"/>
-              <a:t>&gt;</a:t>
-            </a:r>
-            <a:r>
-              <a:rPr lang="zh-CN" altLang="en-US" sz="2000" dirty="0"/>
-              <a:t>会替换文件中的现有内容，</a:t>
-            </a:r>
-            <a:r>
-              <a:rPr lang="en-US" altLang="zh-CN" sz="2000" dirty="0"/>
-              <a:t>&gt;&gt;</a:t>
-            </a:r>
-            <a:r>
-              <a:rPr lang="zh-CN" altLang="en-US" sz="2000" dirty="0"/>
-              <a:t>则给文件追加内容。仅仅重定向</a:t>
+              <a:t>解释成指令，用来把一条命令的输入或输出重定向到一个文件。重定向</a:t>
             </a:r>
             <a:r>
               <a:rPr lang="en-US" altLang="zh-CN" sz="2000" dirty="0"/>
@@ -7683,35 +7627,37 @@
           <p:nvPr>
             <p:extLst>
               <p:ext uri="{D42A27DB-BD31-4B8C-83A1-F6EECF244321}">
-                <p14:modId xmlns:p14="http://schemas.microsoft.com/office/powerpoint/2010/main" val="2418632620"/>
+                <p14:modId xmlns:p14="http://schemas.microsoft.com/office/powerpoint/2010/main" val="1037564290"/>
               </p:ext>
             </p:extLst>
           </p:nvPr>
         </p:nvGraphicFramePr>
         <p:xfrm>
-          <a:off x="2289609" y="2711222"/>
-          <a:ext cx="7971991" cy="3950835"/>
+          <a:off x="2130641" y="2420617"/>
+          <a:ext cx="8149700" cy="4317534"/>
         </p:xfrm>
         <a:graphic>
           <a:graphicData uri="http://schemas.openxmlformats.org/drawingml/2006/table">
             <a:tbl>
-              <a:tblPr/>
+              <a:tblPr>
+                <a:tableStyleId>{7DF18680-E054-41AD-8BC1-D1AEF772440D}</a:tableStyleId>
+              </a:tblPr>
               <a:tblGrid>
-                <a:gridCol w="2059269">
+                <a:gridCol w="2105174">
                   <a:extLst>
                     <a:ext uri="{9D8B030D-6E8A-4147-A177-3AD203B41FA5}">
                       <a16:colId xmlns:a16="http://schemas.microsoft.com/office/drawing/2014/main" val="20000"/>
                     </a:ext>
                   </a:extLst>
                 </a:gridCol>
-                <a:gridCol w="1123384">
+                <a:gridCol w="1148426">
                   <a:extLst>
                     <a:ext uri="{9D8B030D-6E8A-4147-A177-3AD203B41FA5}">
                       <a16:colId xmlns:a16="http://schemas.microsoft.com/office/drawing/2014/main" val="20001"/>
                     </a:ext>
                   </a:extLst>
                 </a:gridCol>
-                <a:gridCol w="4789338">
+                <a:gridCol w="4896100">
                   <a:extLst>
                     <a:ext uri="{9D8B030D-6E8A-4147-A177-3AD203B41FA5}">
                       <a16:colId xmlns:a16="http://schemas.microsoft.com/office/drawing/2014/main" val="20002"/>
@@ -7719,7 +7665,7 @@
                   </a:extLst>
                 </a:gridCol>
               </a:tblGrid>
-              <a:tr h="472002">
+              <a:tr h="515810">
                 <a:tc>
                   <a:txBody>
                     <a:bodyPr/>
@@ -7744,69 +7690,29 @@
                         <a:tabLst/>
                       </a:pPr>
                       <a:r>
-                        <a:rPr kumimoji="0" lang="zh-CN" altLang="en-US" sz="2400" b="1" i="0" u="none" strike="noStrike" cap="none" normalizeH="0" baseline="0" dirty="0">
+                        <a:rPr kumimoji="0" lang="zh-CN" altLang="en-US" sz="2400" u="none" strike="noStrike" cap="none" normalizeH="0" baseline="0" dirty="0">
                           <a:ln>
                             <a:noFill/>
                           </a:ln>
-                          <a:solidFill>
-                            <a:srgbClr val="000000"/>
-                          </a:solidFill>
                           <a:effectLst/>
-                          <a:latin typeface="Arial" pitchFamily="34" charset="0"/>
-                          <a:ea typeface="楷体_GB2312"/>
-                          <a:cs typeface="楷体_GB2312"/>
                         </a:rPr>
                         <a:t>类型</a:t>
                       </a:r>
+                      <a:endParaRPr kumimoji="0" lang="zh-CN" altLang="en-US" sz="2400" b="1" i="0" u="none" strike="noStrike" cap="none" normalizeH="0" baseline="0" dirty="0">
+                        <a:ln>
+                          <a:noFill/>
+                        </a:ln>
+                        <a:solidFill>
+                          <a:srgbClr val="000000"/>
+                        </a:solidFill>
+                        <a:effectLst/>
+                        <a:latin typeface="Arial" pitchFamily="34" charset="0"/>
+                        <a:ea typeface="楷体_GB2312"/>
+                        <a:cs typeface="楷体_GB2312"/>
+                      </a:endParaRPr>
                     </a:p>
                   </a:txBody>
-                  <a:tcPr marT="45715" marB="45715" horzOverflow="overflow">
-                    <a:lnL w="28575" cap="flat" cmpd="sng" algn="ctr">
-                      <a:solidFill>
-                        <a:srgbClr val="003399"/>
-                      </a:solidFill>
-                      <a:prstDash val="solid"/>
-                      <a:round/>
-                      <a:headEnd type="none" w="med" len="med"/>
-                      <a:tailEnd type="none" w="med" len="med"/>
-                    </a:lnL>
-                    <a:lnR w="12700" cap="flat" cmpd="sng" algn="ctr">
-                      <a:solidFill>
-                        <a:schemeClr val="tx2"/>
-                      </a:solidFill>
-                      <a:prstDash val="solid"/>
-                      <a:round/>
-                      <a:headEnd type="none" w="med" len="med"/>
-                      <a:tailEnd type="none" w="med" len="med"/>
-                    </a:lnR>
-                    <a:lnT w="28575" cap="flat" cmpd="sng" algn="ctr">
-                      <a:solidFill>
-                        <a:srgbClr val="003399"/>
-                      </a:solidFill>
-                      <a:prstDash val="solid"/>
-                      <a:round/>
-                      <a:headEnd type="none" w="med" len="med"/>
-                      <a:tailEnd type="none" w="med" len="med"/>
-                    </a:lnT>
-                    <a:lnB w="12700" cap="flat" cmpd="sng" algn="ctr">
-                      <a:solidFill>
-                        <a:schemeClr val="tx2"/>
-                      </a:solidFill>
-                      <a:prstDash val="solid"/>
-                      <a:round/>
-                      <a:headEnd type="none" w="med" len="med"/>
-                      <a:tailEnd type="none" w="med" len="med"/>
-                    </a:lnB>
-                    <a:lnTlToBr>
-                      <a:noFill/>
-                    </a:lnTlToBr>
-                    <a:lnBlToTr>
-                      <a:noFill/>
-                    </a:lnBlToTr>
-                    <a:solidFill>
-                      <a:srgbClr val="99CCFF"/>
-                    </a:solidFill>
-                  </a:tcPr>
+                  <a:tcPr marT="45715" marB="45715" horzOverflow="overflow"/>
                 </a:tc>
                 <a:tc>
                   <a:txBody>
@@ -7832,69 +7738,29 @@
                         <a:tabLst/>
                       </a:pPr>
                       <a:r>
-                        <a:rPr kumimoji="0" lang="zh-CN" altLang="en-US" sz="2400" b="1" i="0" u="none" strike="noStrike" cap="none" normalizeH="0" baseline="0">
+                        <a:rPr kumimoji="0" lang="zh-CN" altLang="en-US" sz="2400" u="none" strike="noStrike" cap="none" normalizeH="0" baseline="0" dirty="0">
                           <a:ln>
                             <a:noFill/>
                           </a:ln>
-                          <a:solidFill>
-                            <a:srgbClr val="000000"/>
-                          </a:solidFill>
                           <a:effectLst/>
-                          <a:latin typeface="Arial" pitchFamily="34" charset="0"/>
-                          <a:ea typeface="楷体_GB2312"/>
-                          <a:cs typeface="楷体_GB2312"/>
                         </a:rPr>
                         <a:t>操作符</a:t>
                       </a:r>
+                      <a:endParaRPr kumimoji="0" lang="zh-CN" altLang="en-US" sz="2400" b="1" i="0" u="none" strike="noStrike" cap="none" normalizeH="0" baseline="0" dirty="0">
+                        <a:ln>
+                          <a:noFill/>
+                        </a:ln>
+                        <a:solidFill>
+                          <a:srgbClr val="000000"/>
+                        </a:solidFill>
+                        <a:effectLst/>
+                        <a:latin typeface="Arial" pitchFamily="34" charset="0"/>
+                        <a:ea typeface="楷体_GB2312"/>
+                        <a:cs typeface="楷体_GB2312"/>
+                      </a:endParaRPr>
                     </a:p>
                   </a:txBody>
-                  <a:tcPr marT="45715" marB="45715" horzOverflow="overflow">
-                    <a:lnL w="12700" cap="flat" cmpd="sng" algn="ctr">
-                      <a:solidFill>
-                        <a:schemeClr val="tx2"/>
-                      </a:solidFill>
-                      <a:prstDash val="solid"/>
-                      <a:round/>
-                      <a:headEnd type="none" w="med" len="med"/>
-                      <a:tailEnd type="none" w="med" len="med"/>
-                    </a:lnL>
-                    <a:lnR w="12700" cap="flat" cmpd="sng" algn="ctr">
-                      <a:solidFill>
-                        <a:schemeClr val="tx2"/>
-                      </a:solidFill>
-                      <a:prstDash val="solid"/>
-                      <a:round/>
-                      <a:headEnd type="none" w="med" len="med"/>
-                      <a:tailEnd type="none" w="med" len="med"/>
-                    </a:lnR>
-                    <a:lnT w="28575" cap="flat" cmpd="sng" algn="ctr">
-                      <a:solidFill>
-                        <a:srgbClr val="003399"/>
-                      </a:solidFill>
-                      <a:prstDash val="solid"/>
-                      <a:round/>
-                      <a:headEnd type="none" w="med" len="med"/>
-                      <a:tailEnd type="none" w="med" len="med"/>
-                    </a:lnT>
-                    <a:lnB w="12700" cap="flat" cmpd="sng" algn="ctr">
-                      <a:solidFill>
-                        <a:schemeClr val="tx2"/>
-                      </a:solidFill>
-                      <a:prstDash val="solid"/>
-                      <a:round/>
-                      <a:headEnd type="none" w="med" len="med"/>
-                      <a:tailEnd type="none" w="med" len="med"/>
-                    </a:lnB>
-                    <a:lnTlToBr>
-                      <a:noFill/>
-                    </a:lnTlToBr>
-                    <a:lnBlToTr>
-                      <a:noFill/>
-                    </a:lnBlToTr>
-                    <a:solidFill>
-                      <a:srgbClr val="99CCFF"/>
-                    </a:solidFill>
-                  </a:tcPr>
+                  <a:tcPr marT="45715" marB="45715" horzOverflow="overflow"/>
                 </a:tc>
                 <a:tc>
                   <a:txBody>
@@ -7920,69 +7786,29 @@
                         <a:tabLst/>
                       </a:pPr>
                       <a:r>
-                        <a:rPr kumimoji="0" lang="zh-CN" altLang="en-US" sz="2400" b="1" i="0" u="none" strike="noStrike" cap="none" normalizeH="0" baseline="0" dirty="0">
+                        <a:rPr kumimoji="0" lang="zh-CN" altLang="en-US" sz="2400" u="none" strike="noStrike" cap="none" normalizeH="0" baseline="0" dirty="0">
                           <a:ln>
                             <a:noFill/>
                           </a:ln>
-                          <a:solidFill>
-                            <a:srgbClr val="000000"/>
-                          </a:solidFill>
                           <a:effectLst/>
-                          <a:latin typeface="Arial" pitchFamily="34" charset="0"/>
-                          <a:ea typeface="楷体_GB2312"/>
-                          <a:cs typeface="楷体_GB2312"/>
                         </a:rPr>
                         <a:t>用途</a:t>
                       </a:r>
+                      <a:endParaRPr kumimoji="0" lang="zh-CN" altLang="en-US" sz="2400" b="1" i="0" u="none" strike="noStrike" cap="none" normalizeH="0" baseline="0" dirty="0">
+                        <a:ln>
+                          <a:noFill/>
+                        </a:ln>
+                        <a:solidFill>
+                          <a:srgbClr val="000000"/>
+                        </a:solidFill>
+                        <a:effectLst/>
+                        <a:latin typeface="Arial" pitchFamily="34" charset="0"/>
+                        <a:ea typeface="楷体_GB2312"/>
+                        <a:cs typeface="楷体_GB2312"/>
+                      </a:endParaRPr>
                     </a:p>
                   </a:txBody>
-                  <a:tcPr marT="45715" marB="45715" horzOverflow="overflow">
-                    <a:lnL w="12700" cap="flat" cmpd="sng" algn="ctr">
-                      <a:solidFill>
-                        <a:schemeClr val="tx2"/>
-                      </a:solidFill>
-                      <a:prstDash val="solid"/>
-                      <a:round/>
-                      <a:headEnd type="none" w="med" len="med"/>
-                      <a:tailEnd type="none" w="med" len="med"/>
-                    </a:lnL>
-                    <a:lnR w="28575" cap="flat" cmpd="sng" algn="ctr">
-                      <a:solidFill>
-                        <a:srgbClr val="003399"/>
-                      </a:solidFill>
-                      <a:prstDash val="solid"/>
-                      <a:round/>
-                      <a:headEnd type="none" w="med" len="med"/>
-                      <a:tailEnd type="none" w="med" len="med"/>
-                    </a:lnR>
-                    <a:lnT w="28575" cap="flat" cmpd="sng" algn="ctr">
-                      <a:solidFill>
-                        <a:srgbClr val="003399"/>
-                      </a:solidFill>
-                      <a:prstDash val="solid"/>
-                      <a:round/>
-                      <a:headEnd type="none" w="med" len="med"/>
-                      <a:tailEnd type="none" w="med" len="med"/>
-                    </a:lnT>
-                    <a:lnB w="12700" cap="flat" cmpd="sng" algn="ctr">
-                      <a:solidFill>
-                        <a:schemeClr val="tx2"/>
-                      </a:solidFill>
-                      <a:prstDash val="solid"/>
-                      <a:round/>
-                      <a:headEnd type="none" w="med" len="med"/>
-                      <a:tailEnd type="none" w="med" len="med"/>
-                    </a:lnB>
-                    <a:lnTlToBr>
-                      <a:noFill/>
-                    </a:lnTlToBr>
-                    <a:lnBlToTr>
-                      <a:noFill/>
-                    </a:lnBlToTr>
-                    <a:solidFill>
-                      <a:srgbClr val="99CCFF"/>
-                    </a:solidFill>
-                  </a:tcPr>
+                  <a:tcPr marT="45715" marB="45715" horzOverflow="overflow"/>
                 </a:tc>
                 <a:extLst>
                   <a:ext uri="{0D108BD9-81ED-4DB2-BD59-A6C34878D82A}">
@@ -7990,7 +7816,7 @@
                   </a:ext>
                 </a:extLst>
               </a:tr>
-              <a:tr h="673415">
+              <a:tr h="735918">
                 <a:tc>
                   <a:txBody>
                     <a:bodyPr/>
@@ -8015,67 +7841,29 @@
                         <a:tabLst/>
                       </a:pPr>
                       <a:r>
-                        <a:rPr kumimoji="0" lang="zh-CN" altLang="en-US" sz="1800" b="1" i="0" u="none" strike="noStrike" cap="none" normalizeH="0" baseline="0" dirty="0">
+                        <a:rPr kumimoji="0" lang="zh-CN" altLang="en-US" sz="1600" u="none" strike="noStrike" cap="none" normalizeH="0" baseline="0" dirty="0">
                           <a:ln>
                             <a:noFill/>
                           </a:ln>
-                          <a:solidFill>
-                            <a:srgbClr val="000000"/>
-                          </a:solidFill>
                           <a:effectLst/>
-                          <a:latin typeface="Arial" pitchFamily="34" charset="0"/>
-                          <a:ea typeface="楷体_GB2312"/>
-                          <a:cs typeface="楷体_GB2312"/>
                         </a:rPr>
                         <a:t>重定向标准输入</a:t>
                       </a:r>
+                      <a:endParaRPr kumimoji="0" lang="zh-CN" altLang="en-US" sz="1600" b="0" i="0" u="none" strike="noStrike" cap="none" normalizeH="0" baseline="0" dirty="0">
+                        <a:ln>
+                          <a:noFill/>
+                        </a:ln>
+                        <a:solidFill>
+                          <a:srgbClr val="000000"/>
+                        </a:solidFill>
+                        <a:effectLst/>
+                        <a:latin typeface="+mn-lt"/>
+                        <a:ea typeface="楷体_GB2312"/>
+                        <a:cs typeface="楷体_GB2312"/>
+                      </a:endParaRPr>
                     </a:p>
                   </a:txBody>
-                  <a:tcPr marL="90000" marR="90000" marT="46794" marB="46794" anchor="ctr" horzOverflow="overflow">
-                    <a:lnL w="28575" cap="flat" cmpd="sng" algn="ctr">
-                      <a:solidFill>
-                        <a:srgbClr val="003399"/>
-                      </a:solidFill>
-                      <a:prstDash val="solid"/>
-                      <a:round/>
-                      <a:headEnd type="none" w="med" len="med"/>
-                      <a:tailEnd type="none" w="med" len="med"/>
-                    </a:lnL>
-                    <a:lnR w="12700" cap="flat" cmpd="sng" algn="ctr">
-                      <a:solidFill>
-                        <a:schemeClr val="tx2"/>
-                      </a:solidFill>
-                      <a:prstDash val="solid"/>
-                      <a:round/>
-                      <a:headEnd type="none" w="med" len="med"/>
-                      <a:tailEnd type="none" w="med" len="med"/>
-                    </a:lnR>
-                    <a:lnT w="12700" cap="flat" cmpd="sng" algn="ctr">
-                      <a:solidFill>
-                        <a:schemeClr val="tx2"/>
-                      </a:solidFill>
-                      <a:prstDash val="solid"/>
-                      <a:round/>
-                      <a:headEnd type="none" w="med" len="med"/>
-                      <a:tailEnd type="none" w="med" len="med"/>
-                    </a:lnT>
-                    <a:lnB w="12700" cap="flat" cmpd="sng" algn="ctr">
-                      <a:solidFill>
-                        <a:schemeClr val="tx2"/>
-                      </a:solidFill>
-                      <a:prstDash val="solid"/>
-                      <a:round/>
-                      <a:headEnd type="none" w="med" len="med"/>
-                      <a:tailEnd type="none" w="med" len="med"/>
-                    </a:lnB>
-                    <a:lnTlToBr>
-                      <a:noFill/>
-                    </a:lnTlToBr>
-                    <a:lnBlToTr>
-                      <a:noFill/>
-                    </a:lnBlToTr>
-                    <a:noFill/>
-                  </a:tcPr>
+                  <a:tcPr marL="90000" marR="90000" marT="46794" marB="46794" anchor="ctr" horzOverflow="overflow"/>
                 </a:tc>
                 <a:tc>
                   <a:txBody>
@@ -8101,67 +7889,29 @@
                         <a:tabLst/>
                       </a:pPr>
                       <a:r>
-                        <a:rPr kumimoji="0" lang="en-US" altLang="zh-CN" sz="1800" b="1" i="0" u="none" strike="noStrike" cap="none" normalizeH="0" baseline="0" dirty="0">
+                        <a:rPr kumimoji="0" lang="en-US" altLang="zh-CN" sz="1600" u="none" strike="noStrike" cap="none" normalizeH="0" baseline="0" dirty="0">
                           <a:ln>
                             <a:noFill/>
                           </a:ln>
-                          <a:solidFill>
-                            <a:srgbClr val="FF3300"/>
-                          </a:solidFill>
                           <a:effectLst/>
-                          <a:latin typeface="Arial" pitchFamily="34" charset="0"/>
-                          <a:ea typeface="楷体_GB2312"/>
-                          <a:cs typeface="楷体_GB2312"/>
                         </a:rPr>
                         <a:t>&lt;</a:t>
                       </a:r>
+                      <a:endParaRPr kumimoji="0" lang="en-US" altLang="zh-CN" sz="1600" b="0" i="0" u="none" strike="noStrike" cap="none" normalizeH="0" baseline="0" dirty="0">
+                        <a:ln>
+                          <a:noFill/>
+                        </a:ln>
+                        <a:solidFill>
+                          <a:srgbClr val="FF3300"/>
+                        </a:solidFill>
+                        <a:effectLst/>
+                        <a:latin typeface="+mn-lt"/>
+                        <a:ea typeface="楷体_GB2312"/>
+                        <a:cs typeface="楷体_GB2312"/>
+                      </a:endParaRPr>
                     </a:p>
                   </a:txBody>
-                  <a:tcPr marL="90000" marR="90000" marT="46794" marB="46794" anchor="ctr" anchorCtr="1" horzOverflow="overflow">
-                    <a:lnL w="12700" cap="flat" cmpd="sng" algn="ctr">
-                      <a:solidFill>
-                        <a:schemeClr val="tx2"/>
-                      </a:solidFill>
-                      <a:prstDash val="solid"/>
-                      <a:round/>
-                      <a:headEnd type="none" w="med" len="med"/>
-                      <a:tailEnd type="none" w="med" len="med"/>
-                    </a:lnL>
-                    <a:lnR w="12700" cap="flat" cmpd="sng" algn="ctr">
-                      <a:solidFill>
-                        <a:schemeClr val="tx2"/>
-                      </a:solidFill>
-                      <a:prstDash val="solid"/>
-                      <a:round/>
-                      <a:headEnd type="none" w="med" len="med"/>
-                      <a:tailEnd type="none" w="med" len="med"/>
-                    </a:lnR>
-                    <a:lnT w="12700" cap="flat" cmpd="sng" algn="ctr">
-                      <a:solidFill>
-                        <a:schemeClr val="tx2"/>
-                      </a:solidFill>
-                      <a:prstDash val="solid"/>
-                      <a:round/>
-                      <a:headEnd type="none" w="med" len="med"/>
-                      <a:tailEnd type="none" w="med" len="med"/>
-                    </a:lnT>
-                    <a:lnB w="12700" cap="flat" cmpd="sng" algn="ctr">
-                      <a:solidFill>
-                        <a:schemeClr val="tx2"/>
-                      </a:solidFill>
-                      <a:prstDash val="solid"/>
-                      <a:round/>
-                      <a:headEnd type="none" w="med" len="med"/>
-                      <a:tailEnd type="none" w="med" len="med"/>
-                    </a:lnB>
-                    <a:lnTlToBr>
-                      <a:noFill/>
-                    </a:lnTlToBr>
-                    <a:lnBlToTr>
-                      <a:noFill/>
-                    </a:lnBlToTr>
-                    <a:noFill/>
-                  </a:tcPr>
+                  <a:tcPr marL="90000" marR="90000" marT="46794" marB="46794" anchor="ctr" anchorCtr="1" horzOverflow="overflow"/>
                 </a:tc>
                 <a:tc>
                   <a:txBody>
@@ -8187,67 +7937,29 @@
                         <a:tabLst/>
                       </a:pPr>
                       <a:r>
-                        <a:rPr kumimoji="0" lang="zh-CN" altLang="en-US" sz="1800" b="1" i="0" u="none" strike="noStrike" cap="none" normalizeH="0" baseline="0" dirty="0">
+                        <a:rPr kumimoji="0" lang="zh-CN" altLang="en-US" sz="1600" u="none" strike="noStrike" cap="none" normalizeH="0" baseline="0" dirty="0">
                           <a:ln>
                             <a:noFill/>
                           </a:ln>
-                          <a:solidFill>
-                            <a:srgbClr val="000000"/>
-                          </a:solidFill>
                           <a:effectLst/>
-                          <a:latin typeface="Arial" pitchFamily="34" charset="0"/>
-                          <a:ea typeface="楷体_GB2312"/>
-                          <a:cs typeface="楷体_GB2312"/>
                         </a:rPr>
                         <a:t>将命令中接收输入的途径由默认的键盘更改为指定的文件 </a:t>
                       </a:r>
+                      <a:endParaRPr kumimoji="0" lang="zh-CN" altLang="en-US" sz="1600" b="0" i="0" u="none" strike="noStrike" cap="none" normalizeH="0" baseline="0" dirty="0">
+                        <a:ln>
+                          <a:noFill/>
+                        </a:ln>
+                        <a:solidFill>
+                          <a:srgbClr val="000000"/>
+                        </a:solidFill>
+                        <a:effectLst/>
+                        <a:latin typeface="+mn-lt"/>
+                        <a:ea typeface="楷体_GB2312"/>
+                        <a:cs typeface="楷体_GB2312"/>
+                      </a:endParaRPr>
                     </a:p>
                   </a:txBody>
-                  <a:tcPr marL="90000" marR="90000" marT="46794" marB="46794" anchor="ctr" horzOverflow="overflow">
-                    <a:lnL w="12700" cap="flat" cmpd="sng" algn="ctr">
-                      <a:solidFill>
-                        <a:schemeClr val="tx2"/>
-                      </a:solidFill>
-                      <a:prstDash val="solid"/>
-                      <a:round/>
-                      <a:headEnd type="none" w="med" len="med"/>
-                      <a:tailEnd type="none" w="med" len="med"/>
-                    </a:lnL>
-                    <a:lnR w="28575" cap="flat" cmpd="sng" algn="ctr">
-                      <a:solidFill>
-                        <a:srgbClr val="003399"/>
-                      </a:solidFill>
-                      <a:prstDash val="solid"/>
-                      <a:round/>
-                      <a:headEnd type="none" w="med" len="med"/>
-                      <a:tailEnd type="none" w="med" len="med"/>
-                    </a:lnR>
-                    <a:lnT w="12700" cap="flat" cmpd="sng" algn="ctr">
-                      <a:solidFill>
-                        <a:schemeClr val="tx2"/>
-                      </a:solidFill>
-                      <a:prstDash val="solid"/>
-                      <a:round/>
-                      <a:headEnd type="none" w="med" len="med"/>
-                      <a:tailEnd type="none" w="med" len="med"/>
-                    </a:lnT>
-                    <a:lnB w="12700" cap="flat" cmpd="sng" algn="ctr">
-                      <a:solidFill>
-                        <a:schemeClr val="tx2"/>
-                      </a:solidFill>
-                      <a:prstDash val="solid"/>
-                      <a:round/>
-                      <a:headEnd type="none" w="med" len="med"/>
-                      <a:tailEnd type="none" w="med" len="med"/>
-                    </a:lnB>
-                    <a:lnTlToBr>
-                      <a:noFill/>
-                    </a:lnTlToBr>
-                    <a:lnBlToTr>
-                      <a:noFill/>
-                    </a:lnBlToTr>
-                    <a:noFill/>
-                  </a:tcPr>
+                  <a:tcPr marL="90000" marR="90000" marT="46794" marB="46794" anchor="ctr" horzOverflow="overflow"/>
                 </a:tc>
                 <a:extLst>
                   <a:ext uri="{0D108BD9-81ED-4DB2-BD59-A6C34878D82A}">
@@ -8255,7 +7967,7 @@
                   </a:ext>
                 </a:extLst>
               </a:tr>
-              <a:tr h="663042">
+              <a:tr h="724583">
                 <a:tc rowSpan="2">
                   <a:txBody>
                     <a:bodyPr/>
@@ -8280,67 +7992,29 @@
                         <a:tabLst/>
                       </a:pPr>
                       <a:r>
-                        <a:rPr kumimoji="0" lang="zh-CN" altLang="en-US" sz="1800" b="1" i="0" u="none" strike="noStrike" cap="none" normalizeH="0" baseline="0">
+                        <a:rPr kumimoji="0" lang="zh-CN" altLang="en-US" sz="1600" u="none" strike="noStrike" cap="none" normalizeH="0" baseline="0" dirty="0">
                           <a:ln>
                             <a:noFill/>
                           </a:ln>
-                          <a:solidFill>
-                            <a:srgbClr val="000000"/>
-                          </a:solidFill>
                           <a:effectLst/>
-                          <a:latin typeface="Arial" pitchFamily="34" charset="0"/>
-                          <a:ea typeface="楷体_GB2312"/>
-                          <a:cs typeface="楷体_GB2312"/>
                         </a:rPr>
                         <a:t>重定向标准输出</a:t>
                       </a:r>
+                      <a:endParaRPr kumimoji="0" lang="zh-CN" altLang="en-US" sz="1600" b="0" i="0" u="none" strike="noStrike" cap="none" normalizeH="0" baseline="0" dirty="0">
+                        <a:ln>
+                          <a:noFill/>
+                        </a:ln>
+                        <a:solidFill>
+                          <a:srgbClr val="000000"/>
+                        </a:solidFill>
+                        <a:effectLst/>
+                        <a:latin typeface="+mn-lt"/>
+                        <a:ea typeface="楷体_GB2312"/>
+                        <a:cs typeface="楷体_GB2312"/>
+                      </a:endParaRPr>
                     </a:p>
                   </a:txBody>
-                  <a:tcPr marL="90000" marR="90000" marT="46794" marB="46794" anchor="ctr" horzOverflow="overflow">
-                    <a:lnL w="28575" cap="flat" cmpd="sng" algn="ctr">
-                      <a:solidFill>
-                        <a:srgbClr val="003399"/>
-                      </a:solidFill>
-                      <a:prstDash val="solid"/>
-                      <a:round/>
-                      <a:headEnd type="none" w="med" len="med"/>
-                      <a:tailEnd type="none" w="med" len="med"/>
-                    </a:lnL>
-                    <a:lnR w="12700" cap="flat" cmpd="sng" algn="ctr">
-                      <a:solidFill>
-                        <a:schemeClr val="tx2"/>
-                      </a:solidFill>
-                      <a:prstDash val="solid"/>
-                      <a:round/>
-                      <a:headEnd type="none" w="med" len="med"/>
-                      <a:tailEnd type="none" w="med" len="med"/>
-                    </a:lnR>
-                    <a:lnT w="12700" cap="flat" cmpd="sng" algn="ctr">
-                      <a:solidFill>
-                        <a:schemeClr val="tx2"/>
-                      </a:solidFill>
-                      <a:prstDash val="solid"/>
-                      <a:round/>
-                      <a:headEnd type="none" w="med" len="med"/>
-                      <a:tailEnd type="none" w="med" len="med"/>
-                    </a:lnT>
-                    <a:lnB w="12700" cap="flat" cmpd="sng" algn="ctr">
-                      <a:solidFill>
-                        <a:schemeClr val="tx2"/>
-                      </a:solidFill>
-                      <a:prstDash val="solid"/>
-                      <a:round/>
-                      <a:headEnd type="none" w="med" len="med"/>
-                      <a:tailEnd type="none" w="med" len="med"/>
-                    </a:lnB>
-                    <a:lnTlToBr>
-                      <a:noFill/>
-                    </a:lnTlToBr>
-                    <a:lnBlToTr>
-                      <a:noFill/>
-                    </a:lnBlToTr>
-                    <a:noFill/>
-                  </a:tcPr>
+                  <a:tcPr marL="90000" marR="90000" marT="46794" marB="46794" anchor="ctr" horzOverflow="overflow"/>
                 </a:tc>
                 <a:tc>
                   <a:txBody>
@@ -8366,67 +8040,29 @@
                         <a:tabLst/>
                       </a:pPr>
                       <a:r>
-                        <a:rPr kumimoji="0" lang="en-US" altLang="zh-CN" sz="1800" b="1" i="0" u="none" strike="noStrike" cap="none" normalizeH="0" baseline="0" dirty="0">
+                        <a:rPr kumimoji="0" lang="en-US" altLang="zh-CN" sz="1600" u="none" strike="noStrike" cap="none" normalizeH="0" baseline="0" dirty="0">
                           <a:ln>
                             <a:noFill/>
                           </a:ln>
-                          <a:solidFill>
-                            <a:srgbClr val="FF3300"/>
-                          </a:solidFill>
                           <a:effectLst/>
-                          <a:latin typeface="Arial" pitchFamily="34" charset="0"/>
-                          <a:ea typeface="楷体_GB2312"/>
-                          <a:cs typeface="楷体_GB2312"/>
                         </a:rPr>
                         <a:t>&gt;</a:t>
                       </a:r>
+                      <a:endParaRPr kumimoji="0" lang="en-US" altLang="zh-CN" sz="1600" b="0" i="0" u="none" strike="noStrike" cap="none" normalizeH="0" baseline="0" dirty="0">
+                        <a:ln>
+                          <a:noFill/>
+                        </a:ln>
+                        <a:solidFill>
+                          <a:srgbClr val="FF3300"/>
+                        </a:solidFill>
+                        <a:effectLst/>
+                        <a:latin typeface="+mn-lt"/>
+                        <a:ea typeface="楷体_GB2312"/>
+                        <a:cs typeface="楷体_GB2312"/>
+                      </a:endParaRPr>
                     </a:p>
                   </a:txBody>
-                  <a:tcPr marL="90000" marR="90000" marT="46794" marB="46794" anchor="ctr" anchorCtr="1" horzOverflow="overflow">
-                    <a:lnL w="12700" cap="flat" cmpd="sng" algn="ctr">
-                      <a:solidFill>
-                        <a:schemeClr val="tx2"/>
-                      </a:solidFill>
-                      <a:prstDash val="solid"/>
-                      <a:round/>
-                      <a:headEnd type="none" w="med" len="med"/>
-                      <a:tailEnd type="none" w="med" len="med"/>
-                    </a:lnL>
-                    <a:lnR w="12700" cap="flat" cmpd="sng" algn="ctr">
-                      <a:solidFill>
-                        <a:schemeClr val="tx2"/>
-                      </a:solidFill>
-                      <a:prstDash val="solid"/>
-                      <a:round/>
-                      <a:headEnd type="none" w="med" len="med"/>
-                      <a:tailEnd type="none" w="med" len="med"/>
-                    </a:lnR>
-                    <a:lnT w="12700" cap="flat" cmpd="sng" algn="ctr">
-                      <a:solidFill>
-                        <a:schemeClr val="tx2"/>
-                      </a:solidFill>
-                      <a:prstDash val="solid"/>
-                      <a:round/>
-                      <a:headEnd type="none" w="med" len="med"/>
-                      <a:tailEnd type="none" w="med" len="med"/>
-                    </a:lnT>
-                    <a:lnB w="12700" cap="flat" cmpd="sng" algn="ctr">
-                      <a:solidFill>
-                        <a:schemeClr val="tx2"/>
-                      </a:solidFill>
-                      <a:prstDash val="solid"/>
-                      <a:round/>
-                      <a:headEnd type="none" w="med" len="med"/>
-                      <a:tailEnd type="none" w="med" len="med"/>
-                    </a:lnB>
-                    <a:lnTlToBr>
-                      <a:noFill/>
-                    </a:lnTlToBr>
-                    <a:lnBlToTr>
-                      <a:noFill/>
-                    </a:lnBlToTr>
-                    <a:noFill/>
-                  </a:tcPr>
+                  <a:tcPr marL="90000" marR="90000" marT="46794" marB="46794" anchor="ctr" anchorCtr="1" horzOverflow="overflow"/>
                 </a:tc>
                 <a:tc>
                   <a:txBody>
@@ -8452,67 +8088,29 @@
                         <a:tabLst/>
                       </a:pPr>
                       <a:r>
-                        <a:rPr kumimoji="0" lang="zh-CN" altLang="en-US" sz="1800" b="1" i="0" u="none" strike="noStrike" cap="none" normalizeH="0" baseline="0" dirty="0">
+                        <a:rPr kumimoji="0" lang="zh-CN" altLang="en-US" sz="1600" u="none" strike="noStrike" cap="none" normalizeH="0" baseline="0" dirty="0">
                           <a:ln>
                             <a:noFill/>
                           </a:ln>
-                          <a:solidFill>
-                            <a:srgbClr val="000000"/>
-                          </a:solidFill>
                           <a:effectLst/>
-                          <a:latin typeface="Arial" pitchFamily="34" charset="0"/>
-                          <a:ea typeface="楷体_GB2312"/>
-                          <a:cs typeface="楷体_GB2312"/>
                         </a:rPr>
                         <a:t>以替换的方式将命令的执行结果输出到指定的文件，而不是直接显示在屏幕上 </a:t>
                       </a:r>
+                      <a:endParaRPr kumimoji="0" lang="zh-CN" altLang="en-US" sz="1600" b="0" i="0" u="none" strike="noStrike" cap="none" normalizeH="0" baseline="0" dirty="0">
+                        <a:ln>
+                          <a:noFill/>
+                        </a:ln>
+                        <a:solidFill>
+                          <a:srgbClr val="000000"/>
+                        </a:solidFill>
+                        <a:effectLst/>
+                        <a:latin typeface="+mn-lt"/>
+                        <a:ea typeface="楷体_GB2312"/>
+                        <a:cs typeface="楷体_GB2312"/>
+                      </a:endParaRPr>
                     </a:p>
                   </a:txBody>
-                  <a:tcPr marL="90000" marR="90000" marT="46794" marB="46794" anchor="ctr" horzOverflow="overflow">
-                    <a:lnL w="12700" cap="flat" cmpd="sng" algn="ctr">
-                      <a:solidFill>
-                        <a:schemeClr val="tx2"/>
-                      </a:solidFill>
-                      <a:prstDash val="solid"/>
-                      <a:round/>
-                      <a:headEnd type="none" w="med" len="med"/>
-                      <a:tailEnd type="none" w="med" len="med"/>
-                    </a:lnL>
-                    <a:lnR w="28575" cap="flat" cmpd="sng" algn="ctr">
-                      <a:solidFill>
-                        <a:srgbClr val="003399"/>
-                      </a:solidFill>
-                      <a:prstDash val="solid"/>
-                      <a:round/>
-                      <a:headEnd type="none" w="med" len="med"/>
-                      <a:tailEnd type="none" w="med" len="med"/>
-                    </a:lnR>
-                    <a:lnT w="12700" cap="flat" cmpd="sng" algn="ctr">
-                      <a:solidFill>
-                        <a:schemeClr val="tx2"/>
-                      </a:solidFill>
-                      <a:prstDash val="solid"/>
-                      <a:round/>
-                      <a:headEnd type="none" w="med" len="med"/>
-                      <a:tailEnd type="none" w="med" len="med"/>
-                    </a:lnT>
-                    <a:lnB w="12700" cap="flat" cmpd="sng" algn="ctr">
-                      <a:solidFill>
-                        <a:schemeClr val="tx2"/>
-                      </a:solidFill>
-                      <a:prstDash val="solid"/>
-                      <a:round/>
-                      <a:headEnd type="none" w="med" len="med"/>
-                      <a:tailEnd type="none" w="med" len="med"/>
-                    </a:lnB>
-                    <a:lnTlToBr>
-                      <a:noFill/>
-                    </a:lnTlToBr>
-                    <a:lnBlToTr>
-                      <a:noFill/>
-                    </a:lnBlToTr>
-                    <a:noFill/>
-                  </a:tcPr>
+                  <a:tcPr marL="90000" marR="90000" marT="46794" marB="46794" anchor="ctr" horzOverflow="overflow"/>
                 </a:tc>
                 <a:extLst>
                   <a:ext uri="{0D108BD9-81ED-4DB2-BD59-A6C34878D82A}">
@@ -8520,7 +8118,7 @@
                   </a:ext>
                 </a:extLst>
               </a:tr>
-              <a:tr h="379824">
+              <a:tr h="415078">
                 <a:tc vMerge="1">
                   <a:txBody>
                     <a:bodyPr/>
@@ -8555,67 +8153,29 @@
                         <a:tabLst/>
                       </a:pPr>
                       <a:r>
-                        <a:rPr kumimoji="0" lang="en-US" altLang="zh-CN" sz="1800" b="1" i="0" u="none" strike="noStrike" cap="none" normalizeH="0" baseline="0">
+                        <a:rPr kumimoji="0" lang="en-US" altLang="zh-CN" sz="1600" u="none" strike="noStrike" cap="none" normalizeH="0" baseline="0" dirty="0">
                           <a:ln>
                             <a:noFill/>
                           </a:ln>
-                          <a:solidFill>
-                            <a:srgbClr val="FF3300"/>
-                          </a:solidFill>
                           <a:effectLst/>
-                          <a:latin typeface="Arial" pitchFamily="34" charset="0"/>
-                          <a:ea typeface="楷体_GB2312"/>
-                          <a:cs typeface="楷体_GB2312"/>
                         </a:rPr>
                         <a:t>&gt;&gt;</a:t>
                       </a:r>
+                      <a:endParaRPr kumimoji="0" lang="en-US" altLang="zh-CN" sz="1600" b="0" i="0" u="none" strike="noStrike" cap="none" normalizeH="0" baseline="0" dirty="0">
+                        <a:ln>
+                          <a:noFill/>
+                        </a:ln>
+                        <a:solidFill>
+                          <a:srgbClr val="FF3300"/>
+                        </a:solidFill>
+                        <a:effectLst/>
+                        <a:latin typeface="+mn-lt"/>
+                        <a:ea typeface="楷体_GB2312"/>
+                        <a:cs typeface="楷体_GB2312"/>
+                      </a:endParaRPr>
                     </a:p>
                   </a:txBody>
-                  <a:tcPr marL="90000" marR="90000" marT="46794" marB="46794" anchor="ctr" anchorCtr="1" horzOverflow="overflow">
-                    <a:lnL w="12700" cap="flat" cmpd="sng" algn="ctr">
-                      <a:solidFill>
-                        <a:schemeClr val="tx2"/>
-                      </a:solidFill>
-                      <a:prstDash val="solid"/>
-                      <a:round/>
-                      <a:headEnd type="none" w="med" len="med"/>
-                      <a:tailEnd type="none" w="med" len="med"/>
-                    </a:lnL>
-                    <a:lnR w="12700" cap="flat" cmpd="sng" algn="ctr">
-                      <a:solidFill>
-                        <a:schemeClr val="tx2"/>
-                      </a:solidFill>
-                      <a:prstDash val="solid"/>
-                      <a:round/>
-                      <a:headEnd type="none" w="med" len="med"/>
-                      <a:tailEnd type="none" w="med" len="med"/>
-                    </a:lnR>
-                    <a:lnT w="12700" cap="flat" cmpd="sng" algn="ctr">
-                      <a:solidFill>
-                        <a:schemeClr val="tx2"/>
-                      </a:solidFill>
-                      <a:prstDash val="solid"/>
-                      <a:round/>
-                      <a:headEnd type="none" w="med" len="med"/>
-                      <a:tailEnd type="none" w="med" len="med"/>
-                    </a:lnT>
-                    <a:lnB w="12700" cap="flat" cmpd="sng" algn="ctr">
-                      <a:solidFill>
-                        <a:schemeClr val="tx2"/>
-                      </a:solidFill>
-                      <a:prstDash val="solid"/>
-                      <a:round/>
-                      <a:headEnd type="none" w="med" len="med"/>
-                      <a:tailEnd type="none" w="med" len="med"/>
-                    </a:lnB>
-                    <a:lnTlToBr>
-                      <a:noFill/>
-                    </a:lnTlToBr>
-                    <a:lnBlToTr>
-                      <a:noFill/>
-                    </a:lnBlToTr>
-                    <a:noFill/>
-                  </a:tcPr>
+                  <a:tcPr marL="90000" marR="90000" marT="46794" marB="46794" anchor="ctr" anchorCtr="1" horzOverflow="overflow"/>
                 </a:tc>
                 <a:tc>
                   <a:txBody>
@@ -8641,67 +8201,29 @@
                         <a:tabLst/>
                       </a:pPr>
                       <a:r>
-                        <a:rPr kumimoji="0" lang="zh-CN" altLang="en-US" sz="1800" b="1" i="0" u="none" strike="noStrike" cap="none" normalizeH="0" baseline="0" dirty="0">
+                        <a:rPr kumimoji="0" lang="zh-CN" altLang="en-US" sz="1600" u="none" strike="noStrike" cap="none" normalizeH="0" baseline="0" dirty="0">
                           <a:ln>
                             <a:noFill/>
                           </a:ln>
-                          <a:solidFill>
-                            <a:srgbClr val="000000"/>
-                          </a:solidFill>
                           <a:effectLst/>
-                          <a:latin typeface="Arial" pitchFamily="34" charset="0"/>
-                          <a:ea typeface="楷体_GB2312"/>
-                          <a:cs typeface="楷体_GB2312"/>
                         </a:rPr>
                         <a:t>将命令执行的结果追加输出到指定文件 </a:t>
                       </a:r>
+                      <a:endParaRPr kumimoji="0" lang="zh-CN" altLang="en-US" sz="1600" b="0" i="0" u="none" strike="noStrike" cap="none" normalizeH="0" baseline="0" dirty="0">
+                        <a:ln>
+                          <a:noFill/>
+                        </a:ln>
+                        <a:solidFill>
+                          <a:srgbClr val="000000"/>
+                        </a:solidFill>
+                        <a:effectLst/>
+                        <a:latin typeface="+mn-lt"/>
+                        <a:ea typeface="楷体_GB2312"/>
+                        <a:cs typeface="楷体_GB2312"/>
+                      </a:endParaRPr>
                     </a:p>
                   </a:txBody>
-                  <a:tcPr marL="90000" marR="90000" marT="46794" marB="46794" anchor="ctr" horzOverflow="overflow">
-                    <a:lnL w="12700" cap="flat" cmpd="sng" algn="ctr">
-                      <a:solidFill>
-                        <a:schemeClr val="tx2"/>
-                      </a:solidFill>
-                      <a:prstDash val="solid"/>
-                      <a:round/>
-                      <a:headEnd type="none" w="med" len="med"/>
-                      <a:tailEnd type="none" w="med" len="med"/>
-                    </a:lnL>
-                    <a:lnR w="28575" cap="flat" cmpd="sng" algn="ctr">
-                      <a:solidFill>
-                        <a:srgbClr val="003399"/>
-                      </a:solidFill>
-                      <a:prstDash val="solid"/>
-                      <a:round/>
-                      <a:headEnd type="none" w="med" len="med"/>
-                      <a:tailEnd type="none" w="med" len="med"/>
-                    </a:lnR>
-                    <a:lnT w="12700" cap="flat" cmpd="sng" algn="ctr">
-                      <a:solidFill>
-                        <a:schemeClr val="tx2"/>
-                      </a:solidFill>
-                      <a:prstDash val="solid"/>
-                      <a:round/>
-                      <a:headEnd type="none" w="med" len="med"/>
-                      <a:tailEnd type="none" w="med" len="med"/>
-                    </a:lnT>
-                    <a:lnB w="12700" cap="flat" cmpd="sng" algn="ctr">
-                      <a:solidFill>
-                        <a:schemeClr val="tx2"/>
-                      </a:solidFill>
-                      <a:prstDash val="solid"/>
-                      <a:round/>
-                      <a:headEnd type="none" w="med" len="med"/>
-                      <a:tailEnd type="none" w="med" len="med"/>
-                    </a:lnB>
-                    <a:lnTlToBr>
-                      <a:noFill/>
-                    </a:lnTlToBr>
-                    <a:lnBlToTr>
-                      <a:noFill/>
-                    </a:lnBlToTr>
-                    <a:noFill/>
-                  </a:tcPr>
+                  <a:tcPr marL="90000" marR="90000" marT="46794" marB="46794" anchor="ctr" horzOverflow="overflow"/>
                 </a:tc>
                 <a:extLst>
                   <a:ext uri="{0D108BD9-81ED-4DB2-BD59-A6C34878D82A}">
@@ -8709,7 +8231,7 @@
                   </a:ext>
                 </a:extLst>
               </a:tr>
-              <a:tr h="663042">
+              <a:tr h="724583">
                 <a:tc rowSpan="2">
                   <a:txBody>
                     <a:bodyPr/>
@@ -8734,67 +8256,29 @@
                         <a:tabLst/>
                       </a:pPr>
                       <a:r>
-                        <a:rPr kumimoji="0" lang="zh-CN" altLang="en-US" sz="1800" b="1" i="0" u="none" strike="noStrike" cap="none" normalizeH="0" baseline="0">
+                        <a:rPr kumimoji="0" lang="zh-CN" altLang="en-US" sz="1600" u="none" strike="noStrike" cap="none" normalizeH="0" baseline="0">
                           <a:ln>
                             <a:noFill/>
                           </a:ln>
-                          <a:solidFill>
-                            <a:srgbClr val="000000"/>
-                          </a:solidFill>
                           <a:effectLst/>
-                          <a:latin typeface="Arial" pitchFamily="34" charset="0"/>
-                          <a:ea typeface="楷体_GB2312"/>
-                          <a:cs typeface="楷体_GB2312"/>
                         </a:rPr>
                         <a:t>重定向标准错误</a:t>
                       </a:r>
+                      <a:endParaRPr kumimoji="0" lang="zh-CN" altLang="en-US" sz="1600" b="0" i="0" u="none" strike="noStrike" cap="none" normalizeH="0" baseline="0">
+                        <a:ln>
+                          <a:noFill/>
+                        </a:ln>
+                        <a:solidFill>
+                          <a:srgbClr val="000000"/>
+                        </a:solidFill>
+                        <a:effectLst/>
+                        <a:latin typeface="+mn-lt"/>
+                        <a:ea typeface="楷体_GB2312"/>
+                        <a:cs typeface="楷体_GB2312"/>
+                      </a:endParaRPr>
                     </a:p>
                   </a:txBody>
-                  <a:tcPr marL="90000" marR="90000" marT="46794" marB="46794" anchor="ctr" horzOverflow="overflow">
-                    <a:lnL w="28575" cap="flat" cmpd="sng" algn="ctr">
-                      <a:solidFill>
-                        <a:srgbClr val="003399"/>
-                      </a:solidFill>
-                      <a:prstDash val="solid"/>
-                      <a:round/>
-                      <a:headEnd type="none" w="med" len="med"/>
-                      <a:tailEnd type="none" w="med" len="med"/>
-                    </a:lnL>
-                    <a:lnR w="12700" cap="flat" cmpd="sng" algn="ctr">
-                      <a:solidFill>
-                        <a:schemeClr val="tx2"/>
-                      </a:solidFill>
-                      <a:prstDash val="solid"/>
-                      <a:round/>
-                      <a:headEnd type="none" w="med" len="med"/>
-                      <a:tailEnd type="none" w="med" len="med"/>
-                    </a:lnR>
-                    <a:lnT w="12700" cap="flat" cmpd="sng" algn="ctr">
-                      <a:solidFill>
-                        <a:schemeClr val="tx2"/>
-                      </a:solidFill>
-                      <a:prstDash val="solid"/>
-                      <a:round/>
-                      <a:headEnd type="none" w="med" len="med"/>
-                      <a:tailEnd type="none" w="med" len="med"/>
-                    </a:lnT>
-                    <a:lnB w="12700" cap="flat" cmpd="sng" algn="ctr">
-                      <a:solidFill>
-                        <a:schemeClr val="tx2"/>
-                      </a:solidFill>
-                      <a:prstDash val="solid"/>
-                      <a:round/>
-                      <a:headEnd type="none" w="med" len="med"/>
-                      <a:tailEnd type="none" w="med" len="med"/>
-                    </a:lnB>
-                    <a:lnTlToBr>
-                      <a:noFill/>
-                    </a:lnTlToBr>
-                    <a:lnBlToTr>
-                      <a:noFill/>
-                    </a:lnBlToTr>
-                    <a:noFill/>
-                  </a:tcPr>
+                  <a:tcPr marL="90000" marR="90000" marT="46794" marB="46794" anchor="ctr" horzOverflow="overflow"/>
                 </a:tc>
                 <a:tc>
                   <a:txBody>
@@ -8820,67 +8304,29 @@
                         <a:tabLst/>
                       </a:pPr>
                       <a:r>
-                        <a:rPr kumimoji="0" lang="en-US" altLang="zh-CN" sz="1800" b="1" i="0" u="none" strike="noStrike" cap="none" normalizeH="0" baseline="0">
+                        <a:rPr kumimoji="0" lang="en-US" altLang="zh-CN" sz="1600" u="none" strike="noStrike" cap="none" normalizeH="0" baseline="0" dirty="0">
                           <a:ln>
                             <a:noFill/>
                           </a:ln>
-                          <a:solidFill>
-                            <a:srgbClr val="000000"/>
-                          </a:solidFill>
                           <a:effectLst/>
-                          <a:latin typeface="Arial" pitchFamily="34" charset="0"/>
-                          <a:ea typeface="楷体_GB2312"/>
-                          <a:cs typeface="楷体_GB2312"/>
                         </a:rPr>
                         <a:t>2&gt;</a:t>
                       </a:r>
+                      <a:endParaRPr kumimoji="0" lang="en-US" altLang="zh-CN" sz="1600" b="0" i="0" u="none" strike="noStrike" cap="none" normalizeH="0" baseline="0" dirty="0">
+                        <a:ln>
+                          <a:noFill/>
+                        </a:ln>
+                        <a:solidFill>
+                          <a:srgbClr val="000000"/>
+                        </a:solidFill>
+                        <a:effectLst/>
+                        <a:latin typeface="+mn-lt"/>
+                        <a:ea typeface="楷体_GB2312"/>
+                        <a:cs typeface="楷体_GB2312"/>
+                      </a:endParaRPr>
                     </a:p>
                   </a:txBody>
-                  <a:tcPr marL="90000" marR="90000" marT="46794" marB="46794" anchor="ctr" anchorCtr="1" horzOverflow="overflow">
-                    <a:lnL w="12700" cap="flat" cmpd="sng" algn="ctr">
-                      <a:solidFill>
-                        <a:schemeClr val="tx2"/>
-                      </a:solidFill>
-                      <a:prstDash val="solid"/>
-                      <a:round/>
-                      <a:headEnd type="none" w="med" len="med"/>
-                      <a:tailEnd type="none" w="med" len="med"/>
-                    </a:lnL>
-                    <a:lnR w="12700" cap="flat" cmpd="sng" algn="ctr">
-                      <a:solidFill>
-                        <a:schemeClr val="tx2"/>
-                      </a:solidFill>
-                      <a:prstDash val="solid"/>
-                      <a:round/>
-                      <a:headEnd type="none" w="med" len="med"/>
-                      <a:tailEnd type="none" w="med" len="med"/>
-                    </a:lnR>
-                    <a:lnT w="12700" cap="flat" cmpd="sng" algn="ctr">
-                      <a:solidFill>
-                        <a:schemeClr val="tx2"/>
-                      </a:solidFill>
-                      <a:prstDash val="solid"/>
-                      <a:round/>
-                      <a:headEnd type="none" w="med" len="med"/>
-                      <a:tailEnd type="none" w="med" len="med"/>
-                    </a:lnT>
-                    <a:lnB w="12700" cap="flat" cmpd="sng" algn="ctr">
-                      <a:solidFill>
-                        <a:schemeClr val="tx2"/>
-                      </a:solidFill>
-                      <a:prstDash val="solid"/>
-                      <a:round/>
-                      <a:headEnd type="none" w="med" len="med"/>
-                      <a:tailEnd type="none" w="med" len="med"/>
-                    </a:lnB>
-                    <a:lnTlToBr>
-                      <a:noFill/>
-                    </a:lnTlToBr>
-                    <a:lnBlToTr>
-                      <a:noFill/>
-                    </a:lnBlToTr>
-                    <a:noFill/>
-                  </a:tcPr>
+                  <a:tcPr marL="90000" marR="90000" marT="46794" marB="46794" anchor="ctr" anchorCtr="1" horzOverflow="overflow"/>
                 </a:tc>
                 <a:tc>
                   <a:txBody>
@@ -8906,67 +8352,29 @@
                         <a:tabLst/>
                       </a:pPr>
                       <a:r>
-                        <a:rPr kumimoji="0" lang="zh-CN" altLang="en-US" sz="1800" b="1" i="0" u="none" strike="noStrike" cap="none" normalizeH="0" baseline="0" dirty="0">
+                        <a:rPr kumimoji="0" lang="zh-CN" altLang="en-US" sz="1600" u="none" strike="noStrike" cap="none" normalizeH="0" baseline="0" dirty="0">
                           <a:ln>
                             <a:noFill/>
                           </a:ln>
-                          <a:solidFill>
-                            <a:srgbClr val="000000"/>
-                          </a:solidFill>
                           <a:effectLst/>
-                          <a:latin typeface="Arial" pitchFamily="34" charset="0"/>
-                          <a:ea typeface="楷体_GB2312"/>
-                          <a:cs typeface="楷体_GB2312"/>
                         </a:rPr>
                         <a:t>清空指定文件的内容，并将标准错误信息保存到该文件中</a:t>
                       </a:r>
+                      <a:endParaRPr kumimoji="0" lang="zh-CN" altLang="en-US" sz="1600" b="0" i="0" u="none" strike="noStrike" cap="none" normalizeH="0" baseline="0" dirty="0">
+                        <a:ln>
+                          <a:noFill/>
+                        </a:ln>
+                        <a:solidFill>
+                          <a:srgbClr val="000000"/>
+                        </a:solidFill>
+                        <a:effectLst/>
+                        <a:latin typeface="+mn-lt"/>
+                        <a:ea typeface="楷体_GB2312"/>
+                        <a:cs typeface="楷体_GB2312"/>
+                      </a:endParaRPr>
                     </a:p>
                   </a:txBody>
-                  <a:tcPr marL="90000" marR="90000" marT="46794" marB="46794" anchor="ctr" horzOverflow="overflow">
-                    <a:lnL w="12700" cap="flat" cmpd="sng" algn="ctr">
-                      <a:solidFill>
-                        <a:schemeClr val="tx2"/>
-                      </a:solidFill>
-                      <a:prstDash val="solid"/>
-                      <a:round/>
-                      <a:headEnd type="none" w="med" len="med"/>
-                      <a:tailEnd type="none" w="med" len="med"/>
-                    </a:lnL>
-                    <a:lnR w="28575" cap="flat" cmpd="sng" algn="ctr">
-                      <a:solidFill>
-                        <a:srgbClr val="003399"/>
-                      </a:solidFill>
-                      <a:prstDash val="solid"/>
-                      <a:round/>
-                      <a:headEnd type="none" w="med" len="med"/>
-                      <a:tailEnd type="none" w="med" len="med"/>
-                    </a:lnR>
-                    <a:lnT w="12700" cap="flat" cmpd="sng" algn="ctr">
-                      <a:solidFill>
-                        <a:schemeClr val="tx2"/>
-                      </a:solidFill>
-                      <a:prstDash val="solid"/>
-                      <a:round/>
-                      <a:headEnd type="none" w="med" len="med"/>
-                      <a:tailEnd type="none" w="med" len="med"/>
-                    </a:lnT>
-                    <a:lnB w="12700" cap="flat" cmpd="sng" algn="ctr">
-                      <a:solidFill>
-                        <a:schemeClr val="tx2"/>
-                      </a:solidFill>
-                      <a:prstDash val="solid"/>
-                      <a:round/>
-                      <a:headEnd type="none" w="med" len="med"/>
-                      <a:tailEnd type="none" w="med" len="med"/>
-                    </a:lnB>
-                    <a:lnTlToBr>
-                      <a:noFill/>
-                    </a:lnTlToBr>
-                    <a:lnBlToTr>
-                      <a:noFill/>
-                    </a:lnBlToTr>
-                    <a:noFill/>
-                  </a:tcPr>
+                  <a:tcPr marL="90000" marR="90000" marT="46794" marB="46794" anchor="ctr" horzOverflow="overflow"/>
                 </a:tc>
                 <a:extLst>
                   <a:ext uri="{0D108BD9-81ED-4DB2-BD59-A6C34878D82A}">
@@ -8974,7 +8382,7 @@
                   </a:ext>
                 </a:extLst>
               </a:tr>
-              <a:tr h="379824">
+              <a:tr h="415078">
                 <a:tc vMerge="1">
                   <a:txBody>
                     <a:bodyPr/>
@@ -9009,67 +8417,29 @@
                         <a:tabLst/>
                       </a:pPr>
                       <a:r>
-                        <a:rPr kumimoji="0" lang="en-US" altLang="zh-CN" sz="1800" b="1" i="0" u="none" strike="noStrike" cap="none" normalizeH="0" baseline="0">
+                        <a:rPr kumimoji="0" lang="en-US" altLang="zh-CN" sz="1600" u="none" strike="noStrike" cap="none" normalizeH="0" baseline="0" dirty="0">
                           <a:ln>
                             <a:noFill/>
                           </a:ln>
-                          <a:solidFill>
-                            <a:srgbClr val="000000"/>
-                          </a:solidFill>
                           <a:effectLst/>
-                          <a:latin typeface="Arial" pitchFamily="34" charset="0"/>
-                          <a:ea typeface="楷体_GB2312"/>
-                          <a:cs typeface="楷体_GB2312"/>
                         </a:rPr>
                         <a:t>2&gt;&gt;</a:t>
                       </a:r>
+                      <a:endParaRPr kumimoji="0" lang="en-US" altLang="zh-CN" sz="1600" b="0" i="0" u="none" strike="noStrike" cap="none" normalizeH="0" baseline="0" dirty="0">
+                        <a:ln>
+                          <a:noFill/>
+                        </a:ln>
+                        <a:solidFill>
+                          <a:srgbClr val="000000"/>
+                        </a:solidFill>
+                        <a:effectLst/>
+                        <a:latin typeface="+mn-lt"/>
+                        <a:ea typeface="楷体_GB2312"/>
+                        <a:cs typeface="楷体_GB2312"/>
+                      </a:endParaRPr>
                     </a:p>
                   </a:txBody>
-                  <a:tcPr marL="90000" marR="90000" marT="46794" marB="46794" anchor="ctr" anchorCtr="1" horzOverflow="overflow">
-                    <a:lnL w="12700" cap="flat" cmpd="sng" algn="ctr">
-                      <a:solidFill>
-                        <a:schemeClr val="tx2"/>
-                      </a:solidFill>
-                      <a:prstDash val="solid"/>
-                      <a:round/>
-                      <a:headEnd type="none" w="med" len="med"/>
-                      <a:tailEnd type="none" w="med" len="med"/>
-                    </a:lnL>
-                    <a:lnR w="12700" cap="flat" cmpd="sng" algn="ctr">
-                      <a:solidFill>
-                        <a:schemeClr val="tx2"/>
-                      </a:solidFill>
-                      <a:prstDash val="solid"/>
-                      <a:round/>
-                      <a:headEnd type="none" w="med" len="med"/>
-                      <a:tailEnd type="none" w="med" len="med"/>
-                    </a:lnR>
-                    <a:lnT w="12700" cap="flat" cmpd="sng" algn="ctr">
-                      <a:solidFill>
-                        <a:schemeClr val="tx2"/>
-                      </a:solidFill>
-                      <a:prstDash val="solid"/>
-                      <a:round/>
-                      <a:headEnd type="none" w="med" len="med"/>
-                      <a:tailEnd type="none" w="med" len="med"/>
-                    </a:lnT>
-                    <a:lnB w="12700" cap="flat" cmpd="sng" algn="ctr">
-                      <a:solidFill>
-                        <a:schemeClr val="tx2"/>
-                      </a:solidFill>
-                      <a:prstDash val="solid"/>
-                      <a:round/>
-                      <a:headEnd type="none" w="med" len="med"/>
-                      <a:tailEnd type="none" w="med" len="med"/>
-                    </a:lnB>
-                    <a:lnTlToBr>
-                      <a:noFill/>
-                    </a:lnTlToBr>
-                    <a:lnBlToTr>
-                      <a:noFill/>
-                    </a:lnBlToTr>
-                    <a:noFill/>
-                  </a:tcPr>
+                  <a:tcPr marL="90000" marR="90000" marT="46794" marB="46794" anchor="ctr" anchorCtr="1" horzOverflow="overflow"/>
                 </a:tc>
                 <a:tc>
                   <a:txBody>
@@ -9095,67 +8465,29 @@
                         <a:tabLst/>
                       </a:pPr>
                       <a:r>
-                        <a:rPr kumimoji="0" lang="zh-CN" altLang="en-US" sz="1800" b="1" i="0" u="none" strike="noStrike" cap="none" normalizeH="0" baseline="0" dirty="0">
+                        <a:rPr kumimoji="0" lang="zh-CN" altLang="en-US" sz="1600" u="none" strike="noStrike" cap="none" normalizeH="0" baseline="0" dirty="0">
                           <a:ln>
                             <a:noFill/>
                           </a:ln>
-                          <a:solidFill>
-                            <a:srgbClr val="000000"/>
-                          </a:solidFill>
                           <a:effectLst/>
-                          <a:latin typeface="Arial" pitchFamily="34" charset="0"/>
-                          <a:ea typeface="楷体_GB2312"/>
-                          <a:cs typeface="楷体_GB2312"/>
                         </a:rPr>
                         <a:t>将标准错误信息追加输出到指定的文件中</a:t>
                       </a:r>
+                      <a:endParaRPr kumimoji="0" lang="zh-CN" altLang="en-US" sz="1600" b="0" i="0" u="none" strike="noStrike" cap="none" normalizeH="0" baseline="0" dirty="0">
+                        <a:ln>
+                          <a:noFill/>
+                        </a:ln>
+                        <a:solidFill>
+                          <a:srgbClr val="000000"/>
+                        </a:solidFill>
+                        <a:effectLst/>
+                        <a:latin typeface="+mn-lt"/>
+                        <a:ea typeface="楷体_GB2312"/>
+                        <a:cs typeface="楷体_GB2312"/>
+                      </a:endParaRPr>
                     </a:p>
                   </a:txBody>
-                  <a:tcPr marL="90000" marR="90000" marT="46794" marB="46794" anchor="ctr" horzOverflow="overflow">
-                    <a:lnL w="12700" cap="flat" cmpd="sng" algn="ctr">
-                      <a:solidFill>
-                        <a:schemeClr val="tx2"/>
-                      </a:solidFill>
-                      <a:prstDash val="solid"/>
-                      <a:round/>
-                      <a:headEnd type="none" w="med" len="med"/>
-                      <a:tailEnd type="none" w="med" len="med"/>
-                    </a:lnL>
-                    <a:lnR w="28575" cap="flat" cmpd="sng" algn="ctr">
-                      <a:solidFill>
-                        <a:srgbClr val="003399"/>
-                      </a:solidFill>
-                      <a:prstDash val="solid"/>
-                      <a:round/>
-                      <a:headEnd type="none" w="med" len="med"/>
-                      <a:tailEnd type="none" w="med" len="med"/>
-                    </a:lnR>
-                    <a:lnT w="12700" cap="flat" cmpd="sng" algn="ctr">
-                      <a:solidFill>
-                        <a:schemeClr val="tx2"/>
-                      </a:solidFill>
-                      <a:prstDash val="solid"/>
-                      <a:round/>
-                      <a:headEnd type="none" w="med" len="med"/>
-                      <a:tailEnd type="none" w="med" len="med"/>
-                    </a:lnT>
-                    <a:lnB w="12700" cap="flat" cmpd="sng" algn="ctr">
-                      <a:solidFill>
-                        <a:schemeClr val="tx2"/>
-                      </a:solidFill>
-                      <a:prstDash val="solid"/>
-                      <a:round/>
-                      <a:headEnd type="none" w="med" len="med"/>
-                      <a:tailEnd type="none" w="med" len="med"/>
-                    </a:lnB>
-                    <a:lnTlToBr>
-                      <a:noFill/>
-                    </a:lnTlToBr>
-                    <a:lnBlToTr>
-                      <a:noFill/>
-                    </a:lnBlToTr>
-                    <a:noFill/>
-                  </a:tcPr>
+                  <a:tcPr marL="90000" marR="90000" marT="46794" marB="46794" anchor="ctr" horzOverflow="overflow"/>
                 </a:tc>
                 <a:extLst>
                   <a:ext uri="{0D108BD9-81ED-4DB2-BD59-A6C34878D82A}">
@@ -9163,7 +8495,7 @@
                   </a:ext>
                 </a:extLst>
               </a:tr>
-              <a:tr h="719686">
+              <a:tr h="786484">
                 <a:tc>
                   <a:txBody>
                     <a:bodyPr/>
@@ -9188,17 +8520,11 @@
                         <a:tabLst/>
                       </a:pPr>
                       <a:r>
-                        <a:rPr kumimoji="0" lang="zh-CN" altLang="en-US" sz="1800" b="1" i="0" u="none" strike="noStrike" cap="none" normalizeH="0" baseline="0">
+                        <a:rPr kumimoji="0" lang="zh-CN" altLang="en-US" sz="1600" u="none" strike="noStrike" cap="none" normalizeH="0" baseline="0" dirty="0">
                           <a:ln>
                             <a:noFill/>
                           </a:ln>
-                          <a:solidFill>
-                            <a:srgbClr val="000000"/>
-                          </a:solidFill>
                           <a:effectLst/>
-                          <a:latin typeface="Arial" pitchFamily="34" charset="0"/>
-                          <a:ea typeface="楷体_GB2312"/>
-                          <a:cs typeface="楷体_GB2312"/>
                         </a:rPr>
                         <a:t>重定向标准输出和</a:t>
                       </a:r>
@@ -9223,67 +8549,29 @@
                         <a:tabLst/>
                       </a:pPr>
                       <a:r>
-                        <a:rPr kumimoji="0" lang="zh-CN" altLang="en-US" sz="1800" b="1" i="0" u="none" strike="noStrike" cap="none" normalizeH="0" baseline="0">
+                        <a:rPr kumimoji="0" lang="zh-CN" altLang="en-US" sz="1600" u="none" strike="noStrike" cap="none" normalizeH="0" baseline="0" dirty="0">
                           <a:ln>
                             <a:noFill/>
                           </a:ln>
-                          <a:solidFill>
-                            <a:srgbClr val="000000"/>
-                          </a:solidFill>
                           <a:effectLst/>
-                          <a:latin typeface="Arial" pitchFamily="34" charset="0"/>
-                          <a:ea typeface="楷体_GB2312"/>
-                          <a:cs typeface="楷体_GB2312"/>
                         </a:rPr>
                         <a:t>标准错误</a:t>
                       </a:r>
+                      <a:endParaRPr kumimoji="0" lang="zh-CN" altLang="en-US" sz="1600" b="0" i="0" u="none" strike="noStrike" cap="none" normalizeH="0" baseline="0" dirty="0">
+                        <a:ln>
+                          <a:noFill/>
+                        </a:ln>
+                        <a:solidFill>
+                          <a:srgbClr val="000000"/>
+                        </a:solidFill>
+                        <a:effectLst/>
+                        <a:latin typeface="+mn-lt"/>
+                        <a:ea typeface="楷体_GB2312"/>
+                        <a:cs typeface="楷体_GB2312"/>
+                      </a:endParaRPr>
                     </a:p>
                   </a:txBody>
-                  <a:tcPr marL="90000" marR="90000" marT="46794" marB="46794" anchor="ctr" horzOverflow="overflow">
-                    <a:lnL w="28575" cap="flat" cmpd="sng" algn="ctr">
-                      <a:solidFill>
-                        <a:srgbClr val="003399"/>
-                      </a:solidFill>
-                      <a:prstDash val="solid"/>
-                      <a:round/>
-                      <a:headEnd type="none" w="med" len="med"/>
-                      <a:tailEnd type="none" w="med" len="med"/>
-                    </a:lnL>
-                    <a:lnR w="12700" cap="flat" cmpd="sng" algn="ctr">
-                      <a:solidFill>
-                        <a:schemeClr val="tx2"/>
-                      </a:solidFill>
-                      <a:prstDash val="solid"/>
-                      <a:round/>
-                      <a:headEnd type="none" w="med" len="med"/>
-                      <a:tailEnd type="none" w="med" len="med"/>
-                    </a:lnR>
-                    <a:lnT w="12700" cap="flat" cmpd="sng" algn="ctr">
-                      <a:solidFill>
-                        <a:schemeClr val="tx2"/>
-                      </a:solidFill>
-                      <a:prstDash val="solid"/>
-                      <a:round/>
-                      <a:headEnd type="none" w="med" len="med"/>
-                      <a:tailEnd type="none" w="med" len="med"/>
-                    </a:lnT>
-                    <a:lnB w="28575" cap="flat" cmpd="sng" algn="ctr">
-                      <a:solidFill>
-                        <a:srgbClr val="003399"/>
-                      </a:solidFill>
-                      <a:prstDash val="solid"/>
-                      <a:round/>
-                      <a:headEnd type="none" w="med" len="med"/>
-                      <a:tailEnd type="none" w="med" len="med"/>
-                    </a:lnB>
-                    <a:lnTlToBr>
-                      <a:noFill/>
-                    </a:lnTlToBr>
-                    <a:lnBlToTr>
-                      <a:noFill/>
-                    </a:lnBlToTr>
-                    <a:noFill/>
-                  </a:tcPr>
+                  <a:tcPr marL="90000" marR="90000" marT="46794" marB="46794" anchor="ctr" horzOverflow="overflow"/>
                 </a:tc>
                 <a:tc>
                   <a:txBody>
@@ -9309,97 +8597,47 @@
                         <a:tabLst/>
                       </a:pPr>
                       <a:r>
-                        <a:rPr kumimoji="0" lang="en-US" altLang="zh-CN" sz="1800" b="1" i="0" u="none" strike="noStrike" cap="none" normalizeH="0" baseline="0" dirty="0">
+                        <a:rPr kumimoji="0" lang="en-US" altLang="zh-CN" sz="1600" u="none" strike="noStrike" cap="none" normalizeH="0" baseline="0" dirty="0">
                           <a:ln>
                             <a:noFill/>
                           </a:ln>
-                          <a:solidFill>
-                            <a:srgbClr val="FF3300"/>
-                          </a:solidFill>
                           <a:effectLst/>
-                          <a:latin typeface="Arial" pitchFamily="34" charset="0"/>
-                          <a:ea typeface="楷体_GB2312"/>
-                          <a:cs typeface="楷体_GB2312"/>
                         </a:rPr>
                         <a:t>&amp;&gt;</a:t>
                       </a:r>
                       <a:r>
-                        <a:rPr kumimoji="0" lang="zh-CN" altLang="en-US" sz="1800" b="1" i="0" u="none" strike="noStrike" cap="none" normalizeH="0" baseline="0" dirty="0">
+                        <a:rPr kumimoji="0" lang="zh-CN" altLang="en-US" sz="1600" u="none" strike="noStrike" cap="none" normalizeH="0" baseline="0" dirty="0">
                           <a:ln>
                             <a:noFill/>
                           </a:ln>
-                          <a:solidFill>
-                            <a:srgbClr val="FF3300"/>
-                          </a:solidFill>
                           <a:effectLst/>
-                          <a:latin typeface="Arial" pitchFamily="34" charset="0"/>
-                          <a:ea typeface="楷体_GB2312"/>
-                          <a:cs typeface="楷体_GB2312"/>
                         </a:rPr>
                         <a:t>或</a:t>
                       </a:r>
                       <a:r>
-                        <a:rPr kumimoji="0" lang="en-US" altLang="zh-CN" sz="1800" b="1" i="0" u="none" strike="noStrike" cap="none" normalizeH="0" baseline="0" dirty="0">
+                        <a:rPr kumimoji="0" lang="en-US" altLang="zh-CN" sz="1600" u="none" strike="noStrike" cap="none" normalizeH="0" baseline="0" dirty="0">
                           <a:ln>
                             <a:noFill/>
                           </a:ln>
-                          <a:solidFill>
-                            <a:srgbClr val="FF3300"/>
-                          </a:solidFill>
                           <a:effectLst/>
-                          <a:latin typeface="Arial" pitchFamily="34" charset="0"/>
-                          <a:ea typeface="楷体_GB2312"/>
-                          <a:cs typeface="楷体_GB2312"/>
                         </a:rPr>
                         <a:t>&gt;&amp;</a:t>
                       </a:r>
+                      <a:endParaRPr kumimoji="0" lang="en-US" altLang="zh-CN" sz="1600" b="0" i="0" u="none" strike="noStrike" cap="none" normalizeH="0" baseline="0" dirty="0">
+                        <a:ln>
+                          <a:noFill/>
+                        </a:ln>
+                        <a:solidFill>
+                          <a:srgbClr val="FF3300"/>
+                        </a:solidFill>
+                        <a:effectLst/>
+                        <a:latin typeface="+mn-lt"/>
+                        <a:ea typeface="楷体_GB2312"/>
+                        <a:cs typeface="楷体_GB2312"/>
+                      </a:endParaRPr>
                     </a:p>
                   </a:txBody>
-                  <a:tcPr marL="90000" marR="90000" marT="46794" marB="46794" anchor="ctr" anchorCtr="1" horzOverflow="overflow">
-                    <a:lnL w="12700" cap="flat" cmpd="sng" algn="ctr">
-                      <a:solidFill>
-                        <a:schemeClr val="tx2"/>
-                      </a:solidFill>
-                      <a:prstDash val="solid"/>
-                      <a:round/>
-                      <a:headEnd type="none" w="med" len="med"/>
-                      <a:tailEnd type="none" w="med" len="med"/>
-                    </a:lnL>
-                    <a:lnR w="12700" cap="flat" cmpd="sng" algn="ctr">
-                      <a:solidFill>
-                        <a:schemeClr val="tx2"/>
-                      </a:solidFill>
-                      <a:prstDash val="solid"/>
-                      <a:round/>
-                      <a:headEnd type="none" w="med" len="med"/>
-                      <a:tailEnd type="none" w="med" len="med"/>
-                    </a:lnR>
-                    <a:lnT w="12700" cap="flat" cmpd="sng" algn="ctr">
-                      <a:solidFill>
-                        <a:schemeClr val="tx2"/>
-                      </a:solidFill>
-                      <a:prstDash val="solid"/>
-                      <a:round/>
-                      <a:headEnd type="none" w="med" len="med"/>
-                      <a:tailEnd type="none" w="med" len="med"/>
-                    </a:lnT>
-                    <a:lnB w="28575" cap="flat" cmpd="sng" algn="ctr">
-                      <a:solidFill>
-                        <a:srgbClr val="003399"/>
-                      </a:solidFill>
-                      <a:prstDash val="solid"/>
-                      <a:round/>
-                      <a:headEnd type="none" w="med" len="med"/>
-                      <a:tailEnd type="none" w="med" len="med"/>
-                    </a:lnB>
-                    <a:lnTlToBr>
-                      <a:noFill/>
-                    </a:lnTlToBr>
-                    <a:lnBlToTr>
-                      <a:noFill/>
-                    </a:lnBlToTr>
-                    <a:noFill/>
-                  </a:tcPr>
+                  <a:tcPr marL="90000" marR="90000" marT="46794" marB="46794" anchor="ctr" anchorCtr="1" horzOverflow="overflow"/>
                 </a:tc>
                 <a:tc>
                   <a:txBody>
@@ -9425,67 +8663,29 @@
                         <a:tabLst/>
                       </a:pPr>
                       <a:r>
-                        <a:rPr kumimoji="0" lang="zh-CN" altLang="en-US" sz="1800" b="1" i="0" u="none" strike="noStrike" cap="none" normalizeH="0" baseline="0" dirty="0">
+                        <a:rPr kumimoji="0" lang="zh-CN" altLang="en-US" sz="1600" u="none" strike="noStrike" cap="none" normalizeH="0" baseline="0" dirty="0">
                           <a:ln>
                             <a:noFill/>
                           </a:ln>
-                          <a:solidFill>
-                            <a:srgbClr val="000000"/>
-                          </a:solidFill>
                           <a:effectLst/>
-                          <a:latin typeface="Arial" pitchFamily="34" charset="0"/>
-                          <a:ea typeface="楷体_GB2312"/>
-                          <a:cs typeface="楷体_GB2312"/>
                         </a:rPr>
                         <a:t>将标准输出、标准错误的内容全部保存到指定的文件中，而不是直接显示在屏幕上</a:t>
                       </a:r>
+                      <a:endParaRPr kumimoji="0" lang="zh-CN" altLang="en-US" sz="1600" b="0" i="0" u="none" strike="noStrike" cap="none" normalizeH="0" baseline="0" dirty="0">
+                        <a:ln>
+                          <a:noFill/>
+                        </a:ln>
+                        <a:solidFill>
+                          <a:srgbClr val="000000"/>
+                        </a:solidFill>
+                        <a:effectLst/>
+                        <a:latin typeface="+mn-lt"/>
+                        <a:ea typeface="楷体_GB2312"/>
+                        <a:cs typeface="楷体_GB2312"/>
+                      </a:endParaRPr>
                     </a:p>
                   </a:txBody>
-                  <a:tcPr marL="90000" marR="90000" marT="46794" marB="46794" anchor="ctr" horzOverflow="overflow">
-                    <a:lnL w="12700" cap="flat" cmpd="sng" algn="ctr">
-                      <a:solidFill>
-                        <a:schemeClr val="tx2"/>
-                      </a:solidFill>
-                      <a:prstDash val="solid"/>
-                      <a:round/>
-                      <a:headEnd type="none" w="med" len="med"/>
-                      <a:tailEnd type="none" w="med" len="med"/>
-                    </a:lnL>
-                    <a:lnR w="28575" cap="flat" cmpd="sng" algn="ctr">
-                      <a:solidFill>
-                        <a:srgbClr val="003399"/>
-                      </a:solidFill>
-                      <a:prstDash val="solid"/>
-                      <a:round/>
-                      <a:headEnd type="none" w="med" len="med"/>
-                      <a:tailEnd type="none" w="med" len="med"/>
-                    </a:lnR>
-                    <a:lnT w="12700" cap="flat" cmpd="sng" algn="ctr">
-                      <a:solidFill>
-                        <a:schemeClr val="tx2"/>
-                      </a:solidFill>
-                      <a:prstDash val="solid"/>
-                      <a:round/>
-                      <a:headEnd type="none" w="med" len="med"/>
-                      <a:tailEnd type="none" w="med" len="med"/>
-                    </a:lnT>
-                    <a:lnB w="28575" cap="flat" cmpd="sng" algn="ctr">
-                      <a:solidFill>
-                        <a:srgbClr val="003399"/>
-                      </a:solidFill>
-                      <a:prstDash val="solid"/>
-                      <a:round/>
-                      <a:headEnd type="none" w="med" len="med"/>
-                      <a:tailEnd type="none" w="med" len="med"/>
-                    </a:lnB>
-                    <a:lnTlToBr>
-                      <a:noFill/>
-                    </a:lnTlToBr>
-                    <a:lnBlToTr>
-                      <a:noFill/>
-                    </a:lnBlToTr>
-                    <a:noFill/>
-                  </a:tcPr>
+                  <a:tcPr marL="90000" marR="90000" marT="46794" marB="46794" anchor="ctr" horzOverflow="overflow"/>
                 </a:tc>
                 <a:extLst>
                   <a:ext uri="{0D108BD9-81ED-4DB2-BD59-A6C34878D82A}">
@@ -10270,33 +9470,6 @@
           <a:lstStyle/>
           <a:p>
             <a:r>
-              <a:rPr lang="en-US" altLang="zh-CN" sz="2000" dirty="0" err="1"/>
-              <a:t>sudo</a:t>
-            </a:r>
-            <a:r>
-              <a:rPr lang="en-US" altLang="zh-CN" sz="2000" dirty="0"/>
-              <a:t> find / -name </a:t>
-            </a:r>
-            <a:r>
-              <a:rPr lang="en-US" altLang="zh-CN" sz="2000" dirty="0" err="1"/>
-              <a:t>gcc</a:t>
-            </a:r>
-            <a:r>
-              <a:rPr lang="en-US" altLang="zh-CN" sz="2000" dirty="0"/>
-              <a:t> | </a:t>
-            </a:r>
-            <a:r>
-              <a:rPr lang="en-US" altLang="zh-CN" sz="2000" dirty="0" err="1"/>
-              <a:t>wc</a:t>
-            </a:r>
-            <a:r>
-              <a:rPr lang="en-US" altLang="zh-CN" sz="2000" dirty="0"/>
-              <a:t> –l </a:t>
-            </a:r>
-          </a:p>
-          <a:p>
-            <a:pPr lvl="1"/>
-            <a:r>
               <a:rPr lang="zh-CN" altLang="en-US" sz="1800" dirty="0"/>
               <a:t>查找名称含有</a:t>
             </a:r>
@@ -10319,46 +9492,77 @@
             <a:endParaRPr lang="en-US" altLang="zh-CN" sz="1800" dirty="0"/>
           </a:p>
           <a:p>
+            <a:pPr marL="457200" lvl="1" indent="0">
+              <a:buNone/>
+            </a:pPr>
+            <a:r>
+              <a:rPr lang="en-US" altLang="zh-CN" sz="1800" dirty="0" err="1"/>
+              <a:t>sudo</a:t>
+            </a:r>
+            <a:r>
+              <a:rPr lang="en-US" altLang="zh-CN" sz="1800" dirty="0"/>
+              <a:t> find / -name </a:t>
+            </a:r>
+            <a:r>
+              <a:rPr lang="en-US" altLang="zh-CN" sz="1800" dirty="0" err="1"/>
+              <a:t>gcc</a:t>
+            </a:r>
+            <a:r>
+              <a:rPr lang="en-US" altLang="zh-CN" sz="1800" dirty="0"/>
+              <a:t> | </a:t>
+            </a:r>
+            <a:r>
+              <a:rPr lang="en-US" altLang="zh-CN" sz="1800" dirty="0" err="1"/>
+              <a:t>wc</a:t>
+            </a:r>
+            <a:r>
+              <a:rPr lang="en-US" altLang="zh-CN" sz="1800" dirty="0"/>
+              <a:t> –l </a:t>
+            </a:r>
+          </a:p>
+          <a:p>
             <a:pPr lvl="1"/>
             <a:endParaRPr lang="en-US" altLang="zh-CN" sz="1800" dirty="0"/>
           </a:p>
           <a:p>
             <a:r>
-              <a:rPr lang="en-US" altLang="zh-CN" sz="2000" dirty="0" err="1"/>
-              <a:t>ps</a:t>
-            </a:r>
-            <a:r>
-              <a:rPr lang="en-US" altLang="zh-CN" sz="2000" dirty="0"/>
-              <a:t> -</a:t>
-            </a:r>
-            <a:r>
-              <a:rPr lang="en-US" altLang="zh-CN" sz="2000" dirty="0" err="1"/>
-              <a:t>ef</a:t>
-            </a:r>
-            <a:r>
-              <a:rPr lang="en-US" altLang="zh-CN" sz="2000" dirty="0"/>
-              <a:t> | grep </a:t>
+              <a:rPr lang="zh-CN" altLang="en-US" sz="2000" dirty="0"/>
+              <a:t>查找名称含有</a:t>
             </a:r>
             <a:r>
               <a:rPr lang="en-US" altLang="zh-CN" sz="2000" dirty="0" err="1"/>
               <a:t>ssh</a:t>
             </a:r>
+            <a:r>
+              <a:rPr lang="zh-CN" altLang="en-US" sz="2000" dirty="0"/>
+              <a:t>的进程</a:t>
+            </a:r>
             <a:endParaRPr lang="en-US" altLang="zh-CN" sz="2000" dirty="0"/>
           </a:p>
           <a:p>
-            <a:pPr lvl="1"/>
-            <a:r>
-              <a:rPr lang="zh-CN" altLang="en-US" sz="1800" dirty="0"/>
-              <a:t>查找名称含有</a:t>
+            <a:pPr marL="457200" lvl="1" indent="0">
+              <a:buNone/>
+            </a:pPr>
+            <a:r>
+              <a:rPr lang="en-US" altLang="zh-CN" sz="1800" dirty="0" err="1"/>
+              <a:t>ps</a:t>
+            </a:r>
+            <a:r>
+              <a:rPr lang="en-US" altLang="zh-CN" sz="1800" dirty="0"/>
+              <a:t> -</a:t>
+            </a:r>
+            <a:r>
+              <a:rPr lang="en-US" altLang="zh-CN" sz="1800" dirty="0" err="1"/>
+              <a:t>ef</a:t>
+            </a:r>
+            <a:r>
+              <a:rPr lang="en-US" altLang="zh-CN" sz="1800" dirty="0"/>
+              <a:t> | grep </a:t>
             </a:r>
             <a:r>
               <a:rPr lang="en-US" altLang="zh-CN" sz="1800" dirty="0" err="1"/>
               <a:t>ssh</a:t>
             </a:r>
-            <a:r>
-              <a:rPr lang="zh-CN" altLang="en-US" sz="1800" dirty="0"/>
-              <a:t>的进程</a:t>
-            </a:r>
             <a:endParaRPr lang="en-US" altLang="zh-CN" sz="1800" dirty="0"/>
           </a:p>
           <a:p>
@@ -10367,25 +9571,27 @@
           </a:p>
           <a:p>
             <a:r>
-              <a:rPr lang="en-US" altLang="zh-CN" sz="2000" dirty="0"/>
+              <a:rPr lang="zh-CN" altLang="en-US" sz="2000" dirty="0"/>
+              <a:t>分页查看内容</a:t>
+            </a:r>
+            <a:endParaRPr lang="en-US" altLang="zh-CN" sz="2000" dirty="0"/>
+          </a:p>
+          <a:p>
+            <a:pPr marL="457200" lvl="1" indent="0">
+              <a:buNone/>
+            </a:pPr>
+            <a:r>
+              <a:rPr lang="en-US" altLang="zh-CN" sz="1800" dirty="0"/>
               <a:t>ls –l –R /</a:t>
             </a:r>
             <a:r>
-              <a:rPr lang="en-US" altLang="zh-CN" sz="2000" dirty="0" err="1"/>
+              <a:rPr lang="en-US" altLang="zh-CN" sz="1800" dirty="0" err="1"/>
               <a:t>usr</a:t>
             </a:r>
             <a:r>
-              <a:rPr lang="en-US" altLang="zh-CN" sz="2000" dirty="0"/>
+              <a:rPr lang="en-US" altLang="zh-CN" sz="1800" dirty="0"/>
               <a:t>/share | less</a:t>
             </a:r>
-          </a:p>
-          <a:p>
-            <a:pPr lvl="1"/>
-            <a:r>
-              <a:rPr lang="zh-CN" altLang="en-US" sz="1800" dirty="0"/>
-              <a:t>分页查看内容</a:t>
-            </a:r>
-            <a:endParaRPr lang="en-US" altLang="zh-CN" sz="1800" dirty="0"/>
           </a:p>
           <a:p>
             <a:pPr lvl="1"/>
@@ -10393,17 +9599,19 @@
           </a:p>
           <a:p>
             <a:r>
-              <a:rPr lang="en-US" altLang="zh-CN" sz="2000" dirty="0"/>
+              <a:rPr lang="zh-CN" altLang="en-US" sz="2000" dirty="0"/>
+              <a:t>排序文件</a:t>
+            </a:r>
+            <a:endParaRPr lang="en-US" altLang="zh-CN" sz="2000" dirty="0"/>
+          </a:p>
+          <a:p>
+            <a:pPr marL="457200" lvl="1" indent="0">
+              <a:buNone/>
+            </a:pPr>
+            <a:r>
+              <a:rPr lang="en-US" altLang="zh-CN" sz="1800" dirty="0"/>
               <a:t>ls | sort –r</a:t>
             </a:r>
-          </a:p>
-          <a:p>
-            <a:pPr lvl="1"/>
-            <a:r>
-              <a:rPr lang="zh-CN" altLang="en-US" sz="1800" dirty="0"/>
-              <a:t>排序文件</a:t>
-            </a:r>
-            <a:endParaRPr lang="en-US" altLang="zh-CN" sz="1800" dirty="0"/>
           </a:p>
           <a:p>
             <a:endParaRPr lang="en-US" altLang="zh-CN" sz="2000" dirty="0"/>

--- a/materials/slides/ch04-io-redrection-and-pipe.pptx
+++ b/materials/slides/ch04-io-redrection-and-pipe.pptx
@@ -286,7 +286,7 @@
           <a:p>
             <a:fld id="{02E60DA2-A0BC-48C9-AA88-75C78721B420}" type="datetimeFigureOut">
               <a:rPr lang="zh-CN" altLang="en-US" smtClean="0"/>
-              <a:t>2018/3/1</a:t>
+              <a:t>2018/3/2</a:t>
             </a:fld>
             <a:endParaRPr lang="zh-CN" altLang="en-US"/>
           </a:p>
@@ -508,7 +508,7 @@
           <a:p>
             <a:fld id="{02E60DA2-A0BC-48C9-AA88-75C78721B420}" type="datetimeFigureOut">
               <a:rPr lang="zh-CN" altLang="en-US" smtClean="0"/>
-              <a:t>2018/3/1</a:t>
+              <a:t>2018/3/2</a:t>
             </a:fld>
             <a:endParaRPr lang="zh-CN" altLang="en-US"/>
           </a:p>
@@ -740,7 +740,7 @@
           <a:p>
             <a:fld id="{02E60DA2-A0BC-48C9-AA88-75C78721B420}" type="datetimeFigureOut">
               <a:rPr lang="zh-CN" altLang="en-US" smtClean="0"/>
-              <a:t>2018/3/1</a:t>
+              <a:t>2018/3/2</a:t>
             </a:fld>
             <a:endParaRPr lang="zh-CN" altLang="en-US"/>
           </a:p>
@@ -990,7 +990,7 @@
           <a:p>
             <a:fld id="{02E60DA2-A0BC-48C9-AA88-75C78721B420}" type="datetimeFigureOut">
               <a:rPr lang="zh-CN" altLang="en-US" smtClean="0"/>
-              <a:t>2018/3/1</a:t>
+              <a:t>2018/3/2</a:t>
             </a:fld>
             <a:endParaRPr lang="zh-CN" altLang="en-US"/>
           </a:p>
@@ -1228,7 +1228,7 @@
           <a:p>
             <a:fld id="{02E60DA2-A0BC-48C9-AA88-75C78721B420}" type="datetimeFigureOut">
               <a:rPr lang="zh-CN" altLang="en-US" smtClean="0"/>
-              <a:t>2018/3/1</a:t>
+              <a:t>2018/3/2</a:t>
             </a:fld>
             <a:endParaRPr lang="zh-CN" altLang="en-US"/>
           </a:p>
@@ -1533,7 +1533,7 @@
           <a:p>
             <a:fld id="{02E60DA2-A0BC-48C9-AA88-75C78721B420}" type="datetimeFigureOut">
               <a:rPr lang="zh-CN" altLang="en-US" smtClean="0"/>
-              <a:t>2018/3/1</a:t>
+              <a:t>2018/3/2</a:t>
             </a:fld>
             <a:endParaRPr lang="zh-CN" altLang="en-US"/>
           </a:p>
@@ -1836,7 +1836,7 @@
           <a:p>
             <a:fld id="{02E60DA2-A0BC-48C9-AA88-75C78721B420}" type="datetimeFigureOut">
               <a:rPr lang="zh-CN" altLang="en-US" smtClean="0"/>
-              <a:t>2018/3/1</a:t>
+              <a:t>2018/3/2</a:t>
             </a:fld>
             <a:endParaRPr lang="zh-CN" altLang="en-US"/>
           </a:p>
@@ -2287,7 +2287,7 @@
           <a:p>
             <a:fld id="{02E60DA2-A0BC-48C9-AA88-75C78721B420}" type="datetimeFigureOut">
               <a:rPr lang="zh-CN" altLang="en-US" smtClean="0"/>
-              <a:t>2018/3/1</a:t>
+              <a:t>2018/3/2</a:t>
             </a:fld>
             <a:endParaRPr lang="zh-CN" altLang="en-US"/>
           </a:p>
@@ -2460,7 +2460,7 @@
           <a:p>
             <a:fld id="{02E60DA2-A0BC-48C9-AA88-75C78721B420}" type="datetimeFigureOut">
               <a:rPr lang="zh-CN" altLang="en-US" smtClean="0"/>
-              <a:t>2018/3/1</a:t>
+              <a:t>2018/3/2</a:t>
             </a:fld>
             <a:endParaRPr lang="zh-CN" altLang="en-US"/>
           </a:p>
@@ -2597,7 +2597,7 @@
           <a:p>
             <a:fld id="{02E60DA2-A0BC-48C9-AA88-75C78721B420}" type="datetimeFigureOut">
               <a:rPr lang="zh-CN" altLang="en-US" smtClean="0"/>
-              <a:t>2018/3/1</a:t>
+              <a:t>2018/3/2</a:t>
             </a:fld>
             <a:endParaRPr lang="zh-CN" altLang="en-US"/>
           </a:p>
@@ -2941,7 +2941,7 @@
           <a:p>
             <a:fld id="{02E60DA2-A0BC-48C9-AA88-75C78721B420}" type="datetimeFigureOut">
               <a:rPr lang="zh-CN" altLang="en-US" smtClean="0"/>
-              <a:t>2018/3/1</a:t>
+              <a:t>2018/3/2</a:t>
             </a:fld>
             <a:endParaRPr lang="zh-CN" altLang="en-US"/>
           </a:p>
@@ -3163,7 +3163,7 @@
           <a:p>
             <a:fld id="{02E60DA2-A0BC-48C9-AA88-75C78721B420}" type="datetimeFigureOut">
               <a:rPr lang="zh-CN" altLang="en-US" smtClean="0"/>
-              <a:t>2018/3/1</a:t>
+              <a:t>2018/3/2</a:t>
             </a:fld>
             <a:endParaRPr lang="zh-CN" altLang="en-US"/>
           </a:p>
@@ -3484,7 +3484,7 @@
           <a:p>
             <a:fld id="{02E60DA2-A0BC-48C9-AA88-75C78721B420}" type="datetimeFigureOut">
               <a:rPr lang="zh-CN" altLang="en-US" smtClean="0"/>
-              <a:t>2018/3/1</a:t>
+              <a:t>2018/3/2</a:t>
             </a:fld>
             <a:endParaRPr lang="zh-CN" altLang="en-US"/>
           </a:p>
@@ -3722,7 +3722,7 @@
           <a:p>
             <a:fld id="{02E60DA2-A0BC-48C9-AA88-75C78721B420}" type="datetimeFigureOut">
               <a:rPr lang="zh-CN" altLang="en-US" smtClean="0"/>
-              <a:t>2018/3/1</a:t>
+              <a:t>2018/3/2</a:t>
             </a:fld>
             <a:endParaRPr lang="zh-CN" altLang="en-US"/>
           </a:p>
@@ -3960,7 +3960,7 @@
           <a:p>
             <a:fld id="{02E60DA2-A0BC-48C9-AA88-75C78721B420}" type="datetimeFigureOut">
               <a:rPr lang="zh-CN" altLang="en-US" smtClean="0"/>
-              <a:t>2018/3/1</a:t>
+              <a:t>2018/3/2</a:t>
             </a:fld>
             <a:endParaRPr lang="zh-CN" altLang="en-US"/>
           </a:p>
@@ -4259,7 +4259,7 @@
           <a:p>
             <a:fld id="{02E60DA2-A0BC-48C9-AA88-75C78721B420}" type="datetimeFigureOut">
               <a:rPr lang="zh-CN" altLang="en-US" smtClean="0"/>
-              <a:t>2018/3/1</a:t>
+              <a:t>2018/3/2</a:t>
             </a:fld>
             <a:endParaRPr lang="zh-CN" altLang="en-US"/>
           </a:p>
@@ -4548,7 +4548,7 @@
           <a:p>
             <a:fld id="{02E60DA2-A0BC-48C9-AA88-75C78721B420}" type="datetimeFigureOut">
               <a:rPr lang="zh-CN" altLang="en-US" smtClean="0"/>
-              <a:t>2018/3/1</a:t>
+              <a:t>2018/3/2</a:t>
             </a:fld>
             <a:endParaRPr lang="zh-CN" altLang="en-US"/>
           </a:p>
@@ -4984,7 +4984,7 @@
           <a:p>
             <a:fld id="{02E60DA2-A0BC-48C9-AA88-75C78721B420}" type="datetimeFigureOut">
               <a:rPr lang="zh-CN" altLang="en-US" smtClean="0"/>
-              <a:t>2018/3/1</a:t>
+              <a:t>2018/3/2</a:t>
             </a:fld>
             <a:endParaRPr lang="zh-CN" altLang="en-US"/>
           </a:p>
@@ -5149,7 +5149,7 @@
           <a:p>
             <a:fld id="{02E60DA2-A0BC-48C9-AA88-75C78721B420}" type="datetimeFigureOut">
               <a:rPr lang="zh-CN" altLang="en-US" smtClean="0"/>
-              <a:t>2018/3/1</a:t>
+              <a:t>2018/3/2</a:t>
             </a:fld>
             <a:endParaRPr lang="zh-CN" altLang="en-US"/>
           </a:p>
@@ -5286,7 +5286,7 @@
           <a:p>
             <a:fld id="{02E60DA2-A0BC-48C9-AA88-75C78721B420}" type="datetimeFigureOut">
               <a:rPr lang="zh-CN" altLang="en-US" smtClean="0"/>
-              <a:t>2018/3/1</a:t>
+              <a:t>2018/3/2</a:t>
             </a:fld>
             <a:endParaRPr lang="zh-CN" altLang="en-US"/>
           </a:p>
@@ -5621,7 +5621,7 @@
           <a:p>
             <a:fld id="{02E60DA2-A0BC-48C9-AA88-75C78721B420}" type="datetimeFigureOut">
               <a:rPr lang="zh-CN" altLang="en-US" smtClean="0"/>
-              <a:t>2018/3/1</a:t>
+              <a:t>2018/3/2</a:t>
             </a:fld>
             <a:endParaRPr lang="zh-CN" altLang="en-US"/>
           </a:p>
@@ -5933,7 +5933,7 @@
           <a:p>
             <a:fld id="{02E60DA2-A0BC-48C9-AA88-75C78721B420}" type="datetimeFigureOut">
               <a:rPr lang="zh-CN" altLang="en-US" smtClean="0"/>
-              <a:t>2018/3/1</a:t>
+              <a:t>2018/3/2</a:t>
             </a:fld>
             <a:endParaRPr lang="zh-CN" altLang="en-US"/>
           </a:p>
@@ -7082,8 +7082,9 @@
             <a:r>
               <a:rPr lang="zh-CN" altLang="en-US" sz="3600" dirty="0">
                 <a:solidFill>
-                  <a:schemeClr val="tx2">
-                    <a:lumMod val="50000"/>
+                  <a:schemeClr val="tx1">
+                    <a:lumMod val="95000"/>
+                    <a:lumOff val="5000"/>
                   </a:schemeClr>
                 </a:solidFill>
               </a:rPr>
@@ -7092,7 +7093,10 @@
             <a:r>
               <a:rPr lang="en-US" altLang="zh-CN" sz="3600" dirty="0">
                 <a:solidFill>
-                  <a:srgbClr val="C00000"/>
+                  <a:schemeClr val="tx1">
+                    <a:lumMod val="95000"/>
+                    <a:lumOff val="5000"/>
+                  </a:schemeClr>
                 </a:solidFill>
               </a:rPr>
               <a:t>IO</a:t>
@@ -7100,7 +7104,10 @@
             <a:r>
               <a:rPr lang="zh-CN" altLang="en-US" sz="3600" dirty="0">
                 <a:solidFill>
-                  <a:srgbClr val="C00000"/>
+                  <a:schemeClr val="tx1">
+                    <a:lumMod val="95000"/>
+                    <a:lumOff val="5000"/>
+                  </a:schemeClr>
                 </a:solidFill>
               </a:rPr>
               <a:t>重定向与管道</a:t>

--- a/materials/slides/ch04-io-redrection-and-pipe.pptx
+++ b/materials/slides/ch04-io-redrection-and-pipe.pptx
@@ -286,7 +286,7 @@
           <a:p>
             <a:fld id="{02E60DA2-A0BC-48C9-AA88-75C78721B420}" type="datetimeFigureOut">
               <a:rPr lang="zh-CN" altLang="en-US" smtClean="0"/>
-              <a:t>2018/3/2</a:t>
+              <a:t>2018/3/25</a:t>
             </a:fld>
             <a:endParaRPr lang="zh-CN" altLang="en-US"/>
           </a:p>
@@ -508,7 +508,7 @@
           <a:p>
             <a:fld id="{02E60DA2-A0BC-48C9-AA88-75C78721B420}" type="datetimeFigureOut">
               <a:rPr lang="zh-CN" altLang="en-US" smtClean="0"/>
-              <a:t>2018/3/2</a:t>
+              <a:t>2018/3/25</a:t>
             </a:fld>
             <a:endParaRPr lang="zh-CN" altLang="en-US"/>
           </a:p>
@@ -740,7 +740,7 @@
           <a:p>
             <a:fld id="{02E60DA2-A0BC-48C9-AA88-75C78721B420}" type="datetimeFigureOut">
               <a:rPr lang="zh-CN" altLang="en-US" smtClean="0"/>
-              <a:t>2018/3/2</a:t>
+              <a:t>2018/3/25</a:t>
             </a:fld>
             <a:endParaRPr lang="zh-CN" altLang="en-US"/>
           </a:p>
@@ -990,7 +990,7 @@
           <a:p>
             <a:fld id="{02E60DA2-A0BC-48C9-AA88-75C78721B420}" type="datetimeFigureOut">
               <a:rPr lang="zh-CN" altLang="en-US" smtClean="0"/>
-              <a:t>2018/3/2</a:t>
+              <a:t>2018/3/25</a:t>
             </a:fld>
             <a:endParaRPr lang="zh-CN" altLang="en-US"/>
           </a:p>
@@ -1228,7 +1228,7 @@
           <a:p>
             <a:fld id="{02E60DA2-A0BC-48C9-AA88-75C78721B420}" type="datetimeFigureOut">
               <a:rPr lang="zh-CN" altLang="en-US" smtClean="0"/>
-              <a:t>2018/3/2</a:t>
+              <a:t>2018/3/25</a:t>
             </a:fld>
             <a:endParaRPr lang="zh-CN" altLang="en-US"/>
           </a:p>
@@ -1533,7 +1533,7 @@
           <a:p>
             <a:fld id="{02E60DA2-A0BC-48C9-AA88-75C78721B420}" type="datetimeFigureOut">
               <a:rPr lang="zh-CN" altLang="en-US" smtClean="0"/>
-              <a:t>2018/3/2</a:t>
+              <a:t>2018/3/25</a:t>
             </a:fld>
             <a:endParaRPr lang="zh-CN" altLang="en-US"/>
           </a:p>
@@ -1836,7 +1836,7 @@
           <a:p>
             <a:fld id="{02E60DA2-A0BC-48C9-AA88-75C78721B420}" type="datetimeFigureOut">
               <a:rPr lang="zh-CN" altLang="en-US" smtClean="0"/>
-              <a:t>2018/3/2</a:t>
+              <a:t>2018/3/25</a:t>
             </a:fld>
             <a:endParaRPr lang="zh-CN" altLang="en-US"/>
           </a:p>
@@ -2287,7 +2287,7 @@
           <a:p>
             <a:fld id="{02E60DA2-A0BC-48C9-AA88-75C78721B420}" type="datetimeFigureOut">
               <a:rPr lang="zh-CN" altLang="en-US" smtClean="0"/>
-              <a:t>2018/3/2</a:t>
+              <a:t>2018/3/25</a:t>
             </a:fld>
             <a:endParaRPr lang="zh-CN" altLang="en-US"/>
           </a:p>
@@ -2460,7 +2460,7 @@
           <a:p>
             <a:fld id="{02E60DA2-A0BC-48C9-AA88-75C78721B420}" type="datetimeFigureOut">
               <a:rPr lang="zh-CN" altLang="en-US" smtClean="0"/>
-              <a:t>2018/3/2</a:t>
+              <a:t>2018/3/25</a:t>
             </a:fld>
             <a:endParaRPr lang="zh-CN" altLang="en-US"/>
           </a:p>
@@ -2597,7 +2597,7 @@
           <a:p>
             <a:fld id="{02E60DA2-A0BC-48C9-AA88-75C78721B420}" type="datetimeFigureOut">
               <a:rPr lang="zh-CN" altLang="en-US" smtClean="0"/>
-              <a:t>2018/3/2</a:t>
+              <a:t>2018/3/25</a:t>
             </a:fld>
             <a:endParaRPr lang="zh-CN" altLang="en-US"/>
           </a:p>
@@ -2941,7 +2941,7 @@
           <a:p>
             <a:fld id="{02E60DA2-A0BC-48C9-AA88-75C78721B420}" type="datetimeFigureOut">
               <a:rPr lang="zh-CN" altLang="en-US" smtClean="0"/>
-              <a:t>2018/3/2</a:t>
+              <a:t>2018/3/25</a:t>
             </a:fld>
             <a:endParaRPr lang="zh-CN" altLang="en-US"/>
           </a:p>
@@ -3163,7 +3163,7 @@
           <a:p>
             <a:fld id="{02E60DA2-A0BC-48C9-AA88-75C78721B420}" type="datetimeFigureOut">
               <a:rPr lang="zh-CN" altLang="en-US" smtClean="0"/>
-              <a:t>2018/3/2</a:t>
+              <a:t>2018/3/25</a:t>
             </a:fld>
             <a:endParaRPr lang="zh-CN" altLang="en-US"/>
           </a:p>
@@ -3484,7 +3484,7 @@
           <a:p>
             <a:fld id="{02E60DA2-A0BC-48C9-AA88-75C78721B420}" type="datetimeFigureOut">
               <a:rPr lang="zh-CN" altLang="en-US" smtClean="0"/>
-              <a:t>2018/3/2</a:t>
+              <a:t>2018/3/25</a:t>
             </a:fld>
             <a:endParaRPr lang="zh-CN" altLang="en-US"/>
           </a:p>
@@ -3722,7 +3722,7 @@
           <a:p>
             <a:fld id="{02E60DA2-A0BC-48C9-AA88-75C78721B420}" type="datetimeFigureOut">
               <a:rPr lang="zh-CN" altLang="en-US" smtClean="0"/>
-              <a:t>2018/3/2</a:t>
+              <a:t>2018/3/25</a:t>
             </a:fld>
             <a:endParaRPr lang="zh-CN" altLang="en-US"/>
           </a:p>
@@ -3960,7 +3960,7 @@
           <a:p>
             <a:fld id="{02E60DA2-A0BC-48C9-AA88-75C78721B420}" type="datetimeFigureOut">
               <a:rPr lang="zh-CN" altLang="en-US" smtClean="0"/>
-              <a:t>2018/3/2</a:t>
+              <a:t>2018/3/25</a:t>
             </a:fld>
             <a:endParaRPr lang="zh-CN" altLang="en-US"/>
           </a:p>
@@ -4259,7 +4259,7 @@
           <a:p>
             <a:fld id="{02E60DA2-A0BC-48C9-AA88-75C78721B420}" type="datetimeFigureOut">
               <a:rPr lang="zh-CN" altLang="en-US" smtClean="0"/>
-              <a:t>2018/3/2</a:t>
+              <a:t>2018/3/25</a:t>
             </a:fld>
             <a:endParaRPr lang="zh-CN" altLang="en-US"/>
           </a:p>
@@ -4548,7 +4548,7 @@
           <a:p>
             <a:fld id="{02E60DA2-A0BC-48C9-AA88-75C78721B420}" type="datetimeFigureOut">
               <a:rPr lang="zh-CN" altLang="en-US" smtClean="0"/>
-              <a:t>2018/3/2</a:t>
+              <a:t>2018/3/25</a:t>
             </a:fld>
             <a:endParaRPr lang="zh-CN" altLang="en-US"/>
           </a:p>
@@ -4984,7 +4984,7 @@
           <a:p>
             <a:fld id="{02E60DA2-A0BC-48C9-AA88-75C78721B420}" type="datetimeFigureOut">
               <a:rPr lang="zh-CN" altLang="en-US" smtClean="0"/>
-              <a:t>2018/3/2</a:t>
+              <a:t>2018/3/25</a:t>
             </a:fld>
             <a:endParaRPr lang="zh-CN" altLang="en-US"/>
           </a:p>
@@ -5149,7 +5149,7 @@
           <a:p>
             <a:fld id="{02E60DA2-A0BC-48C9-AA88-75C78721B420}" type="datetimeFigureOut">
               <a:rPr lang="zh-CN" altLang="en-US" smtClean="0"/>
-              <a:t>2018/3/2</a:t>
+              <a:t>2018/3/25</a:t>
             </a:fld>
             <a:endParaRPr lang="zh-CN" altLang="en-US"/>
           </a:p>
@@ -5286,7 +5286,7 @@
           <a:p>
             <a:fld id="{02E60DA2-A0BC-48C9-AA88-75C78721B420}" type="datetimeFigureOut">
               <a:rPr lang="zh-CN" altLang="en-US" smtClean="0"/>
-              <a:t>2018/3/2</a:t>
+              <a:t>2018/3/25</a:t>
             </a:fld>
             <a:endParaRPr lang="zh-CN" altLang="en-US"/>
           </a:p>
@@ -5621,7 +5621,7 @@
           <a:p>
             <a:fld id="{02E60DA2-A0BC-48C9-AA88-75C78721B420}" type="datetimeFigureOut">
               <a:rPr lang="zh-CN" altLang="en-US" smtClean="0"/>
-              <a:t>2018/3/2</a:t>
+              <a:t>2018/3/25</a:t>
             </a:fld>
             <a:endParaRPr lang="zh-CN" altLang="en-US"/>
           </a:p>
@@ -5933,7 +5933,7 @@
           <a:p>
             <a:fld id="{02E60DA2-A0BC-48C9-AA88-75C78721B420}" type="datetimeFigureOut">
               <a:rPr lang="zh-CN" altLang="en-US" smtClean="0"/>
-              <a:t>2018/3/2</a:t>
+              <a:t>2018/3/25</a:t>
             </a:fld>
             <a:endParaRPr lang="zh-CN" altLang="en-US"/>
           </a:p>
@@ -7449,52 +7449,64 @@
           <a:lstStyle/>
           <a:p>
             <a:r>
-              <a:rPr lang="zh-CN" altLang="en-US" sz="2000" dirty="0"/>
+              <a:rPr lang="zh-CN" altLang="en-US" sz="2400" dirty="0"/>
               <a:t>在</a:t>
             </a:r>
             <a:r>
-              <a:rPr lang="en-US" altLang="zh-CN" sz="2000" dirty="0"/>
+              <a:rPr lang="en-US" altLang="zh-CN" sz="2400" dirty="0"/>
               <a:t>shell</a:t>
             </a:r>
             <a:r>
-              <a:rPr lang="zh-CN" altLang="en-US" sz="2000" dirty="0"/>
+              <a:rPr lang="zh-CN" altLang="en-US" sz="2400" dirty="0"/>
               <a:t>中输入命令运行程序，程序的正常输出信息（标准输出）和一些出错信息（标准错误）会通过</a:t>
             </a:r>
             <a:r>
-              <a:rPr lang="en-US" altLang="zh-CN" sz="2000" dirty="0"/>
+              <a:rPr lang="en-US" altLang="zh-CN" sz="2400" dirty="0"/>
               <a:t>shell</a:t>
             </a:r>
             <a:r>
-              <a:rPr lang="zh-CN" altLang="en-US" sz="2000" dirty="0"/>
+              <a:rPr lang="zh-CN" altLang="en-US" sz="2400" dirty="0"/>
               <a:t>显示在屏幕上。有时候我们并不需要把这些输出信息（包括标准输出和标准错误）显示在屏幕上，或需要把这些输出信息保存在一个文件中，这时就需要进行输出重定向。</a:t>
             </a:r>
-            <a:endParaRPr lang="en-US" altLang="zh-CN" sz="2000" dirty="0"/>
-          </a:p>
-          <a:p>
-            <a:endParaRPr lang="en-US" altLang="zh-CN" sz="2000" dirty="0"/>
-          </a:p>
-          <a:p>
-            <a:r>
-              <a:rPr lang="zh-CN" altLang="en-US" sz="2000" dirty="0"/>
+            <a:endParaRPr lang="en-US" altLang="zh-CN" sz="2400" dirty="0"/>
+          </a:p>
+          <a:p>
+            <a:endParaRPr lang="en-US" altLang="zh-CN" sz="2400" dirty="0"/>
+          </a:p>
+          <a:p>
+            <a:r>
+              <a:rPr lang="zh-CN" altLang="en-US" sz="2400" dirty="0">
+                <a:solidFill>
+                  <a:srgbClr val="C00000"/>
+                </a:solidFill>
+              </a:rPr>
               <a:t>执行重定向操作的是</a:t>
             </a:r>
             <a:r>
-              <a:rPr lang="en-US" altLang="zh-CN" sz="2000" dirty="0"/>
+              <a:rPr lang="en-US" altLang="zh-CN" sz="2400" dirty="0">
+                <a:solidFill>
+                  <a:srgbClr val="C00000"/>
+                </a:solidFill>
+              </a:rPr>
               <a:t>shell</a:t>
             </a:r>
             <a:r>
-              <a:rPr lang="zh-CN" altLang="en-US" sz="2000" dirty="0"/>
+              <a:rPr lang="zh-CN" altLang="en-US" sz="2400" dirty="0">
+                <a:solidFill>
+                  <a:srgbClr val="C00000"/>
+                </a:solidFill>
+              </a:rPr>
               <a:t>，而不是程序。</a:t>
             </a:r>
             <a:r>
-              <a:rPr lang="en-US" altLang="zh-CN" sz="2000" dirty="0"/>
+              <a:rPr lang="en-US" altLang="zh-CN" sz="2400" dirty="0"/>
               <a:t>shell</a:t>
             </a:r>
             <a:r>
-              <a:rPr lang="zh-CN" altLang="en-US" sz="2000" dirty="0"/>
+              <a:rPr lang="zh-CN" altLang="en-US" sz="2400" dirty="0"/>
               <a:t>把重定向符号解释成指令，将标准输出（或标准错误）指向文件，而不是当前显示设备。输入重定向也是如此。</a:t>
             </a:r>
-            <a:endParaRPr lang="en-US" altLang="zh-CN" sz="2000" dirty="0"/>
+            <a:endParaRPr lang="en-US" altLang="zh-CN" sz="2400" dirty="0"/>
           </a:p>
         </p:txBody>
       </p:sp>
@@ -7634,14 +7646,14 @@
           <p:nvPr>
             <p:extLst>
               <p:ext uri="{D42A27DB-BD31-4B8C-83A1-F6EECF244321}">
-                <p14:modId xmlns:p14="http://schemas.microsoft.com/office/powerpoint/2010/main" val="1037564290"/>
+                <p14:modId xmlns:p14="http://schemas.microsoft.com/office/powerpoint/2010/main" val="1910469284"/>
               </p:ext>
             </p:extLst>
           </p:nvPr>
         </p:nvGraphicFramePr>
         <p:xfrm>
-          <a:off x="2130641" y="2420617"/>
-          <a:ext cx="8149700" cy="4317534"/>
+          <a:off x="1485900" y="2420617"/>
+          <a:ext cx="9715500" cy="4317534"/>
         </p:xfrm>
         <a:graphic>
           <a:graphicData uri="http://schemas.openxmlformats.org/drawingml/2006/table">
@@ -7650,21 +7662,21 @@
                 <a:tableStyleId>{7DF18680-E054-41AD-8BC1-D1AEF772440D}</a:tableStyleId>
               </a:tblPr>
               <a:tblGrid>
-                <a:gridCol w="2105174">
+                <a:gridCol w="2444262">
                   <a:extLst>
                     <a:ext uri="{9D8B030D-6E8A-4147-A177-3AD203B41FA5}">
                       <a16:colId xmlns:a16="http://schemas.microsoft.com/office/drawing/2014/main" val="20000"/>
                     </a:ext>
                   </a:extLst>
                 </a:gridCol>
-                <a:gridCol w="1148426">
+                <a:gridCol w="1434452">
                   <a:extLst>
                     <a:ext uri="{9D8B030D-6E8A-4147-A177-3AD203B41FA5}">
                       <a16:colId xmlns:a16="http://schemas.microsoft.com/office/drawing/2014/main" val="20001"/>
                     </a:ext>
                   </a:extLst>
                 </a:gridCol>
-                <a:gridCol w="4896100">
+                <a:gridCol w="5836786">
                   <a:extLst>
                     <a:ext uri="{9D8B030D-6E8A-4147-A177-3AD203B41FA5}">
                       <a16:colId xmlns:a16="http://schemas.microsoft.com/office/drawing/2014/main" val="20002"/>
@@ -7848,7 +7860,7 @@
                         <a:tabLst/>
                       </a:pPr>
                       <a:r>
-                        <a:rPr kumimoji="0" lang="zh-CN" altLang="en-US" sz="1600" u="none" strike="noStrike" cap="none" normalizeH="0" baseline="0" dirty="0">
+                        <a:rPr kumimoji="0" lang="zh-CN" altLang="en-US" sz="2000" u="none" strike="noStrike" cap="none" normalizeH="0" baseline="0" dirty="0">
                           <a:ln>
                             <a:noFill/>
                           </a:ln>
@@ -7856,7 +7868,7 @@
                         </a:rPr>
                         <a:t>重定向标准输入</a:t>
                       </a:r>
-                      <a:endParaRPr kumimoji="0" lang="zh-CN" altLang="en-US" sz="1600" b="0" i="0" u="none" strike="noStrike" cap="none" normalizeH="0" baseline="0" dirty="0">
+                      <a:endParaRPr kumimoji="0" lang="zh-CN" altLang="en-US" sz="2000" b="0" i="0" u="none" strike="noStrike" cap="none" normalizeH="0" baseline="0" dirty="0">
                         <a:ln>
                           <a:noFill/>
                         </a:ln>
@@ -7896,7 +7908,7 @@
                         <a:tabLst/>
                       </a:pPr>
                       <a:r>
-                        <a:rPr kumimoji="0" lang="en-US" altLang="zh-CN" sz="1600" u="none" strike="noStrike" cap="none" normalizeH="0" baseline="0" dirty="0">
+                        <a:rPr kumimoji="0" lang="en-US" altLang="zh-CN" sz="2000" u="none" strike="noStrike" cap="none" normalizeH="0" baseline="0" dirty="0">
                           <a:ln>
                             <a:noFill/>
                           </a:ln>
@@ -7904,7 +7916,7 @@
                         </a:rPr>
                         <a:t>&lt;</a:t>
                       </a:r>
-                      <a:endParaRPr kumimoji="0" lang="en-US" altLang="zh-CN" sz="1600" b="0" i="0" u="none" strike="noStrike" cap="none" normalizeH="0" baseline="0" dirty="0">
+                      <a:endParaRPr kumimoji="0" lang="en-US" altLang="zh-CN" sz="2000" b="0" i="0" u="none" strike="noStrike" cap="none" normalizeH="0" baseline="0" dirty="0">
                         <a:ln>
                           <a:noFill/>
                         </a:ln>
@@ -7944,7 +7956,7 @@
                         <a:tabLst/>
                       </a:pPr>
                       <a:r>
-                        <a:rPr kumimoji="0" lang="zh-CN" altLang="en-US" sz="1600" u="none" strike="noStrike" cap="none" normalizeH="0" baseline="0" dirty="0">
+                        <a:rPr kumimoji="0" lang="zh-CN" altLang="en-US" sz="2000" u="none" strike="noStrike" cap="none" normalizeH="0" baseline="0" dirty="0">
                           <a:ln>
                             <a:noFill/>
                           </a:ln>
@@ -7952,7 +7964,7 @@
                         </a:rPr>
                         <a:t>将命令中接收输入的途径由默认的键盘更改为指定的文件 </a:t>
                       </a:r>
-                      <a:endParaRPr kumimoji="0" lang="zh-CN" altLang="en-US" sz="1600" b="0" i="0" u="none" strike="noStrike" cap="none" normalizeH="0" baseline="0" dirty="0">
+                      <a:endParaRPr kumimoji="0" lang="zh-CN" altLang="en-US" sz="2000" b="0" i="0" u="none" strike="noStrike" cap="none" normalizeH="0" baseline="0" dirty="0">
                         <a:ln>
                           <a:noFill/>
                         </a:ln>
@@ -7999,7 +8011,7 @@
                         <a:tabLst/>
                       </a:pPr>
                       <a:r>
-                        <a:rPr kumimoji="0" lang="zh-CN" altLang="en-US" sz="1600" u="none" strike="noStrike" cap="none" normalizeH="0" baseline="0" dirty="0">
+                        <a:rPr kumimoji="0" lang="zh-CN" altLang="en-US" sz="2000" u="none" strike="noStrike" cap="none" normalizeH="0" baseline="0" dirty="0">
                           <a:ln>
                             <a:noFill/>
                           </a:ln>
@@ -8007,7 +8019,7 @@
                         </a:rPr>
                         <a:t>重定向标准输出</a:t>
                       </a:r>
-                      <a:endParaRPr kumimoji="0" lang="zh-CN" altLang="en-US" sz="1600" b="0" i="0" u="none" strike="noStrike" cap="none" normalizeH="0" baseline="0" dirty="0">
+                      <a:endParaRPr kumimoji="0" lang="zh-CN" altLang="en-US" sz="2000" b="0" i="0" u="none" strike="noStrike" cap="none" normalizeH="0" baseline="0" dirty="0">
                         <a:ln>
                           <a:noFill/>
                         </a:ln>
@@ -8047,7 +8059,7 @@
                         <a:tabLst/>
                       </a:pPr>
                       <a:r>
-                        <a:rPr kumimoji="0" lang="en-US" altLang="zh-CN" sz="1600" u="none" strike="noStrike" cap="none" normalizeH="0" baseline="0" dirty="0">
+                        <a:rPr kumimoji="0" lang="en-US" altLang="zh-CN" sz="2000" u="none" strike="noStrike" cap="none" normalizeH="0" baseline="0" dirty="0">
                           <a:ln>
                             <a:noFill/>
                           </a:ln>
@@ -8055,7 +8067,7 @@
                         </a:rPr>
                         <a:t>&gt;</a:t>
                       </a:r>
-                      <a:endParaRPr kumimoji="0" lang="en-US" altLang="zh-CN" sz="1600" b="0" i="0" u="none" strike="noStrike" cap="none" normalizeH="0" baseline="0" dirty="0">
+                      <a:endParaRPr kumimoji="0" lang="en-US" altLang="zh-CN" sz="2000" b="0" i="0" u="none" strike="noStrike" cap="none" normalizeH="0" baseline="0" dirty="0">
                         <a:ln>
                           <a:noFill/>
                         </a:ln>
@@ -8095,7 +8107,7 @@
                         <a:tabLst/>
                       </a:pPr>
                       <a:r>
-                        <a:rPr kumimoji="0" lang="zh-CN" altLang="en-US" sz="1600" u="none" strike="noStrike" cap="none" normalizeH="0" baseline="0" dirty="0">
+                        <a:rPr kumimoji="0" lang="zh-CN" altLang="en-US" sz="2000" u="none" strike="noStrike" cap="none" normalizeH="0" baseline="0" dirty="0">
                           <a:ln>
                             <a:noFill/>
                           </a:ln>
@@ -8103,7 +8115,7 @@
                         </a:rPr>
                         <a:t>以替换的方式将命令的执行结果输出到指定的文件，而不是直接显示在屏幕上 </a:t>
                       </a:r>
-                      <a:endParaRPr kumimoji="0" lang="zh-CN" altLang="en-US" sz="1600" b="0" i="0" u="none" strike="noStrike" cap="none" normalizeH="0" baseline="0" dirty="0">
+                      <a:endParaRPr kumimoji="0" lang="zh-CN" altLang="en-US" sz="2000" b="0" i="0" u="none" strike="noStrike" cap="none" normalizeH="0" baseline="0" dirty="0">
                         <a:ln>
                           <a:noFill/>
                         </a:ln>
@@ -8160,7 +8172,7 @@
                         <a:tabLst/>
                       </a:pPr>
                       <a:r>
-                        <a:rPr kumimoji="0" lang="en-US" altLang="zh-CN" sz="1600" u="none" strike="noStrike" cap="none" normalizeH="0" baseline="0" dirty="0">
+                        <a:rPr kumimoji="0" lang="en-US" altLang="zh-CN" sz="2000" u="none" strike="noStrike" cap="none" normalizeH="0" baseline="0" dirty="0">
                           <a:ln>
                             <a:noFill/>
                           </a:ln>
@@ -8168,7 +8180,7 @@
                         </a:rPr>
                         <a:t>&gt;&gt;</a:t>
                       </a:r>
-                      <a:endParaRPr kumimoji="0" lang="en-US" altLang="zh-CN" sz="1600" b="0" i="0" u="none" strike="noStrike" cap="none" normalizeH="0" baseline="0" dirty="0">
+                      <a:endParaRPr kumimoji="0" lang="en-US" altLang="zh-CN" sz="2000" b="0" i="0" u="none" strike="noStrike" cap="none" normalizeH="0" baseline="0" dirty="0">
                         <a:ln>
                           <a:noFill/>
                         </a:ln>
@@ -8208,7 +8220,7 @@
                         <a:tabLst/>
                       </a:pPr>
                       <a:r>
-                        <a:rPr kumimoji="0" lang="zh-CN" altLang="en-US" sz="1600" u="none" strike="noStrike" cap="none" normalizeH="0" baseline="0" dirty="0">
+                        <a:rPr kumimoji="0" lang="zh-CN" altLang="en-US" sz="2000" u="none" strike="noStrike" cap="none" normalizeH="0" baseline="0" dirty="0">
                           <a:ln>
                             <a:noFill/>
                           </a:ln>
@@ -8216,7 +8228,7 @@
                         </a:rPr>
                         <a:t>将命令执行的结果追加输出到指定文件 </a:t>
                       </a:r>
-                      <a:endParaRPr kumimoji="0" lang="zh-CN" altLang="en-US" sz="1600" b="0" i="0" u="none" strike="noStrike" cap="none" normalizeH="0" baseline="0" dirty="0">
+                      <a:endParaRPr kumimoji="0" lang="zh-CN" altLang="en-US" sz="2000" b="0" i="0" u="none" strike="noStrike" cap="none" normalizeH="0" baseline="0" dirty="0">
                         <a:ln>
                           <a:noFill/>
                         </a:ln>
@@ -8263,7 +8275,7 @@
                         <a:tabLst/>
                       </a:pPr>
                       <a:r>
-                        <a:rPr kumimoji="0" lang="zh-CN" altLang="en-US" sz="1600" u="none" strike="noStrike" cap="none" normalizeH="0" baseline="0">
+                        <a:rPr kumimoji="0" lang="zh-CN" altLang="en-US" sz="2000" u="none" strike="noStrike" cap="none" normalizeH="0" baseline="0" dirty="0">
                           <a:ln>
                             <a:noFill/>
                           </a:ln>
@@ -8271,7 +8283,7 @@
                         </a:rPr>
                         <a:t>重定向标准错误</a:t>
                       </a:r>
-                      <a:endParaRPr kumimoji="0" lang="zh-CN" altLang="en-US" sz="1600" b="0" i="0" u="none" strike="noStrike" cap="none" normalizeH="0" baseline="0">
+                      <a:endParaRPr kumimoji="0" lang="zh-CN" altLang="en-US" sz="2000" b="0" i="0" u="none" strike="noStrike" cap="none" normalizeH="0" baseline="0" dirty="0">
                         <a:ln>
                           <a:noFill/>
                         </a:ln>
@@ -8311,7 +8323,7 @@
                         <a:tabLst/>
                       </a:pPr>
                       <a:r>
-                        <a:rPr kumimoji="0" lang="en-US" altLang="zh-CN" sz="1600" u="none" strike="noStrike" cap="none" normalizeH="0" baseline="0" dirty="0">
+                        <a:rPr kumimoji="0" lang="en-US" altLang="zh-CN" sz="2000" u="none" strike="noStrike" cap="none" normalizeH="0" baseline="0" dirty="0">
                           <a:ln>
                             <a:noFill/>
                           </a:ln>
@@ -8319,7 +8331,7 @@
                         </a:rPr>
                         <a:t>2&gt;</a:t>
                       </a:r>
-                      <a:endParaRPr kumimoji="0" lang="en-US" altLang="zh-CN" sz="1600" b="0" i="0" u="none" strike="noStrike" cap="none" normalizeH="0" baseline="0" dirty="0">
+                      <a:endParaRPr kumimoji="0" lang="en-US" altLang="zh-CN" sz="2000" b="0" i="0" u="none" strike="noStrike" cap="none" normalizeH="0" baseline="0" dirty="0">
                         <a:ln>
                           <a:noFill/>
                         </a:ln>
@@ -8359,7 +8371,7 @@
                         <a:tabLst/>
                       </a:pPr>
                       <a:r>
-                        <a:rPr kumimoji="0" lang="zh-CN" altLang="en-US" sz="1600" u="none" strike="noStrike" cap="none" normalizeH="0" baseline="0" dirty="0">
+                        <a:rPr kumimoji="0" lang="zh-CN" altLang="en-US" sz="2000" u="none" strike="noStrike" cap="none" normalizeH="0" baseline="0" dirty="0">
                           <a:ln>
                             <a:noFill/>
                           </a:ln>
@@ -8367,7 +8379,7 @@
                         </a:rPr>
                         <a:t>清空指定文件的内容，并将标准错误信息保存到该文件中</a:t>
                       </a:r>
-                      <a:endParaRPr kumimoji="0" lang="zh-CN" altLang="en-US" sz="1600" b="0" i="0" u="none" strike="noStrike" cap="none" normalizeH="0" baseline="0" dirty="0">
+                      <a:endParaRPr kumimoji="0" lang="zh-CN" altLang="en-US" sz="2000" b="0" i="0" u="none" strike="noStrike" cap="none" normalizeH="0" baseline="0" dirty="0">
                         <a:ln>
                           <a:noFill/>
                         </a:ln>
@@ -8424,7 +8436,7 @@
                         <a:tabLst/>
                       </a:pPr>
                       <a:r>
-                        <a:rPr kumimoji="0" lang="en-US" altLang="zh-CN" sz="1600" u="none" strike="noStrike" cap="none" normalizeH="0" baseline="0" dirty="0">
+                        <a:rPr kumimoji="0" lang="en-US" altLang="zh-CN" sz="2000" u="none" strike="noStrike" cap="none" normalizeH="0" baseline="0" dirty="0">
                           <a:ln>
                             <a:noFill/>
                           </a:ln>
@@ -8432,7 +8444,7 @@
                         </a:rPr>
                         <a:t>2&gt;&gt;</a:t>
                       </a:r>
-                      <a:endParaRPr kumimoji="0" lang="en-US" altLang="zh-CN" sz="1600" b="0" i="0" u="none" strike="noStrike" cap="none" normalizeH="0" baseline="0" dirty="0">
+                      <a:endParaRPr kumimoji="0" lang="en-US" altLang="zh-CN" sz="2000" b="0" i="0" u="none" strike="noStrike" cap="none" normalizeH="0" baseline="0" dirty="0">
                         <a:ln>
                           <a:noFill/>
                         </a:ln>
@@ -8472,7 +8484,7 @@
                         <a:tabLst/>
                       </a:pPr>
                       <a:r>
-                        <a:rPr kumimoji="0" lang="zh-CN" altLang="en-US" sz="1600" u="none" strike="noStrike" cap="none" normalizeH="0" baseline="0" dirty="0">
+                        <a:rPr kumimoji="0" lang="zh-CN" altLang="en-US" sz="2000" u="none" strike="noStrike" cap="none" normalizeH="0" baseline="0" dirty="0">
                           <a:ln>
                             <a:noFill/>
                           </a:ln>
@@ -8480,7 +8492,7 @@
                         </a:rPr>
                         <a:t>将标准错误信息追加输出到指定的文件中</a:t>
                       </a:r>
-                      <a:endParaRPr kumimoji="0" lang="zh-CN" altLang="en-US" sz="1600" b="0" i="0" u="none" strike="noStrike" cap="none" normalizeH="0" baseline="0" dirty="0">
+                      <a:endParaRPr kumimoji="0" lang="zh-CN" altLang="en-US" sz="2000" b="0" i="0" u="none" strike="noStrike" cap="none" normalizeH="0" baseline="0" dirty="0">
                         <a:ln>
                           <a:noFill/>
                         </a:ln>
@@ -8527,7 +8539,7 @@
                         <a:tabLst/>
                       </a:pPr>
                       <a:r>
-                        <a:rPr kumimoji="0" lang="zh-CN" altLang="en-US" sz="1600" u="none" strike="noStrike" cap="none" normalizeH="0" baseline="0" dirty="0">
+                        <a:rPr kumimoji="0" lang="zh-CN" altLang="en-US" sz="2000" u="none" strike="noStrike" cap="none" normalizeH="0" baseline="0" dirty="0">
                           <a:ln>
                             <a:noFill/>
                           </a:ln>
@@ -8556,7 +8568,7 @@
                         <a:tabLst/>
                       </a:pPr>
                       <a:r>
-                        <a:rPr kumimoji="0" lang="zh-CN" altLang="en-US" sz="1600" u="none" strike="noStrike" cap="none" normalizeH="0" baseline="0" dirty="0">
+                        <a:rPr kumimoji="0" lang="zh-CN" altLang="en-US" sz="2000" u="none" strike="noStrike" cap="none" normalizeH="0" baseline="0" dirty="0">
                           <a:ln>
                             <a:noFill/>
                           </a:ln>
@@ -8564,7 +8576,7 @@
                         </a:rPr>
                         <a:t>标准错误</a:t>
                       </a:r>
-                      <a:endParaRPr kumimoji="0" lang="zh-CN" altLang="en-US" sz="1600" b="0" i="0" u="none" strike="noStrike" cap="none" normalizeH="0" baseline="0" dirty="0">
+                      <a:endParaRPr kumimoji="0" lang="zh-CN" altLang="en-US" sz="2000" b="0" i="0" u="none" strike="noStrike" cap="none" normalizeH="0" baseline="0" dirty="0">
                         <a:ln>
                           <a:noFill/>
                         </a:ln>
@@ -8604,7 +8616,7 @@
                         <a:tabLst/>
                       </a:pPr>
                       <a:r>
-                        <a:rPr kumimoji="0" lang="en-US" altLang="zh-CN" sz="1600" u="none" strike="noStrike" cap="none" normalizeH="0" baseline="0" dirty="0">
+                        <a:rPr kumimoji="0" lang="en-US" altLang="zh-CN" sz="2000" u="none" strike="noStrike" cap="none" normalizeH="0" baseline="0" dirty="0">
                           <a:ln>
                             <a:noFill/>
                           </a:ln>
@@ -8613,7 +8625,7 @@
                         <a:t>&amp;&gt;</a:t>
                       </a:r>
                       <a:r>
-                        <a:rPr kumimoji="0" lang="zh-CN" altLang="en-US" sz="1600" u="none" strike="noStrike" cap="none" normalizeH="0" baseline="0" dirty="0">
+                        <a:rPr kumimoji="0" lang="zh-CN" altLang="en-US" sz="2000" u="none" strike="noStrike" cap="none" normalizeH="0" baseline="0" dirty="0">
                           <a:ln>
                             <a:noFill/>
                           </a:ln>
@@ -8622,7 +8634,7 @@
                         <a:t>或</a:t>
                       </a:r>
                       <a:r>
-                        <a:rPr kumimoji="0" lang="en-US" altLang="zh-CN" sz="1600" u="none" strike="noStrike" cap="none" normalizeH="0" baseline="0" dirty="0">
+                        <a:rPr kumimoji="0" lang="en-US" altLang="zh-CN" sz="2000" u="none" strike="noStrike" cap="none" normalizeH="0" baseline="0" dirty="0">
                           <a:ln>
                             <a:noFill/>
                           </a:ln>
@@ -8630,7 +8642,7 @@
                         </a:rPr>
                         <a:t>&gt;&amp;</a:t>
                       </a:r>
-                      <a:endParaRPr kumimoji="0" lang="en-US" altLang="zh-CN" sz="1600" b="0" i="0" u="none" strike="noStrike" cap="none" normalizeH="0" baseline="0" dirty="0">
+                      <a:endParaRPr kumimoji="0" lang="en-US" altLang="zh-CN" sz="2000" b="0" i="0" u="none" strike="noStrike" cap="none" normalizeH="0" baseline="0" dirty="0">
                         <a:ln>
                           <a:noFill/>
                         </a:ln>
@@ -8670,7 +8682,7 @@
                         <a:tabLst/>
                       </a:pPr>
                       <a:r>
-                        <a:rPr kumimoji="0" lang="zh-CN" altLang="en-US" sz="1600" u="none" strike="noStrike" cap="none" normalizeH="0" baseline="0" dirty="0">
+                        <a:rPr kumimoji="0" lang="zh-CN" altLang="en-US" sz="2000" u="none" strike="noStrike" cap="none" normalizeH="0" baseline="0" dirty="0">
                           <a:ln>
                             <a:noFill/>
                           </a:ln>
@@ -8678,7 +8690,7 @@
                         </a:rPr>
                         <a:t>将标准输出、标准错误的内容全部保存到指定的文件中，而不是直接显示在屏幕上</a:t>
                       </a:r>
-                      <a:endParaRPr kumimoji="0" lang="zh-CN" altLang="en-US" sz="1600" b="0" i="0" u="none" strike="noStrike" cap="none" normalizeH="0" baseline="0" dirty="0">
+                      <a:endParaRPr kumimoji="0" lang="zh-CN" altLang="en-US" sz="2000" b="0" i="0" u="none" strike="noStrike" cap="none" normalizeH="0" baseline="0" dirty="0">
                         <a:ln>
                           <a:noFill/>
                         </a:ln>
@@ -8774,128 +8786,128 @@
           <a:lstStyle/>
           <a:p>
             <a:r>
-              <a:rPr lang="en-US" altLang="zh-CN" sz="2000" dirty="0"/>
+              <a:rPr lang="en-US" altLang="zh-CN" sz="2400" dirty="0"/>
               <a:t>echo  ‘</a:t>
             </a:r>
             <a:r>
-              <a:rPr lang="en-US" altLang="zh-CN" sz="2000" dirty="0" err="1"/>
+              <a:rPr lang="en-US" altLang="zh-CN" sz="2400" dirty="0" err="1"/>
               <a:t>abc</a:t>
             </a:r>
             <a:r>
-              <a:rPr lang="en-US" altLang="zh-CN" sz="2000" dirty="0"/>
+              <a:rPr lang="en-US" altLang="zh-CN" sz="2400" dirty="0"/>
               <a:t>’ </a:t>
             </a:r>
             <a:r>
-              <a:rPr lang="zh-CN" altLang="en-US" sz="2000" dirty="0"/>
+              <a:rPr lang="zh-CN" altLang="en-US" sz="2400" dirty="0"/>
               <a:t>会输出</a:t>
             </a:r>
             <a:r>
-              <a:rPr lang="en-US" altLang="zh-CN" sz="2000" dirty="0" err="1"/>
+              <a:rPr lang="en-US" altLang="zh-CN" sz="2400" dirty="0" err="1"/>
               <a:t>abc</a:t>
             </a:r>
             <a:r>
-              <a:rPr lang="zh-CN" altLang="en-US" sz="2000" dirty="0"/>
+              <a:rPr lang="zh-CN" altLang="en-US" sz="2400" dirty="0"/>
               <a:t>到屏幕。</a:t>
             </a:r>
             <a:r>
-              <a:rPr lang="en-US" altLang="zh-CN" sz="2000" dirty="0"/>
+              <a:rPr lang="en-US" altLang="zh-CN" sz="2400" dirty="0"/>
               <a:t>echo  ‘</a:t>
             </a:r>
             <a:r>
-              <a:rPr lang="en-US" altLang="zh-CN" sz="2000" dirty="0" err="1"/>
+              <a:rPr lang="en-US" altLang="zh-CN" sz="2400" dirty="0" err="1"/>
               <a:t>abc</a:t>
             </a:r>
             <a:r>
-              <a:rPr lang="en-US" altLang="zh-CN" sz="2000" dirty="0"/>
+              <a:rPr lang="en-US" altLang="zh-CN" sz="2400" dirty="0"/>
               <a:t>’ &gt; </a:t>
             </a:r>
             <a:r>
-              <a:rPr lang="en-US" altLang="zh-CN" sz="2000" dirty="0" err="1"/>
+              <a:rPr lang="en-US" altLang="zh-CN" sz="2400" dirty="0" err="1"/>
               <a:t>tmp</a:t>
             </a:r>
             <a:r>
-              <a:rPr lang="en-US" altLang="zh-CN" sz="2000" dirty="0"/>
+              <a:rPr lang="en-US" altLang="zh-CN" sz="2400" dirty="0"/>
               <a:t>/buff</a:t>
             </a:r>
             <a:r>
-              <a:rPr lang="zh-CN" altLang="en-US" sz="2000" dirty="0"/>
+              <a:rPr lang="zh-CN" altLang="en-US" sz="2400" dirty="0"/>
               <a:t>会把</a:t>
             </a:r>
             <a:r>
-              <a:rPr lang="en-US" altLang="zh-CN" sz="2000" dirty="0" err="1"/>
+              <a:rPr lang="en-US" altLang="zh-CN" sz="2400" dirty="0" err="1"/>
               <a:t>abc</a:t>
             </a:r>
             <a:r>
-              <a:rPr lang="zh-CN" altLang="en-US" sz="2000" dirty="0"/>
+              <a:rPr lang="zh-CN" altLang="en-US" sz="2400" dirty="0"/>
               <a:t>输出到</a:t>
             </a:r>
             <a:r>
-              <a:rPr lang="en-US" altLang="zh-CN" sz="2000" dirty="0" err="1"/>
+              <a:rPr lang="en-US" altLang="zh-CN" sz="2400" dirty="0" err="1"/>
               <a:t>tmp</a:t>
             </a:r>
             <a:r>
-              <a:rPr lang="en-US" altLang="zh-CN" sz="2000" dirty="0"/>
+              <a:rPr lang="en-US" altLang="zh-CN" sz="2400" dirty="0"/>
               <a:t>/buff</a:t>
             </a:r>
             <a:r>
-              <a:rPr lang="zh-CN" altLang="en-US" sz="2000" dirty="0"/>
+              <a:rPr lang="zh-CN" altLang="en-US" sz="2400" dirty="0"/>
               <a:t>这个文件。</a:t>
             </a:r>
-            <a:endParaRPr lang="en-US" altLang="zh-CN" sz="2000" dirty="0"/>
-          </a:p>
-          <a:p>
-            <a:endParaRPr lang="en-US" altLang="zh-CN" sz="2000" dirty="0"/>
-          </a:p>
-          <a:p>
-            <a:r>
-              <a:rPr lang="zh-CN" altLang="en-US" sz="2000" dirty="0"/>
+            <a:endParaRPr lang="en-US" altLang="zh-CN" sz="2400" dirty="0"/>
+          </a:p>
+          <a:p>
+            <a:endParaRPr lang="en-US" altLang="zh-CN" sz="2400" dirty="0"/>
+          </a:p>
+          <a:p>
+            <a:r>
+              <a:rPr lang="zh-CN" altLang="en-US" sz="2400" dirty="0"/>
               <a:t>如果没有此文件则会创建这个文件并写入。但是如果文件存在并且不为空，则重定向会导致之前的数据丢失，只保存重定向的数据。</a:t>
             </a:r>
-            <a:endParaRPr lang="en-US" altLang="zh-CN" sz="2000" dirty="0"/>
-          </a:p>
-          <a:p>
-            <a:endParaRPr lang="en-US" altLang="zh-CN" sz="2000" dirty="0"/>
-          </a:p>
-          <a:p>
-            <a:r>
-              <a:rPr lang="en-US" altLang="zh-CN" sz="2000" dirty="0"/>
+            <a:endParaRPr lang="en-US" altLang="zh-CN" sz="2400" dirty="0"/>
+          </a:p>
+          <a:p>
+            <a:endParaRPr lang="en-US" altLang="zh-CN" sz="2400" dirty="0"/>
+          </a:p>
+          <a:p>
+            <a:r>
+              <a:rPr lang="en-US" altLang="zh-CN" sz="2400" dirty="0"/>
               <a:t>echo ‘</a:t>
             </a:r>
             <a:r>
-              <a:rPr lang="en-US" altLang="zh-CN" sz="2000" dirty="0" err="1"/>
+              <a:rPr lang="en-US" altLang="zh-CN" sz="2400" dirty="0" err="1"/>
               <a:t>abc</a:t>
             </a:r>
             <a:r>
-              <a:rPr lang="en-US" altLang="zh-CN" sz="2000" dirty="0"/>
+              <a:rPr lang="en-US" altLang="zh-CN" sz="2400" dirty="0"/>
               <a:t>’  &gt;&gt;  /</a:t>
             </a:r>
             <a:r>
-              <a:rPr lang="en-US" altLang="zh-CN" sz="2000" dirty="0" err="1"/>
+              <a:rPr lang="en-US" altLang="zh-CN" sz="2400" dirty="0" err="1"/>
               <a:t>tmp</a:t>
             </a:r>
             <a:r>
-              <a:rPr lang="en-US" altLang="zh-CN" sz="2000" dirty="0"/>
+              <a:rPr lang="en-US" altLang="zh-CN" sz="2400" dirty="0"/>
               <a:t>/buff </a:t>
             </a:r>
             <a:r>
-              <a:rPr lang="zh-CN" altLang="en-US" sz="2000" dirty="0"/>
+              <a:rPr lang="zh-CN" altLang="en-US" sz="2400" dirty="0"/>
               <a:t>会把</a:t>
             </a:r>
             <a:r>
-              <a:rPr lang="en-US" altLang="zh-CN" sz="2000" dirty="0" err="1"/>
+              <a:rPr lang="en-US" altLang="zh-CN" sz="2400" dirty="0" err="1"/>
               <a:t>abc</a:t>
             </a:r>
             <a:r>
-              <a:rPr lang="zh-CN" altLang="en-US" sz="2000" dirty="0"/>
+              <a:rPr lang="zh-CN" altLang="en-US" sz="2400" dirty="0"/>
               <a:t>追加到文件末尾，之前的数据不会丢失。</a:t>
             </a:r>
-            <a:endParaRPr lang="en-US" altLang="zh-CN" sz="2000" dirty="0"/>
-          </a:p>
-          <a:p>
-            <a:endParaRPr lang="en-US" altLang="zh-CN" sz="2000" dirty="0"/>
-          </a:p>
-          <a:p>
-            <a:endParaRPr lang="en-US" altLang="zh-CN" sz="2000" dirty="0"/>
+            <a:endParaRPr lang="en-US" altLang="zh-CN" sz="2400" dirty="0"/>
+          </a:p>
+          <a:p>
+            <a:endParaRPr lang="en-US" altLang="zh-CN" sz="2400" dirty="0"/>
+          </a:p>
+          <a:p>
+            <a:endParaRPr lang="en-US" altLang="zh-CN" sz="2400" dirty="0"/>
           </a:p>
         </p:txBody>
       </p:sp>
@@ -8969,88 +8981,106 @@
         </p:spPr>
         <p:txBody>
           <a:bodyPr>
-            <a:normAutofit lnSpcReduction="10000"/>
+            <a:noAutofit/>
           </a:bodyPr>
           <a:lstStyle/>
           <a:p>
             <a:r>
+              <a:rPr lang="en-US" altLang="zh-CN" sz="2400" dirty="0" err="1"/>
+              <a:t>wc</a:t>
+            </a:r>
+            <a:r>
+              <a:rPr lang="en-US" altLang="zh-CN" sz="2400" dirty="0"/>
+              <a:t> -l </a:t>
+            </a:r>
+            <a:r>
+              <a:rPr lang="en-US" altLang="zh-CN" sz="2400" dirty="0" err="1"/>
+              <a:t>newfile</a:t>
+            </a:r>
+            <a:r>
+              <a:rPr lang="en-US" altLang="zh-CN" sz="2400" dirty="0"/>
+              <a:t> </a:t>
+            </a:r>
+            <a:r>
+              <a:rPr lang="zh-CN" altLang="en-US" sz="2400" dirty="0"/>
+              <a:t>与 </a:t>
+            </a:r>
+            <a:r>
+              <a:rPr lang="en-US" altLang="zh-CN" sz="2400" dirty="0" err="1"/>
+              <a:t>wc</a:t>
+            </a:r>
+            <a:r>
+              <a:rPr lang="en-US" altLang="zh-CN" sz="2400" dirty="0"/>
+              <a:t> -l &lt; </a:t>
+            </a:r>
+            <a:r>
+              <a:rPr lang="en-US" altLang="zh-CN" sz="2400" dirty="0" err="1"/>
+              <a:t>newfile</a:t>
+            </a:r>
+            <a:r>
+              <a:rPr lang="en-US" altLang="zh-CN" sz="2400" dirty="0"/>
+              <a:t> </a:t>
+            </a:r>
+          </a:p>
+          <a:p>
+            <a:pPr marL="457200" lvl="1" indent="0">
+              <a:buNone/>
+            </a:pPr>
+            <a:r>
+              <a:rPr lang="zh-CN" altLang="en-US" sz="2000" dirty="0"/>
+              <a:t>第一个是对文件进行操作；第二个是对文件内容进行操作，把文件的内容作为输入。</a:t>
+            </a:r>
+            <a:endParaRPr lang="en-US" altLang="zh-CN" sz="2400" dirty="0"/>
+          </a:p>
+          <a:p>
+            <a:r>
+              <a:rPr lang="en-US" altLang="zh-CN" sz="2400" dirty="0"/>
+              <a:t>find /</a:t>
+            </a:r>
+            <a:r>
+              <a:rPr lang="en-US" altLang="zh-CN" sz="2400" dirty="0" err="1"/>
+              <a:t>usr</a:t>
+            </a:r>
+            <a:r>
+              <a:rPr lang="en-US" altLang="zh-CN" sz="2400" dirty="0"/>
+              <a:t> -</a:t>
+            </a:r>
+            <a:r>
+              <a:rPr lang="en-US" altLang="zh-CN" sz="2400" dirty="0" err="1"/>
+              <a:t>iname</a:t>
+            </a:r>
+            <a:r>
+              <a:rPr lang="en-US" altLang="zh-CN" sz="2400" dirty="0"/>
+              <a:t> </a:t>
+            </a:r>
+            <a:r>
+              <a:rPr lang="en-US" altLang="zh-CN" sz="2400" dirty="0" err="1"/>
+              <a:t>gcc</a:t>
+            </a:r>
+            <a:r>
+              <a:rPr lang="en-US" altLang="zh-CN" sz="2400" dirty="0"/>
+              <a:t>* &gt; </a:t>
+            </a:r>
+            <a:r>
+              <a:rPr lang="en-US" altLang="zh-CN" sz="2400" dirty="0" err="1"/>
+              <a:t>find_tmp</a:t>
+            </a:r>
+            <a:r>
+              <a:rPr lang="en-US" altLang="zh-CN" sz="2400" dirty="0"/>
+              <a:t> 2&gt; /dev/null</a:t>
+            </a:r>
+          </a:p>
+          <a:p>
+            <a:pPr marL="457200" lvl="1" indent="0">
+              <a:buNone/>
+            </a:pPr>
+            <a:r>
+              <a:rPr lang="zh-CN" altLang="en-US" sz="2000" dirty="0"/>
+              <a:t>把标准输出重定向到</a:t>
+            </a:r>
+            <a:r>
               <a:rPr lang="en-US" altLang="zh-CN" sz="2000" dirty="0" err="1"/>
-              <a:t>wc</a:t>
-            </a:r>
-            <a:r>
-              <a:rPr lang="en-US" altLang="zh-CN" sz="2000" dirty="0"/>
-              <a:t> -l </a:t>
-            </a:r>
-            <a:r>
-              <a:rPr lang="en-US" altLang="zh-CN" sz="2000" dirty="0" err="1"/>
-              <a:t>newfile</a:t>
-            </a:r>
-            <a:r>
-              <a:rPr lang="en-US" altLang="zh-CN" sz="2000" dirty="0"/>
-              <a:t> </a:t>
-            </a:r>
-            <a:r>
-              <a:rPr lang="zh-CN" altLang="en-US" sz="2000" dirty="0"/>
-              <a:t>与 </a:t>
-            </a:r>
-            <a:r>
-              <a:rPr lang="en-US" altLang="zh-CN" sz="2000" dirty="0" err="1"/>
-              <a:t>wc</a:t>
-            </a:r>
-            <a:r>
-              <a:rPr lang="en-US" altLang="zh-CN" sz="2000" dirty="0"/>
-              <a:t> -l &lt; </a:t>
-            </a:r>
-            <a:r>
-              <a:rPr lang="en-US" altLang="zh-CN" sz="2000" dirty="0" err="1"/>
-              <a:t>newfile</a:t>
-            </a:r>
-            <a:r>
-              <a:rPr lang="en-US" altLang="zh-CN" sz="2000" dirty="0"/>
-              <a:t> </a:t>
-            </a:r>
-          </a:p>
-          <a:p>
-            <a:pPr marL="0" indent="0">
-              <a:buNone/>
-            </a:pPr>
-            <a:r>
-              <a:rPr lang="zh-CN" altLang="en-US" sz="2000" dirty="0"/>
-              <a:t>   第一个是对文件进行操作；第二个是对文件内容进行操作，把文件的内容作为输入。</a:t>
-            </a:r>
-            <a:endParaRPr lang="en-US" altLang="zh-CN" sz="2000" dirty="0"/>
-          </a:p>
-          <a:p>
-            <a:pPr marL="0" indent="0">
-              <a:buNone/>
-            </a:pPr>
-            <a:endParaRPr lang="en-US" altLang="zh-CN" sz="2000" dirty="0"/>
-          </a:p>
-          <a:p>
-            <a:r>
-              <a:rPr lang="en-US" altLang="zh-CN" sz="2000" dirty="0"/>
-              <a:t>find / -name </a:t>
-            </a:r>
-            <a:r>
-              <a:rPr lang="en-US" altLang="zh-CN" sz="2000" dirty="0" err="1"/>
-              <a:t>gcc</a:t>
-            </a:r>
-            <a:r>
-              <a:rPr lang="en-US" altLang="zh-CN" sz="2000" dirty="0"/>
-              <a:t> &gt; output 2&gt; /dev/null</a:t>
-            </a:r>
-          </a:p>
-          <a:p>
-            <a:pPr marL="0" indent="0">
-              <a:buNone/>
-            </a:pPr>
-            <a:r>
-              <a:rPr lang="zh-CN" altLang="en-US" sz="2000" dirty="0"/>
-              <a:t>    把标准输出重定向到</a:t>
-            </a:r>
-            <a:r>
-              <a:rPr lang="en-US" altLang="zh-CN" sz="2000" dirty="0"/>
-              <a:t>output</a:t>
+              <a:t>find_tmp</a:t>
             </a:r>
             <a:r>
               <a:rPr lang="zh-CN" altLang="en-US" sz="2000" dirty="0"/>
@@ -9062,21 +9092,7 @@
             </a:r>
             <a:r>
               <a:rPr lang="zh-CN" altLang="en-US" sz="2000" dirty="0"/>
-              <a:t>这个黑洞文件。</a:t>
-            </a:r>
-            <a:endParaRPr lang="en-US" altLang="zh-CN" sz="2000" dirty="0"/>
-          </a:p>
-          <a:p>
-            <a:pPr marL="0" indent="0">
-              <a:buNone/>
-            </a:pPr>
-            <a:r>
-              <a:rPr lang="en-US" altLang="zh-CN" sz="2000" dirty="0"/>
-              <a:t>    </a:t>
-            </a:r>
-            <a:r>
-              <a:rPr lang="zh-CN" altLang="en-US" sz="2000" dirty="0"/>
-              <a:t>这个命令如果不加</a:t>
+              <a:t>这个黑洞文件。这个命令如果不加</a:t>
             </a:r>
             <a:r>
               <a:rPr lang="en-US" altLang="zh-CN" sz="2000" dirty="0" err="1"/>
@@ -9092,25 +9108,11 @@
             </a:r>
             <a:r>
               <a:rPr lang="zh-CN" altLang="en-US" sz="2000" dirty="0"/>
-              <a:t>的错误提示，也会有正常输出项。如</a:t>
-            </a:r>
-            <a:endParaRPr lang="en-US" altLang="zh-CN" sz="2000" dirty="0"/>
-          </a:p>
-          <a:p>
-            <a:pPr marL="0" indent="0">
-              <a:buNone/>
-            </a:pPr>
-            <a:r>
-              <a:rPr lang="en-US" altLang="zh-CN" sz="2000" dirty="0"/>
-              <a:t>    </a:t>
-            </a:r>
-            <a:r>
-              <a:rPr lang="zh-CN" altLang="en-US" sz="2000" dirty="0"/>
-              <a:t>果只把标准输出重定向到</a:t>
-            </a:r>
-            <a:r>
-              <a:rPr lang="en-US" altLang="zh-CN" sz="2000" dirty="0"/>
-              <a:t>output</a:t>
+              <a:t>的错误提示，也会有正常输出项。如果只把标准输出重定向到</a:t>
+            </a:r>
+            <a:r>
+              <a:rPr lang="en-US" altLang="zh-CN" sz="2000" dirty="0" err="1"/>
+              <a:t>find_tmp</a:t>
             </a:r>
             <a:r>
               <a:rPr lang="zh-CN" altLang="en-US" sz="2000" dirty="0"/>
@@ -9124,55 +9126,97 @@
               <a:rPr lang="zh-CN" altLang="en-US" sz="2000" dirty="0"/>
               <a:t>还是会输出错误提示。</a:t>
             </a:r>
-            <a:endParaRPr lang="en-US" altLang="zh-CN" sz="2000" dirty="0"/>
-          </a:p>
-          <a:p>
-            <a:pPr marL="0" indent="0">
+            <a:endParaRPr lang="en-US" altLang="zh-CN" sz="2400" dirty="0"/>
+          </a:p>
+          <a:p>
+            <a:r>
+              <a:rPr lang="en-US" altLang="zh-CN" sz="2400" dirty="0"/>
+              <a:t>find /</a:t>
+            </a:r>
+            <a:r>
+              <a:rPr lang="en-US" altLang="zh-CN" sz="2400" dirty="0" err="1"/>
+              <a:t>usr</a:t>
+            </a:r>
+            <a:r>
+              <a:rPr lang="en-US" altLang="zh-CN" sz="2400" dirty="0"/>
+              <a:t> -</a:t>
+            </a:r>
+            <a:r>
+              <a:rPr lang="en-US" altLang="zh-CN" sz="2400" dirty="0" err="1"/>
+              <a:t>iname</a:t>
+            </a:r>
+            <a:r>
+              <a:rPr lang="en-US" altLang="zh-CN" sz="2400" dirty="0"/>
+              <a:t> </a:t>
+            </a:r>
+            <a:r>
+              <a:rPr lang="en-US" altLang="zh-CN" sz="2400" dirty="0" err="1"/>
+              <a:t>gcc</a:t>
+            </a:r>
+            <a:r>
+              <a:rPr lang="en-US" altLang="zh-CN" sz="2400" dirty="0"/>
+              <a:t> &amp;&gt; </a:t>
+            </a:r>
+            <a:r>
+              <a:rPr lang="en-US" altLang="zh-CN" sz="2400" dirty="0" err="1"/>
+              <a:t>find_tmp</a:t>
+            </a:r>
+            <a:r>
+              <a:rPr lang="en-US" altLang="zh-CN" sz="2400" dirty="0"/>
+              <a:t> </a:t>
+            </a:r>
+            <a:r>
+              <a:rPr lang="zh-CN" altLang="en-US" sz="2400" dirty="0"/>
+              <a:t>或 </a:t>
+            </a:r>
+            <a:r>
+              <a:rPr lang="en-US" altLang="zh-CN" sz="2400" dirty="0"/>
+              <a:t>find /</a:t>
+            </a:r>
+            <a:r>
+              <a:rPr lang="en-US" altLang="zh-CN" sz="2400" dirty="0" err="1"/>
+              <a:t>usr</a:t>
+            </a:r>
+            <a:r>
+              <a:rPr lang="en-US" altLang="zh-CN" sz="2400" dirty="0"/>
+              <a:t> -</a:t>
+            </a:r>
+            <a:r>
+              <a:rPr lang="en-US" altLang="zh-CN" sz="2400" dirty="0" err="1"/>
+              <a:t>iname</a:t>
+            </a:r>
+            <a:r>
+              <a:rPr lang="en-US" altLang="zh-CN" sz="2400" dirty="0"/>
+              <a:t> </a:t>
+            </a:r>
+            <a:r>
+              <a:rPr lang="en-US" altLang="zh-CN" sz="2400" dirty="0" err="1"/>
+              <a:t>gcc</a:t>
+            </a:r>
+            <a:r>
+              <a:rPr lang="en-US" altLang="zh-CN" sz="2400" dirty="0"/>
+              <a:t>* &gt;&amp; </a:t>
+            </a:r>
+            <a:r>
+              <a:rPr lang="en-US" altLang="zh-CN" sz="2400" dirty="0" err="1"/>
+              <a:t>find_tmp</a:t>
+            </a:r>
+            <a:r>
+              <a:rPr lang="en-US" altLang="zh-CN" sz="2400" dirty="0"/>
+              <a:t> </a:t>
+            </a:r>
+          </a:p>
+          <a:p>
+            <a:pPr marL="457200" lvl="1" indent="0">
               <a:buNone/>
             </a:pPr>
-            <a:endParaRPr lang="en-US" altLang="zh-CN" sz="2000" dirty="0"/>
-          </a:p>
-          <a:p>
-            <a:r>
-              <a:rPr lang="en-US" altLang="zh-CN" sz="2000" dirty="0"/>
-              <a:t>find / -name </a:t>
+            <a:r>
+              <a:rPr lang="zh-CN" altLang="en-US" sz="2000" dirty="0"/>
+              <a:t>标准输出和标准错误同时输出到</a:t>
             </a:r>
             <a:r>
               <a:rPr lang="en-US" altLang="zh-CN" sz="2000" dirty="0" err="1"/>
-              <a:t>gcc</a:t>
-            </a:r>
-            <a:r>
-              <a:rPr lang="en-US" altLang="zh-CN" sz="2000" dirty="0"/>
-              <a:t> &amp;&gt; output </a:t>
-            </a:r>
-            <a:r>
-              <a:rPr lang="zh-CN" altLang="en-US" sz="2000" dirty="0"/>
-              <a:t>或 </a:t>
-            </a:r>
-            <a:r>
-              <a:rPr lang="en-US" altLang="zh-CN" sz="2000" dirty="0"/>
-              <a:t>find / -name </a:t>
-            </a:r>
-            <a:r>
-              <a:rPr lang="en-US" altLang="zh-CN" sz="2000" dirty="0" err="1"/>
-              <a:t>gcc</a:t>
-            </a:r>
-            <a:r>
-              <a:rPr lang="en-US" altLang="zh-CN" sz="2000" dirty="0"/>
-              <a:t> &gt;&amp; output </a:t>
-            </a:r>
-          </a:p>
-          <a:p>
-            <a:pPr marL="0" indent="0">
-              <a:buNone/>
-            </a:pPr>
-            <a:r>
-              <a:rPr lang="zh-CN" altLang="en-US" sz="2000" dirty="0"/>
-              <a:t>    标准输出和标准错误同时输出到</a:t>
-            </a:r>
-            <a:r>
-              <a:rPr lang="en-US" altLang="zh-CN" sz="2000" dirty="0"/>
-              <a:t>output</a:t>
+              <a:t>find_tmp</a:t>
             </a:r>
             <a:r>
               <a:rPr lang="zh-CN" altLang="en-US" sz="2000" dirty="0"/>
@@ -9184,66 +9228,66 @@
             <a:pPr marL="0" indent="0">
               <a:buNone/>
             </a:pPr>
-            <a:endParaRPr lang="en-US" altLang="zh-CN" sz="2000" dirty="0"/>
-          </a:p>
-          <a:p>
-            <a:r>
-              <a:rPr lang="en-US" altLang="zh-CN" sz="2000" dirty="0"/>
+            <a:endParaRPr lang="en-US" altLang="zh-CN" sz="2400" dirty="0"/>
+          </a:p>
+          <a:p>
+            <a:r>
+              <a:rPr lang="en-US" altLang="zh-CN" sz="2400" dirty="0"/>
               <a:t>1&gt; </a:t>
             </a:r>
             <a:r>
-              <a:rPr lang="zh-CN" altLang="en-US" sz="2000" dirty="0"/>
+              <a:rPr lang="zh-CN" altLang="en-US" sz="2400" dirty="0"/>
               <a:t>等同于</a:t>
             </a:r>
             <a:r>
-              <a:rPr lang="en-US" altLang="zh-CN" sz="2000" dirty="0"/>
+              <a:rPr lang="en-US" altLang="zh-CN" sz="2400" dirty="0"/>
               <a:t>&gt; </a:t>
             </a:r>
             <a:r>
-              <a:rPr lang="zh-CN" altLang="en-US" sz="2000" dirty="0"/>
+              <a:rPr lang="zh-CN" altLang="en-US" sz="2400" dirty="0"/>
               <a:t>，</a:t>
             </a:r>
             <a:r>
-              <a:rPr lang="en-US" altLang="zh-CN" sz="2000" dirty="0"/>
+              <a:rPr lang="en-US" altLang="zh-CN" sz="2400" dirty="0"/>
               <a:t>0&lt; </a:t>
             </a:r>
             <a:r>
-              <a:rPr lang="zh-CN" altLang="en-US" sz="2000" dirty="0"/>
+              <a:rPr lang="zh-CN" altLang="en-US" sz="2400" dirty="0"/>
               <a:t>等同于</a:t>
             </a:r>
             <a:r>
-              <a:rPr lang="en-US" altLang="zh-CN" sz="2000" dirty="0"/>
+              <a:rPr lang="en-US" altLang="zh-CN" sz="2400" dirty="0"/>
               <a:t>&lt;</a:t>
             </a:r>
             <a:r>
-              <a:rPr lang="zh-CN" altLang="en-US" sz="2000" dirty="0"/>
+              <a:rPr lang="zh-CN" altLang="en-US" sz="2400" dirty="0"/>
               <a:t>，即前导的</a:t>
             </a:r>
             <a:r>
-              <a:rPr lang="en-US" altLang="zh-CN" sz="2000" dirty="0"/>
+              <a:rPr lang="en-US" altLang="zh-CN" sz="2400" dirty="0"/>
               <a:t>0</a:t>
             </a:r>
             <a:r>
-              <a:rPr lang="zh-CN" altLang="en-US" sz="2000" dirty="0"/>
+              <a:rPr lang="zh-CN" altLang="en-US" sz="2400" dirty="0"/>
               <a:t>和</a:t>
             </a:r>
             <a:r>
-              <a:rPr lang="en-US" altLang="zh-CN" sz="2000" dirty="0"/>
+              <a:rPr lang="en-US" altLang="zh-CN" sz="2400" dirty="0"/>
               <a:t>1</a:t>
             </a:r>
             <a:r>
-              <a:rPr lang="zh-CN" altLang="en-US" sz="2000" dirty="0"/>
+              <a:rPr lang="zh-CN" altLang="en-US" sz="2400" dirty="0"/>
               <a:t>可以省略；如果不省略，数字和重定向符号之间没有空格，前导</a:t>
             </a:r>
             <a:r>
-              <a:rPr lang="en-US" altLang="zh-CN" sz="2000" dirty="0"/>
+              <a:rPr lang="en-US" altLang="zh-CN" sz="2400" dirty="0"/>
               <a:t>2</a:t>
             </a:r>
             <a:r>
-              <a:rPr lang="zh-CN" altLang="en-US" sz="2000" dirty="0"/>
+              <a:rPr lang="zh-CN" altLang="en-US" sz="2400" dirty="0"/>
               <a:t>不可以省略。</a:t>
             </a:r>
-            <a:endParaRPr lang="en-US" altLang="zh-CN" sz="2000" dirty="0"/>
+            <a:endParaRPr lang="en-US" altLang="zh-CN" sz="2400" dirty="0"/>
           </a:p>
         </p:txBody>
       </p:sp>
@@ -9323,77 +9367,99 @@
         </p:nvSpPr>
         <p:spPr/>
         <p:txBody>
-          <a:bodyPr/>
-          <a:lstStyle/>
-          <a:p>
-            <a:r>
-              <a:rPr lang="zh-CN" altLang="en-US" sz="2000" dirty="0"/>
+          <a:bodyPr>
+            <a:normAutofit/>
+          </a:bodyPr>
+          <a:lstStyle/>
+          <a:p>
+            <a:r>
+              <a:rPr lang="zh-CN" altLang="en-US" sz="2400" dirty="0"/>
               <a:t>把一条命令的</a:t>
             </a:r>
             <a:r>
-              <a:rPr lang="en-US" altLang="zh-CN" sz="2000" dirty="0"/>
+              <a:rPr lang="en-US" altLang="zh-CN" sz="2400" dirty="0"/>
               <a:t>STDOUT</a:t>
             </a:r>
             <a:r>
-              <a:rPr lang="zh-CN" altLang="en-US" sz="2000" dirty="0"/>
+              <a:rPr lang="zh-CN" altLang="en-US" sz="2400" dirty="0"/>
               <a:t>连接到另一条命令的</a:t>
             </a:r>
             <a:r>
-              <a:rPr lang="en-US" altLang="zh-CN" sz="2000" dirty="0"/>
+              <a:rPr lang="en-US" altLang="zh-CN" sz="2400" dirty="0"/>
               <a:t>STDIN</a:t>
             </a:r>
             <a:r>
-              <a:rPr lang="zh-CN" altLang="en-US" sz="2000" dirty="0"/>
+              <a:rPr lang="zh-CN" altLang="en-US" sz="2400" dirty="0"/>
               <a:t>上，可以用 </a:t>
             </a:r>
             <a:r>
-              <a:rPr lang="en-US" altLang="zh-CN" sz="2000" dirty="0"/>
+              <a:rPr lang="en-US" altLang="zh-CN" sz="2400" dirty="0"/>
               <a:t>| </a:t>
             </a:r>
             <a:r>
-              <a:rPr lang="zh-CN" altLang="en-US" sz="2000" dirty="0"/>
-              <a:t>这个符号，它叫做管道。</a:t>
-            </a:r>
-            <a:endParaRPr lang="en-US" altLang="zh-CN" sz="2000" dirty="0"/>
-          </a:p>
-          <a:p>
-            <a:endParaRPr lang="en-US" altLang="zh-CN" sz="2000" dirty="0"/>
-          </a:p>
-          <a:p>
-            <a:r>
-              <a:rPr lang="en-US" altLang="zh-CN" sz="2000" dirty="0"/>
+              <a:rPr lang="zh-CN" altLang="en-US" sz="2400" dirty="0"/>
+              <a:t>这个符号，在</a:t>
+            </a:r>
+            <a:r>
+              <a:rPr lang="en-US" altLang="zh-CN" sz="2400" dirty="0"/>
               <a:t>shell</a:t>
             </a:r>
             <a:r>
-              <a:rPr lang="zh-CN" altLang="en-US" sz="2000" dirty="0"/>
+              <a:rPr lang="zh-CN" altLang="en-US" sz="2400" dirty="0"/>
+              <a:t>中表示管道。</a:t>
+            </a:r>
+            <a:endParaRPr lang="en-US" altLang="zh-CN" sz="2400" dirty="0"/>
+          </a:p>
+          <a:p>
+            <a:endParaRPr lang="en-US" altLang="zh-CN" sz="2400" dirty="0"/>
+          </a:p>
+          <a:p>
+            <a:r>
+              <a:rPr lang="en-US" altLang="zh-CN" sz="2400" dirty="0"/>
+              <a:t>shell</a:t>
+            </a:r>
+            <a:r>
+              <a:rPr lang="zh-CN" altLang="en-US" sz="2400" dirty="0"/>
               <a:t>在解释命令遇到 </a:t>
             </a:r>
             <a:r>
-              <a:rPr lang="en-US" altLang="zh-CN" sz="2000" dirty="0"/>
+              <a:rPr lang="en-US" altLang="zh-CN" sz="2400" dirty="0"/>
               <a:t>| </a:t>
             </a:r>
             <a:r>
-              <a:rPr lang="zh-CN" altLang="en-US" sz="2000" dirty="0"/>
-              <a:t>时会创建管道，并创建两个进程，把标准输入输出重定向到管道，前一个进程向管道写数据，后一个进程从管道读数据。</a:t>
-            </a:r>
-            <a:endParaRPr lang="en-US" altLang="zh-CN" sz="2000" dirty="0"/>
-          </a:p>
-          <a:p>
-            <a:endParaRPr lang="en-US" altLang="zh-CN" sz="2000" dirty="0"/>
-          </a:p>
-          <a:p>
-            <a:r>
-              <a:rPr lang="zh-CN" altLang="zh-CN" sz="2000" dirty="0"/>
+              <a:rPr lang="zh-CN" altLang="en-US" sz="2400" dirty="0"/>
+              <a:t>时会创建管道，</a:t>
+            </a:r>
+            <a:r>
+              <a:rPr lang="zh-CN" altLang="en-US" sz="2400" dirty="0">
+                <a:solidFill>
+                  <a:srgbClr val="C00000"/>
+                </a:solidFill>
+              </a:rPr>
+              <a:t>并创建两个进程</a:t>
+            </a:r>
+            <a:r>
+              <a:rPr lang="zh-CN" altLang="en-US" sz="2400" dirty="0"/>
+              <a:t>，把标准输入输出重定向到管道，前一个进程向管道写数据，后一个进程从管道读数据。</a:t>
+            </a:r>
+            <a:endParaRPr lang="en-US" altLang="zh-CN" sz="2400" dirty="0"/>
+          </a:p>
+          <a:p>
+            <a:endParaRPr lang="en-US" altLang="zh-CN" sz="2400" dirty="0"/>
+          </a:p>
+          <a:p>
+            <a:r>
+              <a:rPr lang="zh-CN" altLang="zh-CN" sz="2400" dirty="0"/>
               <a:t>在管道中只有标准输出才传递给下一个命令 标准错误输出直接输出到终端</a:t>
             </a:r>
             <a:r>
-              <a:rPr lang="zh-CN" altLang="en-US" sz="2000" dirty="0"/>
+              <a:rPr lang="zh-CN" altLang="en-US" sz="2400" dirty="0"/>
               <a:t>。</a:t>
             </a:r>
-            <a:endParaRPr lang="en-US" altLang="zh-CN" sz="2000" dirty="0"/>
-          </a:p>
-          <a:p>
-            <a:endParaRPr lang="en-US" altLang="zh-CN" sz="2000" dirty="0"/>
+            <a:endParaRPr lang="en-US" altLang="zh-CN" sz="2400" dirty="0"/>
+          </a:p>
+          <a:p>
+            <a:endParaRPr lang="en-US" altLang="zh-CN" sz="2400" dirty="0"/>
           </a:p>
         </p:txBody>
       </p:sp>
@@ -9477,151 +9543,189 @@
           <a:lstStyle/>
           <a:p>
             <a:r>
-              <a:rPr lang="zh-CN" altLang="en-US" sz="1800" dirty="0"/>
+              <a:rPr lang="zh-CN" altLang="en-US" sz="2400" dirty="0"/>
               <a:t>查找名称含有</a:t>
             </a:r>
             <a:r>
-              <a:rPr lang="en-US" altLang="zh-CN" sz="1800" dirty="0" err="1"/>
+              <a:rPr lang="en-US" altLang="zh-CN" sz="2400" dirty="0" err="1"/>
               <a:t>gcc</a:t>
             </a:r>
             <a:r>
-              <a:rPr lang="zh-CN" altLang="en-US" sz="1800" dirty="0"/>
+              <a:rPr lang="zh-CN" altLang="en-US" sz="2400" dirty="0"/>
               <a:t>的文件并使用</a:t>
             </a:r>
             <a:r>
-              <a:rPr lang="en-US" altLang="zh-CN" sz="1800" dirty="0" err="1"/>
+              <a:rPr lang="en-US" altLang="zh-CN" sz="2400" dirty="0" err="1"/>
               <a:t>wc</a:t>
             </a:r>
             <a:r>
-              <a:rPr lang="zh-CN" altLang="en-US" sz="1800" dirty="0"/>
+              <a:rPr lang="zh-CN" altLang="en-US" sz="2400" dirty="0"/>
               <a:t>计数</a:t>
             </a:r>
-            <a:endParaRPr lang="en-US" altLang="zh-CN" sz="1800" dirty="0"/>
+            <a:endParaRPr lang="en-US" altLang="zh-CN" sz="2400" dirty="0"/>
           </a:p>
           <a:p>
             <a:pPr marL="457200" lvl="1" indent="0">
               <a:buNone/>
             </a:pPr>
             <a:r>
-              <a:rPr lang="en-US" altLang="zh-CN" sz="1800" dirty="0" err="1"/>
+              <a:rPr lang="en-US" altLang="zh-CN" dirty="0" err="1"/>
               <a:t>sudo</a:t>
             </a:r>
             <a:r>
+              <a:rPr lang="en-US" altLang="zh-CN" dirty="0"/>
+              <a:t> find / -name </a:t>
+            </a:r>
+            <a:r>
+              <a:rPr lang="en-US" altLang="zh-CN" dirty="0" err="1"/>
+              <a:t>gcc</a:t>
+            </a:r>
+            <a:r>
+              <a:rPr lang="en-US" altLang="zh-CN" dirty="0"/>
+              <a:t> | </a:t>
+            </a:r>
+            <a:r>
+              <a:rPr lang="en-US" altLang="zh-CN" dirty="0" err="1"/>
+              <a:t>wc</a:t>
+            </a:r>
+            <a:r>
+              <a:rPr lang="en-US" altLang="zh-CN" dirty="0"/>
+              <a:t> –l </a:t>
+            </a:r>
+          </a:p>
+          <a:p>
+            <a:r>
+              <a:rPr lang="zh-CN" altLang="en-US" sz="2400" dirty="0"/>
+              <a:t>查找名称含有</a:t>
+            </a:r>
+            <a:r>
+              <a:rPr lang="en-US" altLang="zh-CN" sz="2400" dirty="0" err="1"/>
+              <a:t>ssh</a:t>
+            </a:r>
+            <a:r>
+              <a:rPr lang="zh-CN" altLang="en-US" sz="2400" dirty="0"/>
+              <a:t>的进程</a:t>
+            </a:r>
+            <a:endParaRPr lang="en-US" altLang="zh-CN" sz="2400" dirty="0"/>
+          </a:p>
+          <a:p>
+            <a:pPr marL="457200" lvl="1" indent="0">
+              <a:buNone/>
+            </a:pPr>
+            <a:r>
+              <a:rPr lang="en-US" altLang="zh-CN" dirty="0" err="1"/>
+              <a:t>ps</a:t>
+            </a:r>
+            <a:r>
+              <a:rPr lang="en-US" altLang="zh-CN" dirty="0"/>
+              <a:t> -</a:t>
+            </a:r>
+            <a:r>
+              <a:rPr lang="en-US" altLang="zh-CN" dirty="0" err="1"/>
+              <a:t>ef</a:t>
+            </a:r>
+            <a:r>
+              <a:rPr lang="en-US" altLang="zh-CN" dirty="0"/>
+              <a:t> | grep </a:t>
+            </a:r>
+            <a:r>
+              <a:rPr lang="en-US" altLang="zh-CN" dirty="0" err="1"/>
+              <a:t>ssh</a:t>
+            </a:r>
+            <a:endParaRPr lang="en-US" altLang="zh-CN" dirty="0"/>
+          </a:p>
+          <a:p>
+            <a:r>
+              <a:rPr lang="zh-CN" altLang="en-US" sz="2400" dirty="0"/>
+              <a:t>分页查看内容</a:t>
+            </a:r>
+            <a:endParaRPr lang="en-US" altLang="zh-CN" sz="2400" dirty="0"/>
+          </a:p>
+          <a:p>
+            <a:pPr marL="457200" lvl="1" indent="0">
+              <a:buNone/>
+            </a:pPr>
+            <a:r>
+              <a:rPr lang="en-US" altLang="zh-CN" dirty="0"/>
+              <a:t>ls –l –R /</a:t>
+            </a:r>
+            <a:r>
+              <a:rPr lang="en-US" altLang="zh-CN" dirty="0" err="1"/>
+              <a:t>usr</a:t>
+            </a:r>
+            <a:r>
+              <a:rPr lang="en-US" altLang="zh-CN" dirty="0"/>
+              <a:t>/share | less</a:t>
+            </a:r>
+          </a:p>
+          <a:p>
+            <a:r>
+              <a:rPr lang="zh-CN" altLang="en-US" sz="2400" dirty="0"/>
+              <a:t>排序文件</a:t>
+            </a:r>
+            <a:endParaRPr lang="en-US" altLang="zh-CN" sz="2400" dirty="0"/>
+          </a:p>
+          <a:p>
+            <a:pPr marL="457200" lvl="1" indent="0">
+              <a:buNone/>
+            </a:pPr>
+            <a:r>
+              <a:rPr lang="en-US" altLang="zh-CN" dirty="0"/>
+              <a:t>ls | sort –r</a:t>
+            </a:r>
+          </a:p>
+          <a:p>
+            <a:r>
+              <a:rPr lang="zh-CN" altLang="en-US" sz="2400" dirty="0"/>
+              <a:t>分页查看帮助文档</a:t>
+            </a:r>
+            <a:r>
+              <a:rPr lang="en-US" altLang="zh-CN" sz="2400" dirty="0"/>
+              <a:t>/</a:t>
+            </a:r>
+            <a:r>
+              <a:rPr lang="zh-CN" altLang="en-US" sz="2400" dirty="0"/>
+              <a:t>文件</a:t>
+            </a:r>
+            <a:endParaRPr lang="en-US" altLang="zh-CN" sz="2400" dirty="0"/>
+          </a:p>
+          <a:p>
+            <a:pPr marL="457200" lvl="1" indent="0">
+              <a:buNone/>
+            </a:pPr>
+            <a:r>
+              <a:rPr lang="en-US" altLang="zh-CN" dirty="0"/>
+              <a:t>help test | less</a:t>
+            </a:r>
+          </a:p>
+          <a:p>
+            <a:pPr marL="457200" lvl="1" indent="0">
+              <a:buNone/>
+            </a:pPr>
+            <a:r>
+              <a:rPr lang="en-US" altLang="zh-CN" dirty="0"/>
+              <a:t>cat /</a:t>
+            </a:r>
+            <a:r>
+              <a:rPr lang="en-US" altLang="zh-CN" dirty="0" err="1"/>
+              <a:t>etc</a:t>
+            </a:r>
+            <a:r>
+              <a:rPr lang="en-US" altLang="zh-CN" dirty="0"/>
+              <a:t>/</a:t>
+            </a:r>
+            <a:r>
+              <a:rPr lang="en-US" altLang="zh-CN" dirty="0" err="1"/>
+              <a:t>passwd</a:t>
+            </a:r>
+            <a:r>
+              <a:rPr lang="en-US" altLang="zh-CN" dirty="0"/>
+              <a:t> | les</a:t>
+            </a:r>
+            <a:r>
               <a:rPr lang="en-US" altLang="zh-CN" sz="1800" dirty="0"/>
-              <a:t> find / -name </a:t>
-            </a:r>
-            <a:r>
-              <a:rPr lang="en-US" altLang="zh-CN" sz="1800" dirty="0" err="1"/>
-              <a:t>gcc</a:t>
-            </a:r>
-            <a:r>
-              <a:rPr lang="en-US" altLang="zh-CN" sz="1800" dirty="0"/>
-              <a:t> | </a:t>
-            </a:r>
-            <a:r>
-              <a:rPr lang="en-US" altLang="zh-CN" sz="1800" dirty="0" err="1"/>
-              <a:t>wc</a:t>
-            </a:r>
-            <a:r>
-              <a:rPr lang="en-US" altLang="zh-CN" sz="1800" dirty="0"/>
-              <a:t> –l </a:t>
-            </a:r>
-          </a:p>
-          <a:p>
-            <a:pPr lvl="1"/>
-            <a:endParaRPr lang="en-US" altLang="zh-CN" sz="1800" dirty="0"/>
-          </a:p>
-          <a:p>
-            <a:r>
-              <a:rPr lang="zh-CN" altLang="en-US" sz="2000" dirty="0"/>
-              <a:t>查找名称含有</a:t>
-            </a:r>
-            <a:r>
-              <a:rPr lang="en-US" altLang="zh-CN" sz="2000" dirty="0" err="1"/>
-              <a:t>ssh</a:t>
-            </a:r>
-            <a:r>
-              <a:rPr lang="zh-CN" altLang="en-US" sz="2000" dirty="0"/>
-              <a:t>的进程</a:t>
-            </a:r>
-            <a:endParaRPr lang="en-US" altLang="zh-CN" sz="2000" dirty="0"/>
-          </a:p>
-          <a:p>
-            <a:pPr marL="457200" lvl="1" indent="0">
-              <a:buNone/>
-            </a:pPr>
-            <a:r>
-              <a:rPr lang="en-US" altLang="zh-CN" sz="1800" dirty="0" err="1"/>
-              <a:t>ps</a:t>
-            </a:r>
-            <a:r>
-              <a:rPr lang="en-US" altLang="zh-CN" sz="1800" dirty="0"/>
-              <a:t> -</a:t>
-            </a:r>
-            <a:r>
-              <a:rPr lang="en-US" altLang="zh-CN" sz="1800" dirty="0" err="1"/>
-              <a:t>ef</a:t>
-            </a:r>
-            <a:r>
-              <a:rPr lang="en-US" altLang="zh-CN" sz="1800" dirty="0"/>
-              <a:t> | grep </a:t>
-            </a:r>
-            <a:r>
-              <a:rPr lang="en-US" altLang="zh-CN" sz="1800" dirty="0" err="1"/>
-              <a:t>ssh</a:t>
-            </a:r>
-            <a:endParaRPr lang="en-US" altLang="zh-CN" sz="1800" dirty="0"/>
-          </a:p>
-          <a:p>
-            <a:pPr lvl="1"/>
-            <a:endParaRPr lang="en-US" altLang="zh-CN" sz="1800" dirty="0"/>
-          </a:p>
-          <a:p>
-            <a:r>
-              <a:rPr lang="zh-CN" altLang="en-US" sz="2000" dirty="0"/>
-              <a:t>分页查看内容</a:t>
-            </a:r>
-            <a:endParaRPr lang="en-US" altLang="zh-CN" sz="2000" dirty="0"/>
-          </a:p>
-          <a:p>
-            <a:pPr marL="457200" lvl="1" indent="0">
-              <a:buNone/>
-            </a:pPr>
-            <a:r>
-              <a:rPr lang="en-US" altLang="zh-CN" sz="1800" dirty="0"/>
-              <a:t>ls –l –R /</a:t>
-            </a:r>
-            <a:r>
-              <a:rPr lang="en-US" altLang="zh-CN" sz="1800" dirty="0" err="1"/>
-              <a:t>usr</a:t>
-            </a:r>
-            <a:r>
-              <a:rPr lang="en-US" altLang="zh-CN" sz="1800" dirty="0"/>
-              <a:t>/share | less</a:t>
-            </a:r>
-          </a:p>
-          <a:p>
-            <a:pPr lvl="1"/>
-            <a:endParaRPr lang="en-US" altLang="zh-CN" sz="1800" dirty="0"/>
-          </a:p>
-          <a:p>
-            <a:r>
-              <a:rPr lang="zh-CN" altLang="en-US" sz="2000" dirty="0"/>
-              <a:t>排序文件</a:t>
-            </a:r>
-            <a:endParaRPr lang="en-US" altLang="zh-CN" sz="2000" dirty="0"/>
-          </a:p>
-          <a:p>
-            <a:pPr marL="457200" lvl="1" indent="0">
-              <a:buNone/>
-            </a:pPr>
-            <a:r>
-              <a:rPr lang="en-US" altLang="zh-CN" sz="1800" dirty="0"/>
-              <a:t>ls | sort –r</a:t>
-            </a:r>
-          </a:p>
-          <a:p>
-            <a:endParaRPr lang="en-US" altLang="zh-CN" sz="2000" dirty="0"/>
+              <a:t>s</a:t>
+            </a:r>
           </a:p>
         </p:txBody>
       </p:sp>

--- a/materials/slides/ch04-io-redrection-and-pipe.pptx
+++ b/materials/slides/ch04-io-redrection-and-pipe.pptx
@@ -9,11 +9,14 @@
     <p:sldId id="260" r:id="rId3"/>
     <p:sldId id="271" r:id="rId4"/>
     <p:sldId id="265" r:id="rId5"/>
-    <p:sldId id="272" r:id="rId6"/>
-    <p:sldId id="273" r:id="rId7"/>
-    <p:sldId id="274" r:id="rId8"/>
-    <p:sldId id="268" r:id="rId9"/>
-    <p:sldId id="270" r:id="rId10"/>
+    <p:sldId id="273" r:id="rId6"/>
+    <p:sldId id="275" r:id="rId7"/>
+    <p:sldId id="276" r:id="rId8"/>
+    <p:sldId id="272" r:id="rId9"/>
+    <p:sldId id="274" r:id="rId10"/>
+    <p:sldId id="268" r:id="rId11"/>
+    <p:sldId id="270" r:id="rId12"/>
+    <p:sldId id="277" r:id="rId13"/>
   </p:sldIdLst>
   <p:sldSz cx="12192000" cy="6858000"/>
   <p:notesSz cx="6858000" cy="9144000"/>
@@ -286,7 +289,7 @@
           <a:p>
             <a:fld id="{02E60DA2-A0BC-48C9-AA88-75C78721B420}" type="datetimeFigureOut">
               <a:rPr lang="zh-CN" altLang="en-US" smtClean="0"/>
-              <a:t>2018/3/25</a:t>
+              <a:t>2018/3/26</a:t>
             </a:fld>
             <a:endParaRPr lang="zh-CN" altLang="en-US"/>
           </a:p>
@@ -508,7 +511,7 @@
           <a:p>
             <a:fld id="{02E60DA2-A0BC-48C9-AA88-75C78721B420}" type="datetimeFigureOut">
               <a:rPr lang="zh-CN" altLang="en-US" smtClean="0"/>
-              <a:t>2018/3/25</a:t>
+              <a:t>2018/3/26</a:t>
             </a:fld>
             <a:endParaRPr lang="zh-CN" altLang="en-US"/>
           </a:p>
@@ -740,7 +743,7 @@
           <a:p>
             <a:fld id="{02E60DA2-A0BC-48C9-AA88-75C78721B420}" type="datetimeFigureOut">
               <a:rPr lang="zh-CN" altLang="en-US" smtClean="0"/>
-              <a:t>2018/3/25</a:t>
+              <a:t>2018/3/26</a:t>
             </a:fld>
             <a:endParaRPr lang="zh-CN" altLang="en-US"/>
           </a:p>
@@ -990,7 +993,7 @@
           <a:p>
             <a:fld id="{02E60DA2-A0BC-48C9-AA88-75C78721B420}" type="datetimeFigureOut">
               <a:rPr lang="zh-CN" altLang="en-US" smtClean="0"/>
-              <a:t>2018/3/25</a:t>
+              <a:t>2018/3/26</a:t>
             </a:fld>
             <a:endParaRPr lang="zh-CN" altLang="en-US"/>
           </a:p>
@@ -1228,7 +1231,7 @@
           <a:p>
             <a:fld id="{02E60DA2-A0BC-48C9-AA88-75C78721B420}" type="datetimeFigureOut">
               <a:rPr lang="zh-CN" altLang="en-US" smtClean="0"/>
-              <a:t>2018/3/25</a:t>
+              <a:t>2018/3/26</a:t>
             </a:fld>
             <a:endParaRPr lang="zh-CN" altLang="en-US"/>
           </a:p>
@@ -1533,7 +1536,7 @@
           <a:p>
             <a:fld id="{02E60DA2-A0BC-48C9-AA88-75C78721B420}" type="datetimeFigureOut">
               <a:rPr lang="zh-CN" altLang="en-US" smtClean="0"/>
-              <a:t>2018/3/25</a:t>
+              <a:t>2018/3/26</a:t>
             </a:fld>
             <a:endParaRPr lang="zh-CN" altLang="en-US"/>
           </a:p>
@@ -1836,7 +1839,7 @@
           <a:p>
             <a:fld id="{02E60DA2-A0BC-48C9-AA88-75C78721B420}" type="datetimeFigureOut">
               <a:rPr lang="zh-CN" altLang="en-US" smtClean="0"/>
-              <a:t>2018/3/25</a:t>
+              <a:t>2018/3/26</a:t>
             </a:fld>
             <a:endParaRPr lang="zh-CN" altLang="en-US"/>
           </a:p>
@@ -2287,7 +2290,7 @@
           <a:p>
             <a:fld id="{02E60DA2-A0BC-48C9-AA88-75C78721B420}" type="datetimeFigureOut">
               <a:rPr lang="zh-CN" altLang="en-US" smtClean="0"/>
-              <a:t>2018/3/25</a:t>
+              <a:t>2018/3/26</a:t>
             </a:fld>
             <a:endParaRPr lang="zh-CN" altLang="en-US"/>
           </a:p>
@@ -2460,7 +2463,7 @@
           <a:p>
             <a:fld id="{02E60DA2-A0BC-48C9-AA88-75C78721B420}" type="datetimeFigureOut">
               <a:rPr lang="zh-CN" altLang="en-US" smtClean="0"/>
-              <a:t>2018/3/25</a:t>
+              <a:t>2018/3/26</a:t>
             </a:fld>
             <a:endParaRPr lang="zh-CN" altLang="en-US"/>
           </a:p>
@@ -2597,7 +2600,7 @@
           <a:p>
             <a:fld id="{02E60DA2-A0BC-48C9-AA88-75C78721B420}" type="datetimeFigureOut">
               <a:rPr lang="zh-CN" altLang="en-US" smtClean="0"/>
-              <a:t>2018/3/25</a:t>
+              <a:t>2018/3/26</a:t>
             </a:fld>
             <a:endParaRPr lang="zh-CN" altLang="en-US"/>
           </a:p>
@@ -2941,7 +2944,7 @@
           <a:p>
             <a:fld id="{02E60DA2-A0BC-48C9-AA88-75C78721B420}" type="datetimeFigureOut">
               <a:rPr lang="zh-CN" altLang="en-US" smtClean="0"/>
-              <a:t>2018/3/25</a:t>
+              <a:t>2018/3/26</a:t>
             </a:fld>
             <a:endParaRPr lang="zh-CN" altLang="en-US"/>
           </a:p>
@@ -3163,7 +3166,7 @@
           <a:p>
             <a:fld id="{02E60DA2-A0BC-48C9-AA88-75C78721B420}" type="datetimeFigureOut">
               <a:rPr lang="zh-CN" altLang="en-US" smtClean="0"/>
-              <a:t>2018/3/25</a:t>
+              <a:t>2018/3/26</a:t>
             </a:fld>
             <a:endParaRPr lang="zh-CN" altLang="en-US"/>
           </a:p>
@@ -3484,7 +3487,7 @@
           <a:p>
             <a:fld id="{02E60DA2-A0BC-48C9-AA88-75C78721B420}" type="datetimeFigureOut">
               <a:rPr lang="zh-CN" altLang="en-US" smtClean="0"/>
-              <a:t>2018/3/25</a:t>
+              <a:t>2018/3/26</a:t>
             </a:fld>
             <a:endParaRPr lang="zh-CN" altLang="en-US"/>
           </a:p>
@@ -3722,7 +3725,7 @@
           <a:p>
             <a:fld id="{02E60DA2-A0BC-48C9-AA88-75C78721B420}" type="datetimeFigureOut">
               <a:rPr lang="zh-CN" altLang="en-US" smtClean="0"/>
-              <a:t>2018/3/25</a:t>
+              <a:t>2018/3/26</a:t>
             </a:fld>
             <a:endParaRPr lang="zh-CN" altLang="en-US"/>
           </a:p>
@@ -3960,7 +3963,7 @@
           <a:p>
             <a:fld id="{02E60DA2-A0BC-48C9-AA88-75C78721B420}" type="datetimeFigureOut">
               <a:rPr lang="zh-CN" altLang="en-US" smtClean="0"/>
-              <a:t>2018/3/25</a:t>
+              <a:t>2018/3/26</a:t>
             </a:fld>
             <a:endParaRPr lang="zh-CN" altLang="en-US"/>
           </a:p>
@@ -4259,7 +4262,7 @@
           <a:p>
             <a:fld id="{02E60DA2-A0BC-48C9-AA88-75C78721B420}" type="datetimeFigureOut">
               <a:rPr lang="zh-CN" altLang="en-US" smtClean="0"/>
-              <a:t>2018/3/25</a:t>
+              <a:t>2018/3/26</a:t>
             </a:fld>
             <a:endParaRPr lang="zh-CN" altLang="en-US"/>
           </a:p>
@@ -4548,7 +4551,7 @@
           <a:p>
             <a:fld id="{02E60DA2-A0BC-48C9-AA88-75C78721B420}" type="datetimeFigureOut">
               <a:rPr lang="zh-CN" altLang="en-US" smtClean="0"/>
-              <a:t>2018/3/25</a:t>
+              <a:t>2018/3/26</a:t>
             </a:fld>
             <a:endParaRPr lang="zh-CN" altLang="en-US"/>
           </a:p>
@@ -4984,7 +4987,7 @@
           <a:p>
             <a:fld id="{02E60DA2-A0BC-48C9-AA88-75C78721B420}" type="datetimeFigureOut">
               <a:rPr lang="zh-CN" altLang="en-US" smtClean="0"/>
-              <a:t>2018/3/25</a:t>
+              <a:t>2018/3/26</a:t>
             </a:fld>
             <a:endParaRPr lang="zh-CN" altLang="en-US"/>
           </a:p>
@@ -5149,7 +5152,7 @@
           <a:p>
             <a:fld id="{02E60DA2-A0BC-48C9-AA88-75C78721B420}" type="datetimeFigureOut">
               <a:rPr lang="zh-CN" altLang="en-US" smtClean="0"/>
-              <a:t>2018/3/25</a:t>
+              <a:t>2018/3/26</a:t>
             </a:fld>
             <a:endParaRPr lang="zh-CN" altLang="en-US"/>
           </a:p>
@@ -5286,7 +5289,7 @@
           <a:p>
             <a:fld id="{02E60DA2-A0BC-48C9-AA88-75C78721B420}" type="datetimeFigureOut">
               <a:rPr lang="zh-CN" altLang="en-US" smtClean="0"/>
-              <a:t>2018/3/25</a:t>
+              <a:t>2018/3/26</a:t>
             </a:fld>
             <a:endParaRPr lang="zh-CN" altLang="en-US"/>
           </a:p>
@@ -5621,7 +5624,7 @@
           <a:p>
             <a:fld id="{02E60DA2-A0BC-48C9-AA88-75C78721B420}" type="datetimeFigureOut">
               <a:rPr lang="zh-CN" altLang="en-US" smtClean="0"/>
-              <a:t>2018/3/25</a:t>
+              <a:t>2018/3/26</a:t>
             </a:fld>
             <a:endParaRPr lang="zh-CN" altLang="en-US"/>
           </a:p>
@@ -5933,7 +5936,7 @@
           <a:p>
             <a:fld id="{02E60DA2-A0BC-48C9-AA88-75C78721B420}" type="datetimeFigureOut">
               <a:rPr lang="zh-CN" altLang="en-US" smtClean="0"/>
-              <a:t>2018/3/25</a:t>
+              <a:t>2018/3/26</a:t>
             </a:fld>
             <a:endParaRPr lang="zh-CN" altLang="en-US"/>
           </a:p>
@@ -7128,6 +7131,552 @@
 </p:sld>
 </file>
 
+<file path=ppt/slides/slide10.xml><?xml version="1.0" encoding="utf-8"?>
+<p:sld xmlns:a="http://schemas.openxmlformats.org/drawingml/2006/main" xmlns:r="http://schemas.openxmlformats.org/officeDocument/2006/relationships" xmlns:p="http://schemas.openxmlformats.org/presentationml/2006/main">
+  <p:cSld>
+    <p:spTree>
+      <p:nvGrpSpPr>
+        <p:cNvPr id="1" name=""/>
+        <p:cNvGrpSpPr/>
+        <p:nvPr/>
+      </p:nvGrpSpPr>
+      <p:grpSpPr>
+        <a:xfrm>
+          <a:off x="0" y="0"/>
+          <a:ext cx="0" cy="0"/>
+          <a:chOff x="0" y="0"/>
+          <a:chExt cx="0" cy="0"/>
+        </a:xfrm>
+      </p:grpSpPr>
+      <p:sp>
+        <p:nvSpPr>
+          <p:cNvPr id="2" name="标题 1">
+            <a:extLst>
+              <a:ext uri="{FF2B5EF4-FFF2-40B4-BE49-F238E27FC236}">
+                <a16:creationId xmlns:a16="http://schemas.microsoft.com/office/drawing/2014/main" id="{8B88BACC-24DE-4087-9AB3-A099CF573089}"/>
+              </a:ext>
+            </a:extLst>
+          </p:cNvPr>
+          <p:cNvSpPr>
+            <a:spLocks noGrp="1"/>
+          </p:cNvSpPr>
+          <p:nvPr>
+            <p:ph type="title"/>
+          </p:nvPr>
+        </p:nvSpPr>
+        <p:spPr/>
+        <p:txBody>
+          <a:bodyPr/>
+          <a:lstStyle/>
+          <a:p>
+            <a:r>
+              <a:rPr lang="zh-CN" altLang="en-US" dirty="0"/>
+              <a:t>管道和重定向示例</a:t>
+            </a:r>
+          </a:p>
+        </p:txBody>
+      </p:sp>
+      <p:sp>
+        <p:nvSpPr>
+          <p:cNvPr id="3" name="内容占位符 2">
+            <a:extLst>
+              <a:ext uri="{FF2B5EF4-FFF2-40B4-BE49-F238E27FC236}">
+                <a16:creationId xmlns:a16="http://schemas.microsoft.com/office/drawing/2014/main" id="{0A1C6B17-780B-4799-8193-E52FD817AC0E}"/>
+              </a:ext>
+            </a:extLst>
+          </p:cNvPr>
+          <p:cNvSpPr>
+            <a:spLocks noGrp="1"/>
+          </p:cNvSpPr>
+          <p:nvPr>
+            <p:ph idx="1"/>
+          </p:nvPr>
+        </p:nvSpPr>
+        <p:spPr/>
+        <p:txBody>
+          <a:bodyPr>
+            <a:normAutofit lnSpcReduction="10000"/>
+          </a:bodyPr>
+          <a:lstStyle/>
+          <a:p>
+            <a:r>
+              <a:rPr lang="zh-CN" altLang="en-US" sz="2400" dirty="0"/>
+              <a:t>查找名称含有</a:t>
+            </a:r>
+            <a:r>
+              <a:rPr lang="en-US" altLang="zh-CN" sz="2400" dirty="0"/>
+              <a:t>curl</a:t>
+            </a:r>
+            <a:r>
+              <a:rPr lang="zh-CN" altLang="en-US" sz="2400" dirty="0"/>
+              <a:t>的文件进行计数，并把错误信息重定向到</a:t>
+            </a:r>
+            <a:r>
+              <a:rPr lang="en-US" altLang="zh-CN" sz="2400" dirty="0"/>
+              <a:t>/dev/null</a:t>
+            </a:r>
+          </a:p>
+          <a:p>
+            <a:pPr marL="457200" lvl="1" indent="0">
+              <a:buNone/>
+            </a:pPr>
+            <a:r>
+              <a:rPr lang="en-US" altLang="zh-CN" dirty="0"/>
+              <a:t>find  /  -</a:t>
+            </a:r>
+            <a:r>
+              <a:rPr lang="en-US" altLang="zh-CN" dirty="0" err="1"/>
+              <a:t>iname</a:t>
+            </a:r>
+            <a:r>
+              <a:rPr lang="en-US" altLang="zh-CN" dirty="0"/>
+              <a:t>  *</a:t>
+            </a:r>
+            <a:r>
+              <a:rPr lang="en-US" altLang="zh-CN" dirty="0" err="1"/>
+              <a:t>gcc</a:t>
+            </a:r>
+            <a:r>
+              <a:rPr lang="en-US" altLang="zh-CN" dirty="0"/>
+              <a:t>*  2&gt; /dev/null  </a:t>
+            </a:r>
+            <a:r>
+              <a:rPr lang="en-US" altLang="zh-CN" sz="2800" dirty="0"/>
+              <a:t>|</a:t>
+            </a:r>
+            <a:r>
+              <a:rPr lang="en-US" altLang="zh-CN" dirty="0"/>
+              <a:t>  </a:t>
+            </a:r>
+            <a:r>
+              <a:rPr lang="en-US" altLang="zh-CN" dirty="0" err="1"/>
+              <a:t>wc</a:t>
+            </a:r>
+            <a:r>
+              <a:rPr lang="en-US" altLang="zh-CN" dirty="0"/>
+              <a:t> -l </a:t>
+            </a:r>
+          </a:p>
+          <a:p>
+            <a:r>
+              <a:rPr lang="zh-CN" altLang="en-US" sz="2400" dirty="0"/>
+              <a:t>查找名称含有</a:t>
+            </a:r>
+            <a:r>
+              <a:rPr lang="en-US" altLang="zh-CN" sz="2400" dirty="0" err="1"/>
+              <a:t>ssh</a:t>
+            </a:r>
+            <a:r>
+              <a:rPr lang="zh-CN" altLang="en-US" sz="2400" dirty="0"/>
+              <a:t>的进程</a:t>
+            </a:r>
+            <a:endParaRPr lang="en-US" altLang="zh-CN" sz="2400" dirty="0"/>
+          </a:p>
+          <a:p>
+            <a:pPr marL="457200" lvl="1" indent="0">
+              <a:buNone/>
+            </a:pPr>
+            <a:r>
+              <a:rPr lang="en-US" altLang="zh-CN" dirty="0" err="1"/>
+              <a:t>ps</a:t>
+            </a:r>
+            <a:r>
+              <a:rPr lang="en-US" altLang="zh-CN" dirty="0"/>
+              <a:t>  -</a:t>
+            </a:r>
+            <a:r>
+              <a:rPr lang="en-US" altLang="zh-CN" dirty="0" err="1"/>
+              <a:t>ef</a:t>
+            </a:r>
+            <a:r>
+              <a:rPr lang="en-US" altLang="zh-CN" dirty="0"/>
+              <a:t>  </a:t>
+            </a:r>
+            <a:r>
+              <a:rPr lang="en-US" altLang="zh-CN" sz="2800" dirty="0"/>
+              <a:t>|</a:t>
+            </a:r>
+            <a:r>
+              <a:rPr lang="en-US" altLang="zh-CN" dirty="0"/>
+              <a:t>  grep </a:t>
+            </a:r>
+            <a:r>
+              <a:rPr lang="en-US" altLang="zh-CN" dirty="0" err="1"/>
+              <a:t>ssh</a:t>
+            </a:r>
+            <a:endParaRPr lang="en-US" altLang="zh-CN" dirty="0"/>
+          </a:p>
+          <a:p>
+            <a:r>
+              <a:rPr lang="zh-CN" altLang="en-US" sz="2400" dirty="0"/>
+              <a:t>分页查看内容</a:t>
+            </a:r>
+            <a:endParaRPr lang="en-US" altLang="zh-CN" sz="2400" dirty="0"/>
+          </a:p>
+          <a:p>
+            <a:pPr marL="457200" lvl="1" indent="0">
+              <a:buNone/>
+            </a:pPr>
+            <a:r>
+              <a:rPr lang="en-US" altLang="zh-CN" dirty="0"/>
+              <a:t>ls  -l  -R /</a:t>
+            </a:r>
+            <a:r>
+              <a:rPr lang="en-US" altLang="zh-CN" dirty="0" err="1"/>
+              <a:t>usr</a:t>
+            </a:r>
+            <a:r>
+              <a:rPr lang="en-US" altLang="zh-CN" dirty="0"/>
+              <a:t>/share  </a:t>
+            </a:r>
+            <a:r>
+              <a:rPr lang="en-US" altLang="zh-CN" sz="2800" dirty="0"/>
+              <a:t>|</a:t>
+            </a:r>
+            <a:r>
+              <a:rPr lang="en-US" altLang="zh-CN" dirty="0"/>
+              <a:t>  less</a:t>
+            </a:r>
+          </a:p>
+          <a:p>
+            <a:r>
+              <a:rPr lang="zh-CN" altLang="en-US" sz="2400" dirty="0"/>
+              <a:t>排序文件</a:t>
+            </a:r>
+            <a:endParaRPr lang="en-US" altLang="zh-CN" sz="2400" dirty="0"/>
+          </a:p>
+          <a:p>
+            <a:pPr marL="457200" lvl="1" indent="0">
+              <a:buNone/>
+            </a:pPr>
+            <a:r>
+              <a:rPr lang="en-US" altLang="zh-CN" dirty="0"/>
+              <a:t>ls </a:t>
+            </a:r>
+            <a:r>
+              <a:rPr lang="en-US" altLang="zh-CN" sz="2800" dirty="0"/>
+              <a:t>| </a:t>
+            </a:r>
+            <a:r>
+              <a:rPr lang="en-US" altLang="zh-CN" dirty="0"/>
+              <a:t>sort  -r</a:t>
+            </a:r>
+          </a:p>
+          <a:p>
+            <a:r>
+              <a:rPr lang="zh-CN" altLang="en-US" sz="2400" dirty="0"/>
+              <a:t>分页查看帮助文档</a:t>
+            </a:r>
+            <a:r>
+              <a:rPr lang="en-US" altLang="zh-CN" sz="2400" dirty="0"/>
+              <a:t>/</a:t>
+            </a:r>
+            <a:r>
+              <a:rPr lang="zh-CN" altLang="en-US" sz="2400" dirty="0"/>
+              <a:t>文件</a:t>
+            </a:r>
+            <a:endParaRPr lang="en-US" altLang="zh-CN" sz="2400" dirty="0"/>
+          </a:p>
+          <a:p>
+            <a:pPr marL="457200" lvl="1" indent="0">
+              <a:buNone/>
+            </a:pPr>
+            <a:r>
+              <a:rPr lang="en-US" altLang="zh-CN" dirty="0"/>
+              <a:t>help test  </a:t>
+            </a:r>
+            <a:r>
+              <a:rPr lang="en-US" altLang="zh-CN" sz="2800" dirty="0"/>
+              <a:t>|</a:t>
+            </a:r>
+            <a:r>
+              <a:rPr lang="en-US" altLang="zh-CN" dirty="0"/>
+              <a:t>  less</a:t>
+            </a:r>
+          </a:p>
+          <a:p>
+            <a:pPr marL="457200" lvl="1" indent="0">
+              <a:buNone/>
+            </a:pPr>
+            <a:r>
+              <a:rPr lang="en-US" altLang="zh-CN" dirty="0"/>
+              <a:t>cat /</a:t>
+            </a:r>
+            <a:r>
+              <a:rPr lang="en-US" altLang="zh-CN" dirty="0" err="1"/>
+              <a:t>etc</a:t>
+            </a:r>
+            <a:r>
+              <a:rPr lang="en-US" altLang="zh-CN" dirty="0"/>
+              <a:t>/</a:t>
+            </a:r>
+            <a:r>
+              <a:rPr lang="en-US" altLang="zh-CN" dirty="0" err="1"/>
+              <a:t>passwd</a:t>
+            </a:r>
+            <a:r>
+              <a:rPr lang="en-US" altLang="zh-CN" dirty="0"/>
+              <a:t>  </a:t>
+            </a:r>
+            <a:r>
+              <a:rPr lang="en-US" altLang="zh-CN" sz="2800" dirty="0"/>
+              <a:t>|</a:t>
+            </a:r>
+            <a:r>
+              <a:rPr lang="en-US" altLang="zh-CN" dirty="0"/>
+              <a:t>  less</a:t>
+            </a:r>
+            <a:endParaRPr lang="en-US" altLang="zh-CN" sz="1800" dirty="0"/>
+          </a:p>
+        </p:txBody>
+      </p:sp>
+    </p:spTree>
+    <p:extLst>
+      <p:ext uri="{BB962C8B-B14F-4D97-AF65-F5344CB8AC3E}">
+        <p14:creationId xmlns:p14="http://schemas.microsoft.com/office/powerpoint/2010/main" val="3688259680"/>
+      </p:ext>
+    </p:extLst>
+  </p:cSld>
+  <p:clrMapOvr>
+    <a:masterClrMapping/>
+  </p:clrMapOvr>
+</p:sld>
+</file>
+
+<file path=ppt/slides/slide11.xml><?xml version="1.0" encoding="utf-8"?>
+<p:sld xmlns:a="http://schemas.openxmlformats.org/drawingml/2006/main" xmlns:r="http://schemas.openxmlformats.org/officeDocument/2006/relationships" xmlns:p="http://schemas.openxmlformats.org/presentationml/2006/main">
+  <p:cSld>
+    <p:spTree>
+      <p:nvGrpSpPr>
+        <p:cNvPr id="1" name=""/>
+        <p:cNvGrpSpPr/>
+        <p:nvPr/>
+      </p:nvGrpSpPr>
+      <p:grpSpPr>
+        <a:xfrm>
+          <a:off x="0" y="0"/>
+          <a:ext cx="0" cy="0"/>
+          <a:chOff x="0" y="0"/>
+          <a:chExt cx="0" cy="0"/>
+        </a:xfrm>
+      </p:grpSpPr>
+      <p:sp>
+        <p:nvSpPr>
+          <p:cNvPr id="2" name="标题 1">
+            <a:extLst>
+              <a:ext uri="{FF2B5EF4-FFF2-40B4-BE49-F238E27FC236}">
+                <a16:creationId xmlns:a16="http://schemas.microsoft.com/office/drawing/2014/main" id="{8B88BACC-24DE-4087-9AB3-A099CF573089}"/>
+              </a:ext>
+            </a:extLst>
+          </p:cNvPr>
+          <p:cNvSpPr>
+            <a:spLocks noGrp="1"/>
+          </p:cNvSpPr>
+          <p:nvPr>
+            <p:ph type="title"/>
+          </p:nvPr>
+        </p:nvSpPr>
+        <p:spPr/>
+        <p:txBody>
+          <a:bodyPr/>
+          <a:lstStyle/>
+          <a:p>
+            <a:r>
+              <a:rPr lang="zh-CN" altLang="en-US" dirty="0"/>
+              <a:t>本节课任务</a:t>
+            </a:r>
+          </a:p>
+        </p:txBody>
+      </p:sp>
+      <p:sp>
+        <p:nvSpPr>
+          <p:cNvPr id="3" name="内容占位符 2">
+            <a:extLst>
+              <a:ext uri="{FF2B5EF4-FFF2-40B4-BE49-F238E27FC236}">
+                <a16:creationId xmlns:a16="http://schemas.microsoft.com/office/drawing/2014/main" id="{0A1C6B17-780B-4799-8193-E52FD817AC0E}"/>
+              </a:ext>
+            </a:extLst>
+          </p:cNvPr>
+          <p:cNvSpPr>
+            <a:spLocks noGrp="1"/>
+          </p:cNvSpPr>
+          <p:nvPr>
+            <p:ph idx="1"/>
+          </p:nvPr>
+        </p:nvSpPr>
+        <p:spPr/>
+        <p:txBody>
+          <a:bodyPr>
+            <a:normAutofit lnSpcReduction="10000"/>
+          </a:bodyPr>
+          <a:lstStyle/>
+          <a:p>
+            <a:r>
+              <a:rPr lang="zh-CN" altLang="en-US" sz="2400" dirty="0"/>
+              <a:t>在用户主目录创建</a:t>
+            </a:r>
+            <a:r>
+              <a:rPr lang="en-US" altLang="zh-CN" sz="2400" dirty="0"/>
+              <a:t>study</a:t>
+            </a:r>
+            <a:r>
+              <a:rPr lang="zh-CN" altLang="en-US" sz="2400" dirty="0"/>
+              <a:t>目录</a:t>
+            </a:r>
+            <a:endParaRPr lang="en-US" altLang="zh-CN" sz="2400" dirty="0"/>
+          </a:p>
+          <a:p>
+            <a:endParaRPr lang="en-US" altLang="zh-CN" sz="2400" dirty="0"/>
+          </a:p>
+          <a:p>
+            <a:r>
+              <a:rPr lang="zh-CN" altLang="en-US" sz="2400" dirty="0"/>
+              <a:t>在</a:t>
+            </a:r>
+            <a:r>
+              <a:rPr lang="en-US" altLang="zh-CN" sz="2400" dirty="0"/>
+              <a:t>study</a:t>
+            </a:r>
+            <a:r>
+              <a:rPr lang="zh-CN" altLang="en-US" sz="2400" dirty="0"/>
+              <a:t>目录创建 </a:t>
+            </a:r>
+            <a:r>
+              <a:rPr lang="en-US" altLang="zh-CN" sz="2400" dirty="0"/>
+              <a:t>a </a:t>
+            </a:r>
+            <a:r>
+              <a:rPr lang="zh-CN" altLang="en-US" sz="2400" dirty="0"/>
+              <a:t>文件</a:t>
+            </a:r>
+            <a:endParaRPr lang="en-US" altLang="zh-CN" sz="2400" dirty="0"/>
+          </a:p>
+          <a:p>
+            <a:endParaRPr lang="en-US" altLang="zh-CN" sz="2400" dirty="0"/>
+          </a:p>
+          <a:p>
+            <a:r>
+              <a:rPr lang="zh-CN" altLang="en-US" sz="2400" dirty="0"/>
+              <a:t>使用</a:t>
+            </a:r>
+            <a:r>
+              <a:rPr lang="en-US" altLang="zh-CN" sz="2400" dirty="0"/>
+              <a:t>cat</a:t>
+            </a:r>
+            <a:r>
+              <a:rPr lang="zh-CN" altLang="en-US" sz="2400" dirty="0"/>
+              <a:t>获取</a:t>
+            </a:r>
+            <a:r>
+              <a:rPr lang="en-US" altLang="zh-CN" sz="2400" dirty="0"/>
+              <a:t>/</a:t>
+            </a:r>
+            <a:r>
+              <a:rPr lang="en-US" altLang="zh-CN" sz="2400" dirty="0" err="1"/>
+              <a:t>etc</a:t>
+            </a:r>
+            <a:r>
+              <a:rPr lang="en-US" altLang="zh-CN" sz="2400" dirty="0"/>
+              <a:t>/</a:t>
+            </a:r>
+            <a:r>
+              <a:rPr lang="en-US" altLang="zh-CN" sz="2400" dirty="0" err="1"/>
+              <a:t>passwd</a:t>
+            </a:r>
+            <a:r>
+              <a:rPr lang="zh-CN" altLang="en-US" sz="2400" dirty="0"/>
+              <a:t>的内容重定向到</a:t>
+            </a:r>
+            <a:r>
+              <a:rPr lang="en-US" altLang="zh-CN" sz="2400" dirty="0"/>
+              <a:t>study/a</a:t>
+            </a:r>
+          </a:p>
+          <a:p>
+            <a:endParaRPr lang="en-US" altLang="zh-CN" sz="2400" dirty="0"/>
+          </a:p>
+          <a:p>
+            <a:r>
+              <a:rPr lang="zh-CN" altLang="en-US" sz="2400" dirty="0"/>
+              <a:t>获取</a:t>
+            </a:r>
+            <a:r>
+              <a:rPr lang="en-US" altLang="zh-CN" sz="2400" dirty="0"/>
+              <a:t>/</a:t>
+            </a:r>
+            <a:r>
+              <a:rPr lang="en-US" altLang="zh-CN" sz="2400" dirty="0" err="1"/>
+              <a:t>etc</a:t>
+            </a:r>
+            <a:r>
+              <a:rPr lang="en-US" altLang="zh-CN" sz="2400" dirty="0"/>
+              <a:t>/group </a:t>
+            </a:r>
+            <a:r>
+              <a:rPr lang="zh-CN" altLang="en-US" sz="2400" dirty="0"/>
+              <a:t>的内容重定向追加到</a:t>
+            </a:r>
+            <a:r>
+              <a:rPr lang="en-US" altLang="zh-CN" sz="2400" dirty="0"/>
+              <a:t>study/a</a:t>
+            </a:r>
+            <a:r>
+              <a:rPr lang="zh-CN" altLang="en-US" sz="2400" dirty="0"/>
+              <a:t>文件的末尾</a:t>
+            </a:r>
+            <a:endParaRPr lang="en-US" altLang="zh-CN" sz="2400" dirty="0"/>
+          </a:p>
+          <a:p>
+            <a:endParaRPr lang="en-US" altLang="zh-CN" sz="2400" dirty="0"/>
+          </a:p>
+          <a:p>
+            <a:r>
+              <a:rPr lang="zh-CN" altLang="en-US" sz="2400" dirty="0"/>
+              <a:t>统计</a:t>
+            </a:r>
+            <a:r>
+              <a:rPr lang="en-US" altLang="zh-CN" sz="2400" dirty="0"/>
+              <a:t>study/a</a:t>
+            </a:r>
+            <a:r>
+              <a:rPr lang="zh-CN" altLang="en-US" sz="2400"/>
+              <a:t>的行数</a:t>
+            </a:r>
+            <a:endParaRPr lang="en-US" altLang="zh-CN" sz="2400" dirty="0"/>
+          </a:p>
+          <a:p>
+            <a:endParaRPr lang="en-US" altLang="zh-CN" sz="2400" dirty="0"/>
+          </a:p>
+          <a:p>
+            <a:r>
+              <a:rPr lang="zh-CN" altLang="en-US" sz="2400" dirty="0"/>
+              <a:t>使用管道分页查看</a:t>
+            </a:r>
+            <a:r>
+              <a:rPr lang="en-US" altLang="zh-CN" sz="2400" dirty="0"/>
+              <a:t>study/a</a:t>
+            </a:r>
+            <a:r>
+              <a:rPr lang="zh-CN" altLang="en-US" sz="2400" dirty="0"/>
+              <a:t>的内容</a:t>
+            </a:r>
+            <a:endParaRPr lang="en-US" altLang="zh-CN" sz="2400" dirty="0"/>
+          </a:p>
+        </p:txBody>
+      </p:sp>
+    </p:spTree>
+    <p:extLst>
+      <p:ext uri="{BB962C8B-B14F-4D97-AF65-F5344CB8AC3E}">
+        <p14:creationId xmlns:p14="http://schemas.microsoft.com/office/powerpoint/2010/main" val="1475555098"/>
+      </p:ext>
+    </p:extLst>
+  </p:cSld>
+  <p:clrMapOvr>
+    <a:masterClrMapping/>
+  </p:clrMapOvr>
+</p:sld>
+</file>
+
 <file path=ppt/slides/slide2.xml><?xml version="1.0" encoding="utf-8"?>
 <p:sld xmlns:a="http://schemas.openxmlformats.org/drawingml/2006/main" xmlns:r="http://schemas.openxmlformats.org/officeDocument/2006/relationships" xmlns:p="http://schemas.openxmlformats.org/presentationml/2006/main">
   <p:cSld>
@@ -7352,6 +7901,48 @@
             <a:r>
               <a:rPr lang="zh-CN" altLang="en-US" sz="2000" dirty="0"/>
               <a:t>指向的文件，而不关心这些文件具体是什么。</a:t>
+            </a:r>
+            <a:endParaRPr lang="en-US" altLang="zh-CN" sz="2000" dirty="0"/>
+          </a:p>
+          <a:p>
+            <a:endParaRPr lang="en-US" altLang="zh-CN" sz="2000" dirty="0"/>
+          </a:p>
+          <a:p>
+            <a:r>
+              <a:rPr lang="zh-CN" altLang="en-US" sz="2000" dirty="0"/>
+              <a:t>关于文件描述符：一个进程有一个结构保存一组打开的文件，每个打开的文件用一个数字标识，此数字一般被称为文件描述符，而在</a:t>
+            </a:r>
+            <a:r>
+              <a:rPr lang="en-US" altLang="zh-CN" sz="2000" dirty="0"/>
+              <a:t>Linux/Unix</a:t>
+            </a:r>
+            <a:r>
+              <a:rPr lang="zh-CN" altLang="en-US" sz="2000" dirty="0"/>
+              <a:t>上设备也被映射为文件，数字</a:t>
+            </a:r>
+            <a:r>
+              <a:rPr lang="en-US" altLang="zh-CN" sz="2000" dirty="0"/>
+              <a:t>0</a:t>
+            </a:r>
+            <a:r>
+              <a:rPr lang="zh-CN" altLang="en-US" sz="2000" dirty="0"/>
+              <a:t>，</a:t>
+            </a:r>
+            <a:r>
+              <a:rPr lang="en-US" altLang="zh-CN" sz="2000" dirty="0"/>
+              <a:t>1</a:t>
+            </a:r>
+            <a:r>
+              <a:rPr lang="zh-CN" altLang="en-US" sz="2000" dirty="0"/>
+              <a:t>，</a:t>
+            </a:r>
+            <a:r>
+              <a:rPr lang="en-US" altLang="zh-CN" sz="2000" dirty="0"/>
+              <a:t>2</a:t>
+            </a:r>
+            <a:r>
+              <a:rPr lang="zh-CN" altLang="en-US" sz="2000" dirty="0"/>
+              <a:t>都会分别关联到键盘，屏幕，屏幕。</a:t>
             </a:r>
             <a:endParaRPr lang="en-US" altLang="zh-CN" sz="2000" dirty="0"/>
           </a:p>
@@ -7448,6 +8039,9 @@
           </a:bodyPr>
           <a:lstStyle/>
           <a:p>
+            <a:endParaRPr lang="en-US" altLang="zh-CN" sz="2400" dirty="0"/>
+          </a:p>
+          <a:p>
             <a:r>
               <a:rPr lang="zh-CN" altLang="en-US" sz="2400" dirty="0"/>
               <a:t>在</a:t>
@@ -7466,7 +8060,7 @@
             </a:r>
             <a:r>
               <a:rPr lang="zh-CN" altLang="en-US" sz="2400" dirty="0"/>
-              <a:t>显示在屏幕上。有时候我们并不需要把这些输出信息（包括标准输出和标准错误）显示在屏幕上，或需要把这些输出信息保存在一个文件中，这时就需要进行输出重定向。</a:t>
+              <a:t>显示在屏幕上。</a:t>
             </a:r>
             <a:endParaRPr lang="en-US" altLang="zh-CN" sz="2400" dirty="0"/>
           </a:p>
@@ -7475,36 +8069,26 @@
           </a:p>
           <a:p>
             <a:r>
-              <a:rPr lang="zh-CN" altLang="en-US" sz="2400" dirty="0">
-                <a:solidFill>
-                  <a:srgbClr val="C00000"/>
-                </a:solidFill>
-              </a:rPr>
-              <a:t>执行重定向操作的是</a:t>
-            </a:r>
-            <a:r>
-              <a:rPr lang="en-US" altLang="zh-CN" sz="2400" dirty="0">
-                <a:solidFill>
-                  <a:srgbClr val="C00000"/>
-                </a:solidFill>
-              </a:rPr>
-              <a:t>shell</a:t>
-            </a:r>
-            <a:r>
-              <a:rPr lang="zh-CN" altLang="en-US" sz="2400" dirty="0">
-                <a:solidFill>
-                  <a:srgbClr val="C00000"/>
-                </a:solidFill>
-              </a:rPr>
-              <a:t>，而不是程序。</a:t>
+              <a:rPr lang="zh-CN" altLang="en-US" sz="2400" dirty="0"/>
+              <a:t>有时候我们并不需要把这些输出信息（包括标准输出和标准错误）显示在屏幕上，或需要把这些输出信息保存在一个文件中，这时就需要进行输出重定向。</a:t>
+            </a:r>
+            <a:endParaRPr lang="en-US" altLang="zh-CN" sz="2400" dirty="0"/>
+          </a:p>
+          <a:p>
+            <a:endParaRPr lang="en-US" altLang="zh-CN" sz="2400" dirty="0"/>
+          </a:p>
+          <a:p>
+            <a:r>
+              <a:rPr lang="zh-CN" altLang="en-US" sz="2400" dirty="0"/>
+              <a:t>如果一个命令要获取的输入来自文件，或者是在</a:t>
             </a:r>
             <a:r>
               <a:rPr lang="en-US" altLang="zh-CN" sz="2400" dirty="0"/>
               <a:t>shell</a:t>
             </a:r>
             <a:r>
-              <a:rPr lang="zh-CN" altLang="en-US" sz="2400" dirty="0"/>
-              <a:t>把重定向符号解释成指令，将标准输出（或标准错误）指向文件，而不是当前显示设备。输入重定向也是如此。</a:t>
+              <a:rPr lang="zh-CN" altLang="en-US" sz="2400"/>
+              <a:t>脚本编程中，需要从文件获取输入，则需要进行输入重定向。</a:t>
             </a:r>
             <a:endParaRPr lang="en-US" altLang="zh-CN" sz="2400" dirty="0"/>
           </a:p>
@@ -7557,7 +8141,7 @@
           <a:p>
             <a:r>
               <a:rPr lang="zh-CN" altLang="en-US" dirty="0"/>
-              <a:t>重定向符号</a:t>
+              <a:t>重定向示例</a:t>
             </a:r>
           </a:p>
         </p:txBody>
@@ -7580,54 +8164,2037 @@
           <a:lstStyle/>
           <a:p>
             <a:r>
-              <a:rPr lang="en-US" altLang="zh-CN" sz="2000" dirty="0"/>
+              <a:rPr lang="en-US" altLang="zh-CN" sz="2400" dirty="0"/>
+              <a:t>echo  ‘</a:t>
+            </a:r>
+            <a:r>
+              <a:rPr lang="en-US" altLang="zh-CN" sz="2400" dirty="0" err="1"/>
+              <a:t>abc</a:t>
+            </a:r>
+            <a:r>
+              <a:rPr lang="en-US" altLang="zh-CN" sz="2400" dirty="0"/>
+              <a:t>’ </a:t>
+            </a:r>
+            <a:r>
+              <a:rPr lang="zh-CN" altLang="en-US" sz="2400" dirty="0"/>
+              <a:t>会输出</a:t>
+            </a:r>
+            <a:r>
+              <a:rPr lang="en-US" altLang="zh-CN" sz="2400" dirty="0" err="1"/>
+              <a:t>abc</a:t>
+            </a:r>
+            <a:r>
+              <a:rPr lang="zh-CN" altLang="en-US" sz="2400" dirty="0"/>
+              <a:t>到屏幕。</a:t>
+            </a:r>
+            <a:r>
+              <a:rPr lang="en-US" altLang="zh-CN" sz="2400" dirty="0"/>
+              <a:t>echo  ‘</a:t>
+            </a:r>
+            <a:r>
+              <a:rPr lang="en-US" altLang="zh-CN" sz="2400" dirty="0" err="1"/>
+              <a:t>abc</a:t>
+            </a:r>
+            <a:r>
+              <a:rPr lang="en-US" altLang="zh-CN" sz="2400" dirty="0"/>
+              <a:t>’ &gt; </a:t>
+            </a:r>
+            <a:r>
+              <a:rPr lang="en-US" altLang="zh-CN" sz="2400" dirty="0" err="1"/>
+              <a:t>tmp</a:t>
+            </a:r>
+            <a:r>
+              <a:rPr lang="en-US" altLang="zh-CN" sz="2400" dirty="0"/>
+              <a:t>/buff</a:t>
+            </a:r>
+            <a:r>
+              <a:rPr lang="zh-CN" altLang="en-US" sz="2400" dirty="0"/>
+              <a:t>会把</a:t>
+            </a:r>
+            <a:r>
+              <a:rPr lang="en-US" altLang="zh-CN" sz="2400" dirty="0" err="1"/>
+              <a:t>abc</a:t>
+            </a:r>
+            <a:r>
+              <a:rPr lang="zh-CN" altLang="en-US" sz="2400" dirty="0"/>
+              <a:t>输出到</a:t>
+            </a:r>
+            <a:r>
+              <a:rPr lang="en-US" altLang="zh-CN" sz="2400" dirty="0" err="1"/>
+              <a:t>tmp</a:t>
+            </a:r>
+            <a:r>
+              <a:rPr lang="en-US" altLang="zh-CN" sz="2400" dirty="0"/>
+              <a:t>/buff</a:t>
+            </a:r>
+            <a:r>
+              <a:rPr lang="zh-CN" altLang="en-US" sz="2400" dirty="0"/>
+              <a:t>这个文件。</a:t>
+            </a:r>
+            <a:endParaRPr lang="en-US" altLang="zh-CN" sz="2400" dirty="0"/>
+          </a:p>
+          <a:p>
+            <a:endParaRPr lang="en-US" altLang="zh-CN" sz="2400" dirty="0"/>
+          </a:p>
+          <a:p>
+            <a:r>
+              <a:rPr lang="zh-CN" altLang="en-US" sz="2400" dirty="0"/>
+              <a:t>如果没有此文件则会创建这个文件并写入。但是如果文件存在并且不为空，则重定向会导致之前的数据丢失，只保存重定向的数据。</a:t>
+            </a:r>
+            <a:endParaRPr lang="en-US" altLang="zh-CN" sz="2400" dirty="0"/>
+          </a:p>
+          <a:p>
+            <a:endParaRPr lang="en-US" altLang="zh-CN" sz="2400" dirty="0"/>
+          </a:p>
+          <a:p>
+            <a:r>
+              <a:rPr lang="en-US" altLang="zh-CN" sz="2400" dirty="0"/>
+              <a:t>echo ‘</a:t>
+            </a:r>
+            <a:r>
+              <a:rPr lang="en-US" altLang="zh-CN" sz="2400" dirty="0" err="1"/>
+              <a:t>abc</a:t>
+            </a:r>
+            <a:r>
+              <a:rPr lang="en-US" altLang="zh-CN" sz="2400" dirty="0"/>
+              <a:t>’  &gt;&gt;  /</a:t>
+            </a:r>
+            <a:r>
+              <a:rPr lang="en-US" altLang="zh-CN" sz="2400" dirty="0" err="1"/>
+              <a:t>tmp</a:t>
+            </a:r>
+            <a:r>
+              <a:rPr lang="en-US" altLang="zh-CN" sz="2400" dirty="0"/>
+              <a:t>/buff </a:t>
+            </a:r>
+            <a:r>
+              <a:rPr lang="zh-CN" altLang="en-US" sz="2400" dirty="0"/>
+              <a:t>会把</a:t>
+            </a:r>
+            <a:r>
+              <a:rPr lang="en-US" altLang="zh-CN" sz="2400" dirty="0" err="1"/>
+              <a:t>abc</a:t>
+            </a:r>
+            <a:r>
+              <a:rPr lang="zh-CN" altLang="en-US" sz="2400" dirty="0"/>
+              <a:t>追加到文件末尾，之前的数据不会丢失。</a:t>
+            </a:r>
+            <a:endParaRPr lang="en-US" altLang="zh-CN" sz="2400" dirty="0"/>
+          </a:p>
+          <a:p>
+            <a:endParaRPr lang="en-US" altLang="zh-CN" sz="2400" dirty="0"/>
+          </a:p>
+          <a:p>
+            <a:endParaRPr lang="en-US" altLang="zh-CN" sz="2400" dirty="0"/>
+          </a:p>
+        </p:txBody>
+      </p:sp>
+    </p:spTree>
+    <p:extLst>
+      <p:ext uri="{BB962C8B-B14F-4D97-AF65-F5344CB8AC3E}">
+        <p14:creationId xmlns:p14="http://schemas.microsoft.com/office/powerpoint/2010/main" val="1566490931"/>
+      </p:ext>
+    </p:extLst>
+  </p:cSld>
+  <p:clrMapOvr>
+    <a:masterClrMapping/>
+  </p:clrMapOvr>
+</p:sld>
+</file>
+
+<file path=ppt/slides/slide5.xml><?xml version="1.0" encoding="utf-8"?>
+<p:sld xmlns:a="http://schemas.openxmlformats.org/drawingml/2006/main" xmlns:r="http://schemas.openxmlformats.org/officeDocument/2006/relationships" xmlns:p="http://schemas.openxmlformats.org/presentationml/2006/main">
+  <p:cSld>
+    <p:spTree>
+      <p:nvGrpSpPr>
+        <p:cNvPr id="1" name=""/>
+        <p:cNvGrpSpPr/>
+        <p:nvPr/>
+      </p:nvGrpSpPr>
+      <p:grpSpPr>
+        <a:xfrm>
+          <a:off x="0" y="0"/>
+          <a:ext cx="0" cy="0"/>
+          <a:chOff x="0" y="0"/>
+          <a:chExt cx="0" cy="0"/>
+        </a:xfrm>
+      </p:grpSpPr>
+      <p:sp>
+        <p:nvSpPr>
+          <p:cNvPr id="2" name="标题 1"/>
+          <p:cNvSpPr>
+            <a:spLocks noGrp="1"/>
+          </p:cNvSpPr>
+          <p:nvPr>
+            <p:ph type="title"/>
+          </p:nvPr>
+        </p:nvSpPr>
+        <p:spPr/>
+        <p:txBody>
+          <a:bodyPr/>
+          <a:lstStyle/>
+          <a:p>
+            <a:r>
+              <a:rPr lang="zh-CN" altLang="en-US" dirty="0"/>
+              <a:t>重定向图解</a:t>
+            </a:r>
+          </a:p>
+        </p:txBody>
+      </p:sp>
+      <p:grpSp>
+        <p:nvGrpSpPr>
+          <p:cNvPr id="27" name="组合 26">
+            <a:extLst>
+              <a:ext uri="{FF2B5EF4-FFF2-40B4-BE49-F238E27FC236}">
+                <a16:creationId xmlns:a16="http://schemas.microsoft.com/office/drawing/2014/main" id="{FC662F1A-E675-44D8-9D2B-39A0E37D4B2B}"/>
+              </a:ext>
+            </a:extLst>
+          </p:cNvPr>
+          <p:cNvGrpSpPr/>
+          <p:nvPr/>
+        </p:nvGrpSpPr>
+        <p:grpSpPr>
+          <a:xfrm>
+            <a:off x="908536" y="1734079"/>
+            <a:ext cx="6090151" cy="2160241"/>
+            <a:chOff x="1233849" y="2419807"/>
+            <a:chExt cx="6090151" cy="2160241"/>
+          </a:xfrm>
+        </p:grpSpPr>
+        <p:sp>
+          <p:nvSpPr>
+            <p:cNvPr id="4" name="矩形 3">
+              <a:extLst>
+                <a:ext uri="{FF2B5EF4-FFF2-40B4-BE49-F238E27FC236}">
+                  <a16:creationId xmlns:a16="http://schemas.microsoft.com/office/drawing/2014/main" id="{933791F6-F06D-4E3A-AD98-E2D3C89E6CBE}"/>
+                </a:ext>
+              </a:extLst>
+            </p:cNvPr>
+            <p:cNvSpPr/>
+            <p:nvPr/>
+          </p:nvSpPr>
+          <p:spPr>
+            <a:xfrm>
+              <a:off x="1233849" y="2950624"/>
+              <a:ext cx="1896208" cy="1213339"/>
+            </a:xfrm>
+            <a:prstGeom prst="rect">
+              <a:avLst/>
+            </a:prstGeom>
+            <a:solidFill>
+              <a:schemeClr val="accent1">
+                <a:alpha val="50000"/>
+              </a:schemeClr>
+            </a:solidFill>
+            <a:ln>
+              <a:noFill/>
+            </a:ln>
+          </p:spPr>
+          <p:style>
+            <a:lnRef idx="0">
+              <a:scrgbClr r="0" g="0" b="0"/>
+            </a:lnRef>
+            <a:fillRef idx="0">
+              <a:scrgbClr r="0" g="0" b="0"/>
+            </a:fillRef>
+            <a:effectRef idx="0">
+              <a:scrgbClr r="0" g="0" b="0"/>
+            </a:effectRef>
+            <a:fontRef idx="minor">
+              <a:schemeClr val="lt1"/>
+            </a:fontRef>
+          </p:style>
+          <p:txBody>
+            <a:bodyPr rtlCol="0" anchor="ctr"/>
+            <a:lstStyle/>
+            <a:p>
+              <a:pPr algn="ctr"/>
+              <a:r>
+                <a:rPr lang="zh-CN" altLang="en-US" dirty="0">
+                  <a:ln w="0"/>
+                  <a:solidFill>
+                    <a:schemeClr val="tx1"/>
+                  </a:solidFill>
+                  <a:effectLst>
+                    <a:outerShdw blurRad="38100" dist="19050" dir="2700000" algn="tl" rotWithShape="0">
+                      <a:schemeClr val="dk1">
+                        <a:alpha val="40000"/>
+                      </a:schemeClr>
+                    </a:outerShdw>
+                  </a:effectLst>
+                </a:rPr>
+                <a:t>运行程序：</a:t>
+              </a:r>
+              <a:endParaRPr lang="en-US" altLang="zh-CN" dirty="0">
+                <a:ln w="0"/>
+                <a:solidFill>
+                  <a:schemeClr val="tx1"/>
+                </a:solidFill>
+                <a:effectLst>
+                  <a:outerShdw blurRad="38100" dist="19050" dir="2700000" algn="tl" rotWithShape="0">
+                    <a:schemeClr val="dk1">
+                      <a:alpha val="40000"/>
+                    </a:schemeClr>
+                  </a:outerShdw>
+                </a:effectLst>
+              </a:endParaRPr>
+            </a:p>
+            <a:p>
+              <a:pPr algn="ctr"/>
+              <a:r>
+                <a:rPr lang="zh-CN" altLang="en-US" dirty="0">
+                  <a:ln w="0"/>
+                  <a:solidFill>
+                    <a:schemeClr val="tx1"/>
+                  </a:solidFill>
+                  <a:effectLst>
+                    <a:outerShdw blurRad="38100" dist="19050" dir="2700000" algn="tl" rotWithShape="0">
+                      <a:schemeClr val="dk1">
+                        <a:alpha val="40000"/>
+                      </a:schemeClr>
+                    </a:outerShdw>
+                  </a:effectLst>
+                </a:rPr>
+                <a:t>获取输入</a:t>
+              </a:r>
+              <a:endParaRPr lang="en-US" altLang="zh-CN" dirty="0">
+                <a:ln w="0"/>
+                <a:solidFill>
+                  <a:schemeClr val="tx1"/>
+                </a:solidFill>
+                <a:effectLst>
+                  <a:outerShdw blurRad="38100" dist="19050" dir="2700000" algn="tl" rotWithShape="0">
+                    <a:schemeClr val="dk1">
+                      <a:alpha val="40000"/>
+                    </a:schemeClr>
+                  </a:outerShdw>
+                </a:effectLst>
+              </a:endParaRPr>
+            </a:p>
+            <a:p>
+              <a:pPr algn="ctr"/>
+              <a:endParaRPr lang="en-US" altLang="zh-CN" dirty="0">
+                <a:ln w="0"/>
+                <a:solidFill>
+                  <a:schemeClr val="tx1"/>
+                </a:solidFill>
+                <a:effectLst>
+                  <a:outerShdw blurRad="38100" dist="19050" dir="2700000" algn="tl" rotWithShape="0">
+                    <a:schemeClr val="dk1">
+                      <a:alpha val="40000"/>
+                    </a:schemeClr>
+                  </a:outerShdw>
+                </a:effectLst>
+              </a:endParaRPr>
+            </a:p>
+            <a:p>
+              <a:pPr algn="ctr"/>
+              <a:r>
+                <a:rPr lang="zh-CN" altLang="en-US" dirty="0">
+                  <a:ln w="0"/>
+                  <a:solidFill>
+                    <a:schemeClr val="tx1"/>
+                  </a:solidFill>
+                  <a:effectLst>
+                    <a:outerShdw blurRad="38100" dist="19050" dir="2700000" algn="tl" rotWithShape="0">
+                      <a:schemeClr val="dk1">
+                        <a:alpha val="40000"/>
+                      </a:schemeClr>
+                    </a:outerShdw>
+                  </a:effectLst>
+                </a:rPr>
+                <a:t>输出函数</a:t>
+              </a:r>
+              <a:endParaRPr lang="en-US" altLang="zh-CN" dirty="0">
+                <a:ln w="0"/>
+                <a:solidFill>
+                  <a:schemeClr val="tx1"/>
+                </a:solidFill>
+                <a:effectLst>
+                  <a:outerShdw blurRad="38100" dist="19050" dir="2700000" algn="tl" rotWithShape="0">
+                    <a:schemeClr val="dk1">
+                      <a:alpha val="40000"/>
+                    </a:schemeClr>
+                  </a:outerShdw>
+                </a:effectLst>
+              </a:endParaRPr>
+            </a:p>
+          </p:txBody>
+        </p:sp>
+        <p:sp>
+          <p:nvSpPr>
+            <p:cNvPr id="6" name="矩形: 圆角 5">
+              <a:extLst>
+                <a:ext uri="{FF2B5EF4-FFF2-40B4-BE49-F238E27FC236}">
+                  <a16:creationId xmlns:a16="http://schemas.microsoft.com/office/drawing/2014/main" id="{CCB0A10D-3B5D-411A-8C7C-9BF116325D22}"/>
+                </a:ext>
+              </a:extLst>
+            </p:cNvPr>
+            <p:cNvSpPr/>
+            <p:nvPr/>
+          </p:nvSpPr>
+          <p:spPr>
+            <a:xfrm>
+              <a:off x="4026877" y="2950624"/>
+              <a:ext cx="1043357" cy="646749"/>
+            </a:xfrm>
+            <a:prstGeom prst="roundRect">
+              <a:avLst/>
+            </a:prstGeom>
+          </p:spPr>
+          <p:style>
+            <a:lnRef idx="2">
+              <a:schemeClr val="dk1"/>
+            </a:lnRef>
+            <a:fillRef idx="1">
+              <a:schemeClr val="lt1"/>
+            </a:fillRef>
+            <a:effectRef idx="0">
+              <a:schemeClr val="dk1"/>
+            </a:effectRef>
+            <a:fontRef idx="minor">
+              <a:schemeClr val="dk1"/>
+            </a:fontRef>
+          </p:style>
+          <p:txBody>
+            <a:bodyPr rtlCol="0" anchor="ctr"/>
+            <a:lstStyle/>
+            <a:p>
+              <a:pPr algn="ctr"/>
+              <a:r>
+                <a:rPr lang="zh-CN" altLang="en-US" dirty="0"/>
+                <a:t>文件描述符</a:t>
+              </a:r>
+              <a:r>
+                <a:rPr lang="en-US" altLang="zh-CN" dirty="0"/>
+                <a:t>0</a:t>
+              </a:r>
+              <a:endParaRPr lang="zh-CN" altLang="en-US" dirty="0"/>
+            </a:p>
+          </p:txBody>
+        </p:sp>
+        <p:sp>
+          <p:nvSpPr>
+            <p:cNvPr id="7" name="矩形: 圆角 6">
+              <a:extLst>
+                <a:ext uri="{FF2B5EF4-FFF2-40B4-BE49-F238E27FC236}">
+                  <a16:creationId xmlns:a16="http://schemas.microsoft.com/office/drawing/2014/main" id="{39D3D04F-9E7F-4997-BCCE-10181F1FC84D}"/>
+                </a:ext>
+              </a:extLst>
+            </p:cNvPr>
+            <p:cNvSpPr/>
+            <p:nvPr/>
+          </p:nvSpPr>
+          <p:spPr>
+            <a:xfrm>
+              <a:off x="4032742" y="3752374"/>
+              <a:ext cx="1037492" cy="646749"/>
+            </a:xfrm>
+            <a:prstGeom prst="roundRect">
+              <a:avLst/>
+            </a:prstGeom>
+          </p:spPr>
+          <p:style>
+            <a:lnRef idx="2">
+              <a:schemeClr val="dk1"/>
+            </a:lnRef>
+            <a:fillRef idx="1">
+              <a:schemeClr val="lt1"/>
+            </a:fillRef>
+            <a:effectRef idx="0">
+              <a:schemeClr val="dk1"/>
+            </a:effectRef>
+            <a:fontRef idx="minor">
+              <a:schemeClr val="dk1"/>
+            </a:fontRef>
+          </p:style>
+          <p:txBody>
+            <a:bodyPr rtlCol="0" anchor="ctr"/>
+            <a:lstStyle/>
+            <a:p>
+              <a:pPr algn="ctr"/>
+              <a:r>
+                <a:rPr lang="zh-CN" altLang="en-US" dirty="0"/>
+                <a:t>文件描述符</a:t>
+              </a:r>
+              <a:r>
+                <a:rPr lang="en-US" altLang="zh-CN" dirty="0"/>
+                <a:t>1</a:t>
+              </a:r>
+              <a:endParaRPr lang="zh-CN" altLang="en-US" dirty="0"/>
+            </a:p>
+          </p:txBody>
+        </p:sp>
+        <p:cxnSp>
+          <p:nvCxnSpPr>
+            <p:cNvPr id="10" name="直接箭头连接符 9">
+              <a:extLst>
+                <a:ext uri="{FF2B5EF4-FFF2-40B4-BE49-F238E27FC236}">
+                  <a16:creationId xmlns:a16="http://schemas.microsoft.com/office/drawing/2014/main" id="{A7F44F6B-DA6D-4C30-833C-0B241B563219}"/>
+                </a:ext>
+              </a:extLst>
+            </p:cNvPr>
+            <p:cNvCxnSpPr>
+              <a:cxnSpLocks/>
+            </p:cNvCxnSpPr>
+            <p:nvPr/>
+          </p:nvCxnSpPr>
+          <p:spPr>
+            <a:xfrm flipH="1">
+              <a:off x="2699238" y="3429000"/>
+              <a:ext cx="1327639" cy="0"/>
+            </a:xfrm>
+            <a:prstGeom prst="straightConnector1">
+              <a:avLst/>
+            </a:prstGeom>
+            <a:ln w="9525" cap="flat" cmpd="sng" algn="ctr">
+              <a:solidFill>
+                <a:schemeClr val="dk1"/>
+              </a:solidFill>
+              <a:prstDash val="solid"/>
+              <a:round/>
+              <a:headEnd type="none" w="med" len="med"/>
+              <a:tailEnd type="arrow" w="med" len="med"/>
+            </a:ln>
+          </p:spPr>
+          <p:style>
+            <a:lnRef idx="0">
+              <a:scrgbClr r="0" g="0" b="0"/>
+            </a:lnRef>
+            <a:fillRef idx="0">
+              <a:scrgbClr r="0" g="0" b="0"/>
+            </a:fillRef>
+            <a:effectRef idx="0">
+              <a:scrgbClr r="0" g="0" b="0"/>
+            </a:effectRef>
+            <a:fontRef idx="minor">
+              <a:schemeClr val="tx1"/>
+            </a:fontRef>
+          </p:style>
+        </p:cxnSp>
+        <p:cxnSp>
+          <p:nvCxnSpPr>
+            <p:cNvPr id="12" name="连接符: 肘形 11">
+              <a:extLst>
+                <a:ext uri="{FF2B5EF4-FFF2-40B4-BE49-F238E27FC236}">
+                  <a16:creationId xmlns:a16="http://schemas.microsoft.com/office/drawing/2014/main" id="{1FDEDEE6-3146-4E24-A394-0295BCACBA16}"/>
+                </a:ext>
+              </a:extLst>
+            </p:cNvPr>
+            <p:cNvCxnSpPr>
+              <a:cxnSpLocks/>
+            </p:cNvCxnSpPr>
+            <p:nvPr/>
+          </p:nvCxnSpPr>
+          <p:spPr>
+            <a:xfrm flipV="1">
+              <a:off x="5070234" y="2640127"/>
+              <a:ext cx="896814" cy="486259"/>
+            </a:xfrm>
+            <a:prstGeom prst="bentConnector3">
+              <a:avLst/>
+            </a:prstGeom>
+          </p:spPr>
+          <p:style>
+            <a:lnRef idx="1">
+              <a:schemeClr val="dk1"/>
+            </a:lnRef>
+            <a:fillRef idx="0">
+              <a:schemeClr val="dk1"/>
+            </a:fillRef>
+            <a:effectRef idx="0">
+              <a:schemeClr val="dk1"/>
+            </a:effectRef>
+            <a:fontRef idx="minor">
+              <a:schemeClr val="tx1"/>
+            </a:fontRef>
+          </p:style>
+        </p:cxnSp>
+        <p:sp>
+          <p:nvSpPr>
+            <p:cNvPr id="15" name="矩形: 对角圆角 14">
+              <a:extLst>
+                <a:ext uri="{FF2B5EF4-FFF2-40B4-BE49-F238E27FC236}">
+                  <a16:creationId xmlns:a16="http://schemas.microsoft.com/office/drawing/2014/main" id="{766F8DB7-08FC-43FB-8B39-AEC474C9C08C}"/>
+                </a:ext>
+              </a:extLst>
+            </p:cNvPr>
+            <p:cNvSpPr/>
+            <p:nvPr/>
+          </p:nvSpPr>
+          <p:spPr>
+            <a:xfrm>
+              <a:off x="5967048" y="2419807"/>
+              <a:ext cx="1356946" cy="706579"/>
+            </a:xfrm>
+            <a:prstGeom prst="round2DiagRect">
+              <a:avLst/>
+            </a:prstGeom>
+            <a:solidFill>
+              <a:schemeClr val="accent3">
+                <a:alpha val="50000"/>
+              </a:schemeClr>
+            </a:solidFill>
+            <a:ln>
+              <a:noFill/>
+            </a:ln>
+          </p:spPr>
+          <p:style>
+            <a:lnRef idx="0">
+              <a:scrgbClr r="0" g="0" b="0"/>
+            </a:lnRef>
+            <a:fillRef idx="0">
+              <a:scrgbClr r="0" g="0" b="0"/>
+            </a:fillRef>
+            <a:effectRef idx="0">
+              <a:scrgbClr r="0" g="0" b="0"/>
+            </a:effectRef>
+            <a:fontRef idx="minor">
+              <a:schemeClr val="lt1"/>
+            </a:fontRef>
+          </p:style>
+          <p:txBody>
+            <a:bodyPr rtlCol="0" anchor="ctr"/>
+            <a:lstStyle/>
+            <a:p>
+              <a:pPr algn="ctr"/>
+              <a:r>
+                <a:rPr lang="zh-CN" altLang="en-US" dirty="0">
+                  <a:ln w="0"/>
+                  <a:solidFill>
+                    <a:schemeClr val="tx1"/>
+                  </a:solidFill>
+                  <a:effectLst>
+                    <a:outerShdw blurRad="38100" dist="19050" dir="2700000" algn="tl" rotWithShape="0">
+                      <a:schemeClr val="dk1">
+                        <a:alpha val="40000"/>
+                      </a:schemeClr>
+                    </a:outerShdw>
+                  </a:effectLst>
+                </a:rPr>
+                <a:t>键盘</a:t>
+              </a:r>
+              <a:endParaRPr lang="zh-CN" altLang="en-US" dirty="0"/>
+            </a:p>
+          </p:txBody>
+        </p:sp>
+        <p:cxnSp>
+          <p:nvCxnSpPr>
+            <p:cNvPr id="18" name="直接箭头连接符 17">
+              <a:extLst>
+                <a:ext uri="{FF2B5EF4-FFF2-40B4-BE49-F238E27FC236}">
+                  <a16:creationId xmlns:a16="http://schemas.microsoft.com/office/drawing/2014/main" id="{DAC9C9FF-7110-46DC-A4E2-14ECA35CAB4A}"/>
+                </a:ext>
+              </a:extLst>
+            </p:cNvPr>
+            <p:cNvCxnSpPr>
+              <a:cxnSpLocks/>
+            </p:cNvCxnSpPr>
+            <p:nvPr/>
+          </p:nvCxnSpPr>
+          <p:spPr>
+            <a:xfrm>
+              <a:off x="2668465" y="4003430"/>
+              <a:ext cx="1389184" cy="0"/>
+            </a:xfrm>
+            <a:prstGeom prst="straightConnector1">
+              <a:avLst/>
+            </a:prstGeom>
+            <a:ln w="9525" cap="flat" cmpd="sng" algn="ctr">
+              <a:solidFill>
+                <a:schemeClr val="dk1"/>
+              </a:solidFill>
+              <a:prstDash val="solid"/>
+              <a:round/>
+              <a:headEnd type="none" w="med" len="med"/>
+              <a:tailEnd type="arrow" w="med" len="med"/>
+            </a:ln>
+          </p:spPr>
+          <p:style>
+            <a:lnRef idx="0">
+              <a:scrgbClr r="0" g="0" b="0"/>
+            </a:lnRef>
+            <a:fillRef idx="0">
+              <a:scrgbClr r="0" g="0" b="0"/>
+            </a:fillRef>
+            <a:effectRef idx="0">
+              <a:scrgbClr r="0" g="0" b="0"/>
+            </a:effectRef>
+            <a:fontRef idx="minor">
+              <a:schemeClr val="tx1"/>
+            </a:fontRef>
+          </p:style>
+        </p:cxnSp>
+        <p:cxnSp>
+          <p:nvCxnSpPr>
+            <p:cNvPr id="22" name="连接符: 肘形 21">
+              <a:extLst>
+                <a:ext uri="{FF2B5EF4-FFF2-40B4-BE49-F238E27FC236}">
+                  <a16:creationId xmlns:a16="http://schemas.microsoft.com/office/drawing/2014/main" id="{D9417F87-9A25-42C3-A007-07B7357C8BCC}"/>
+                </a:ext>
+              </a:extLst>
+            </p:cNvPr>
+            <p:cNvCxnSpPr>
+              <a:cxnSpLocks/>
+            </p:cNvCxnSpPr>
+            <p:nvPr/>
+          </p:nvCxnSpPr>
+          <p:spPr>
+            <a:xfrm>
+              <a:off x="5070234" y="3990755"/>
+              <a:ext cx="896814" cy="408368"/>
+            </a:xfrm>
+            <a:prstGeom prst="bentConnector3">
+              <a:avLst/>
+            </a:prstGeom>
+          </p:spPr>
+          <p:style>
+            <a:lnRef idx="1">
+              <a:schemeClr val="dk1"/>
+            </a:lnRef>
+            <a:fillRef idx="0">
+              <a:schemeClr val="dk1"/>
+            </a:fillRef>
+            <a:effectRef idx="0">
+              <a:schemeClr val="dk1"/>
+            </a:effectRef>
+            <a:fontRef idx="minor">
+              <a:schemeClr val="tx1"/>
+            </a:fontRef>
+          </p:style>
+        </p:cxnSp>
+        <p:sp>
+          <p:nvSpPr>
+            <p:cNvPr id="25" name="矩形: 对角圆角 24">
+              <a:extLst>
+                <a:ext uri="{FF2B5EF4-FFF2-40B4-BE49-F238E27FC236}">
+                  <a16:creationId xmlns:a16="http://schemas.microsoft.com/office/drawing/2014/main" id="{22E6B877-8136-464F-A891-0DB478037229}"/>
+                </a:ext>
+              </a:extLst>
+            </p:cNvPr>
+            <p:cNvSpPr/>
+            <p:nvPr/>
+          </p:nvSpPr>
+          <p:spPr>
+            <a:xfrm>
+              <a:off x="5967054" y="3873469"/>
+              <a:ext cx="1356946" cy="706579"/>
+            </a:xfrm>
+            <a:prstGeom prst="round2DiagRect">
+              <a:avLst/>
+            </a:prstGeom>
+            <a:solidFill>
+              <a:schemeClr val="accent2">
+                <a:alpha val="50000"/>
+              </a:schemeClr>
+            </a:solidFill>
+            <a:ln>
+              <a:noFill/>
+            </a:ln>
+          </p:spPr>
+          <p:style>
+            <a:lnRef idx="0">
+              <a:scrgbClr r="0" g="0" b="0"/>
+            </a:lnRef>
+            <a:fillRef idx="0">
+              <a:scrgbClr r="0" g="0" b="0"/>
+            </a:fillRef>
+            <a:effectRef idx="0">
+              <a:scrgbClr r="0" g="0" b="0"/>
+            </a:effectRef>
+            <a:fontRef idx="minor">
+              <a:schemeClr val="lt1"/>
+            </a:fontRef>
+          </p:style>
+          <p:txBody>
+            <a:bodyPr rtlCol="0" anchor="ctr"/>
+            <a:lstStyle/>
+            <a:p>
+              <a:pPr algn="ctr"/>
+              <a:r>
+                <a:rPr lang="zh-CN" altLang="en-US" dirty="0">
+                  <a:ln w="0"/>
+                  <a:solidFill>
+                    <a:schemeClr val="tx1"/>
+                  </a:solidFill>
+                  <a:effectLst>
+                    <a:outerShdw blurRad="38100" dist="19050" dir="2700000" algn="tl" rotWithShape="0">
+                      <a:schemeClr val="dk1">
+                        <a:alpha val="40000"/>
+                      </a:schemeClr>
+                    </a:outerShdw>
+                  </a:effectLst>
+                </a:rPr>
+                <a:t>屏幕</a:t>
+              </a:r>
+              <a:endParaRPr lang="zh-CN" altLang="en-US" dirty="0"/>
+            </a:p>
+          </p:txBody>
+        </p:sp>
+      </p:grpSp>
+      <p:cxnSp>
+        <p:nvCxnSpPr>
+          <p:cNvPr id="36" name="连接符: 肘形 35">
+            <a:extLst>
+              <a:ext uri="{FF2B5EF4-FFF2-40B4-BE49-F238E27FC236}">
+                <a16:creationId xmlns:a16="http://schemas.microsoft.com/office/drawing/2014/main" id="{A707BBAB-BCC1-49FD-BAC3-2F7BC2D05B91}"/>
+              </a:ext>
+            </a:extLst>
+          </p:cNvPr>
+          <p:cNvCxnSpPr>
+            <a:cxnSpLocks/>
+          </p:cNvCxnSpPr>
+          <p:nvPr/>
+        </p:nvCxnSpPr>
+        <p:spPr>
+          <a:xfrm>
+            <a:off x="4712680" y="5753074"/>
+            <a:ext cx="896814" cy="408368"/>
+          </a:xfrm>
+          <a:prstGeom prst="bentConnector3">
+            <a:avLst/>
+          </a:prstGeom>
+        </p:spPr>
+        <p:style>
+          <a:lnRef idx="1">
+            <a:schemeClr val="dk1"/>
+          </a:lnRef>
+          <a:fillRef idx="0">
+            <a:schemeClr val="dk1"/>
+          </a:fillRef>
+          <a:effectRef idx="0">
+            <a:schemeClr val="dk1"/>
+          </a:effectRef>
+          <a:fontRef idx="minor">
+            <a:schemeClr val="tx1"/>
+          </a:fontRef>
+        </p:style>
+      </p:cxnSp>
+      <p:grpSp>
+        <p:nvGrpSpPr>
+          <p:cNvPr id="5" name="组合 4">
+            <a:extLst>
+              <a:ext uri="{FF2B5EF4-FFF2-40B4-BE49-F238E27FC236}">
+                <a16:creationId xmlns:a16="http://schemas.microsoft.com/office/drawing/2014/main" id="{1309C226-04F5-4E66-BE36-3077A5FC0AF0}"/>
+              </a:ext>
+            </a:extLst>
+          </p:cNvPr>
+          <p:cNvGrpSpPr/>
+          <p:nvPr/>
+        </p:nvGrpSpPr>
+        <p:grpSpPr>
+          <a:xfrm>
+            <a:off x="876295" y="4182126"/>
+            <a:ext cx="6090145" cy="2268498"/>
+            <a:chOff x="876295" y="4182126"/>
+            <a:chExt cx="6090145" cy="2268498"/>
+          </a:xfrm>
+        </p:grpSpPr>
+        <p:sp>
+          <p:nvSpPr>
+            <p:cNvPr id="29" name="矩形 28">
+              <a:extLst>
+                <a:ext uri="{FF2B5EF4-FFF2-40B4-BE49-F238E27FC236}">
+                  <a16:creationId xmlns:a16="http://schemas.microsoft.com/office/drawing/2014/main" id="{5C0F522A-452B-4455-BACE-073AC8B26728}"/>
+                </a:ext>
+              </a:extLst>
+            </p:cNvPr>
+            <p:cNvSpPr/>
+            <p:nvPr/>
+          </p:nvSpPr>
+          <p:spPr>
+            <a:xfrm>
+              <a:off x="876295" y="4712943"/>
+              <a:ext cx="1896208" cy="1213339"/>
+            </a:xfrm>
+            <a:prstGeom prst="rect">
+              <a:avLst/>
+            </a:prstGeom>
+            <a:solidFill>
+              <a:schemeClr val="accent1">
+                <a:alpha val="50000"/>
+              </a:schemeClr>
+            </a:solidFill>
+            <a:ln>
+              <a:noFill/>
+            </a:ln>
+          </p:spPr>
+          <p:style>
+            <a:lnRef idx="0">
+              <a:scrgbClr r="0" g="0" b="0"/>
+            </a:lnRef>
+            <a:fillRef idx="0">
+              <a:scrgbClr r="0" g="0" b="0"/>
+            </a:fillRef>
+            <a:effectRef idx="0">
+              <a:scrgbClr r="0" g="0" b="0"/>
+            </a:effectRef>
+            <a:fontRef idx="minor">
+              <a:schemeClr val="lt1"/>
+            </a:fontRef>
+          </p:style>
+          <p:txBody>
+            <a:bodyPr rtlCol="0" anchor="ctr"/>
+            <a:lstStyle/>
+            <a:p>
+              <a:pPr algn="ctr"/>
+              <a:r>
+                <a:rPr lang="zh-CN" altLang="en-US" dirty="0">
+                  <a:ln w="0"/>
+                  <a:solidFill>
+                    <a:schemeClr val="tx1"/>
+                  </a:solidFill>
+                  <a:effectLst>
+                    <a:outerShdw blurRad="38100" dist="19050" dir="2700000" algn="tl" rotWithShape="0">
+                      <a:schemeClr val="dk1">
+                        <a:alpha val="40000"/>
+                      </a:schemeClr>
+                    </a:outerShdw>
+                  </a:effectLst>
+                </a:rPr>
+                <a:t>运行程序：</a:t>
+              </a:r>
+              <a:endParaRPr lang="en-US" altLang="zh-CN" dirty="0">
+                <a:ln w="0"/>
+                <a:solidFill>
+                  <a:schemeClr val="tx1"/>
+                </a:solidFill>
+                <a:effectLst>
+                  <a:outerShdw blurRad="38100" dist="19050" dir="2700000" algn="tl" rotWithShape="0">
+                    <a:schemeClr val="dk1">
+                      <a:alpha val="40000"/>
+                    </a:schemeClr>
+                  </a:outerShdw>
+                </a:effectLst>
+              </a:endParaRPr>
+            </a:p>
+            <a:p>
+              <a:pPr algn="ctr"/>
+              <a:r>
+                <a:rPr lang="zh-CN" altLang="en-US" dirty="0">
+                  <a:ln w="0"/>
+                  <a:solidFill>
+                    <a:schemeClr val="tx1"/>
+                  </a:solidFill>
+                  <a:effectLst>
+                    <a:outerShdw blurRad="38100" dist="19050" dir="2700000" algn="tl" rotWithShape="0">
+                      <a:schemeClr val="dk1">
+                        <a:alpha val="40000"/>
+                      </a:schemeClr>
+                    </a:outerShdw>
+                  </a:effectLst>
+                </a:rPr>
+                <a:t>获取输入</a:t>
+              </a:r>
+              <a:endParaRPr lang="en-US" altLang="zh-CN" dirty="0">
+                <a:ln w="0"/>
+                <a:solidFill>
+                  <a:schemeClr val="tx1"/>
+                </a:solidFill>
+                <a:effectLst>
+                  <a:outerShdw blurRad="38100" dist="19050" dir="2700000" algn="tl" rotWithShape="0">
+                    <a:schemeClr val="dk1">
+                      <a:alpha val="40000"/>
+                    </a:schemeClr>
+                  </a:outerShdw>
+                </a:effectLst>
+              </a:endParaRPr>
+            </a:p>
+            <a:p>
+              <a:pPr algn="ctr"/>
+              <a:endParaRPr lang="en-US" altLang="zh-CN" dirty="0">
+                <a:ln w="0"/>
+                <a:solidFill>
+                  <a:schemeClr val="tx1"/>
+                </a:solidFill>
+                <a:effectLst>
+                  <a:outerShdw blurRad="38100" dist="19050" dir="2700000" algn="tl" rotWithShape="0">
+                    <a:schemeClr val="dk1">
+                      <a:alpha val="40000"/>
+                    </a:schemeClr>
+                  </a:outerShdw>
+                </a:effectLst>
+              </a:endParaRPr>
+            </a:p>
+            <a:p>
+              <a:pPr algn="ctr"/>
+              <a:r>
+                <a:rPr lang="zh-CN" altLang="en-US" dirty="0">
+                  <a:ln w="0"/>
+                  <a:solidFill>
+                    <a:schemeClr val="tx1"/>
+                  </a:solidFill>
+                  <a:effectLst>
+                    <a:outerShdw blurRad="38100" dist="19050" dir="2700000" algn="tl" rotWithShape="0">
+                      <a:schemeClr val="dk1">
+                        <a:alpha val="40000"/>
+                      </a:schemeClr>
+                    </a:outerShdw>
+                  </a:effectLst>
+                </a:rPr>
+                <a:t>输出函数</a:t>
+              </a:r>
+              <a:endParaRPr lang="en-US" altLang="zh-CN" dirty="0">
+                <a:ln w="0"/>
+                <a:solidFill>
+                  <a:schemeClr val="tx1"/>
+                </a:solidFill>
+                <a:effectLst>
+                  <a:outerShdw blurRad="38100" dist="19050" dir="2700000" algn="tl" rotWithShape="0">
+                    <a:schemeClr val="dk1">
+                      <a:alpha val="40000"/>
+                    </a:schemeClr>
+                  </a:outerShdw>
+                </a:effectLst>
+              </a:endParaRPr>
+            </a:p>
+          </p:txBody>
+        </p:sp>
+        <p:sp>
+          <p:nvSpPr>
+            <p:cNvPr id="30" name="矩形: 圆角 29">
+              <a:extLst>
+                <a:ext uri="{FF2B5EF4-FFF2-40B4-BE49-F238E27FC236}">
+                  <a16:creationId xmlns:a16="http://schemas.microsoft.com/office/drawing/2014/main" id="{C59332BD-35A3-483F-888A-1194EFB3B781}"/>
+                </a:ext>
+              </a:extLst>
+            </p:cNvPr>
+            <p:cNvSpPr/>
+            <p:nvPr/>
+          </p:nvSpPr>
+          <p:spPr>
+            <a:xfrm>
+              <a:off x="3669323" y="4712943"/>
+              <a:ext cx="1043357" cy="646749"/>
+            </a:xfrm>
+            <a:prstGeom prst="roundRect">
+              <a:avLst/>
+            </a:prstGeom>
+          </p:spPr>
+          <p:style>
+            <a:lnRef idx="2">
+              <a:schemeClr val="dk1"/>
+            </a:lnRef>
+            <a:fillRef idx="1">
+              <a:schemeClr val="lt1"/>
+            </a:fillRef>
+            <a:effectRef idx="0">
+              <a:schemeClr val="dk1"/>
+            </a:effectRef>
+            <a:fontRef idx="minor">
+              <a:schemeClr val="dk1"/>
+            </a:fontRef>
+          </p:style>
+          <p:txBody>
+            <a:bodyPr rtlCol="0" anchor="ctr"/>
+            <a:lstStyle/>
+            <a:p>
+              <a:pPr algn="ctr"/>
+              <a:r>
+                <a:rPr lang="zh-CN" altLang="en-US" dirty="0"/>
+                <a:t>文件描述符</a:t>
+              </a:r>
+              <a:r>
+                <a:rPr lang="en-US" altLang="zh-CN" dirty="0"/>
+                <a:t>0</a:t>
+              </a:r>
+              <a:endParaRPr lang="zh-CN" altLang="en-US" dirty="0"/>
+            </a:p>
+          </p:txBody>
+        </p:sp>
+        <p:sp>
+          <p:nvSpPr>
+            <p:cNvPr id="31" name="矩形: 圆角 30">
+              <a:extLst>
+                <a:ext uri="{FF2B5EF4-FFF2-40B4-BE49-F238E27FC236}">
+                  <a16:creationId xmlns:a16="http://schemas.microsoft.com/office/drawing/2014/main" id="{9B450D7E-D1CD-430F-8127-79522D6A7D15}"/>
+                </a:ext>
+              </a:extLst>
+            </p:cNvPr>
+            <p:cNvSpPr/>
+            <p:nvPr/>
+          </p:nvSpPr>
+          <p:spPr>
+            <a:xfrm>
+              <a:off x="3675188" y="5514693"/>
+              <a:ext cx="1037492" cy="646749"/>
+            </a:xfrm>
+            <a:prstGeom prst="roundRect">
+              <a:avLst/>
+            </a:prstGeom>
+          </p:spPr>
+          <p:style>
+            <a:lnRef idx="2">
+              <a:schemeClr val="dk1"/>
+            </a:lnRef>
+            <a:fillRef idx="1">
+              <a:schemeClr val="lt1"/>
+            </a:fillRef>
+            <a:effectRef idx="0">
+              <a:schemeClr val="dk1"/>
+            </a:effectRef>
+            <a:fontRef idx="minor">
+              <a:schemeClr val="dk1"/>
+            </a:fontRef>
+          </p:style>
+          <p:txBody>
+            <a:bodyPr rtlCol="0" anchor="ctr"/>
+            <a:lstStyle/>
+            <a:p>
+              <a:pPr algn="ctr"/>
+              <a:r>
+                <a:rPr lang="zh-CN" altLang="en-US" dirty="0"/>
+                <a:t>文件描述符</a:t>
+              </a:r>
+              <a:r>
+                <a:rPr lang="en-US" altLang="zh-CN" dirty="0"/>
+                <a:t>1</a:t>
+              </a:r>
+              <a:endParaRPr lang="zh-CN" altLang="en-US" dirty="0"/>
+            </a:p>
+          </p:txBody>
+        </p:sp>
+        <p:cxnSp>
+          <p:nvCxnSpPr>
+            <p:cNvPr id="32" name="直接箭头连接符 31">
+              <a:extLst>
+                <a:ext uri="{FF2B5EF4-FFF2-40B4-BE49-F238E27FC236}">
+                  <a16:creationId xmlns:a16="http://schemas.microsoft.com/office/drawing/2014/main" id="{6C791004-ED31-4AEE-8FAA-A62620FDA8B7}"/>
+                </a:ext>
+              </a:extLst>
+            </p:cNvPr>
+            <p:cNvCxnSpPr>
+              <a:cxnSpLocks/>
+            </p:cNvCxnSpPr>
+            <p:nvPr/>
+          </p:nvCxnSpPr>
+          <p:spPr>
+            <a:xfrm flipH="1">
+              <a:off x="2341684" y="5191319"/>
+              <a:ext cx="1327639" cy="0"/>
+            </a:xfrm>
+            <a:prstGeom prst="straightConnector1">
+              <a:avLst/>
+            </a:prstGeom>
+            <a:ln w="9525" cap="flat" cmpd="sng" algn="ctr">
+              <a:solidFill>
+                <a:schemeClr val="dk1"/>
+              </a:solidFill>
+              <a:prstDash val="solid"/>
+              <a:round/>
+              <a:headEnd type="none" w="med" len="med"/>
+              <a:tailEnd type="arrow" w="med" len="med"/>
+            </a:ln>
+          </p:spPr>
+          <p:style>
+            <a:lnRef idx="0">
+              <a:scrgbClr r="0" g="0" b="0"/>
+            </a:lnRef>
+            <a:fillRef idx="0">
+              <a:scrgbClr r="0" g="0" b="0"/>
+            </a:fillRef>
+            <a:effectRef idx="0">
+              <a:scrgbClr r="0" g="0" b="0"/>
+            </a:effectRef>
+            <a:fontRef idx="minor">
+              <a:schemeClr val="tx1"/>
+            </a:fontRef>
+          </p:style>
+        </p:cxnSp>
+        <p:cxnSp>
+          <p:nvCxnSpPr>
+            <p:cNvPr id="33" name="连接符: 肘形 32">
+              <a:extLst>
+                <a:ext uri="{FF2B5EF4-FFF2-40B4-BE49-F238E27FC236}">
+                  <a16:creationId xmlns:a16="http://schemas.microsoft.com/office/drawing/2014/main" id="{DB7A66A6-605F-4EE9-B8DD-A4AB2F84B8E3}"/>
+                </a:ext>
+              </a:extLst>
+            </p:cNvPr>
+            <p:cNvCxnSpPr>
+              <a:cxnSpLocks/>
+            </p:cNvCxnSpPr>
+            <p:nvPr/>
+          </p:nvCxnSpPr>
+          <p:spPr>
+            <a:xfrm flipV="1">
+              <a:off x="4712680" y="4402446"/>
+              <a:ext cx="896814" cy="486259"/>
+            </a:xfrm>
+            <a:prstGeom prst="bentConnector3">
+              <a:avLst/>
+            </a:prstGeom>
+          </p:spPr>
+          <p:style>
+            <a:lnRef idx="1">
+              <a:schemeClr val="dk1"/>
+            </a:lnRef>
+            <a:fillRef idx="0">
+              <a:schemeClr val="dk1"/>
+            </a:fillRef>
+            <a:effectRef idx="0">
+              <a:schemeClr val="dk1"/>
+            </a:effectRef>
+            <a:fontRef idx="minor">
+              <a:schemeClr val="tx1"/>
+            </a:fontRef>
+          </p:style>
+        </p:cxnSp>
+        <p:sp>
+          <p:nvSpPr>
+            <p:cNvPr id="34" name="矩形: 对角圆角 33">
+              <a:extLst>
+                <a:ext uri="{FF2B5EF4-FFF2-40B4-BE49-F238E27FC236}">
+                  <a16:creationId xmlns:a16="http://schemas.microsoft.com/office/drawing/2014/main" id="{F5D1C7C8-3212-4B95-8A6B-3EEBBF2972A3}"/>
+                </a:ext>
+              </a:extLst>
+            </p:cNvPr>
+            <p:cNvSpPr/>
+            <p:nvPr/>
+          </p:nvSpPr>
+          <p:spPr>
+            <a:xfrm>
+              <a:off x="5609494" y="4182126"/>
+              <a:ext cx="1356946" cy="706579"/>
+            </a:xfrm>
+            <a:prstGeom prst="round2DiagRect">
+              <a:avLst/>
+            </a:prstGeom>
+            <a:solidFill>
+              <a:schemeClr val="accent3">
+                <a:alpha val="50000"/>
+              </a:schemeClr>
+            </a:solidFill>
+            <a:ln>
+              <a:noFill/>
+            </a:ln>
+          </p:spPr>
+          <p:style>
+            <a:lnRef idx="0">
+              <a:scrgbClr r="0" g="0" b="0"/>
+            </a:lnRef>
+            <a:fillRef idx="0">
+              <a:scrgbClr r="0" g="0" b="0"/>
+            </a:fillRef>
+            <a:effectRef idx="0">
+              <a:scrgbClr r="0" g="0" b="0"/>
+            </a:effectRef>
+            <a:fontRef idx="minor">
+              <a:schemeClr val="lt1"/>
+            </a:fontRef>
+          </p:style>
+          <p:txBody>
+            <a:bodyPr rtlCol="0" anchor="ctr"/>
+            <a:lstStyle/>
+            <a:p>
+              <a:pPr algn="ctr"/>
+              <a:r>
+                <a:rPr lang="zh-CN" altLang="en-US" dirty="0">
+                  <a:ln w="0"/>
+                  <a:solidFill>
+                    <a:schemeClr val="tx1"/>
+                  </a:solidFill>
+                  <a:effectLst>
+                    <a:outerShdw blurRad="38100" dist="19050" dir="2700000" algn="tl" rotWithShape="0">
+                      <a:schemeClr val="dk1">
+                        <a:alpha val="40000"/>
+                      </a:schemeClr>
+                    </a:outerShdw>
+                  </a:effectLst>
+                </a:rPr>
+                <a:t>键盘</a:t>
+              </a:r>
+              <a:endParaRPr lang="zh-CN" altLang="en-US" dirty="0"/>
+            </a:p>
+          </p:txBody>
+        </p:sp>
+        <p:cxnSp>
+          <p:nvCxnSpPr>
+            <p:cNvPr id="35" name="直接箭头连接符 34">
+              <a:extLst>
+                <a:ext uri="{FF2B5EF4-FFF2-40B4-BE49-F238E27FC236}">
+                  <a16:creationId xmlns:a16="http://schemas.microsoft.com/office/drawing/2014/main" id="{62F74C01-E01F-408A-B634-43D0C86E6AE3}"/>
+                </a:ext>
+              </a:extLst>
+            </p:cNvPr>
+            <p:cNvCxnSpPr>
+              <a:cxnSpLocks/>
+            </p:cNvCxnSpPr>
+            <p:nvPr/>
+          </p:nvCxnSpPr>
+          <p:spPr>
+            <a:xfrm>
+              <a:off x="2310911" y="5765749"/>
+              <a:ext cx="1389184" cy="0"/>
+            </a:xfrm>
+            <a:prstGeom prst="straightConnector1">
+              <a:avLst/>
+            </a:prstGeom>
+            <a:ln w="9525" cap="flat" cmpd="sng" algn="ctr">
+              <a:solidFill>
+                <a:schemeClr val="dk1"/>
+              </a:solidFill>
+              <a:prstDash val="solid"/>
+              <a:round/>
+              <a:headEnd type="none" w="med" len="med"/>
+              <a:tailEnd type="arrow" w="med" len="med"/>
+            </a:ln>
+          </p:spPr>
+          <p:style>
+            <a:lnRef idx="0">
+              <a:scrgbClr r="0" g="0" b="0"/>
+            </a:lnRef>
+            <a:fillRef idx="0">
+              <a:scrgbClr r="0" g="0" b="0"/>
+            </a:fillRef>
+            <a:effectRef idx="0">
+              <a:scrgbClr r="0" g="0" b="0"/>
+            </a:effectRef>
+            <a:fontRef idx="minor">
+              <a:schemeClr val="tx1"/>
+            </a:fontRef>
+          </p:style>
+        </p:cxnSp>
+        <p:sp>
+          <p:nvSpPr>
+            <p:cNvPr id="37" name="矩形: 对角圆角 36">
+              <a:extLst>
+                <a:ext uri="{FF2B5EF4-FFF2-40B4-BE49-F238E27FC236}">
+                  <a16:creationId xmlns:a16="http://schemas.microsoft.com/office/drawing/2014/main" id="{1F66C481-298C-486D-8F01-3F1CA8A62305}"/>
+                </a:ext>
+              </a:extLst>
+            </p:cNvPr>
+            <p:cNvSpPr/>
+            <p:nvPr/>
+          </p:nvSpPr>
+          <p:spPr>
+            <a:xfrm>
+              <a:off x="5593374" y="5176512"/>
+              <a:ext cx="1194288" cy="589238"/>
+            </a:xfrm>
+            <a:prstGeom prst="round2DiagRect">
+              <a:avLst/>
+            </a:prstGeom>
+            <a:solidFill>
+              <a:schemeClr val="accent2">
+                <a:alpha val="50000"/>
+              </a:schemeClr>
+            </a:solidFill>
+            <a:ln>
+              <a:noFill/>
+            </a:ln>
+          </p:spPr>
+          <p:style>
+            <a:lnRef idx="0">
+              <a:scrgbClr r="0" g="0" b="0"/>
+            </a:lnRef>
+            <a:fillRef idx="0">
+              <a:scrgbClr r="0" g="0" b="0"/>
+            </a:fillRef>
+            <a:effectRef idx="0">
+              <a:scrgbClr r="0" g="0" b="0"/>
+            </a:effectRef>
+            <a:fontRef idx="minor">
+              <a:schemeClr val="lt1"/>
+            </a:fontRef>
+          </p:style>
+          <p:txBody>
+            <a:bodyPr rtlCol="0" anchor="ctr"/>
+            <a:lstStyle/>
+            <a:p>
+              <a:pPr algn="ctr"/>
+              <a:r>
+                <a:rPr lang="zh-CN" altLang="en-US" dirty="0">
+                  <a:ln w="0"/>
+                  <a:solidFill>
+                    <a:schemeClr val="tx1"/>
+                  </a:solidFill>
+                  <a:effectLst>
+                    <a:outerShdw blurRad="38100" dist="19050" dir="2700000" algn="tl" rotWithShape="0">
+                      <a:schemeClr val="dk1">
+                        <a:alpha val="40000"/>
+                      </a:schemeClr>
+                    </a:outerShdw>
+                  </a:effectLst>
+                </a:rPr>
+                <a:t>屏幕</a:t>
+              </a:r>
+              <a:endParaRPr lang="zh-CN" altLang="en-US" dirty="0"/>
+            </a:p>
+          </p:txBody>
+        </p:sp>
+        <p:sp>
+          <p:nvSpPr>
+            <p:cNvPr id="49" name="矩形: 剪去单角 48">
+              <a:extLst>
+                <a:ext uri="{FF2B5EF4-FFF2-40B4-BE49-F238E27FC236}">
+                  <a16:creationId xmlns:a16="http://schemas.microsoft.com/office/drawing/2014/main" id="{F1C683B6-EE60-4612-8397-775F2861E79A}"/>
+                </a:ext>
+              </a:extLst>
+            </p:cNvPr>
+            <p:cNvSpPr/>
+            <p:nvPr/>
+          </p:nvSpPr>
+          <p:spPr>
+            <a:xfrm>
+              <a:off x="5593374" y="5825348"/>
+              <a:ext cx="1194288" cy="625276"/>
+            </a:xfrm>
+            <a:prstGeom prst="snip1Rect">
+              <a:avLst/>
+            </a:prstGeom>
+          </p:spPr>
+          <p:style>
+            <a:lnRef idx="1">
+              <a:schemeClr val="accent4"/>
+            </a:lnRef>
+            <a:fillRef idx="3">
+              <a:schemeClr val="accent4"/>
+            </a:fillRef>
+            <a:effectRef idx="2">
+              <a:schemeClr val="accent4"/>
+            </a:effectRef>
+            <a:fontRef idx="minor">
+              <a:schemeClr val="lt1"/>
+            </a:fontRef>
+          </p:style>
+          <p:txBody>
+            <a:bodyPr rtlCol="0" anchor="ctr"/>
+            <a:lstStyle/>
+            <a:p>
+              <a:pPr algn="ctr"/>
+              <a:r>
+                <a:rPr lang="zh-CN" altLang="en-US" dirty="0">
+                  <a:ln w="0"/>
+                  <a:solidFill>
+                    <a:schemeClr val="tx1"/>
+                  </a:solidFill>
+                  <a:effectLst>
+                    <a:outerShdw blurRad="38100" dist="19050" dir="2700000" algn="tl" rotWithShape="0">
+                      <a:schemeClr val="dk1">
+                        <a:alpha val="40000"/>
+                      </a:schemeClr>
+                    </a:outerShdw>
+                  </a:effectLst>
+                </a:rPr>
+                <a:t>普通文件</a:t>
+              </a:r>
+            </a:p>
+          </p:txBody>
+        </p:sp>
+      </p:grpSp>
+      <p:grpSp>
+        <p:nvGrpSpPr>
+          <p:cNvPr id="58" name="组合 57">
+            <a:extLst>
+              <a:ext uri="{FF2B5EF4-FFF2-40B4-BE49-F238E27FC236}">
+                <a16:creationId xmlns:a16="http://schemas.microsoft.com/office/drawing/2014/main" id="{5E703A7A-E33B-4300-9076-6C4E60ECE9E2}"/>
+              </a:ext>
+            </a:extLst>
+          </p:cNvPr>
+          <p:cNvGrpSpPr/>
+          <p:nvPr/>
+        </p:nvGrpSpPr>
+        <p:grpSpPr>
+          <a:xfrm>
+            <a:off x="7016265" y="3442772"/>
+            <a:ext cx="1696911" cy="2363054"/>
+            <a:chOff x="6998681" y="3390020"/>
+            <a:chExt cx="1696911" cy="2363054"/>
+          </a:xfrm>
+        </p:grpSpPr>
+        <p:cxnSp>
+          <p:nvCxnSpPr>
+            <p:cNvPr id="51" name="直接连接符 50">
+              <a:extLst>
+                <a:ext uri="{FF2B5EF4-FFF2-40B4-BE49-F238E27FC236}">
+                  <a16:creationId xmlns:a16="http://schemas.microsoft.com/office/drawing/2014/main" id="{7296BA87-E926-43B9-B180-CB2041CDDB51}"/>
+                </a:ext>
+              </a:extLst>
+            </p:cNvPr>
+            <p:cNvCxnSpPr/>
+            <p:nvPr/>
+          </p:nvCxnSpPr>
+          <p:spPr>
+            <a:xfrm>
+              <a:off x="7104185" y="3393635"/>
+              <a:ext cx="1591407" cy="0"/>
+            </a:xfrm>
+            <a:prstGeom prst="line">
+              <a:avLst/>
+            </a:prstGeom>
+            <a:ln w="19050"/>
+          </p:spPr>
+          <p:style>
+            <a:lnRef idx="2">
+              <a:schemeClr val="dk1"/>
+            </a:lnRef>
+            <a:fillRef idx="0">
+              <a:schemeClr val="dk1"/>
+            </a:fillRef>
+            <a:effectRef idx="1">
+              <a:schemeClr val="dk1"/>
+            </a:effectRef>
+            <a:fontRef idx="minor">
+              <a:schemeClr val="tx1"/>
+            </a:fontRef>
+          </p:style>
+        </p:cxnSp>
+        <p:cxnSp>
+          <p:nvCxnSpPr>
+            <p:cNvPr id="55" name="直接连接符 54">
+              <a:extLst>
+                <a:ext uri="{FF2B5EF4-FFF2-40B4-BE49-F238E27FC236}">
+                  <a16:creationId xmlns:a16="http://schemas.microsoft.com/office/drawing/2014/main" id="{F9681081-4F2C-4B09-B540-DF0A706B1510}"/>
+                </a:ext>
+              </a:extLst>
+            </p:cNvPr>
+            <p:cNvCxnSpPr/>
+            <p:nvPr/>
+          </p:nvCxnSpPr>
+          <p:spPr>
+            <a:xfrm>
+              <a:off x="8695592" y="3390020"/>
+              <a:ext cx="0" cy="2363054"/>
+            </a:xfrm>
+            <a:prstGeom prst="line">
+              <a:avLst/>
+            </a:prstGeom>
+            <a:ln w="19050"/>
+          </p:spPr>
+          <p:style>
+            <a:lnRef idx="2">
+              <a:schemeClr val="dk1"/>
+            </a:lnRef>
+            <a:fillRef idx="0">
+              <a:schemeClr val="dk1"/>
+            </a:fillRef>
+            <a:effectRef idx="1">
+              <a:schemeClr val="dk1"/>
+            </a:effectRef>
+            <a:fontRef idx="minor">
+              <a:schemeClr val="tx1"/>
+            </a:fontRef>
+          </p:style>
+        </p:cxnSp>
+        <p:cxnSp>
+          <p:nvCxnSpPr>
+            <p:cNvPr id="57" name="直接箭头连接符 56">
+              <a:extLst>
+                <a:ext uri="{FF2B5EF4-FFF2-40B4-BE49-F238E27FC236}">
+                  <a16:creationId xmlns:a16="http://schemas.microsoft.com/office/drawing/2014/main" id="{B6DCA5B9-0DEA-4C36-A8FB-EA08A7CF2A20}"/>
+                </a:ext>
+              </a:extLst>
+            </p:cNvPr>
+            <p:cNvCxnSpPr/>
+            <p:nvPr/>
+          </p:nvCxnSpPr>
+          <p:spPr>
+            <a:xfrm flipH="1">
+              <a:off x="6998681" y="5753074"/>
+              <a:ext cx="1696911" cy="0"/>
+            </a:xfrm>
+            <a:prstGeom prst="straightConnector1">
+              <a:avLst/>
+            </a:prstGeom>
+            <a:ln w="19050">
+              <a:tailEnd type="triangle"/>
+            </a:ln>
+          </p:spPr>
+          <p:style>
+            <a:lnRef idx="2">
+              <a:schemeClr val="dk1"/>
+            </a:lnRef>
+            <a:fillRef idx="0">
+              <a:schemeClr val="dk1"/>
+            </a:fillRef>
+            <a:effectRef idx="1">
+              <a:schemeClr val="dk1"/>
+            </a:effectRef>
+            <a:fontRef idx="minor">
+              <a:schemeClr val="tx1"/>
+            </a:fontRef>
+          </p:style>
+        </p:cxnSp>
+      </p:grpSp>
+      <p:sp>
+        <p:nvSpPr>
+          <p:cNvPr id="59" name="文本框 58">
+            <a:extLst>
+              <a:ext uri="{FF2B5EF4-FFF2-40B4-BE49-F238E27FC236}">
+                <a16:creationId xmlns:a16="http://schemas.microsoft.com/office/drawing/2014/main" id="{F2A2A627-F682-4072-AAEC-1AB3C9DE7BCA}"/>
+              </a:ext>
+            </a:extLst>
+          </p:cNvPr>
+          <p:cNvSpPr txBox="1"/>
+          <p:nvPr/>
+        </p:nvSpPr>
+        <p:spPr>
+          <a:xfrm>
+            <a:off x="8862646" y="3713395"/>
+            <a:ext cx="2954207" cy="1200329"/>
+          </a:xfrm>
+          <a:prstGeom prst="rect">
+            <a:avLst/>
+          </a:prstGeom>
+          <a:noFill/>
+        </p:spPr>
+        <p:txBody>
+          <a:bodyPr wrap="square" rtlCol="0">
+            <a:spAutoFit/>
+          </a:bodyPr>
+          <a:lstStyle/>
+          <a:p>
+            <a:r>
+              <a:rPr lang="zh-CN" altLang="en-US" dirty="0"/>
+              <a:t>输出重定向后的结果：输出的字符保存到文件，文件描述符</a:t>
+            </a:r>
+            <a:r>
+              <a:rPr lang="en-US" altLang="zh-CN" dirty="0"/>
+              <a:t>1</a:t>
+            </a:r>
+            <a:r>
+              <a:rPr lang="zh-CN" altLang="en-US" dirty="0"/>
+              <a:t>断开和显示设备的关联，关联到了一个普通文件。</a:t>
+            </a:r>
+          </a:p>
+        </p:txBody>
+      </p:sp>
+      <p:sp>
+        <p:nvSpPr>
+          <p:cNvPr id="60" name="文本框 59">
+            <a:extLst>
+              <a:ext uri="{FF2B5EF4-FFF2-40B4-BE49-F238E27FC236}">
+                <a16:creationId xmlns:a16="http://schemas.microsoft.com/office/drawing/2014/main" id="{CA5C5E10-2CF1-4489-BCFC-A472252B3DE5}"/>
+              </a:ext>
+            </a:extLst>
+          </p:cNvPr>
+          <p:cNvSpPr txBox="1"/>
+          <p:nvPr/>
+        </p:nvSpPr>
+        <p:spPr>
+          <a:xfrm>
+            <a:off x="7297615" y="2971801"/>
+            <a:ext cx="1345223" cy="369332"/>
+          </a:xfrm>
+          <a:prstGeom prst="rect">
+            <a:avLst/>
+          </a:prstGeom>
+          <a:noFill/>
+        </p:spPr>
+        <p:txBody>
+          <a:bodyPr wrap="square" rtlCol="0">
+            <a:spAutoFit/>
+          </a:bodyPr>
+          <a:lstStyle/>
+          <a:p>
+            <a:r>
+              <a:rPr lang="zh-CN" altLang="en-US" dirty="0"/>
+              <a:t>输出重定向</a:t>
+            </a:r>
+          </a:p>
+        </p:txBody>
+      </p:sp>
+      <p:sp>
+        <p:nvSpPr>
+          <p:cNvPr id="3" name="文本框 2">
+            <a:extLst>
+              <a:ext uri="{FF2B5EF4-FFF2-40B4-BE49-F238E27FC236}">
+                <a16:creationId xmlns:a16="http://schemas.microsoft.com/office/drawing/2014/main" id="{D667F093-88F6-4736-997F-9E6E3AA88AB7}"/>
+              </a:ext>
+            </a:extLst>
+          </p:cNvPr>
+          <p:cNvSpPr txBox="1"/>
+          <p:nvPr/>
+        </p:nvSpPr>
+        <p:spPr>
+          <a:xfrm>
+            <a:off x="3307357" y="3758205"/>
+            <a:ext cx="1570907" cy="369332"/>
+          </a:xfrm>
+          <a:prstGeom prst="rect">
+            <a:avLst/>
+          </a:prstGeom>
+          <a:noFill/>
+        </p:spPr>
+        <p:txBody>
+          <a:bodyPr wrap="square" rtlCol="0">
+            <a:spAutoFit/>
+          </a:bodyPr>
+          <a:lstStyle/>
+          <a:p>
+            <a:r>
+              <a:rPr lang="zh-CN" altLang="en-US" i="1" dirty="0">
+                <a:solidFill>
+                  <a:srgbClr val="C00000"/>
+                </a:solidFill>
+              </a:rPr>
+              <a:t>重定向之前</a:t>
+            </a:r>
+          </a:p>
+        </p:txBody>
+      </p:sp>
+      <p:sp>
+        <p:nvSpPr>
+          <p:cNvPr id="38" name="文本框 37">
+            <a:extLst>
+              <a:ext uri="{FF2B5EF4-FFF2-40B4-BE49-F238E27FC236}">
+                <a16:creationId xmlns:a16="http://schemas.microsoft.com/office/drawing/2014/main" id="{5968EC1F-CF1C-4534-B836-AE29BEC1803C}"/>
+              </a:ext>
+            </a:extLst>
+          </p:cNvPr>
+          <p:cNvSpPr txBox="1"/>
+          <p:nvPr/>
+        </p:nvSpPr>
+        <p:spPr>
+          <a:xfrm>
+            <a:off x="2957126" y="6206941"/>
+            <a:ext cx="1825886" cy="369332"/>
+          </a:xfrm>
+          <a:prstGeom prst="rect">
+            <a:avLst/>
+          </a:prstGeom>
+          <a:noFill/>
+        </p:spPr>
+        <p:txBody>
+          <a:bodyPr wrap="square" rtlCol="0">
+            <a:spAutoFit/>
+          </a:bodyPr>
+          <a:lstStyle/>
+          <a:p>
+            <a:r>
+              <a:rPr lang="zh-CN" altLang="en-US" i="1" dirty="0">
+                <a:solidFill>
+                  <a:srgbClr val="C00000"/>
+                </a:solidFill>
+              </a:rPr>
+              <a:t>进行输出重定向</a:t>
+            </a:r>
+          </a:p>
+        </p:txBody>
+      </p:sp>
+    </p:spTree>
+    <p:extLst>
+      <p:ext uri="{BB962C8B-B14F-4D97-AF65-F5344CB8AC3E}">
+        <p14:creationId xmlns:p14="http://schemas.microsoft.com/office/powerpoint/2010/main" val="3833232936"/>
+      </p:ext>
+    </p:extLst>
+  </p:cSld>
+  <p:clrMapOvr>
+    <a:masterClrMapping/>
+  </p:clrMapOvr>
+</p:sld>
+</file>
+
+<file path=ppt/slides/slide6.xml><?xml version="1.0" encoding="utf-8"?>
+<p:sld xmlns:a="http://schemas.openxmlformats.org/drawingml/2006/main" xmlns:r="http://schemas.openxmlformats.org/officeDocument/2006/relationships" xmlns:p="http://schemas.openxmlformats.org/presentationml/2006/main">
+  <p:cSld>
+    <p:spTree>
+      <p:nvGrpSpPr>
+        <p:cNvPr id="1" name=""/>
+        <p:cNvGrpSpPr/>
+        <p:nvPr/>
+      </p:nvGrpSpPr>
+      <p:grpSpPr>
+        <a:xfrm>
+          <a:off x="0" y="0"/>
+          <a:ext cx="0" cy="0"/>
+          <a:chOff x="0" y="0"/>
+          <a:chExt cx="0" cy="0"/>
+        </a:xfrm>
+      </p:grpSpPr>
+      <p:sp>
+        <p:nvSpPr>
+          <p:cNvPr id="2" name="标题 1">
+            <a:extLst>
+              <a:ext uri="{FF2B5EF4-FFF2-40B4-BE49-F238E27FC236}">
+                <a16:creationId xmlns:a16="http://schemas.microsoft.com/office/drawing/2014/main" id="{C5256F2A-ABED-4E22-94BC-A89026E602E9}"/>
+              </a:ext>
+            </a:extLst>
+          </p:cNvPr>
+          <p:cNvSpPr>
+            <a:spLocks noGrp="1"/>
+          </p:cNvSpPr>
+          <p:nvPr>
+            <p:ph type="title"/>
+          </p:nvPr>
+        </p:nvSpPr>
+        <p:spPr/>
+        <p:txBody>
+          <a:bodyPr/>
+          <a:lstStyle/>
+          <a:p>
+            <a:r>
+              <a:rPr lang="zh-CN" altLang="en-US" dirty="0"/>
+              <a:t>谁控制重定向</a:t>
+            </a:r>
+          </a:p>
+        </p:txBody>
+      </p:sp>
+      <p:sp>
+        <p:nvSpPr>
+          <p:cNvPr id="3" name="内容占位符 2">
+            <a:extLst>
+              <a:ext uri="{FF2B5EF4-FFF2-40B4-BE49-F238E27FC236}">
+                <a16:creationId xmlns:a16="http://schemas.microsoft.com/office/drawing/2014/main" id="{BAB53D06-B409-4EEF-BC2B-952CA5701376}"/>
+              </a:ext>
+            </a:extLst>
+          </p:cNvPr>
+          <p:cNvSpPr>
+            <a:spLocks noGrp="1"/>
+          </p:cNvSpPr>
+          <p:nvPr>
+            <p:ph idx="1"/>
+          </p:nvPr>
+        </p:nvSpPr>
+        <p:spPr/>
+        <p:txBody>
+          <a:bodyPr/>
+          <a:lstStyle/>
+          <a:p>
+            <a:endParaRPr lang="en-US" altLang="zh-CN" dirty="0">
+              <a:solidFill>
+                <a:srgbClr val="C00000"/>
+              </a:solidFill>
+            </a:endParaRPr>
+          </a:p>
+          <a:p>
+            <a:r>
+              <a:rPr lang="zh-CN" altLang="en-US" dirty="0">
+                <a:solidFill>
+                  <a:srgbClr val="C00000"/>
+                </a:solidFill>
+              </a:rPr>
+              <a:t>在</a:t>
+            </a:r>
+            <a:r>
+              <a:rPr lang="en-US" altLang="zh-CN" dirty="0">
+                <a:solidFill>
+                  <a:srgbClr val="C00000"/>
+                </a:solidFill>
+              </a:rPr>
               <a:t>shell</a:t>
             </a:r>
             <a:r>
-              <a:rPr lang="zh-CN" altLang="en-US" sz="2000" dirty="0"/>
+              <a:rPr lang="zh-CN" altLang="en-US" dirty="0">
+                <a:solidFill>
+                  <a:srgbClr val="C00000"/>
+                </a:solidFill>
+              </a:rPr>
+              <a:t>中使用</a:t>
+            </a:r>
+            <a:r>
+              <a:rPr lang="en-US" altLang="zh-CN" dirty="0">
+                <a:solidFill>
+                  <a:srgbClr val="C00000"/>
+                </a:solidFill>
+              </a:rPr>
+              <a:t>&gt; , &lt; , &gt;&gt; </a:t>
+            </a:r>
+            <a:r>
+              <a:rPr lang="zh-CN" altLang="en-US" dirty="0">
+                <a:solidFill>
+                  <a:srgbClr val="C00000"/>
+                </a:solidFill>
+              </a:rPr>
+              <a:t>等重定向符号时，执行重定向操作的是</a:t>
+            </a:r>
+            <a:r>
+              <a:rPr lang="en-US" altLang="zh-CN" dirty="0">
+                <a:solidFill>
+                  <a:srgbClr val="C00000"/>
+                </a:solidFill>
+              </a:rPr>
+              <a:t>shell</a:t>
+            </a:r>
+            <a:r>
+              <a:rPr lang="zh-CN" altLang="en-US" dirty="0">
+                <a:solidFill>
+                  <a:srgbClr val="C00000"/>
+                </a:solidFill>
+              </a:rPr>
+              <a:t>，而不是程序。</a:t>
+            </a:r>
+            <a:endParaRPr lang="en-US" altLang="zh-CN" dirty="0">
+              <a:solidFill>
+                <a:srgbClr val="C00000"/>
+              </a:solidFill>
+            </a:endParaRPr>
+          </a:p>
+          <a:p>
+            <a:endParaRPr lang="en-US" altLang="zh-CN" dirty="0">
+              <a:solidFill>
+                <a:srgbClr val="C00000"/>
+              </a:solidFill>
+            </a:endParaRPr>
+          </a:p>
+          <a:p>
+            <a:r>
+              <a:rPr lang="en-US" altLang="zh-CN" dirty="0"/>
+              <a:t>shell</a:t>
+            </a:r>
+            <a:r>
+              <a:rPr lang="zh-CN" altLang="en-US" dirty="0"/>
+              <a:t>把重定向符号解释成指令，将标准输入、输出、错误输出指向其他文件，而不是所关联的设备。</a:t>
+            </a:r>
+            <a:endParaRPr lang="en-US" altLang="zh-CN" dirty="0"/>
+          </a:p>
+          <a:p>
+            <a:endParaRPr lang="en-US" altLang="zh-CN" dirty="0"/>
+          </a:p>
+          <a:p>
+            <a:r>
+              <a:rPr lang="zh-CN" altLang="en-US" dirty="0"/>
+              <a:t>手动编写的程序也是可以进行重定向的，但是在</a:t>
+            </a:r>
+            <a:r>
+              <a:rPr lang="en-US" altLang="zh-CN" dirty="0"/>
+              <a:t>shell</a:t>
+            </a:r>
+            <a:r>
+              <a:rPr lang="zh-CN" altLang="en-US" dirty="0"/>
+              <a:t>中输入命令，</a:t>
+            </a:r>
+            <a:r>
+              <a:rPr lang="en-US" altLang="zh-CN" dirty="0"/>
+              <a:t>shell</a:t>
+            </a:r>
+            <a:r>
+              <a:rPr lang="zh-CN" altLang="en-US" dirty="0"/>
+              <a:t>会创建子进程去执行命令，此时进行重定向操作的是</a:t>
+            </a:r>
+            <a:r>
+              <a:rPr lang="en-US" altLang="zh-CN" dirty="0"/>
+              <a:t>shell</a:t>
+            </a:r>
+            <a:r>
+              <a:rPr lang="zh-CN" altLang="en-US" dirty="0"/>
+              <a:t>。</a:t>
+            </a:r>
+            <a:endParaRPr lang="en-US" altLang="zh-CN" dirty="0"/>
+          </a:p>
+          <a:p>
+            <a:endParaRPr lang="zh-CN" altLang="en-US" dirty="0"/>
+          </a:p>
+        </p:txBody>
+      </p:sp>
+    </p:spTree>
+    <p:extLst>
+      <p:ext uri="{BB962C8B-B14F-4D97-AF65-F5344CB8AC3E}">
+        <p14:creationId xmlns:p14="http://schemas.microsoft.com/office/powerpoint/2010/main" val="2433088427"/>
+      </p:ext>
+    </p:extLst>
+  </p:cSld>
+  <p:clrMapOvr>
+    <a:masterClrMapping/>
+  </p:clrMapOvr>
+</p:sld>
+</file>
+
+<file path=ppt/slides/slide7.xml><?xml version="1.0" encoding="utf-8"?>
+<p:sld xmlns:a="http://schemas.openxmlformats.org/drawingml/2006/main" xmlns:r="http://schemas.openxmlformats.org/officeDocument/2006/relationships" xmlns:p="http://schemas.openxmlformats.org/presentationml/2006/main">
+  <p:cSld>
+    <p:spTree>
+      <p:nvGrpSpPr>
+        <p:cNvPr id="1" name=""/>
+        <p:cNvGrpSpPr/>
+        <p:nvPr/>
+      </p:nvGrpSpPr>
+      <p:grpSpPr>
+        <a:xfrm>
+          <a:off x="0" y="0"/>
+          <a:ext cx="0" cy="0"/>
+          <a:chOff x="0" y="0"/>
+          <a:chExt cx="0" cy="0"/>
+        </a:xfrm>
+      </p:grpSpPr>
+      <p:sp>
+        <p:nvSpPr>
+          <p:cNvPr id="2" name="标题 1"/>
+          <p:cNvSpPr>
+            <a:spLocks noGrp="1"/>
+          </p:cNvSpPr>
+          <p:nvPr>
+            <p:ph type="title"/>
+          </p:nvPr>
+        </p:nvSpPr>
+        <p:spPr/>
+        <p:txBody>
+          <a:bodyPr/>
+          <a:lstStyle/>
+          <a:p>
+            <a:r>
+              <a:rPr lang="zh-CN" altLang="en-US" dirty="0"/>
+              <a:t>重定向符号</a:t>
+            </a:r>
+          </a:p>
+        </p:txBody>
+      </p:sp>
+      <p:sp>
+        <p:nvSpPr>
+          <p:cNvPr id="3" name="内容占位符 2"/>
+          <p:cNvSpPr>
+            <a:spLocks noGrp="1"/>
+          </p:cNvSpPr>
+          <p:nvPr>
+            <p:ph idx="1"/>
+          </p:nvPr>
+        </p:nvSpPr>
+        <p:spPr/>
+        <p:txBody>
+          <a:bodyPr>
+            <a:normAutofit/>
+          </a:bodyPr>
+          <a:lstStyle/>
+          <a:p>
+            <a:r>
+              <a:rPr lang="en-US" altLang="zh-CN" sz="2400" dirty="0"/>
+              <a:t>shell</a:t>
+            </a:r>
+            <a:r>
+              <a:rPr lang="zh-CN" altLang="en-US" sz="2400" dirty="0"/>
               <a:t>将</a:t>
             </a:r>
             <a:r>
-              <a:rPr lang="en-US" altLang="zh-CN" sz="2000" dirty="0"/>
+              <a:rPr lang="en-US" altLang="zh-CN" sz="2400" dirty="0"/>
               <a:t>&lt;</a:t>
             </a:r>
             <a:r>
-              <a:rPr lang="zh-CN" altLang="en-US" sz="2000" dirty="0"/>
+              <a:rPr lang="zh-CN" altLang="en-US" sz="2400" dirty="0"/>
               <a:t>、</a:t>
             </a:r>
             <a:r>
-              <a:rPr lang="en-US" altLang="zh-CN" sz="2000" dirty="0"/>
+              <a:rPr lang="en-US" altLang="zh-CN" sz="2400" dirty="0"/>
               <a:t>&gt;</a:t>
             </a:r>
             <a:r>
-              <a:rPr lang="zh-CN" altLang="en-US" sz="2000" dirty="0"/>
+              <a:rPr lang="zh-CN" altLang="en-US" sz="2400" dirty="0"/>
               <a:t>、</a:t>
             </a:r>
             <a:r>
-              <a:rPr lang="en-US" altLang="zh-CN" sz="2000" dirty="0"/>
+              <a:rPr lang="en-US" altLang="zh-CN" sz="2400" dirty="0"/>
               <a:t>&gt;&gt;</a:t>
             </a:r>
             <a:r>
-              <a:rPr lang="zh-CN" altLang="en-US" sz="2000" dirty="0"/>
+              <a:rPr lang="zh-CN" altLang="en-US" sz="2400" dirty="0"/>
               <a:t>解释成指令，用来把一条命令的输入或输出重定向到一个文件。重定向</a:t>
             </a:r>
             <a:r>
-              <a:rPr lang="en-US" altLang="zh-CN" sz="2000" dirty="0"/>
+              <a:rPr lang="en-US" altLang="zh-CN" sz="2400" dirty="0"/>
               <a:t>STDERR</a:t>
             </a:r>
             <a:r>
-              <a:rPr lang="zh-CN" altLang="en-US" sz="2000" dirty="0"/>
+              <a:rPr lang="zh-CN" altLang="en-US" sz="2400" dirty="0"/>
               <a:t>的话，则用</a:t>
             </a:r>
             <a:r>
-              <a:rPr lang="en-US" altLang="zh-CN" sz="2000" dirty="0"/>
+              <a:rPr lang="en-US" altLang="zh-CN" sz="2400" dirty="0"/>
               <a:t>2&gt;</a:t>
             </a:r>
             <a:r>
-              <a:rPr lang="zh-CN" altLang="en-US" sz="2000" dirty="0"/>
+              <a:rPr lang="zh-CN" altLang="en-US" sz="2400" dirty="0"/>
               <a:t>。</a:t>
             </a:r>
-            <a:endParaRPr lang="en-US" altLang="zh-CN" sz="2000" dirty="0"/>
+            <a:endParaRPr lang="en-US" altLang="zh-CN" sz="2400" dirty="0"/>
           </a:p>
           <a:p>
             <a:endParaRPr lang="en-US" altLang="zh-CN" sz="2000" dirty="0"/>
@@ -7646,14 +10213,14 @@
           <p:nvPr>
             <p:extLst>
               <p:ext uri="{D42A27DB-BD31-4B8C-83A1-F6EECF244321}">
-                <p14:modId xmlns:p14="http://schemas.microsoft.com/office/powerpoint/2010/main" val="1910469284"/>
+                <p14:modId xmlns:p14="http://schemas.microsoft.com/office/powerpoint/2010/main" val="1120554934"/>
               </p:ext>
             </p:extLst>
           </p:nvPr>
         </p:nvGraphicFramePr>
         <p:xfrm>
-          <a:off x="1485900" y="2420617"/>
-          <a:ext cx="9715500" cy="4317534"/>
+          <a:off x="1424354" y="2470639"/>
+          <a:ext cx="9715500" cy="4205965"/>
         </p:xfrm>
         <a:graphic>
           <a:graphicData uri="http://schemas.openxmlformats.org/drawingml/2006/table">
@@ -7684,7 +10251,7 @@
                   </a:extLst>
                 </a:gridCol>
               </a:tblGrid>
-              <a:tr h="515810">
+              <a:tr h="502481">
                 <a:tc>
                   <a:txBody>
                     <a:bodyPr/>
@@ -7835,7 +10402,7 @@
                   </a:ext>
                 </a:extLst>
               </a:tr>
-              <a:tr h="735918">
+              <a:tr h="716901">
                 <a:tc>
                   <a:txBody>
                     <a:bodyPr/>
@@ -7986,7 +10553,7 @@
                   </a:ext>
                 </a:extLst>
               </a:tr>
-              <a:tr h="724583">
+              <a:tr h="705859">
                 <a:tc rowSpan="2">
                   <a:txBody>
                     <a:bodyPr/>
@@ -8137,7 +10704,7 @@
                   </a:ext>
                 </a:extLst>
               </a:tr>
-              <a:tr h="415078">
+              <a:tr h="404352">
                 <a:tc vMerge="1">
                   <a:txBody>
                     <a:bodyPr/>
@@ -8250,7 +10817,7 @@
                   </a:ext>
                 </a:extLst>
               </a:tr>
-              <a:tr h="724583">
+              <a:tr h="705859">
                 <a:tc rowSpan="2">
                   <a:txBody>
                     <a:bodyPr/>
@@ -8401,7 +10968,7 @@
                   </a:ext>
                 </a:extLst>
               </a:tr>
-              <a:tr h="415078">
+              <a:tr h="404352">
                 <a:tc vMerge="1">
                   <a:txBody>
                     <a:bodyPr/>
@@ -8514,7 +11081,7 @@
                   </a:ext>
                 </a:extLst>
               </a:tr>
-              <a:tr h="786484">
+              <a:tr h="766161">
                 <a:tc>
                   <a:txBody>
                     <a:bodyPr/>
@@ -8729,753 +11296,6 @@
 </p:sld>
 </file>
 
-<file path=ppt/slides/slide5.xml><?xml version="1.0" encoding="utf-8"?>
-<p:sld xmlns:a="http://schemas.openxmlformats.org/drawingml/2006/main" xmlns:r="http://schemas.openxmlformats.org/officeDocument/2006/relationships" xmlns:p="http://schemas.openxmlformats.org/presentationml/2006/main">
-  <p:cSld>
-    <p:spTree>
-      <p:nvGrpSpPr>
-        <p:cNvPr id="1" name=""/>
-        <p:cNvGrpSpPr/>
-        <p:nvPr/>
-      </p:nvGrpSpPr>
-      <p:grpSpPr>
-        <a:xfrm>
-          <a:off x="0" y="0"/>
-          <a:ext cx="0" cy="0"/>
-          <a:chOff x="0" y="0"/>
-          <a:chExt cx="0" cy="0"/>
-        </a:xfrm>
-      </p:grpSpPr>
-      <p:sp>
-        <p:nvSpPr>
-          <p:cNvPr id="2" name="标题 1"/>
-          <p:cNvSpPr>
-            <a:spLocks noGrp="1"/>
-          </p:cNvSpPr>
-          <p:nvPr>
-            <p:ph type="title"/>
-          </p:nvPr>
-        </p:nvSpPr>
-        <p:spPr/>
-        <p:txBody>
-          <a:bodyPr/>
-          <a:lstStyle/>
-          <a:p>
-            <a:r>
-              <a:rPr lang="zh-CN" altLang="en-US" dirty="0"/>
-              <a:t>重定向示例</a:t>
-            </a:r>
-          </a:p>
-        </p:txBody>
-      </p:sp>
-      <p:sp>
-        <p:nvSpPr>
-          <p:cNvPr id="3" name="内容占位符 2"/>
-          <p:cNvSpPr>
-            <a:spLocks noGrp="1"/>
-          </p:cNvSpPr>
-          <p:nvPr>
-            <p:ph idx="1"/>
-          </p:nvPr>
-        </p:nvSpPr>
-        <p:spPr/>
-        <p:txBody>
-          <a:bodyPr>
-            <a:normAutofit/>
-          </a:bodyPr>
-          <a:lstStyle/>
-          <a:p>
-            <a:r>
-              <a:rPr lang="en-US" altLang="zh-CN" sz="2400" dirty="0"/>
-              <a:t>echo  ‘</a:t>
-            </a:r>
-            <a:r>
-              <a:rPr lang="en-US" altLang="zh-CN" sz="2400" dirty="0" err="1"/>
-              <a:t>abc</a:t>
-            </a:r>
-            <a:r>
-              <a:rPr lang="en-US" altLang="zh-CN" sz="2400" dirty="0"/>
-              <a:t>’ </a:t>
-            </a:r>
-            <a:r>
-              <a:rPr lang="zh-CN" altLang="en-US" sz="2400" dirty="0"/>
-              <a:t>会输出</a:t>
-            </a:r>
-            <a:r>
-              <a:rPr lang="en-US" altLang="zh-CN" sz="2400" dirty="0" err="1"/>
-              <a:t>abc</a:t>
-            </a:r>
-            <a:r>
-              <a:rPr lang="zh-CN" altLang="en-US" sz="2400" dirty="0"/>
-              <a:t>到屏幕。</a:t>
-            </a:r>
-            <a:r>
-              <a:rPr lang="en-US" altLang="zh-CN" sz="2400" dirty="0"/>
-              <a:t>echo  ‘</a:t>
-            </a:r>
-            <a:r>
-              <a:rPr lang="en-US" altLang="zh-CN" sz="2400" dirty="0" err="1"/>
-              <a:t>abc</a:t>
-            </a:r>
-            <a:r>
-              <a:rPr lang="en-US" altLang="zh-CN" sz="2400" dirty="0"/>
-              <a:t>’ &gt; </a:t>
-            </a:r>
-            <a:r>
-              <a:rPr lang="en-US" altLang="zh-CN" sz="2400" dirty="0" err="1"/>
-              <a:t>tmp</a:t>
-            </a:r>
-            <a:r>
-              <a:rPr lang="en-US" altLang="zh-CN" sz="2400" dirty="0"/>
-              <a:t>/buff</a:t>
-            </a:r>
-            <a:r>
-              <a:rPr lang="zh-CN" altLang="en-US" sz="2400" dirty="0"/>
-              <a:t>会把</a:t>
-            </a:r>
-            <a:r>
-              <a:rPr lang="en-US" altLang="zh-CN" sz="2400" dirty="0" err="1"/>
-              <a:t>abc</a:t>
-            </a:r>
-            <a:r>
-              <a:rPr lang="zh-CN" altLang="en-US" sz="2400" dirty="0"/>
-              <a:t>输出到</a:t>
-            </a:r>
-            <a:r>
-              <a:rPr lang="en-US" altLang="zh-CN" sz="2400" dirty="0" err="1"/>
-              <a:t>tmp</a:t>
-            </a:r>
-            <a:r>
-              <a:rPr lang="en-US" altLang="zh-CN" sz="2400" dirty="0"/>
-              <a:t>/buff</a:t>
-            </a:r>
-            <a:r>
-              <a:rPr lang="zh-CN" altLang="en-US" sz="2400" dirty="0"/>
-              <a:t>这个文件。</a:t>
-            </a:r>
-            <a:endParaRPr lang="en-US" altLang="zh-CN" sz="2400" dirty="0"/>
-          </a:p>
-          <a:p>
-            <a:endParaRPr lang="en-US" altLang="zh-CN" sz="2400" dirty="0"/>
-          </a:p>
-          <a:p>
-            <a:r>
-              <a:rPr lang="zh-CN" altLang="en-US" sz="2400" dirty="0"/>
-              <a:t>如果没有此文件则会创建这个文件并写入。但是如果文件存在并且不为空，则重定向会导致之前的数据丢失，只保存重定向的数据。</a:t>
-            </a:r>
-            <a:endParaRPr lang="en-US" altLang="zh-CN" sz="2400" dirty="0"/>
-          </a:p>
-          <a:p>
-            <a:endParaRPr lang="en-US" altLang="zh-CN" sz="2400" dirty="0"/>
-          </a:p>
-          <a:p>
-            <a:r>
-              <a:rPr lang="en-US" altLang="zh-CN" sz="2400" dirty="0"/>
-              <a:t>echo ‘</a:t>
-            </a:r>
-            <a:r>
-              <a:rPr lang="en-US" altLang="zh-CN" sz="2400" dirty="0" err="1"/>
-              <a:t>abc</a:t>
-            </a:r>
-            <a:r>
-              <a:rPr lang="en-US" altLang="zh-CN" sz="2400" dirty="0"/>
-              <a:t>’  &gt;&gt;  /</a:t>
-            </a:r>
-            <a:r>
-              <a:rPr lang="en-US" altLang="zh-CN" sz="2400" dirty="0" err="1"/>
-              <a:t>tmp</a:t>
-            </a:r>
-            <a:r>
-              <a:rPr lang="en-US" altLang="zh-CN" sz="2400" dirty="0"/>
-              <a:t>/buff </a:t>
-            </a:r>
-            <a:r>
-              <a:rPr lang="zh-CN" altLang="en-US" sz="2400" dirty="0"/>
-              <a:t>会把</a:t>
-            </a:r>
-            <a:r>
-              <a:rPr lang="en-US" altLang="zh-CN" sz="2400" dirty="0" err="1"/>
-              <a:t>abc</a:t>
-            </a:r>
-            <a:r>
-              <a:rPr lang="zh-CN" altLang="en-US" sz="2400" dirty="0"/>
-              <a:t>追加到文件末尾，之前的数据不会丢失。</a:t>
-            </a:r>
-            <a:endParaRPr lang="en-US" altLang="zh-CN" sz="2400" dirty="0"/>
-          </a:p>
-          <a:p>
-            <a:endParaRPr lang="en-US" altLang="zh-CN" sz="2400" dirty="0"/>
-          </a:p>
-          <a:p>
-            <a:endParaRPr lang="en-US" altLang="zh-CN" sz="2400" dirty="0"/>
-          </a:p>
-        </p:txBody>
-      </p:sp>
-    </p:spTree>
-    <p:extLst>
-      <p:ext uri="{BB962C8B-B14F-4D97-AF65-F5344CB8AC3E}">
-        <p14:creationId xmlns:p14="http://schemas.microsoft.com/office/powerpoint/2010/main" val="1566490931"/>
-      </p:ext>
-    </p:extLst>
-  </p:cSld>
-  <p:clrMapOvr>
-    <a:masterClrMapping/>
-  </p:clrMapOvr>
-</p:sld>
-</file>
-
-<file path=ppt/slides/slide6.xml><?xml version="1.0" encoding="utf-8"?>
-<p:sld xmlns:a="http://schemas.openxmlformats.org/drawingml/2006/main" xmlns:r="http://schemas.openxmlformats.org/officeDocument/2006/relationships" xmlns:p="http://schemas.openxmlformats.org/presentationml/2006/main">
-  <p:cSld>
-    <p:spTree>
-      <p:nvGrpSpPr>
-        <p:cNvPr id="1" name=""/>
-        <p:cNvGrpSpPr/>
-        <p:nvPr/>
-      </p:nvGrpSpPr>
-      <p:grpSpPr>
-        <a:xfrm>
-          <a:off x="0" y="0"/>
-          <a:ext cx="0" cy="0"/>
-          <a:chOff x="0" y="0"/>
-          <a:chExt cx="0" cy="0"/>
-        </a:xfrm>
-      </p:grpSpPr>
-      <p:sp>
-        <p:nvSpPr>
-          <p:cNvPr id="2" name="标题 1"/>
-          <p:cNvSpPr>
-            <a:spLocks noGrp="1"/>
-          </p:cNvSpPr>
-          <p:nvPr>
-            <p:ph type="title"/>
-          </p:nvPr>
-        </p:nvSpPr>
-        <p:spPr/>
-        <p:txBody>
-          <a:bodyPr/>
-          <a:lstStyle/>
-          <a:p>
-            <a:r>
-              <a:rPr lang="zh-CN" altLang="en-US" dirty="0"/>
-              <a:t>重定向示例</a:t>
-            </a:r>
-          </a:p>
-        </p:txBody>
-      </p:sp>
-      <p:sp>
-        <p:nvSpPr>
-          <p:cNvPr id="3" name="内容占位符 2"/>
-          <p:cNvSpPr>
-            <a:spLocks noGrp="1"/>
-          </p:cNvSpPr>
-          <p:nvPr>
-            <p:ph idx="1"/>
-          </p:nvPr>
-        </p:nvSpPr>
-        <p:spPr>
-          <a:xfrm>
-            <a:off x="838200" y="1704111"/>
-            <a:ext cx="10515600" cy="4971897"/>
-          </a:xfrm>
-        </p:spPr>
-        <p:txBody>
-          <a:bodyPr>
-            <a:noAutofit/>
-          </a:bodyPr>
-          <a:lstStyle/>
-          <a:p>
-            <a:r>
-              <a:rPr lang="en-US" altLang="zh-CN" sz="2400" dirty="0" err="1"/>
-              <a:t>wc</a:t>
-            </a:r>
-            <a:r>
-              <a:rPr lang="en-US" altLang="zh-CN" sz="2400" dirty="0"/>
-              <a:t> -l </a:t>
-            </a:r>
-            <a:r>
-              <a:rPr lang="en-US" altLang="zh-CN" sz="2400" dirty="0" err="1"/>
-              <a:t>newfile</a:t>
-            </a:r>
-            <a:r>
-              <a:rPr lang="en-US" altLang="zh-CN" sz="2400" dirty="0"/>
-              <a:t> </a:t>
-            </a:r>
-            <a:r>
-              <a:rPr lang="zh-CN" altLang="en-US" sz="2400" dirty="0"/>
-              <a:t>与 </a:t>
-            </a:r>
-            <a:r>
-              <a:rPr lang="en-US" altLang="zh-CN" sz="2400" dirty="0" err="1"/>
-              <a:t>wc</a:t>
-            </a:r>
-            <a:r>
-              <a:rPr lang="en-US" altLang="zh-CN" sz="2400" dirty="0"/>
-              <a:t> -l &lt; </a:t>
-            </a:r>
-            <a:r>
-              <a:rPr lang="en-US" altLang="zh-CN" sz="2400" dirty="0" err="1"/>
-              <a:t>newfile</a:t>
-            </a:r>
-            <a:r>
-              <a:rPr lang="en-US" altLang="zh-CN" sz="2400" dirty="0"/>
-              <a:t> </a:t>
-            </a:r>
-          </a:p>
-          <a:p>
-            <a:pPr marL="457200" lvl="1" indent="0">
-              <a:buNone/>
-            </a:pPr>
-            <a:r>
-              <a:rPr lang="zh-CN" altLang="en-US" sz="2000" dirty="0"/>
-              <a:t>第一个是对文件进行操作；第二个是对文件内容进行操作，把文件的内容作为输入。</a:t>
-            </a:r>
-            <a:endParaRPr lang="en-US" altLang="zh-CN" sz="2400" dirty="0"/>
-          </a:p>
-          <a:p>
-            <a:r>
-              <a:rPr lang="en-US" altLang="zh-CN" sz="2400" dirty="0"/>
-              <a:t>find /</a:t>
-            </a:r>
-            <a:r>
-              <a:rPr lang="en-US" altLang="zh-CN" sz="2400" dirty="0" err="1"/>
-              <a:t>usr</a:t>
-            </a:r>
-            <a:r>
-              <a:rPr lang="en-US" altLang="zh-CN" sz="2400" dirty="0"/>
-              <a:t> -</a:t>
-            </a:r>
-            <a:r>
-              <a:rPr lang="en-US" altLang="zh-CN" sz="2400" dirty="0" err="1"/>
-              <a:t>iname</a:t>
-            </a:r>
-            <a:r>
-              <a:rPr lang="en-US" altLang="zh-CN" sz="2400" dirty="0"/>
-              <a:t> </a:t>
-            </a:r>
-            <a:r>
-              <a:rPr lang="en-US" altLang="zh-CN" sz="2400" dirty="0" err="1"/>
-              <a:t>gcc</a:t>
-            </a:r>
-            <a:r>
-              <a:rPr lang="en-US" altLang="zh-CN" sz="2400" dirty="0"/>
-              <a:t>* &gt; </a:t>
-            </a:r>
-            <a:r>
-              <a:rPr lang="en-US" altLang="zh-CN" sz="2400" dirty="0" err="1"/>
-              <a:t>find_tmp</a:t>
-            </a:r>
-            <a:r>
-              <a:rPr lang="en-US" altLang="zh-CN" sz="2400" dirty="0"/>
-              <a:t> 2&gt; /dev/null</a:t>
-            </a:r>
-          </a:p>
-          <a:p>
-            <a:pPr marL="457200" lvl="1" indent="0">
-              <a:buNone/>
-            </a:pPr>
-            <a:r>
-              <a:rPr lang="zh-CN" altLang="en-US" sz="2000" dirty="0"/>
-              <a:t>把标准输出重定向到</a:t>
-            </a:r>
-            <a:r>
-              <a:rPr lang="en-US" altLang="zh-CN" sz="2000" dirty="0" err="1"/>
-              <a:t>find_tmp</a:t>
-            </a:r>
-            <a:r>
-              <a:rPr lang="zh-CN" altLang="en-US" sz="2000" dirty="0"/>
-              <a:t>这个文件，把标准错误输出重定向到</a:t>
-            </a:r>
-            <a:r>
-              <a:rPr lang="en-US" altLang="zh-CN" sz="2000" dirty="0"/>
-              <a:t>/dev/null</a:t>
-            </a:r>
-            <a:r>
-              <a:rPr lang="zh-CN" altLang="en-US" sz="2000" dirty="0"/>
-              <a:t>这个黑洞文件。这个命令如果不加</a:t>
-            </a:r>
-            <a:r>
-              <a:rPr lang="en-US" altLang="zh-CN" sz="2000" dirty="0" err="1"/>
-              <a:t>sudo</a:t>
-            </a:r>
-            <a:r>
-              <a:rPr lang="zh-CN" altLang="en-US" sz="2000" dirty="0"/>
-              <a:t>的话，会有</a:t>
-            </a:r>
-            <a:r>
-              <a:rPr lang="en-US" altLang="zh-CN" sz="2000" dirty="0"/>
-              <a:t>permission denied</a:t>
-            </a:r>
-            <a:r>
-              <a:rPr lang="zh-CN" altLang="en-US" sz="2000" dirty="0"/>
-              <a:t>的错误提示，也会有正常输出项。如果只把标准输出重定向到</a:t>
-            </a:r>
-            <a:r>
-              <a:rPr lang="en-US" altLang="zh-CN" sz="2000" dirty="0" err="1"/>
-              <a:t>find_tmp</a:t>
-            </a:r>
-            <a:r>
-              <a:rPr lang="zh-CN" altLang="en-US" sz="2000" dirty="0"/>
-              <a:t>这个文件，那么</a:t>
-            </a:r>
-            <a:r>
-              <a:rPr lang="en-US" altLang="zh-CN" sz="2000" dirty="0"/>
-              <a:t>shell</a:t>
-            </a:r>
-            <a:r>
-              <a:rPr lang="zh-CN" altLang="en-US" sz="2000" dirty="0"/>
-              <a:t>还是会输出错误提示。</a:t>
-            </a:r>
-            <a:endParaRPr lang="en-US" altLang="zh-CN" sz="2400" dirty="0"/>
-          </a:p>
-          <a:p>
-            <a:r>
-              <a:rPr lang="en-US" altLang="zh-CN" sz="2400" dirty="0"/>
-              <a:t>find /</a:t>
-            </a:r>
-            <a:r>
-              <a:rPr lang="en-US" altLang="zh-CN" sz="2400" dirty="0" err="1"/>
-              <a:t>usr</a:t>
-            </a:r>
-            <a:r>
-              <a:rPr lang="en-US" altLang="zh-CN" sz="2400" dirty="0"/>
-              <a:t> -</a:t>
-            </a:r>
-            <a:r>
-              <a:rPr lang="en-US" altLang="zh-CN" sz="2400" dirty="0" err="1"/>
-              <a:t>iname</a:t>
-            </a:r>
-            <a:r>
-              <a:rPr lang="en-US" altLang="zh-CN" sz="2400" dirty="0"/>
-              <a:t> </a:t>
-            </a:r>
-            <a:r>
-              <a:rPr lang="en-US" altLang="zh-CN" sz="2400" dirty="0" err="1"/>
-              <a:t>gcc</a:t>
-            </a:r>
-            <a:r>
-              <a:rPr lang="en-US" altLang="zh-CN" sz="2400" dirty="0"/>
-              <a:t> &amp;&gt; </a:t>
-            </a:r>
-            <a:r>
-              <a:rPr lang="en-US" altLang="zh-CN" sz="2400" dirty="0" err="1"/>
-              <a:t>find_tmp</a:t>
-            </a:r>
-            <a:r>
-              <a:rPr lang="en-US" altLang="zh-CN" sz="2400" dirty="0"/>
-              <a:t> </a:t>
-            </a:r>
-            <a:r>
-              <a:rPr lang="zh-CN" altLang="en-US" sz="2400" dirty="0"/>
-              <a:t>或 </a:t>
-            </a:r>
-            <a:r>
-              <a:rPr lang="en-US" altLang="zh-CN" sz="2400" dirty="0"/>
-              <a:t>find /</a:t>
-            </a:r>
-            <a:r>
-              <a:rPr lang="en-US" altLang="zh-CN" sz="2400" dirty="0" err="1"/>
-              <a:t>usr</a:t>
-            </a:r>
-            <a:r>
-              <a:rPr lang="en-US" altLang="zh-CN" sz="2400" dirty="0"/>
-              <a:t> -</a:t>
-            </a:r>
-            <a:r>
-              <a:rPr lang="en-US" altLang="zh-CN" sz="2400" dirty="0" err="1"/>
-              <a:t>iname</a:t>
-            </a:r>
-            <a:r>
-              <a:rPr lang="en-US" altLang="zh-CN" sz="2400" dirty="0"/>
-              <a:t> </a:t>
-            </a:r>
-            <a:r>
-              <a:rPr lang="en-US" altLang="zh-CN" sz="2400" dirty="0" err="1"/>
-              <a:t>gcc</a:t>
-            </a:r>
-            <a:r>
-              <a:rPr lang="en-US" altLang="zh-CN" sz="2400" dirty="0"/>
-              <a:t>* &gt;&amp; </a:t>
-            </a:r>
-            <a:r>
-              <a:rPr lang="en-US" altLang="zh-CN" sz="2400" dirty="0" err="1"/>
-              <a:t>find_tmp</a:t>
-            </a:r>
-            <a:r>
-              <a:rPr lang="en-US" altLang="zh-CN" sz="2400" dirty="0"/>
-              <a:t> </a:t>
-            </a:r>
-          </a:p>
-          <a:p>
-            <a:pPr marL="457200" lvl="1" indent="0">
-              <a:buNone/>
-            </a:pPr>
-            <a:r>
-              <a:rPr lang="zh-CN" altLang="en-US" sz="2000" dirty="0"/>
-              <a:t>标准输出和标准错误同时输出到</a:t>
-            </a:r>
-            <a:r>
-              <a:rPr lang="en-US" altLang="zh-CN" sz="2000" dirty="0" err="1"/>
-              <a:t>find_tmp</a:t>
-            </a:r>
-            <a:r>
-              <a:rPr lang="zh-CN" altLang="en-US" sz="2000" dirty="0"/>
-              <a:t>文件</a:t>
-            </a:r>
-            <a:endParaRPr lang="en-US" altLang="zh-CN" sz="2000" dirty="0"/>
-          </a:p>
-          <a:p>
-            <a:pPr marL="0" indent="0">
-              <a:buNone/>
-            </a:pPr>
-            <a:endParaRPr lang="en-US" altLang="zh-CN" sz="2400" dirty="0"/>
-          </a:p>
-          <a:p>
-            <a:r>
-              <a:rPr lang="en-US" altLang="zh-CN" sz="2400" dirty="0"/>
-              <a:t>1&gt; </a:t>
-            </a:r>
-            <a:r>
-              <a:rPr lang="zh-CN" altLang="en-US" sz="2400" dirty="0"/>
-              <a:t>等同于</a:t>
-            </a:r>
-            <a:r>
-              <a:rPr lang="en-US" altLang="zh-CN" sz="2400" dirty="0"/>
-              <a:t>&gt; </a:t>
-            </a:r>
-            <a:r>
-              <a:rPr lang="zh-CN" altLang="en-US" sz="2400" dirty="0"/>
-              <a:t>，</a:t>
-            </a:r>
-            <a:r>
-              <a:rPr lang="en-US" altLang="zh-CN" sz="2400" dirty="0"/>
-              <a:t>0&lt; </a:t>
-            </a:r>
-            <a:r>
-              <a:rPr lang="zh-CN" altLang="en-US" sz="2400" dirty="0"/>
-              <a:t>等同于</a:t>
-            </a:r>
-            <a:r>
-              <a:rPr lang="en-US" altLang="zh-CN" sz="2400" dirty="0"/>
-              <a:t>&lt;</a:t>
-            </a:r>
-            <a:r>
-              <a:rPr lang="zh-CN" altLang="en-US" sz="2400" dirty="0"/>
-              <a:t>，即前导的</a:t>
-            </a:r>
-            <a:r>
-              <a:rPr lang="en-US" altLang="zh-CN" sz="2400" dirty="0"/>
-              <a:t>0</a:t>
-            </a:r>
-            <a:r>
-              <a:rPr lang="zh-CN" altLang="en-US" sz="2400" dirty="0"/>
-              <a:t>和</a:t>
-            </a:r>
-            <a:r>
-              <a:rPr lang="en-US" altLang="zh-CN" sz="2400" dirty="0"/>
-              <a:t>1</a:t>
-            </a:r>
-            <a:r>
-              <a:rPr lang="zh-CN" altLang="en-US" sz="2400" dirty="0"/>
-              <a:t>可以省略；如果不省略，数字和重定向符号之间没有空格，前导</a:t>
-            </a:r>
-            <a:r>
-              <a:rPr lang="en-US" altLang="zh-CN" sz="2400" dirty="0"/>
-              <a:t>2</a:t>
-            </a:r>
-            <a:r>
-              <a:rPr lang="zh-CN" altLang="en-US" sz="2400" dirty="0"/>
-              <a:t>不可以省略。</a:t>
-            </a:r>
-            <a:endParaRPr lang="en-US" altLang="zh-CN" sz="2400" dirty="0"/>
-          </a:p>
-        </p:txBody>
-      </p:sp>
-    </p:spTree>
-    <p:extLst>
-      <p:ext uri="{BB962C8B-B14F-4D97-AF65-F5344CB8AC3E}">
-        <p14:creationId xmlns:p14="http://schemas.microsoft.com/office/powerpoint/2010/main" val="3444969975"/>
-      </p:ext>
-    </p:extLst>
-  </p:cSld>
-  <p:clrMapOvr>
-    <a:masterClrMapping/>
-  </p:clrMapOvr>
-</p:sld>
-</file>
-
-<file path=ppt/slides/slide7.xml><?xml version="1.0" encoding="utf-8"?>
-<p:sld xmlns:a="http://schemas.openxmlformats.org/drawingml/2006/main" xmlns:r="http://schemas.openxmlformats.org/officeDocument/2006/relationships" xmlns:p="http://schemas.openxmlformats.org/presentationml/2006/main">
-  <p:cSld>
-    <p:spTree>
-      <p:nvGrpSpPr>
-        <p:cNvPr id="1" name=""/>
-        <p:cNvGrpSpPr/>
-        <p:nvPr/>
-      </p:nvGrpSpPr>
-      <p:grpSpPr>
-        <a:xfrm>
-          <a:off x="0" y="0"/>
-          <a:ext cx="0" cy="0"/>
-          <a:chOff x="0" y="0"/>
-          <a:chExt cx="0" cy="0"/>
-        </a:xfrm>
-      </p:grpSpPr>
-      <p:sp>
-        <p:nvSpPr>
-          <p:cNvPr id="2" name="标题 1">
-            <a:extLst>
-              <a:ext uri="{FF2B5EF4-FFF2-40B4-BE49-F238E27FC236}">
-                <a16:creationId xmlns:a16="http://schemas.microsoft.com/office/drawing/2014/main" id="{8B88BACC-24DE-4087-9AB3-A099CF573089}"/>
-              </a:ext>
-            </a:extLst>
-          </p:cNvPr>
-          <p:cNvSpPr>
-            <a:spLocks noGrp="1"/>
-          </p:cNvSpPr>
-          <p:nvPr>
-            <p:ph type="title"/>
-          </p:nvPr>
-        </p:nvSpPr>
-        <p:spPr/>
-        <p:txBody>
-          <a:bodyPr/>
-          <a:lstStyle/>
-          <a:p>
-            <a:r>
-              <a:rPr lang="zh-CN" altLang="en-US" dirty="0"/>
-              <a:t>管道</a:t>
-            </a:r>
-          </a:p>
-        </p:txBody>
-      </p:sp>
-      <p:sp>
-        <p:nvSpPr>
-          <p:cNvPr id="3" name="内容占位符 2">
-            <a:extLst>
-              <a:ext uri="{FF2B5EF4-FFF2-40B4-BE49-F238E27FC236}">
-                <a16:creationId xmlns:a16="http://schemas.microsoft.com/office/drawing/2014/main" id="{0A1C6B17-780B-4799-8193-E52FD817AC0E}"/>
-              </a:ext>
-            </a:extLst>
-          </p:cNvPr>
-          <p:cNvSpPr>
-            <a:spLocks noGrp="1"/>
-          </p:cNvSpPr>
-          <p:nvPr>
-            <p:ph idx="1"/>
-          </p:nvPr>
-        </p:nvSpPr>
-        <p:spPr/>
-        <p:txBody>
-          <a:bodyPr>
-            <a:normAutofit/>
-          </a:bodyPr>
-          <a:lstStyle/>
-          <a:p>
-            <a:r>
-              <a:rPr lang="zh-CN" altLang="en-US" sz="2400" dirty="0"/>
-              <a:t>把一条命令的</a:t>
-            </a:r>
-            <a:r>
-              <a:rPr lang="en-US" altLang="zh-CN" sz="2400" dirty="0"/>
-              <a:t>STDOUT</a:t>
-            </a:r>
-            <a:r>
-              <a:rPr lang="zh-CN" altLang="en-US" sz="2400" dirty="0"/>
-              <a:t>连接到另一条命令的</a:t>
-            </a:r>
-            <a:r>
-              <a:rPr lang="en-US" altLang="zh-CN" sz="2400" dirty="0"/>
-              <a:t>STDIN</a:t>
-            </a:r>
-            <a:r>
-              <a:rPr lang="zh-CN" altLang="en-US" sz="2400" dirty="0"/>
-              <a:t>上，可以用 </a:t>
-            </a:r>
-            <a:r>
-              <a:rPr lang="en-US" altLang="zh-CN" sz="2400" dirty="0"/>
-              <a:t>| </a:t>
-            </a:r>
-            <a:r>
-              <a:rPr lang="zh-CN" altLang="en-US" sz="2400" dirty="0"/>
-              <a:t>这个符号，在</a:t>
-            </a:r>
-            <a:r>
-              <a:rPr lang="en-US" altLang="zh-CN" sz="2400" dirty="0"/>
-              <a:t>shell</a:t>
-            </a:r>
-            <a:r>
-              <a:rPr lang="zh-CN" altLang="en-US" sz="2400" dirty="0"/>
-              <a:t>中表示管道。</a:t>
-            </a:r>
-            <a:endParaRPr lang="en-US" altLang="zh-CN" sz="2400" dirty="0"/>
-          </a:p>
-          <a:p>
-            <a:endParaRPr lang="en-US" altLang="zh-CN" sz="2400" dirty="0"/>
-          </a:p>
-          <a:p>
-            <a:r>
-              <a:rPr lang="en-US" altLang="zh-CN" sz="2400" dirty="0"/>
-              <a:t>shell</a:t>
-            </a:r>
-            <a:r>
-              <a:rPr lang="zh-CN" altLang="en-US" sz="2400" dirty="0"/>
-              <a:t>在解释命令遇到 </a:t>
-            </a:r>
-            <a:r>
-              <a:rPr lang="en-US" altLang="zh-CN" sz="2400" dirty="0"/>
-              <a:t>| </a:t>
-            </a:r>
-            <a:r>
-              <a:rPr lang="zh-CN" altLang="en-US" sz="2400" dirty="0"/>
-              <a:t>时会创建管道，</a:t>
-            </a:r>
-            <a:r>
-              <a:rPr lang="zh-CN" altLang="en-US" sz="2400" dirty="0">
-                <a:solidFill>
-                  <a:srgbClr val="C00000"/>
-                </a:solidFill>
-              </a:rPr>
-              <a:t>并创建两个进程</a:t>
-            </a:r>
-            <a:r>
-              <a:rPr lang="zh-CN" altLang="en-US" sz="2400" dirty="0"/>
-              <a:t>，把标准输入输出重定向到管道，前一个进程向管道写数据，后一个进程从管道读数据。</a:t>
-            </a:r>
-            <a:endParaRPr lang="en-US" altLang="zh-CN" sz="2400" dirty="0"/>
-          </a:p>
-          <a:p>
-            <a:endParaRPr lang="en-US" altLang="zh-CN" sz="2400" dirty="0"/>
-          </a:p>
-          <a:p>
-            <a:r>
-              <a:rPr lang="zh-CN" altLang="zh-CN" sz="2400" dirty="0"/>
-              <a:t>在管道中只有标准输出才传递给下一个命令 标准错误输出直接输出到终端</a:t>
-            </a:r>
-            <a:r>
-              <a:rPr lang="zh-CN" altLang="en-US" sz="2400" dirty="0"/>
-              <a:t>。</a:t>
-            </a:r>
-            <a:endParaRPr lang="en-US" altLang="zh-CN" sz="2400" dirty="0"/>
-          </a:p>
-          <a:p>
-            <a:endParaRPr lang="en-US" altLang="zh-CN" sz="2400" dirty="0"/>
-          </a:p>
-        </p:txBody>
-      </p:sp>
-    </p:spTree>
-    <p:extLst>
-      <p:ext uri="{BB962C8B-B14F-4D97-AF65-F5344CB8AC3E}">
-        <p14:creationId xmlns:p14="http://schemas.microsoft.com/office/powerpoint/2010/main" val="3045266092"/>
-      </p:ext>
-    </p:extLst>
-  </p:cSld>
-  <p:clrMapOvr>
-    <a:masterClrMapping/>
-  </p:clrMapOvr>
-</p:sld>
-</file>
-
 <file path=ppt/slides/slide8.xml><?xml version="1.0" encoding="utf-8"?>
 <p:sld xmlns:a="http://schemas.openxmlformats.org/drawingml/2006/main" xmlns:r="http://schemas.openxmlformats.org/officeDocument/2006/relationships" xmlns:p="http://schemas.openxmlformats.org/presentationml/2006/main">
   <p:cSld>
@@ -9495,13 +11315,7 @@
       </p:grpSpPr>
       <p:sp>
         <p:nvSpPr>
-          <p:cNvPr id="2" name="标题 1">
-            <a:extLst>
-              <a:ext uri="{FF2B5EF4-FFF2-40B4-BE49-F238E27FC236}">
-                <a16:creationId xmlns:a16="http://schemas.microsoft.com/office/drawing/2014/main" id="{8B88BACC-24DE-4087-9AB3-A099CF573089}"/>
-              </a:ext>
-            </a:extLst>
-          </p:cNvPr>
+          <p:cNvPr id="2" name="标题 1"/>
           <p:cNvSpPr>
             <a:spLocks noGrp="1"/>
           </p:cNvSpPr>
@@ -9516,20 +11330,14 @@
           <a:p>
             <a:r>
               <a:rPr lang="zh-CN" altLang="en-US" dirty="0"/>
-              <a:t>管道示例</a:t>
-            </a:r>
-          </a:p>
-        </p:txBody>
-      </p:sp>
-      <p:sp>
-        <p:nvSpPr>
-          <p:cNvPr id="3" name="内容占位符 2">
-            <a:extLst>
-              <a:ext uri="{FF2B5EF4-FFF2-40B4-BE49-F238E27FC236}">
-                <a16:creationId xmlns:a16="http://schemas.microsoft.com/office/drawing/2014/main" id="{0A1C6B17-780B-4799-8193-E52FD817AC0E}"/>
-              </a:ext>
-            </a:extLst>
-          </p:cNvPr>
+              <a:t>重定向示例</a:t>
+            </a:r>
+          </a:p>
+        </p:txBody>
+      </p:sp>
+      <p:sp>
+        <p:nvSpPr>
+          <p:cNvPr id="3" name="内容占位符 2"/>
           <p:cNvSpPr>
             <a:spLocks noGrp="1"/>
           </p:cNvSpPr>
@@ -9537,14 +11345,84 @@
             <p:ph idx="1"/>
           </p:nvPr>
         </p:nvSpPr>
-        <p:spPr/>
-        <p:txBody>
-          <a:bodyPr/>
+        <p:spPr>
+          <a:xfrm>
+            <a:off x="838200" y="1704111"/>
+            <a:ext cx="10515600" cy="4971897"/>
+          </a:xfrm>
+        </p:spPr>
+        <p:txBody>
+          <a:bodyPr>
+            <a:noAutofit/>
+          </a:bodyPr>
           <a:lstStyle/>
           <a:p>
             <a:r>
+              <a:rPr lang="en-US" altLang="zh-CN" sz="2400" dirty="0" err="1"/>
+              <a:t>wc</a:t>
+            </a:r>
+            <a:r>
+              <a:rPr lang="en-US" altLang="zh-CN" sz="2400" dirty="0"/>
+              <a:t>  -l  </a:t>
+            </a:r>
+            <a:r>
+              <a:rPr lang="en-US" altLang="zh-CN" sz="2400" dirty="0" err="1"/>
+              <a:t>newfile</a:t>
+            </a:r>
+            <a:r>
+              <a:rPr lang="en-US" altLang="zh-CN" sz="2400" dirty="0"/>
+              <a:t> </a:t>
+            </a:r>
+            <a:r>
               <a:rPr lang="zh-CN" altLang="en-US" sz="2400" dirty="0"/>
-              <a:t>查找名称含有</a:t>
+              <a:t>与 </a:t>
+            </a:r>
+            <a:r>
+              <a:rPr lang="en-US" altLang="zh-CN" sz="2400" dirty="0" err="1"/>
+              <a:t>wc</a:t>
+            </a:r>
+            <a:r>
+              <a:rPr lang="en-US" altLang="zh-CN" sz="2400" dirty="0"/>
+              <a:t>  -l  &lt;  </a:t>
+            </a:r>
+            <a:r>
+              <a:rPr lang="en-US" altLang="zh-CN" sz="2400" dirty="0" err="1"/>
+              <a:t>newfile</a:t>
+            </a:r>
+            <a:r>
+              <a:rPr lang="en-US" altLang="zh-CN" sz="2400" dirty="0"/>
+              <a:t> </a:t>
+            </a:r>
+          </a:p>
+          <a:p>
+            <a:pPr marL="457200" lvl="1" indent="0">
+              <a:buNone/>
+            </a:pPr>
+            <a:r>
+              <a:rPr lang="en-US" altLang="zh-CN" sz="2000" dirty="0" err="1"/>
+              <a:t>wc</a:t>
+            </a:r>
+            <a:r>
+              <a:rPr lang="zh-CN" altLang="en-US" sz="2000" dirty="0"/>
+              <a:t>是一个计算行数的程序，第一个是对文件进行操作；第二个是对文件内容进行操作，把文件的内容作为输入。</a:t>
+            </a:r>
+            <a:endParaRPr lang="en-US" altLang="zh-CN" sz="2400" dirty="0"/>
+          </a:p>
+          <a:p>
+            <a:endParaRPr lang="en-US" altLang="zh-CN" sz="2400" dirty="0"/>
+          </a:p>
+          <a:p>
+            <a:r>
+              <a:rPr lang="en-US" altLang="zh-CN" sz="2400" dirty="0"/>
+              <a:t>find  /  -</a:t>
+            </a:r>
+            <a:r>
+              <a:rPr lang="en-US" altLang="zh-CN" sz="2400" dirty="0" err="1"/>
+              <a:t>iname</a:t>
+            </a:r>
+            <a:r>
+              <a:rPr lang="en-US" altLang="zh-CN" sz="2400" dirty="0"/>
+              <a:t> </a:t>
             </a:r>
             <a:r>
               <a:rPr lang="en-US" altLang="zh-CN" sz="2400" dirty="0" err="1"/>
@@ -9552,187 +11430,335 @@
             </a:r>
             <a:r>
               <a:rPr lang="zh-CN" altLang="en-US" sz="2400" dirty="0"/>
-              <a:t>的文件并使用</a:t>
+              <a:t>*</a:t>
+            </a:r>
+            <a:r>
+              <a:rPr lang="en-US" altLang="zh-CN" sz="2400" dirty="0"/>
+              <a:t>  &gt;  </a:t>
             </a:r>
             <a:r>
               <a:rPr lang="en-US" altLang="zh-CN" sz="2400" dirty="0" err="1"/>
-              <a:t>wc</a:t>
+              <a:t>find_tmp</a:t>
+            </a:r>
+            <a:endParaRPr lang="en-US" altLang="zh-CN" sz="2400" dirty="0"/>
+          </a:p>
+          <a:p>
+            <a:pPr marL="457200" lvl="1" indent="0">
+              <a:buNone/>
+            </a:pPr>
+            <a:r>
+              <a:rPr lang="zh-CN" altLang="en-US" sz="2000" dirty="0"/>
+              <a:t>标准输出重定向到</a:t>
+            </a:r>
+            <a:r>
+              <a:rPr lang="en-US" altLang="zh-CN" sz="2000" dirty="0" err="1"/>
+              <a:t>find_tmp</a:t>
+            </a:r>
+            <a:r>
+              <a:rPr lang="zh-CN" altLang="en-US" sz="2000" dirty="0"/>
+              <a:t>文件，但是错误信息会显示在屏幕上，如果需要把错误信息也重定向到文件，可以运行：</a:t>
+            </a:r>
+            <a:r>
+              <a:rPr lang="en-US" altLang="zh-CN" sz="2000" dirty="0"/>
+              <a:t> find  / -</a:t>
+            </a:r>
+            <a:r>
+              <a:rPr lang="en-US" altLang="zh-CN" sz="2000" dirty="0" err="1"/>
+              <a:t>iname</a:t>
+            </a:r>
+            <a:r>
+              <a:rPr lang="en-US" altLang="zh-CN" sz="2000" dirty="0"/>
+              <a:t>  </a:t>
+            </a:r>
+            <a:r>
+              <a:rPr lang="en-US" altLang="zh-CN" sz="2000" dirty="0" err="1"/>
+              <a:t>gcc</a:t>
+            </a:r>
+            <a:r>
+              <a:rPr lang="en-US" altLang="zh-CN" sz="2000" dirty="0"/>
+              <a:t>*  &amp;&gt; </a:t>
+            </a:r>
+            <a:r>
+              <a:rPr lang="en-US" altLang="zh-CN" sz="2000" dirty="0" err="1"/>
+              <a:t>find_tmp</a:t>
+            </a:r>
+            <a:endParaRPr lang="en-US" altLang="zh-CN" sz="2000" dirty="0"/>
+          </a:p>
+          <a:p>
+            <a:pPr marL="0" indent="0">
+              <a:buNone/>
+            </a:pPr>
+            <a:endParaRPr lang="en-US" altLang="zh-CN" sz="2400" dirty="0"/>
+          </a:p>
+          <a:p>
+            <a:r>
+              <a:rPr lang="en-US" altLang="zh-CN" sz="2400" dirty="0"/>
+              <a:t>1&gt; </a:t>
             </a:r>
             <a:r>
               <a:rPr lang="zh-CN" altLang="en-US" sz="2400" dirty="0"/>
-              <a:t>计数</a:t>
+              <a:t>等同于</a:t>
+            </a:r>
+            <a:r>
+              <a:rPr lang="en-US" altLang="zh-CN" sz="2400" dirty="0"/>
+              <a:t>&gt; </a:t>
+            </a:r>
+            <a:r>
+              <a:rPr lang="zh-CN" altLang="en-US" sz="2400" dirty="0"/>
+              <a:t>，</a:t>
+            </a:r>
+            <a:r>
+              <a:rPr lang="en-US" altLang="zh-CN" sz="2400" dirty="0"/>
+              <a:t>0&lt; </a:t>
+            </a:r>
+            <a:r>
+              <a:rPr lang="zh-CN" altLang="en-US" sz="2400" dirty="0"/>
+              <a:t>等同于</a:t>
+            </a:r>
+            <a:r>
+              <a:rPr lang="en-US" altLang="zh-CN" sz="2400" dirty="0"/>
+              <a:t>&lt;</a:t>
+            </a:r>
+            <a:r>
+              <a:rPr lang="zh-CN" altLang="en-US" sz="2400" dirty="0"/>
+              <a:t>，即前导的</a:t>
+            </a:r>
+            <a:r>
+              <a:rPr lang="en-US" altLang="zh-CN" sz="2400" dirty="0"/>
+              <a:t>0</a:t>
+            </a:r>
+            <a:r>
+              <a:rPr lang="zh-CN" altLang="en-US" sz="2400" dirty="0"/>
+              <a:t>和</a:t>
+            </a:r>
+            <a:r>
+              <a:rPr lang="en-US" altLang="zh-CN" sz="2400" dirty="0"/>
+              <a:t>1</a:t>
+            </a:r>
+            <a:r>
+              <a:rPr lang="zh-CN" altLang="en-US" sz="2400" dirty="0"/>
+              <a:t>可以省略；如果不省略，数字和重定向符号之间没有空格，前导</a:t>
+            </a:r>
+            <a:r>
+              <a:rPr lang="en-US" altLang="zh-CN" sz="2400" dirty="0"/>
+              <a:t>2</a:t>
+            </a:r>
+            <a:r>
+              <a:rPr lang="zh-CN" altLang="en-US" sz="2400" dirty="0"/>
+              <a:t>不可以省略。</a:t>
             </a:r>
             <a:endParaRPr lang="en-US" altLang="zh-CN" sz="2400" dirty="0"/>
-          </a:p>
-          <a:p>
-            <a:pPr marL="457200" lvl="1" indent="0">
-              <a:buNone/>
-            </a:pPr>
-            <a:r>
-              <a:rPr lang="en-US" altLang="zh-CN" dirty="0" err="1"/>
-              <a:t>sudo</a:t>
-            </a:r>
-            <a:r>
-              <a:rPr lang="en-US" altLang="zh-CN" dirty="0"/>
-              <a:t> find / -name </a:t>
-            </a:r>
-            <a:r>
-              <a:rPr lang="en-US" altLang="zh-CN" dirty="0" err="1"/>
-              <a:t>gcc</a:t>
-            </a:r>
-            <a:r>
-              <a:rPr lang="en-US" altLang="zh-CN" dirty="0"/>
-              <a:t> | </a:t>
-            </a:r>
-            <a:r>
-              <a:rPr lang="en-US" altLang="zh-CN" dirty="0" err="1"/>
-              <a:t>wc</a:t>
-            </a:r>
-            <a:r>
-              <a:rPr lang="en-US" altLang="zh-CN" dirty="0"/>
-              <a:t> –l </a:t>
-            </a:r>
-          </a:p>
-          <a:p>
-            <a:r>
-              <a:rPr lang="zh-CN" altLang="en-US" sz="2400" dirty="0"/>
-              <a:t>查找名称含有</a:t>
-            </a:r>
-            <a:r>
-              <a:rPr lang="en-US" altLang="zh-CN" sz="2400" dirty="0" err="1"/>
-              <a:t>ssh</a:t>
-            </a:r>
-            <a:r>
-              <a:rPr lang="zh-CN" altLang="en-US" sz="2400" dirty="0"/>
-              <a:t>的进程</a:t>
-            </a:r>
-            <a:endParaRPr lang="en-US" altLang="zh-CN" sz="2400" dirty="0"/>
-          </a:p>
-          <a:p>
-            <a:pPr marL="457200" lvl="1" indent="0">
-              <a:buNone/>
-            </a:pPr>
-            <a:r>
-              <a:rPr lang="en-US" altLang="zh-CN" dirty="0" err="1"/>
-              <a:t>ps</a:t>
-            </a:r>
-            <a:r>
-              <a:rPr lang="en-US" altLang="zh-CN" dirty="0"/>
-              <a:t> -</a:t>
-            </a:r>
-            <a:r>
-              <a:rPr lang="en-US" altLang="zh-CN" dirty="0" err="1"/>
-              <a:t>ef</a:t>
-            </a:r>
-            <a:r>
-              <a:rPr lang="en-US" altLang="zh-CN" dirty="0"/>
-              <a:t> | grep </a:t>
-            </a:r>
-            <a:r>
-              <a:rPr lang="en-US" altLang="zh-CN" dirty="0" err="1"/>
-              <a:t>ssh</a:t>
-            </a:r>
-            <a:endParaRPr lang="en-US" altLang="zh-CN" dirty="0"/>
-          </a:p>
-          <a:p>
-            <a:r>
-              <a:rPr lang="zh-CN" altLang="en-US" sz="2400" dirty="0"/>
-              <a:t>分页查看内容</a:t>
-            </a:r>
-            <a:endParaRPr lang="en-US" altLang="zh-CN" sz="2400" dirty="0"/>
-          </a:p>
-          <a:p>
-            <a:pPr marL="457200" lvl="1" indent="0">
-              <a:buNone/>
-            </a:pPr>
-            <a:r>
-              <a:rPr lang="en-US" altLang="zh-CN" dirty="0"/>
-              <a:t>ls –l –R /</a:t>
-            </a:r>
-            <a:r>
-              <a:rPr lang="en-US" altLang="zh-CN" dirty="0" err="1"/>
-              <a:t>usr</a:t>
-            </a:r>
-            <a:r>
-              <a:rPr lang="en-US" altLang="zh-CN" dirty="0"/>
-              <a:t>/share | less</a:t>
-            </a:r>
-          </a:p>
-          <a:p>
-            <a:r>
-              <a:rPr lang="zh-CN" altLang="en-US" sz="2400" dirty="0"/>
-              <a:t>排序文件</a:t>
-            </a:r>
-            <a:endParaRPr lang="en-US" altLang="zh-CN" sz="2400" dirty="0"/>
-          </a:p>
-          <a:p>
-            <a:pPr marL="457200" lvl="1" indent="0">
-              <a:buNone/>
-            </a:pPr>
-            <a:r>
-              <a:rPr lang="en-US" altLang="zh-CN" dirty="0"/>
-              <a:t>ls | sort –r</a:t>
-            </a:r>
-          </a:p>
-          <a:p>
-            <a:r>
-              <a:rPr lang="zh-CN" altLang="en-US" sz="2400" dirty="0"/>
-              <a:t>分页查看帮助文档</a:t>
-            </a:r>
-            <a:r>
-              <a:rPr lang="en-US" altLang="zh-CN" sz="2400" dirty="0"/>
-              <a:t>/</a:t>
-            </a:r>
-            <a:r>
-              <a:rPr lang="zh-CN" altLang="en-US" sz="2400" dirty="0"/>
-              <a:t>文件</a:t>
-            </a:r>
-            <a:endParaRPr lang="en-US" altLang="zh-CN" sz="2400" dirty="0"/>
-          </a:p>
-          <a:p>
-            <a:pPr marL="457200" lvl="1" indent="0">
-              <a:buNone/>
-            </a:pPr>
-            <a:r>
-              <a:rPr lang="en-US" altLang="zh-CN" dirty="0"/>
-              <a:t>help test | less</a:t>
-            </a:r>
-          </a:p>
-          <a:p>
-            <a:pPr marL="457200" lvl="1" indent="0">
-              <a:buNone/>
-            </a:pPr>
-            <a:r>
-              <a:rPr lang="en-US" altLang="zh-CN" dirty="0"/>
-              <a:t>cat /</a:t>
-            </a:r>
-            <a:r>
-              <a:rPr lang="en-US" altLang="zh-CN" dirty="0" err="1"/>
-              <a:t>etc</a:t>
-            </a:r>
-            <a:r>
-              <a:rPr lang="en-US" altLang="zh-CN" dirty="0"/>
-              <a:t>/</a:t>
-            </a:r>
-            <a:r>
-              <a:rPr lang="en-US" altLang="zh-CN" dirty="0" err="1"/>
-              <a:t>passwd</a:t>
-            </a:r>
-            <a:r>
-              <a:rPr lang="en-US" altLang="zh-CN" dirty="0"/>
-              <a:t> | les</a:t>
-            </a:r>
-            <a:r>
-              <a:rPr lang="en-US" altLang="zh-CN" sz="1800" dirty="0"/>
-              <a:t>s</a:t>
-            </a:r>
           </a:p>
         </p:txBody>
       </p:sp>
     </p:spTree>
     <p:extLst>
       <p:ext uri="{BB962C8B-B14F-4D97-AF65-F5344CB8AC3E}">
-        <p14:creationId xmlns:p14="http://schemas.microsoft.com/office/powerpoint/2010/main" val="3688259680"/>
+        <p14:creationId xmlns:p14="http://schemas.microsoft.com/office/powerpoint/2010/main" val="3444969975"/>
+      </p:ext>
+    </p:extLst>
+  </p:cSld>
+  <p:clrMapOvr>
+    <a:masterClrMapping/>
+  </p:clrMapOvr>
+</p:sld>
+</file>
+
+<file path=ppt/slides/slide9.xml><?xml version="1.0" encoding="utf-8"?>
+<p:sld xmlns:a="http://schemas.openxmlformats.org/drawingml/2006/main" xmlns:r="http://schemas.openxmlformats.org/officeDocument/2006/relationships" xmlns:p="http://schemas.openxmlformats.org/presentationml/2006/main">
+  <p:cSld>
+    <p:spTree>
+      <p:nvGrpSpPr>
+        <p:cNvPr id="1" name=""/>
+        <p:cNvGrpSpPr/>
+        <p:nvPr/>
+      </p:nvGrpSpPr>
+      <p:grpSpPr>
+        <a:xfrm>
+          <a:off x="0" y="0"/>
+          <a:ext cx="0" cy="0"/>
+          <a:chOff x="0" y="0"/>
+          <a:chExt cx="0" cy="0"/>
+        </a:xfrm>
+      </p:grpSpPr>
+      <p:sp>
+        <p:nvSpPr>
+          <p:cNvPr id="2" name="标题 1">
+            <a:extLst>
+              <a:ext uri="{FF2B5EF4-FFF2-40B4-BE49-F238E27FC236}">
+                <a16:creationId xmlns:a16="http://schemas.microsoft.com/office/drawing/2014/main" id="{8B88BACC-24DE-4087-9AB3-A099CF573089}"/>
+              </a:ext>
+            </a:extLst>
+          </p:cNvPr>
+          <p:cNvSpPr>
+            <a:spLocks noGrp="1"/>
+          </p:cNvSpPr>
+          <p:nvPr>
+            <p:ph type="title"/>
+          </p:nvPr>
+        </p:nvSpPr>
+        <p:spPr/>
+        <p:txBody>
+          <a:bodyPr/>
+          <a:lstStyle/>
+          <a:p>
+            <a:r>
+              <a:rPr lang="zh-CN" altLang="en-US" dirty="0"/>
+              <a:t>管道</a:t>
+            </a:r>
+          </a:p>
+        </p:txBody>
+      </p:sp>
+      <p:sp>
+        <p:nvSpPr>
+          <p:cNvPr id="3" name="内容占位符 2">
+            <a:extLst>
+              <a:ext uri="{FF2B5EF4-FFF2-40B4-BE49-F238E27FC236}">
+                <a16:creationId xmlns:a16="http://schemas.microsoft.com/office/drawing/2014/main" id="{0A1C6B17-780B-4799-8193-E52FD817AC0E}"/>
+              </a:ext>
+            </a:extLst>
+          </p:cNvPr>
+          <p:cNvSpPr>
+            <a:spLocks noGrp="1"/>
+          </p:cNvSpPr>
+          <p:nvPr>
+            <p:ph idx="1"/>
+          </p:nvPr>
+        </p:nvSpPr>
+        <p:spPr/>
+        <p:txBody>
+          <a:bodyPr>
+            <a:normAutofit/>
+          </a:bodyPr>
+          <a:lstStyle/>
+          <a:p>
+            <a:r>
+              <a:rPr lang="zh-CN" altLang="en-US" sz="2400" dirty="0"/>
+              <a:t>把一条命令的</a:t>
+            </a:r>
+            <a:r>
+              <a:rPr lang="en-US" altLang="zh-CN" sz="2400" dirty="0"/>
+              <a:t>STDOUT</a:t>
+            </a:r>
+            <a:r>
+              <a:rPr lang="zh-CN" altLang="en-US" sz="2400" dirty="0"/>
+              <a:t>连接到另一条命令的</a:t>
+            </a:r>
+            <a:r>
+              <a:rPr lang="en-US" altLang="zh-CN" sz="2400" dirty="0"/>
+              <a:t>STDIN</a:t>
+            </a:r>
+            <a:r>
+              <a:rPr lang="zh-CN" altLang="en-US" sz="2400" dirty="0"/>
+              <a:t>上，可以用 </a:t>
+            </a:r>
+            <a:r>
+              <a:rPr lang="en-US" altLang="zh-CN" dirty="0"/>
+              <a:t>|</a:t>
+            </a:r>
+            <a:r>
+              <a:rPr lang="en-US" altLang="zh-CN" sz="2400" dirty="0"/>
+              <a:t> </a:t>
+            </a:r>
+            <a:r>
+              <a:rPr lang="zh-CN" altLang="en-US" sz="2400" dirty="0"/>
+              <a:t>这个符号，在</a:t>
+            </a:r>
+            <a:r>
+              <a:rPr lang="en-US" altLang="zh-CN" sz="2400" dirty="0"/>
+              <a:t>shell</a:t>
+            </a:r>
+            <a:r>
+              <a:rPr lang="zh-CN" altLang="en-US" sz="2400" dirty="0"/>
+              <a:t>中表示管道。</a:t>
+            </a:r>
+            <a:endParaRPr lang="en-US" altLang="zh-CN" sz="2400" dirty="0"/>
+          </a:p>
+          <a:p>
+            <a:endParaRPr lang="en-US" altLang="zh-CN" sz="2400" dirty="0"/>
+          </a:p>
+          <a:p>
+            <a:r>
+              <a:rPr lang="en-US" altLang="zh-CN" sz="2400" dirty="0"/>
+              <a:t>shell</a:t>
+            </a:r>
+            <a:r>
+              <a:rPr lang="zh-CN" altLang="en-US" sz="2400" dirty="0"/>
+              <a:t>在解释命令遇到 </a:t>
+            </a:r>
+            <a:r>
+              <a:rPr lang="en-US" altLang="zh-CN" dirty="0"/>
+              <a:t>|</a:t>
+            </a:r>
+            <a:r>
+              <a:rPr lang="en-US" altLang="zh-CN" sz="2400" dirty="0"/>
+              <a:t> </a:t>
+            </a:r>
+            <a:r>
+              <a:rPr lang="zh-CN" altLang="en-US" sz="2400" dirty="0"/>
+              <a:t>时会创建管道，</a:t>
+            </a:r>
+            <a:r>
+              <a:rPr lang="zh-CN" altLang="en-US" sz="2400" dirty="0">
+                <a:solidFill>
+                  <a:srgbClr val="C00000"/>
+                </a:solidFill>
+              </a:rPr>
+              <a:t>并创建两个进程</a:t>
+            </a:r>
+            <a:r>
+              <a:rPr lang="zh-CN" altLang="en-US" sz="2400" dirty="0"/>
+              <a:t>，</a:t>
+            </a:r>
+            <a:r>
+              <a:rPr lang="zh-CN" altLang="en-US" sz="2400" dirty="0">
+                <a:solidFill>
+                  <a:srgbClr val="C00000"/>
+                </a:solidFill>
+              </a:rPr>
+              <a:t>把标准输入输出重定向到管道</a:t>
+            </a:r>
+            <a:r>
+              <a:rPr lang="zh-CN" altLang="en-US" sz="2400" dirty="0"/>
+              <a:t>，前一个进程向管道写数据，后一个进程从管道读数据。</a:t>
+            </a:r>
+            <a:endParaRPr lang="en-US" altLang="zh-CN" sz="2400" dirty="0"/>
+          </a:p>
+          <a:p>
+            <a:endParaRPr lang="en-US" altLang="zh-CN" sz="2400" dirty="0"/>
+          </a:p>
+          <a:p>
+            <a:r>
+              <a:rPr lang="zh-CN" altLang="zh-CN" sz="2400" dirty="0"/>
+              <a:t>在管道中只有标准输出才传递给下一个命令 标准错误输出直接输出到终端</a:t>
+            </a:r>
+            <a:r>
+              <a:rPr lang="zh-CN" altLang="en-US" sz="2400" dirty="0"/>
+              <a:t>。</a:t>
+            </a:r>
+            <a:endParaRPr lang="en-US" altLang="zh-CN" sz="2400" dirty="0"/>
+          </a:p>
+          <a:p>
+            <a:endParaRPr lang="en-US" altLang="zh-CN" sz="2400" dirty="0"/>
+          </a:p>
+          <a:p>
+            <a:endParaRPr lang="en-US" altLang="zh-CN" sz="2400" dirty="0"/>
+          </a:p>
+          <a:p>
+            <a:pPr marL="0" indent="0">
+              <a:buNone/>
+            </a:pPr>
+            <a:endParaRPr lang="en-US" altLang="zh-CN" sz="2400" dirty="0"/>
+          </a:p>
+          <a:p>
+            <a:endParaRPr lang="en-US" altLang="zh-CN" sz="2400" dirty="0"/>
+          </a:p>
+        </p:txBody>
+      </p:sp>
+    </p:spTree>
+    <p:extLst>
+      <p:ext uri="{BB962C8B-B14F-4D97-AF65-F5344CB8AC3E}">
+        <p14:creationId xmlns:p14="http://schemas.microsoft.com/office/powerpoint/2010/main" val="3045266092"/>
       </p:ext>
     </p:extLst>
   </p:cSld>
